--- a/Docs/ppt.pptx
+++ b/Docs/ppt.pptx
@@ -8,6 +8,11 @@
     <p:sldId id="256" r:id="rId2"/>
     <p:sldId id="258" r:id="rId3"/>
     <p:sldId id="257" r:id="rId4"/>
+    <p:sldId id="259" r:id="rId5"/>
+    <p:sldId id="261" r:id="rId6"/>
+    <p:sldId id="262" r:id="rId7"/>
+    <p:sldId id="263" r:id="rId8"/>
+    <p:sldId id="260" r:id="rId9"/>
   </p:sldIdLst>
   <p:sldSz cx="12192000" cy="6858000"/>
   <p:notesSz cx="6858000" cy="9144000"/>
@@ -106,6 +111,11 @@
       </a:defRPr>
     </a:lvl9pPr>
   </p:defaultTextStyle>
+  <p:extLst>
+    <p:ext uri="{EFAFB233-063F-42B5-8137-9DF3F51BA10A}">
+      <p15:sldGuideLst xmlns:p15="http://schemas.microsoft.com/office/powerpoint/2012/main"/>
+    </p:ext>
+  </p:extLst>
 </p:presentation>
 </file>
 
@@ -7834,37 +7844,80 @@
           </a:xfrm>
         </p:spPr>
         <p:txBody>
-          <a:bodyPr/>
+          <a:bodyPr>
+            <a:normAutofit lnSpcReduction="10000"/>
+          </a:bodyPr>
           <a:lstStyle/>
           <a:p>
             <a:r>
-              <a:rPr lang="en-US" dirty="0"/>
+              <a:rPr lang="en-US" sz="2800" dirty="0"/>
               <a:t>1. Introduction</a:t>
             </a:r>
           </a:p>
           <a:p>
             <a:r>
-              <a:rPr lang="en-US" dirty="0"/>
-              <a:t>2. </a:t>
-            </a:r>
-          </a:p>
-          <a:p>
-            <a:r>
-              <a:rPr lang="en-US" dirty="0"/>
+              <a:rPr lang="en-US" sz="2800" dirty="0"/>
+              <a:t>2. Static and Dynamic CAP</a:t>
+            </a:r>
+          </a:p>
+          <a:p>
+            <a:r>
+              <a:rPr lang="en-US" sz="2800" dirty="0">
+                <a:solidFill>
+                  <a:srgbClr val="FF0000"/>
+                </a:solidFill>
+              </a:rPr>
               <a:t>3.</a:t>
             </a:r>
-          </a:p>
-          <a:p>
-            <a:r>
-              <a:rPr lang="en-US" dirty="0"/>
-              <a:t>4.</a:t>
-            </a:r>
-          </a:p>
-          <a:p>
-            <a:r>
-              <a:rPr lang="en-US" dirty="0"/>
-              <a:t>5.</a:t>
-            </a:r>
+            <a:r>
+              <a:rPr lang="en-US" sz="2800" dirty="0"/>
+              <a:t> </a:t>
+            </a:r>
+            <a:r>
+              <a:rPr lang="en-IN" sz="2800" dirty="0">
+                <a:solidFill>
+                  <a:srgbClr val="FF0000"/>
+                </a:solidFill>
+              </a:rPr>
+              <a:t>Mathematical model</a:t>
+            </a:r>
+          </a:p>
+          <a:p>
+            <a:r>
+              <a:rPr lang="en-US" sz="2800" dirty="0">
+                <a:solidFill>
+                  <a:srgbClr val="FF0000"/>
+                </a:solidFill>
+              </a:rPr>
+              <a:t>4. Proposed algorithm</a:t>
+            </a:r>
+          </a:p>
+          <a:p>
+            <a:r>
+              <a:rPr lang="en-US" sz="2800" dirty="0">
+                <a:solidFill>
+                  <a:srgbClr val="FF0000"/>
+                </a:solidFill>
+              </a:rPr>
+              <a:t>5. System Simulation</a:t>
+            </a:r>
+          </a:p>
+          <a:p>
+            <a:r>
+              <a:rPr lang="en-US" sz="2800" dirty="0"/>
+              <a:t>6. </a:t>
+            </a:r>
+            <a:r>
+              <a:rPr lang="en-IN" sz="2800" dirty="0"/>
+              <a:t>Conclusion</a:t>
+            </a:r>
+          </a:p>
+          <a:p>
+            <a:r>
+              <a:rPr lang="en-IN" sz="2800" dirty="0"/>
+              <a:t>7. References</a:t>
+            </a:r>
+            <a:endParaRPr lang="en-US" sz="2800" dirty="0"/>
           </a:p>
           <a:p>
             <a:endParaRPr lang="en-US" dirty="0"/>
@@ -7913,7 +7966,7 @@
         </p:nvSpPr>
         <p:spPr>
           <a:xfrm>
-            <a:off x="1514475" y="524098"/>
+            <a:off x="1654176" y="638398"/>
             <a:ext cx="9847262" cy="776065"/>
           </a:xfrm>
         </p:spPr>
@@ -7924,8 +7977,12 @@
           <a:lstStyle/>
           <a:p>
             <a:r>
+              <a:rPr lang="en-IN" sz="4000" dirty="0"/>
+              <a:t>CHANNEL</a:t>
+            </a:r>
+            <a:r>
               <a:rPr lang="en-IN" dirty="0"/>
-              <a:t>CHANNEL ALLOCATION PROBLEM</a:t>
+              <a:t> ALLOCATION</a:t>
             </a:r>
             <a:br>
               <a:rPr lang="en-IN" dirty="0"/>
@@ -7943,7 +8000,7 @@
         <p:spPr>
           <a:xfrm>
             <a:off x="1500188" y="1771650"/>
-            <a:ext cx="9858375" cy="4514850"/>
+            <a:ext cx="9858375" cy="3816429"/>
           </a:xfrm>
           <a:prstGeom prst="rect">
             <a:avLst/>
@@ -7956,6 +8013,86 @@
           </a:bodyPr>
           <a:lstStyle/>
           <a:p>
+            <a:r>
+              <a:rPr lang="en-IN" sz="3200" dirty="0"/>
+              <a:t>Channel allocation is a process in which </a:t>
+            </a:r>
+            <a:r>
+              <a:rPr lang="en-IN" sz="3200" b="1" dirty="0"/>
+              <a:t>a single channel </a:t>
+            </a:r>
+            <a:r>
+              <a:rPr lang="en-IN" sz="3200" dirty="0"/>
+              <a:t>is </a:t>
+            </a:r>
+            <a:r>
+              <a:rPr lang="en-IN" sz="3200" b="1" dirty="0"/>
+              <a:t>divided and allotted </a:t>
+            </a:r>
+            <a:r>
+              <a:rPr lang="en-IN" sz="3200" dirty="0"/>
+              <a:t>to </a:t>
+            </a:r>
+            <a:r>
+              <a:rPr lang="en-IN" sz="3200" b="1" dirty="0"/>
+              <a:t>multiple users </a:t>
+            </a:r>
+            <a:r>
+              <a:rPr lang="en-IN" sz="3200" dirty="0"/>
+              <a:t>in order to carry user specific tasks.</a:t>
+            </a:r>
+          </a:p>
+          <a:p>
+            <a:r>
+              <a:rPr lang="en-IN" sz="3200" dirty="0"/>
+              <a:t> </a:t>
+            </a:r>
+          </a:p>
+          <a:p>
+            <a:r>
+              <a:rPr lang="en-IN" sz="2400" dirty="0"/>
+              <a:t>There is </a:t>
+            </a:r>
+            <a:r>
+              <a:rPr lang="en-IN" sz="2400" b="1" dirty="0"/>
+              <a:t>user’s quantity </a:t>
+            </a:r>
+            <a:r>
+              <a:rPr lang="en-IN" sz="2400" dirty="0"/>
+              <a:t>may vary every time the process takes place. </a:t>
+            </a:r>
+          </a:p>
+          <a:p>
+            <a:r>
+              <a:rPr lang="en-IN" sz="2400" dirty="0"/>
+              <a:t>	If there are </a:t>
+            </a:r>
+            <a:r>
+              <a:rPr lang="en-IN" sz="2400" b="1" dirty="0"/>
+              <a:t>N</a:t>
+            </a:r>
+            <a:r>
+              <a:rPr lang="en-IN" sz="2400" dirty="0"/>
+              <a:t> number of users and channel is divided into </a:t>
+            </a:r>
+            <a:r>
+              <a:rPr lang="en-IN" sz="2400" b="1" dirty="0"/>
+              <a:t>N equal-sized sub channels</a:t>
+            </a:r>
+            <a:r>
+              <a:rPr lang="en-IN" sz="2400" dirty="0"/>
+              <a:t>, each user is assigned </a:t>
+            </a:r>
+            <a:r>
+              <a:rPr lang="en-IN" sz="2400" b="1" dirty="0"/>
+              <a:t>one portion</a:t>
+            </a:r>
+            <a:r>
+              <a:rPr lang="en-IN" sz="2400" dirty="0"/>
+              <a:t>. </a:t>
+            </a:r>
+          </a:p>
+          <a:p>
             <a:endParaRPr lang="en-IN" dirty="0"/>
           </a:p>
         </p:txBody>
@@ -7964,6 +8101,809 @@
     <p:extLst>
       <p:ext uri="{BB962C8B-B14F-4D97-AF65-F5344CB8AC3E}">
         <p14:creationId xmlns:p14="http://schemas.microsoft.com/office/powerpoint/2010/main" val="1869026259"/>
+      </p:ext>
+    </p:extLst>
+  </p:cSld>
+  <p:clrMapOvr>
+    <a:masterClrMapping/>
+  </p:clrMapOvr>
+</p:sld>
+</file>
+
+<file path=ppt/slides/slide4.xml><?xml version="1.0" encoding="utf-8"?>
+<p:sld xmlns:a="http://schemas.openxmlformats.org/drawingml/2006/main" xmlns:r="http://schemas.openxmlformats.org/officeDocument/2006/relationships" xmlns:p="http://schemas.openxmlformats.org/presentationml/2006/main">
+  <p:cSld>
+    <p:spTree>
+      <p:nvGrpSpPr>
+        <p:cNvPr id="1" name=""/>
+        <p:cNvGrpSpPr/>
+        <p:nvPr/>
+      </p:nvGrpSpPr>
+      <p:grpSpPr>
+        <a:xfrm>
+          <a:off x="0" y="0"/>
+          <a:ext cx="0" cy="0"/>
+          <a:chOff x="0" y="0"/>
+          <a:chExt cx="0" cy="0"/>
+        </a:xfrm>
+      </p:grpSpPr>
+      <p:sp>
+        <p:nvSpPr>
+          <p:cNvPr id="2" name="Title 1"/>
+          <p:cNvSpPr>
+            <a:spLocks noGrp="1"/>
+          </p:cNvSpPr>
+          <p:nvPr>
+            <p:ph type="title"/>
+          </p:nvPr>
+        </p:nvSpPr>
+        <p:spPr>
+          <a:xfrm>
+            <a:off x="1621375" y="624110"/>
+            <a:ext cx="8911687" cy="761778"/>
+          </a:xfrm>
+        </p:spPr>
+        <p:txBody>
+          <a:bodyPr/>
+          <a:lstStyle/>
+          <a:p>
+            <a:r>
+              <a:rPr lang="en-US" dirty="0">
+                <a:solidFill>
+                  <a:schemeClr val="tx1"/>
+                </a:solidFill>
+              </a:rPr>
+              <a:t>Problem Statement</a:t>
+            </a:r>
+            <a:endParaRPr lang="en-IN" dirty="0">
+              <a:solidFill>
+                <a:schemeClr val="tx1"/>
+              </a:solidFill>
+            </a:endParaRPr>
+          </a:p>
+        </p:txBody>
+      </p:sp>
+      <p:sp>
+        <p:nvSpPr>
+          <p:cNvPr id="3" name="Content Placeholder 2"/>
+          <p:cNvSpPr>
+            <a:spLocks noGrp="1"/>
+          </p:cNvSpPr>
+          <p:nvPr>
+            <p:ph idx="1"/>
+          </p:nvPr>
+        </p:nvSpPr>
+        <p:spPr>
+          <a:xfrm>
+            <a:off x="1042987" y="1385888"/>
+            <a:ext cx="10461625" cy="5472112"/>
+          </a:xfrm>
+        </p:spPr>
+        <p:txBody>
+          <a:bodyPr>
+            <a:normAutofit/>
+          </a:bodyPr>
+          <a:lstStyle/>
+          <a:p>
+            <a:r>
+              <a:rPr lang="en-US" altLang="en-US" sz="3200" b="1" dirty="0">
+                <a:solidFill>
+                  <a:schemeClr val="tx1"/>
+                </a:solidFill>
+              </a:rPr>
+              <a:t>How to allocate a single broadcast channel among competing users</a:t>
+            </a:r>
+            <a:r>
+              <a:rPr lang="en-US" altLang="en-US" sz="3200" dirty="0">
+                <a:solidFill>
+                  <a:schemeClr val="tx1"/>
+                </a:solidFill>
+              </a:rPr>
+              <a:t>?</a:t>
+            </a:r>
+            <a:endParaRPr lang="en-IN" sz="3200" dirty="0">
+              <a:solidFill>
+                <a:schemeClr val="tx1"/>
+              </a:solidFill>
+            </a:endParaRPr>
+          </a:p>
+          <a:p>
+            <a:endParaRPr lang="en-IN" sz="2800" dirty="0">
+              <a:solidFill>
+                <a:schemeClr val="tx1"/>
+              </a:solidFill>
+            </a:endParaRPr>
+          </a:p>
+          <a:p>
+            <a:r>
+              <a:rPr lang="en-IN" sz="2800" dirty="0">
+                <a:solidFill>
+                  <a:schemeClr val="tx1"/>
+                </a:solidFill>
+              </a:rPr>
+              <a:t>Channel allocation problem can be solved by two schemes: </a:t>
+            </a:r>
+            <a:r>
+              <a:rPr lang="en-IN" sz="2800" b="1" dirty="0">
+                <a:solidFill>
+                  <a:schemeClr val="tx1"/>
+                </a:solidFill>
+              </a:rPr>
+              <a:t>Static Channel Allocation </a:t>
+            </a:r>
+            <a:r>
+              <a:rPr lang="en-IN" sz="2800" dirty="0">
+                <a:solidFill>
+                  <a:schemeClr val="tx1"/>
+                </a:solidFill>
+              </a:rPr>
+              <a:t>in LANs and MANs, and </a:t>
+            </a:r>
+            <a:r>
+              <a:rPr lang="en-IN" sz="2800" b="1" dirty="0">
+                <a:solidFill>
+                  <a:schemeClr val="tx1"/>
+                </a:solidFill>
+              </a:rPr>
+              <a:t>Dynamic Channel Allocation</a:t>
+            </a:r>
+            <a:r>
+              <a:rPr lang="en-IN" sz="2800" dirty="0">
+                <a:solidFill>
+                  <a:schemeClr val="tx1"/>
+                </a:solidFill>
+              </a:rPr>
+              <a:t>. </a:t>
+            </a:r>
+            <a:endParaRPr lang="en-IN" sz="3200" dirty="0">
+              <a:solidFill>
+                <a:schemeClr val="tx1"/>
+              </a:solidFill>
+            </a:endParaRPr>
+          </a:p>
+          <a:p>
+            <a:endParaRPr lang="en-US" altLang="en-US" sz="4800" dirty="0">
+              <a:solidFill>
+                <a:schemeClr val="tx1"/>
+              </a:solidFill>
+            </a:endParaRPr>
+          </a:p>
+          <a:p>
+            <a:endParaRPr lang="en-US" altLang="en-US" sz="3200" dirty="0">
+              <a:solidFill>
+                <a:schemeClr val="tx1"/>
+              </a:solidFill>
+            </a:endParaRPr>
+          </a:p>
+          <a:p>
+            <a:endParaRPr lang="en-IN" sz="3200" dirty="0">
+              <a:solidFill>
+                <a:schemeClr val="tx1"/>
+              </a:solidFill>
+            </a:endParaRPr>
+          </a:p>
+        </p:txBody>
+      </p:sp>
+      <p:pic>
+        <p:nvPicPr>
+          <p:cNvPr id="5" name="Content Placeholder 3"/>
+          <p:cNvPicPr>
+            <a:picLocks noChangeAspect="1"/>
+          </p:cNvPicPr>
+          <p:nvPr/>
+        </p:nvPicPr>
+        <p:blipFill>
+          <a:blip r:embed="rId2">
+            <a:lum contrast="40000"/>
+          </a:blip>
+          <a:stretch>
+            <a:fillRect/>
+          </a:stretch>
+        </p:blipFill>
+        <p:spPr>
+          <a:xfrm>
+            <a:off x="1128714" y="4700816"/>
+            <a:ext cx="9944101" cy="1672755"/>
+          </a:xfrm>
+          <a:prstGeom prst="rect">
+            <a:avLst/>
+          </a:prstGeom>
+        </p:spPr>
+      </p:pic>
+    </p:spTree>
+    <p:extLst>
+      <p:ext uri="{BB962C8B-B14F-4D97-AF65-F5344CB8AC3E}">
+        <p14:creationId xmlns:p14="http://schemas.microsoft.com/office/powerpoint/2010/main" val="2370177927"/>
+      </p:ext>
+    </p:extLst>
+  </p:cSld>
+  <p:clrMapOvr>
+    <a:masterClrMapping/>
+  </p:clrMapOvr>
+</p:sld>
+</file>
+
+<file path=ppt/slides/slide5.xml><?xml version="1.0" encoding="utf-8"?>
+<p:sld xmlns:a="http://schemas.openxmlformats.org/drawingml/2006/main" xmlns:r="http://schemas.openxmlformats.org/officeDocument/2006/relationships" xmlns:p="http://schemas.openxmlformats.org/presentationml/2006/main">
+  <p:cSld>
+    <p:spTree>
+      <p:nvGrpSpPr>
+        <p:cNvPr id="1" name=""/>
+        <p:cNvGrpSpPr/>
+        <p:nvPr/>
+      </p:nvGrpSpPr>
+      <p:grpSpPr>
+        <a:xfrm>
+          <a:off x="0" y="0"/>
+          <a:ext cx="0" cy="0"/>
+          <a:chOff x="0" y="0"/>
+          <a:chExt cx="0" cy="0"/>
+        </a:xfrm>
+      </p:grpSpPr>
+      <p:sp>
+        <p:nvSpPr>
+          <p:cNvPr id="2" name="Title 1"/>
+          <p:cNvSpPr>
+            <a:spLocks noGrp="1"/>
+          </p:cNvSpPr>
+          <p:nvPr>
+            <p:ph type="title"/>
+          </p:nvPr>
+        </p:nvSpPr>
+        <p:spPr>
+          <a:xfrm>
+            <a:off x="1767949" y="638397"/>
+            <a:ext cx="8911687" cy="718915"/>
+          </a:xfrm>
+        </p:spPr>
+        <p:txBody>
+          <a:bodyPr/>
+          <a:lstStyle/>
+          <a:p>
+            <a:r>
+              <a:rPr lang="en-IN" dirty="0"/>
+              <a:t>Static channel allocation</a:t>
+            </a:r>
+          </a:p>
+        </p:txBody>
+      </p:sp>
+      <p:sp>
+        <p:nvSpPr>
+          <p:cNvPr id="3" name="Content Placeholder 2"/>
+          <p:cNvSpPr>
+            <a:spLocks noGrp="1"/>
+          </p:cNvSpPr>
+          <p:nvPr>
+            <p:ph idx="1"/>
+          </p:nvPr>
+        </p:nvSpPr>
+        <p:spPr>
+          <a:xfrm>
+            <a:off x="942975" y="1357312"/>
+            <a:ext cx="10561637" cy="5229226"/>
+          </a:xfrm>
+        </p:spPr>
+        <p:txBody>
+          <a:bodyPr>
+            <a:normAutofit/>
+          </a:bodyPr>
+          <a:lstStyle/>
+          <a:p>
+            <a:r>
+              <a:rPr lang="en-IN" sz="2800" b="1" dirty="0"/>
+              <a:t>Allocating channels : </a:t>
+            </a:r>
+            <a:r>
+              <a:rPr lang="en-US" sz="2800" b="1" dirty="0"/>
+              <a:t>N users ≈≈ n parts of channel</a:t>
+            </a:r>
+          </a:p>
+          <a:p>
+            <a:endParaRPr lang="en-IN" dirty="0"/>
+          </a:p>
+          <a:p>
+            <a:endParaRPr lang="en-IN" dirty="0"/>
+          </a:p>
+        </p:txBody>
+      </p:sp>
+      <p:pic>
+        <p:nvPicPr>
+          <p:cNvPr id="4" name="Picture 3"/>
+          <p:cNvPicPr>
+            <a:picLocks noChangeAspect="1"/>
+          </p:cNvPicPr>
+          <p:nvPr/>
+        </p:nvPicPr>
+        <p:blipFill>
+          <a:blip r:embed="rId2">
+            <a:lum bright="23000" contrast="58000"/>
+          </a:blip>
+          <a:stretch>
+            <a:fillRect/>
+          </a:stretch>
+        </p:blipFill>
+        <p:spPr>
+          <a:xfrm>
+            <a:off x="942975" y="1904781"/>
+            <a:ext cx="10418211" cy="3508330"/>
+          </a:xfrm>
+          <a:prstGeom prst="rect">
+            <a:avLst/>
+          </a:prstGeom>
+        </p:spPr>
+      </p:pic>
+      <p:sp>
+        <p:nvSpPr>
+          <p:cNvPr id="6" name="TextBox 5"/>
+          <p:cNvSpPr txBox="1"/>
+          <p:nvPr/>
+        </p:nvSpPr>
+        <p:spPr>
+          <a:xfrm>
+            <a:off x="1042988" y="5686425"/>
+            <a:ext cx="10318198" cy="461665"/>
+          </a:xfrm>
+          <a:prstGeom prst="rect">
+            <a:avLst/>
+          </a:prstGeom>
+          <a:noFill/>
+        </p:spPr>
+        <p:txBody>
+          <a:bodyPr wrap="square" rtlCol="0">
+            <a:spAutoFit/>
+          </a:bodyPr>
+          <a:lstStyle/>
+          <a:p>
+            <a:r>
+              <a:rPr lang="en-US" sz="2400"/>
+              <a:t>Bandwidth of link &gt; Combined bandwidth of transmitted signals.</a:t>
+            </a:r>
+            <a:endParaRPr lang="en-US" sz="2800" dirty="0"/>
+          </a:p>
+        </p:txBody>
+      </p:sp>
+    </p:spTree>
+    <p:extLst>
+      <p:ext uri="{BB962C8B-B14F-4D97-AF65-F5344CB8AC3E}">
+        <p14:creationId xmlns:p14="http://schemas.microsoft.com/office/powerpoint/2010/main" val="361751433"/>
+      </p:ext>
+    </p:extLst>
+  </p:cSld>
+  <p:clrMapOvr>
+    <a:masterClrMapping/>
+  </p:clrMapOvr>
+</p:sld>
+</file>
+
+<file path=ppt/slides/slide6.xml><?xml version="1.0" encoding="utf-8"?>
+<p:sld xmlns:a="http://schemas.openxmlformats.org/drawingml/2006/main" xmlns:r="http://schemas.openxmlformats.org/officeDocument/2006/relationships" xmlns:p="http://schemas.openxmlformats.org/presentationml/2006/main">
+  <p:cSld>
+    <p:spTree>
+      <p:nvGrpSpPr>
+        <p:cNvPr id="1" name=""/>
+        <p:cNvGrpSpPr/>
+        <p:nvPr/>
+      </p:nvGrpSpPr>
+      <p:grpSpPr>
+        <a:xfrm>
+          <a:off x="0" y="0"/>
+          <a:ext cx="0" cy="0"/>
+          <a:chOff x="0" y="0"/>
+          <a:chExt cx="0" cy="0"/>
+        </a:xfrm>
+      </p:grpSpPr>
+      <p:sp>
+        <p:nvSpPr>
+          <p:cNvPr id="2" name="Title 1"/>
+          <p:cNvSpPr>
+            <a:spLocks noGrp="1"/>
+          </p:cNvSpPr>
+          <p:nvPr>
+            <p:ph type="title"/>
+          </p:nvPr>
+        </p:nvSpPr>
+        <p:spPr>
+          <a:xfrm>
+            <a:off x="1643063" y="624110"/>
+            <a:ext cx="8875712" cy="604615"/>
+          </a:xfrm>
+        </p:spPr>
+        <p:txBody>
+          <a:bodyPr>
+            <a:normAutofit fontScale="90000"/>
+          </a:bodyPr>
+          <a:lstStyle/>
+          <a:p>
+            <a:r>
+              <a:rPr lang="en-US" dirty="0"/>
+              <a:t>Cont.</a:t>
+            </a:r>
+            <a:endParaRPr lang="en-IN" dirty="0"/>
+          </a:p>
+        </p:txBody>
+      </p:sp>
+      <p:sp>
+        <p:nvSpPr>
+          <p:cNvPr id="3" name="Content Placeholder 2"/>
+          <p:cNvSpPr>
+            <a:spLocks noGrp="1"/>
+          </p:cNvSpPr>
+          <p:nvPr>
+            <p:ph idx="1"/>
+          </p:nvPr>
+        </p:nvSpPr>
+        <p:spPr>
+          <a:xfrm>
+            <a:off x="828675" y="1419224"/>
+            <a:ext cx="10504487" cy="5281613"/>
+          </a:xfrm>
+        </p:spPr>
+        <p:txBody>
+          <a:bodyPr>
+            <a:noAutofit/>
+          </a:bodyPr>
+          <a:lstStyle/>
+          <a:p>
+            <a:pPr algn="just"/>
+            <a:r>
+              <a:rPr lang="en-US" sz="2800" dirty="0">
+                <a:solidFill>
+                  <a:schemeClr val="tx1"/>
+                </a:solidFill>
+              </a:rPr>
+              <a:t>Each part allocated to each user so that initially no user has to wait and same user uses that frequency band always.</a:t>
+            </a:r>
+          </a:p>
+          <a:p>
+            <a:pPr algn="just"/>
+            <a:r>
+              <a:rPr lang="en-US" sz="2800" dirty="0">
+                <a:solidFill>
+                  <a:schemeClr val="tx1"/>
+                </a:solidFill>
+              </a:rPr>
+              <a:t>New users wont be able to use the channel until the whole channel is made free and therefore time consumption will be more.</a:t>
+            </a:r>
+          </a:p>
+          <a:p>
+            <a:pPr algn="just"/>
+            <a:r>
+              <a:rPr lang="en-US" sz="2800" dirty="0">
+                <a:solidFill>
+                  <a:schemeClr val="tx1"/>
+                </a:solidFill>
+              </a:rPr>
+              <a:t>If the spectrum Is cut into N portions and the number of users are less than N; then a large piece of spectrum is wasted.</a:t>
+            </a:r>
+          </a:p>
+          <a:p>
+            <a:pPr algn="just"/>
+            <a:r>
+              <a:rPr lang="en-US" sz="2800" dirty="0">
+                <a:solidFill>
+                  <a:schemeClr val="tx1"/>
+                </a:solidFill>
+              </a:rPr>
+              <a:t>If more than N users want to communicate, some of them will be denied permission for the lack of bandwidth.</a:t>
+            </a:r>
+          </a:p>
+        </p:txBody>
+      </p:sp>
+    </p:spTree>
+    <p:extLst>
+      <p:ext uri="{BB962C8B-B14F-4D97-AF65-F5344CB8AC3E}">
+        <p14:creationId xmlns:p14="http://schemas.microsoft.com/office/powerpoint/2010/main" val="1298520689"/>
+      </p:ext>
+    </p:extLst>
+  </p:cSld>
+  <p:clrMapOvr>
+    <a:masterClrMapping/>
+  </p:clrMapOvr>
+</p:sld>
+</file>
+
+<file path=ppt/slides/slide7.xml><?xml version="1.0" encoding="utf-8"?>
+<p:sld xmlns:a="http://schemas.openxmlformats.org/drawingml/2006/main" xmlns:r="http://schemas.openxmlformats.org/officeDocument/2006/relationships" xmlns:p="http://schemas.openxmlformats.org/presentationml/2006/main">
+  <p:cSld>
+    <p:spTree>
+      <p:nvGrpSpPr>
+        <p:cNvPr id="1" name=""/>
+        <p:cNvGrpSpPr/>
+        <p:nvPr/>
+      </p:nvGrpSpPr>
+      <p:grpSpPr>
+        <a:xfrm>
+          <a:off x="0" y="0"/>
+          <a:ext cx="0" cy="0"/>
+          <a:chOff x="0" y="0"/>
+          <a:chExt cx="0" cy="0"/>
+        </a:xfrm>
+      </p:grpSpPr>
+      <p:sp>
+        <p:nvSpPr>
+          <p:cNvPr id="2" name="Title 1"/>
+          <p:cNvSpPr>
+            <a:spLocks noGrp="1"/>
+          </p:cNvSpPr>
+          <p:nvPr>
+            <p:ph type="title"/>
+          </p:nvPr>
+        </p:nvSpPr>
+        <p:spPr>
+          <a:xfrm>
+            <a:off x="1643063" y="666973"/>
+            <a:ext cx="8747124" cy="604615"/>
+          </a:xfrm>
+        </p:spPr>
+        <p:txBody>
+          <a:bodyPr>
+            <a:normAutofit fontScale="90000"/>
+          </a:bodyPr>
+          <a:lstStyle/>
+          <a:p>
+            <a:pPr lvl="0"/>
+            <a:r>
+              <a:rPr lang="en-IN" dirty="0"/>
+              <a:t>Conclusion</a:t>
+            </a:r>
+            <a:br>
+              <a:rPr lang="en-IN" b="1" dirty="0"/>
+            </a:br>
+            <a:endParaRPr lang="en-IN" dirty="0"/>
+          </a:p>
+        </p:txBody>
+      </p:sp>
+      <p:sp>
+        <p:nvSpPr>
+          <p:cNvPr id="3" name="Content Placeholder 2"/>
+          <p:cNvSpPr>
+            <a:spLocks noGrp="1"/>
+          </p:cNvSpPr>
+          <p:nvPr>
+            <p:ph idx="1"/>
+          </p:nvPr>
+        </p:nvSpPr>
+        <p:spPr>
+          <a:xfrm>
+            <a:off x="1114425" y="2133600"/>
+            <a:ext cx="10390187" cy="3777622"/>
+          </a:xfrm>
+        </p:spPr>
+        <p:txBody>
+          <a:bodyPr/>
+          <a:lstStyle/>
+          <a:p>
+            <a:pPr algn="just"/>
+            <a:r>
+              <a:rPr lang="en-IN" dirty="0"/>
+              <a:t> </a:t>
+            </a:r>
+            <a:r>
+              <a:rPr lang="en-IN" sz="2800" dirty="0"/>
+              <a:t>Channel allocation problem, an </a:t>
+            </a:r>
+            <a:r>
+              <a:rPr lang="en-IN" sz="2800" b="1" dirty="0"/>
+              <a:t>NP hard </a:t>
+            </a:r>
+            <a:r>
+              <a:rPr lang="en-IN" sz="2800" dirty="0"/>
+              <a:t>problem, which means </a:t>
+            </a:r>
+            <a:r>
+              <a:rPr lang="en-IN" sz="2800" b="1" dirty="0"/>
+              <a:t>an exact solution cannot be found in polynomial time</a:t>
+            </a:r>
+            <a:r>
+              <a:rPr lang="en-IN" sz="2800" dirty="0"/>
+              <a:t>. Evolutionary and heuristic algorithms can be applied to find near optimal solutions to channel allocation.</a:t>
+            </a:r>
+          </a:p>
+          <a:p>
+            <a:pPr algn="just"/>
+            <a:r>
+              <a:rPr lang="en-IN" sz="2800" dirty="0"/>
+              <a:t>This algorithm </a:t>
+            </a:r>
+            <a:r>
+              <a:rPr lang="en-IN" sz="2800" b="1" dirty="0"/>
+              <a:t>tries to allocate as many devices as possible to the channels </a:t>
+            </a:r>
+            <a:r>
+              <a:rPr lang="en-IN" sz="2800" dirty="0"/>
+              <a:t>in dynamic situation by greedy approach.</a:t>
+            </a:r>
+            <a:endParaRPr lang="en-IN" dirty="0"/>
+          </a:p>
+        </p:txBody>
+      </p:sp>
+    </p:spTree>
+    <p:extLst>
+      <p:ext uri="{BB962C8B-B14F-4D97-AF65-F5344CB8AC3E}">
+        <p14:creationId xmlns:p14="http://schemas.microsoft.com/office/powerpoint/2010/main" val="242805364"/>
+      </p:ext>
+    </p:extLst>
+  </p:cSld>
+  <p:clrMapOvr>
+    <a:masterClrMapping/>
+  </p:clrMapOvr>
+</p:sld>
+</file>
+
+<file path=ppt/slides/slide8.xml><?xml version="1.0" encoding="utf-8"?>
+<p:sld xmlns:a="http://schemas.openxmlformats.org/drawingml/2006/main" xmlns:r="http://schemas.openxmlformats.org/officeDocument/2006/relationships" xmlns:p="http://schemas.openxmlformats.org/presentationml/2006/main">
+  <p:cSld>
+    <p:spTree>
+      <p:nvGrpSpPr>
+        <p:cNvPr id="1" name=""/>
+        <p:cNvGrpSpPr/>
+        <p:nvPr/>
+      </p:nvGrpSpPr>
+      <p:grpSpPr>
+        <a:xfrm>
+          <a:off x="0" y="0"/>
+          <a:ext cx="0" cy="0"/>
+          <a:chOff x="0" y="0"/>
+          <a:chExt cx="0" cy="0"/>
+        </a:xfrm>
+      </p:grpSpPr>
+      <p:sp>
+        <p:nvSpPr>
+          <p:cNvPr id="2" name="Title 1"/>
+          <p:cNvSpPr>
+            <a:spLocks noGrp="1"/>
+          </p:cNvSpPr>
+          <p:nvPr>
+            <p:ph type="title"/>
+          </p:nvPr>
+        </p:nvSpPr>
+        <p:spPr>
+          <a:xfrm>
+            <a:off x="1628775" y="652685"/>
+            <a:ext cx="8761412" cy="633190"/>
+          </a:xfrm>
+        </p:spPr>
+        <p:txBody>
+          <a:bodyPr>
+            <a:normAutofit fontScale="90000"/>
+          </a:bodyPr>
+          <a:lstStyle/>
+          <a:p>
+            <a:r>
+              <a:rPr lang="en-US" dirty="0"/>
+              <a:t>References</a:t>
+            </a:r>
+            <a:endParaRPr lang="en-IN" dirty="0"/>
+          </a:p>
+        </p:txBody>
+      </p:sp>
+      <p:sp>
+        <p:nvSpPr>
+          <p:cNvPr id="5" name="Content Placeholder 4"/>
+          <p:cNvSpPr>
+            <a:spLocks noGrp="1"/>
+          </p:cNvSpPr>
+          <p:nvPr>
+            <p:ph idx="1"/>
+          </p:nvPr>
+        </p:nvSpPr>
+        <p:spPr>
+          <a:xfrm>
+            <a:off x="857250" y="1628775"/>
+            <a:ext cx="10647362" cy="4700587"/>
+          </a:xfrm>
+        </p:spPr>
+        <p:txBody>
+          <a:bodyPr>
+            <a:normAutofit fontScale="85000" lnSpcReduction="10000"/>
+          </a:bodyPr>
+          <a:lstStyle/>
+          <a:p>
+            <a:r>
+              <a:rPr lang="en-IN" sz="2800" dirty="0"/>
+              <a:t>1.	www.google.com</a:t>
+            </a:r>
+          </a:p>
+          <a:p>
+            <a:pPr marL="342900" lvl="3" indent="-342900"/>
+            <a:r>
+              <a:rPr lang="en-IN" sz="2800" dirty="0"/>
+              <a:t>2.	</a:t>
+            </a:r>
+            <a:r>
+              <a:rPr lang="en-IN" sz="2800" u="sng" dirty="0">
+                <a:hlinkClick r:id="rId2"/>
+              </a:rPr>
+              <a:t>https://ieeexplore.ieee.org/document/8729351</a:t>
+            </a:r>
+            <a:r>
+              <a:rPr lang="en-IN" sz="2800" dirty="0"/>
+              <a:t> </a:t>
+            </a:r>
+            <a:endParaRPr lang="en-IN" sz="2400" dirty="0"/>
+          </a:p>
+          <a:p>
+            <a:r>
+              <a:rPr lang="en-IN" sz="2800" dirty="0"/>
+              <a:t>3.	</a:t>
+            </a:r>
+            <a:r>
+              <a:rPr lang="en-IN" sz="2800" dirty="0" err="1"/>
+              <a:t>Ruifang</a:t>
+            </a:r>
+            <a:r>
+              <a:rPr lang="en-IN" sz="2800" dirty="0"/>
+              <a:t> Li; </a:t>
+            </a:r>
+            <a:r>
+              <a:rPr lang="en-IN" sz="2800" dirty="0" err="1"/>
+              <a:t>PuSheng</a:t>
+            </a:r>
+            <a:r>
+              <a:rPr lang="en-IN" sz="2800" dirty="0"/>
+              <a:t> Zhu; </a:t>
+            </a:r>
+            <a:r>
+              <a:rPr lang="en-IN" sz="2800" dirty="0" err="1"/>
+              <a:t>Lisha</a:t>
+            </a:r>
+            <a:r>
+              <a:rPr lang="en-IN" sz="2800" dirty="0"/>
+              <a:t> </a:t>
+            </a:r>
+            <a:r>
+              <a:rPr lang="en-IN" sz="2800" dirty="0" err="1"/>
+              <a:t>Jin</a:t>
+            </a:r>
+            <a:r>
+              <a:rPr lang="en-IN" sz="2800" dirty="0"/>
+              <a:t>  Channel Allocation Scheme   		Based on Greedy Algorithm in Cognitive Vehicular Networks by 		Published in: 2019 IEEE 3rd Information Technology, Networking, 		Electronic and Automation Control Conference (ITNEC).</a:t>
+            </a:r>
+          </a:p>
+          <a:p>
+            <a:r>
+              <a:rPr lang="en-IN" sz="2800" dirty="0"/>
+              <a:t>4.	M. Zhang and T. </a:t>
+            </a:r>
+            <a:r>
+              <a:rPr lang="en-IN" sz="2800" dirty="0" err="1"/>
+              <a:t>P.Yum</a:t>
+            </a:r>
+            <a:r>
+              <a:rPr lang="en-IN" sz="2800" dirty="0"/>
+              <a:t>, “Comparisons of channel assignment 			strategies in cellular mobile telephone systems,” IEEE Trans. </a:t>
+            </a:r>
+            <a:r>
+              <a:rPr lang="en-IN" sz="2800" dirty="0" err="1"/>
+              <a:t>Veh</a:t>
+            </a:r>
+            <a:r>
+              <a:rPr lang="en-IN" sz="2800" dirty="0"/>
+              <a:t>. 		Technol., vol. 38, pp. 211–215, Nov. 1989.</a:t>
+            </a:r>
+          </a:p>
+          <a:p>
+            <a:r>
+              <a:rPr lang="en-IN" sz="2800" dirty="0"/>
+              <a:t>5.	</a:t>
+            </a:r>
+            <a:r>
+              <a:rPr lang="en-IN" sz="3100" u="sng" dirty="0">
+                <a:hlinkClick r:id="rId3"/>
+              </a:rPr>
+              <a:t>https://www.geeksforgeeks.org/maximum-data-rate-channel-capacity-for-noiseless-and-noisy-channels/</a:t>
+            </a:r>
+            <a:endParaRPr lang="en-IN" sz="1500" dirty="0"/>
+          </a:p>
+          <a:p>
+            <a:endParaRPr lang="en-IN" sz="2800" dirty="0"/>
+          </a:p>
+        </p:txBody>
+      </p:sp>
+    </p:spTree>
+    <p:extLst>
+      <p:ext uri="{BB962C8B-B14F-4D97-AF65-F5344CB8AC3E}">
+        <p14:creationId xmlns:p14="http://schemas.microsoft.com/office/powerpoint/2010/main" val="1508123000"/>
       </p:ext>
     </p:extLst>
   </p:cSld>

--- a/Docs/ppt.pptx
+++ b/Docs/ppt.pptx
@@ -11,8 +11,15 @@
     <p:sldId id="259" r:id="rId5"/>
     <p:sldId id="261" r:id="rId6"/>
     <p:sldId id="262" r:id="rId7"/>
-    <p:sldId id="263" r:id="rId8"/>
-    <p:sldId id="260" r:id="rId9"/>
+    <p:sldId id="265" r:id="rId8"/>
+    <p:sldId id="264" r:id="rId9"/>
+    <p:sldId id="266" r:id="rId10"/>
+    <p:sldId id="267" r:id="rId11"/>
+    <p:sldId id="268" r:id="rId12"/>
+    <p:sldId id="269" r:id="rId13"/>
+    <p:sldId id="270" r:id="rId14"/>
+    <p:sldId id="263" r:id="rId15"/>
+    <p:sldId id="260" r:id="rId16"/>
   </p:sldIdLst>
   <p:sldSz cx="12192000" cy="6858000"/>
   <p:notesSz cx="6858000" cy="9144000"/>
@@ -307,7 +314,7 @@
           <a:p>
             <a:fld id="{B6F0CEBF-78ED-409A-A70D-EC4E4FA47A78}" type="datetimeFigureOut">
               <a:rPr lang="en-IN" smtClean="0"/>
-              <a:t>23-08-2021</a:t>
+              <a:t>24-08-2021</a:t>
             </a:fld>
             <a:endParaRPr lang="en-IN"/>
           </a:p>
@@ -645,7 +652,7 @@
           <a:p>
             <a:fld id="{B6F0CEBF-78ED-409A-A70D-EC4E4FA47A78}" type="datetimeFigureOut">
               <a:rPr lang="en-IN" smtClean="0"/>
-              <a:t>23-08-2021</a:t>
+              <a:t>24-08-2021</a:t>
             </a:fld>
             <a:endParaRPr lang="en-IN"/>
           </a:p>
@@ -1046,7 +1053,7 @@
           <a:p>
             <a:fld id="{B6F0CEBF-78ED-409A-A70D-EC4E4FA47A78}" type="datetimeFigureOut">
               <a:rPr lang="en-IN" smtClean="0"/>
-              <a:t>23-08-2021</a:t>
+              <a:t>24-08-2021</a:t>
             </a:fld>
             <a:endParaRPr lang="en-IN"/>
           </a:p>
@@ -1382,7 +1389,7 @@
           <a:p>
             <a:fld id="{B6F0CEBF-78ED-409A-A70D-EC4E4FA47A78}" type="datetimeFigureOut">
               <a:rPr lang="en-IN" smtClean="0"/>
-              <a:t>23-08-2021</a:t>
+              <a:t>24-08-2021</a:t>
             </a:fld>
             <a:endParaRPr lang="en-IN"/>
           </a:p>
@@ -1702,7 +1709,7 @@
           <a:p>
             <a:fld id="{B6F0CEBF-78ED-409A-A70D-EC4E4FA47A78}" type="datetimeFigureOut">
               <a:rPr lang="en-IN" smtClean="0"/>
-              <a:t>23-08-2021</a:t>
+              <a:t>24-08-2021</a:t>
             </a:fld>
             <a:endParaRPr lang="en-IN"/>
           </a:p>
@@ -2098,7 +2105,7 @@
           <a:p>
             <a:fld id="{B6F0CEBF-78ED-409A-A70D-EC4E4FA47A78}" type="datetimeFigureOut">
               <a:rPr lang="en-IN" smtClean="0"/>
-              <a:t>23-08-2021</a:t>
+              <a:t>24-08-2021</a:t>
             </a:fld>
             <a:endParaRPr lang="en-IN"/>
           </a:p>
@@ -2355,7 +2362,7 @@
           <a:p>
             <a:fld id="{B6F0CEBF-78ED-409A-A70D-EC4E4FA47A78}" type="datetimeFigureOut">
               <a:rPr lang="en-IN" smtClean="0"/>
-              <a:t>23-08-2021</a:t>
+              <a:t>24-08-2021</a:t>
             </a:fld>
             <a:endParaRPr lang="en-IN"/>
           </a:p>
@@ -2617,7 +2624,7 @@
           <a:p>
             <a:fld id="{B6F0CEBF-78ED-409A-A70D-EC4E4FA47A78}" type="datetimeFigureOut">
               <a:rPr lang="en-IN" smtClean="0"/>
-              <a:t>23-08-2021</a:t>
+              <a:t>24-08-2021</a:t>
             </a:fld>
             <a:endParaRPr lang="en-IN"/>
           </a:p>
@@ -2879,7 +2886,7 @@
           <a:p>
             <a:fld id="{B6F0CEBF-78ED-409A-A70D-EC4E4FA47A78}" type="datetimeFigureOut">
               <a:rPr lang="en-IN" smtClean="0"/>
-              <a:t>23-08-2021</a:t>
+              <a:t>24-08-2021</a:t>
             </a:fld>
             <a:endParaRPr lang="en-IN"/>
           </a:p>
@@ -3208,7 +3215,7 @@
           <a:p>
             <a:fld id="{B6F0CEBF-78ED-409A-A70D-EC4E4FA47A78}" type="datetimeFigureOut">
               <a:rPr lang="en-IN" smtClean="0"/>
-              <a:t>23-08-2021</a:t>
+              <a:t>24-08-2021</a:t>
             </a:fld>
             <a:endParaRPr lang="en-IN"/>
           </a:p>
@@ -3531,7 +3538,7 @@
           <a:p>
             <a:fld id="{B6F0CEBF-78ED-409A-A70D-EC4E4FA47A78}" type="datetimeFigureOut">
               <a:rPr lang="en-IN" smtClean="0"/>
-              <a:t>23-08-2021</a:t>
+              <a:t>24-08-2021</a:t>
             </a:fld>
             <a:endParaRPr lang="en-IN"/>
           </a:p>
@@ -3988,7 +3995,7 @@
           <a:p>
             <a:fld id="{B6F0CEBF-78ED-409A-A70D-EC4E4FA47A78}" type="datetimeFigureOut">
               <a:rPr lang="en-IN" smtClean="0"/>
-              <a:t>23-08-2021</a:t>
+              <a:t>24-08-2021</a:t>
             </a:fld>
             <a:endParaRPr lang="en-IN"/>
           </a:p>
@@ -4193,7 +4200,7 @@
           <a:p>
             <a:fld id="{B6F0CEBF-78ED-409A-A70D-EC4E4FA47A78}" type="datetimeFigureOut">
               <a:rPr lang="en-IN" smtClean="0"/>
-              <a:t>23-08-2021</a:t>
+              <a:t>24-08-2021</a:t>
             </a:fld>
             <a:endParaRPr lang="en-IN"/>
           </a:p>
@@ -4370,7 +4377,7 @@
           <a:p>
             <a:fld id="{B6F0CEBF-78ED-409A-A70D-EC4E4FA47A78}" type="datetimeFigureOut">
               <a:rPr lang="en-IN" smtClean="0"/>
-              <a:t>23-08-2021</a:t>
+              <a:t>24-08-2021</a:t>
             </a:fld>
             <a:endParaRPr lang="en-IN"/>
           </a:p>
@@ -4703,7 +4710,7 @@
           <a:p>
             <a:fld id="{B6F0CEBF-78ED-409A-A70D-EC4E4FA47A78}" type="datetimeFigureOut">
               <a:rPr lang="en-IN" smtClean="0"/>
-              <a:t>23-08-2021</a:t>
+              <a:t>24-08-2021</a:t>
             </a:fld>
             <a:endParaRPr lang="en-IN"/>
           </a:p>
@@ -5048,7 +5055,7 @@
           <a:p>
             <a:fld id="{B6F0CEBF-78ED-409A-A70D-EC4E4FA47A78}" type="datetimeFigureOut">
               <a:rPr lang="en-IN" smtClean="0"/>
-              <a:t>23-08-2021</a:t>
+              <a:t>24-08-2021</a:t>
             </a:fld>
             <a:endParaRPr lang="en-IN"/>
           </a:p>
@@ -7165,7 +7172,7 @@
           <a:p>
             <a:fld id="{B6F0CEBF-78ED-409A-A70D-EC4E4FA47A78}" type="datetimeFigureOut">
               <a:rPr lang="en-IN" smtClean="0"/>
-              <a:t>23-08-2021</a:t>
+              <a:t>24-08-2021</a:t>
             </a:fld>
             <a:endParaRPr lang="en-IN"/>
           </a:p>
@@ -7783,6 +7790,4241 @@
 </p:sld>
 </file>
 
+<file path=ppt/slides/slide10.xml><?xml version="1.0" encoding="utf-8"?>
+<p:sld xmlns:a="http://schemas.openxmlformats.org/drawingml/2006/main" xmlns:r="http://schemas.openxmlformats.org/officeDocument/2006/relationships" xmlns:p="http://schemas.openxmlformats.org/presentationml/2006/main">
+  <p:cSld>
+    <p:spTree>
+      <p:nvGrpSpPr>
+        <p:cNvPr id="1" name=""/>
+        <p:cNvGrpSpPr/>
+        <p:nvPr/>
+      </p:nvGrpSpPr>
+      <p:grpSpPr>
+        <a:xfrm>
+          <a:off x="0" y="0"/>
+          <a:ext cx="0" cy="0"/>
+          <a:chOff x="0" y="0"/>
+          <a:chExt cx="0" cy="0"/>
+        </a:xfrm>
+      </p:grpSpPr>
+      <p:sp>
+        <p:nvSpPr>
+          <p:cNvPr id="4" name="Rectangle 28"/>
+          <p:cNvSpPr>
+            <a:spLocks noGrp="1" noChangeArrowheads="1"/>
+          </p:cNvSpPr>
+          <p:nvPr>
+            <p:ph idx="1"/>
+          </p:nvPr>
+        </p:nvSpPr>
+        <p:spPr bwMode="auto">
+          <a:xfrm>
+            <a:off x="1443004" y="1611592"/>
+            <a:ext cx="8415371" cy="954107"/>
+          </a:xfrm>
+          <a:prstGeom prst="rect">
+            <a:avLst/>
+          </a:prstGeom>
+          <a:noFill/>
+          <a:ln>
+            <a:noFill/>
+          </a:ln>
+          <a:effectLst/>
+          <a:extLst>
+            <a:ext uri="{909E8E84-426E-40DD-AFC4-6F175D3DCCD1}">
+              <a14:hiddenFill xmlns:a14="http://schemas.microsoft.com/office/drawing/2010/main">
+                <a:solidFill>
+                  <a:schemeClr val="accent1"/>
+                </a:solidFill>
+              </a14:hiddenFill>
+            </a:ext>
+            <a:ext uri="{91240B29-F687-4F45-9708-019B960494DF}">
+              <a14:hiddenLine xmlns:a14="http://schemas.microsoft.com/office/drawing/2010/main" w="9525">
+                <a:solidFill>
+                  <a:schemeClr val="tx1"/>
+                </a:solidFill>
+                <a:miter lim="800000"/>
+                <a:headEnd/>
+                <a:tailEnd/>
+              </a14:hiddenLine>
+            </a:ext>
+            <a:ext uri="{AF507438-7753-43E0-B8FC-AC1667EBCBE1}">
+              <a14:hiddenEffects xmlns:a14="http://schemas.microsoft.com/office/drawing/2010/main">
+                <a:effectLst>
+                  <a:outerShdw dist="35921" dir="2700000" algn="ctr" rotWithShape="0">
+                    <a:schemeClr val="bg2"/>
+                  </a:outerShdw>
+                </a:effectLst>
+              </a14:hiddenEffects>
+            </a:ext>
+          </a:extLst>
+        </p:spPr>
+        <p:txBody>
+          <a:bodyPr vert="horz" wrap="square" lIns="91440" tIns="45720" rIns="91440" bIns="45720" numCol="1" anchor="ctr" anchorCtr="0" compatLnSpc="1">
+            <a:prstTxWarp prst="textNoShape">
+              <a:avLst/>
+            </a:prstTxWarp>
+            <a:spAutoFit/>
+          </a:bodyPr>
+          <a:lstStyle>
+            <a:lvl1pPr indent="457200" eaLnBrk="0" fontAlgn="base" hangingPunct="0">
+              <a:spcBef>
+                <a:spcPct val="0"/>
+              </a:spcBef>
+              <a:spcAft>
+                <a:spcPct val="0"/>
+              </a:spcAft>
+              <a:defRPr>
+                <a:solidFill>
+                  <a:schemeClr val="tx1"/>
+                </a:solidFill>
+                <a:latin typeface="Arial" panose="020B0604020202020204" pitchFamily="34" charset="0"/>
+              </a:defRPr>
+            </a:lvl1pPr>
+            <a:lvl2pPr eaLnBrk="0" fontAlgn="base" hangingPunct="0">
+              <a:spcBef>
+                <a:spcPct val="0"/>
+              </a:spcBef>
+              <a:spcAft>
+                <a:spcPct val="0"/>
+              </a:spcAft>
+              <a:defRPr>
+                <a:solidFill>
+                  <a:schemeClr val="tx1"/>
+                </a:solidFill>
+                <a:latin typeface="Arial" panose="020B0604020202020204" pitchFamily="34" charset="0"/>
+              </a:defRPr>
+            </a:lvl2pPr>
+            <a:lvl3pPr eaLnBrk="0" fontAlgn="base" hangingPunct="0">
+              <a:spcBef>
+                <a:spcPct val="0"/>
+              </a:spcBef>
+              <a:spcAft>
+                <a:spcPct val="0"/>
+              </a:spcAft>
+              <a:defRPr>
+                <a:solidFill>
+                  <a:schemeClr val="tx1"/>
+                </a:solidFill>
+                <a:latin typeface="Arial" panose="020B0604020202020204" pitchFamily="34" charset="0"/>
+              </a:defRPr>
+            </a:lvl3pPr>
+            <a:lvl4pPr eaLnBrk="0" fontAlgn="base" hangingPunct="0">
+              <a:spcBef>
+                <a:spcPct val="0"/>
+              </a:spcBef>
+              <a:spcAft>
+                <a:spcPct val="0"/>
+              </a:spcAft>
+              <a:defRPr>
+                <a:solidFill>
+                  <a:schemeClr val="tx1"/>
+                </a:solidFill>
+                <a:latin typeface="Arial" panose="020B0604020202020204" pitchFamily="34" charset="0"/>
+              </a:defRPr>
+            </a:lvl4pPr>
+            <a:lvl5pPr eaLnBrk="0" fontAlgn="base" hangingPunct="0">
+              <a:spcBef>
+                <a:spcPct val="0"/>
+              </a:spcBef>
+              <a:spcAft>
+                <a:spcPct val="0"/>
+              </a:spcAft>
+              <a:defRPr>
+                <a:solidFill>
+                  <a:schemeClr val="tx1"/>
+                </a:solidFill>
+                <a:latin typeface="Arial" panose="020B0604020202020204" pitchFamily="34" charset="0"/>
+              </a:defRPr>
+            </a:lvl5pPr>
+            <a:lvl6pPr eaLnBrk="0" fontAlgn="base" hangingPunct="0">
+              <a:spcBef>
+                <a:spcPct val="0"/>
+              </a:spcBef>
+              <a:spcAft>
+                <a:spcPct val="0"/>
+              </a:spcAft>
+              <a:defRPr>
+                <a:solidFill>
+                  <a:schemeClr val="tx1"/>
+                </a:solidFill>
+                <a:latin typeface="Arial" panose="020B0604020202020204" pitchFamily="34" charset="0"/>
+              </a:defRPr>
+            </a:lvl6pPr>
+            <a:lvl7pPr eaLnBrk="0" fontAlgn="base" hangingPunct="0">
+              <a:spcBef>
+                <a:spcPct val="0"/>
+              </a:spcBef>
+              <a:spcAft>
+                <a:spcPct val="0"/>
+              </a:spcAft>
+              <a:defRPr>
+                <a:solidFill>
+                  <a:schemeClr val="tx1"/>
+                </a:solidFill>
+                <a:latin typeface="Arial" panose="020B0604020202020204" pitchFamily="34" charset="0"/>
+              </a:defRPr>
+            </a:lvl7pPr>
+            <a:lvl8pPr eaLnBrk="0" fontAlgn="base" hangingPunct="0">
+              <a:spcBef>
+                <a:spcPct val="0"/>
+              </a:spcBef>
+              <a:spcAft>
+                <a:spcPct val="0"/>
+              </a:spcAft>
+              <a:defRPr>
+                <a:solidFill>
+                  <a:schemeClr val="tx1"/>
+                </a:solidFill>
+                <a:latin typeface="Arial" panose="020B0604020202020204" pitchFamily="34" charset="0"/>
+              </a:defRPr>
+            </a:lvl8pPr>
+            <a:lvl9pPr eaLnBrk="0" fontAlgn="base" hangingPunct="0">
+              <a:spcBef>
+                <a:spcPct val="0"/>
+              </a:spcBef>
+              <a:spcAft>
+                <a:spcPct val="0"/>
+              </a:spcAft>
+              <a:defRPr>
+                <a:solidFill>
+                  <a:schemeClr val="tx1"/>
+                </a:solidFill>
+                <a:latin typeface="Arial" panose="020B0604020202020204" pitchFamily="34" charset="0"/>
+              </a:defRPr>
+            </a:lvl9pPr>
+          </a:lstStyle>
+          <a:p>
+            <a:pPr marL="0" marR="0" lvl="0" indent="457200" algn="l" defTabSz="914400" rtl="0" eaLnBrk="0" fontAlgn="base" latinLnBrk="0" hangingPunct="0">
+              <a:lnSpc>
+                <a:spcPct val="100000"/>
+              </a:lnSpc>
+              <a:spcBef>
+                <a:spcPct val="0"/>
+              </a:spcBef>
+              <a:spcAft>
+                <a:spcPct val="0"/>
+              </a:spcAft>
+              <a:buClrTx/>
+              <a:buSzTx/>
+              <a:buFontTx/>
+              <a:buNone/>
+              <a:tabLst/>
+            </a:pPr>
+            <a:r>
+              <a:rPr kumimoji="0" lang="en-US" altLang="en-US" sz="2800" b="0" i="0" u="none" strike="noStrike" cap="none" normalizeH="0" baseline="0" dirty="0">
+                <a:ln>
+                  <a:noFill/>
+                </a:ln>
+                <a:solidFill>
+                  <a:schemeClr val="tx1"/>
+                </a:solidFill>
+                <a:effectLst/>
+                <a:latin typeface="Calibri" panose="020F0502020204030204" pitchFamily="34" charset="0"/>
+                <a:ea typeface="Calibri" panose="020F0502020204030204" pitchFamily="34" charset="0"/>
+                <a:cs typeface="Calibri" panose="020F0502020204030204" pitchFamily="34" charset="0"/>
+              </a:rPr>
+              <a:t>From </a:t>
+            </a:r>
+            <a:r>
+              <a:rPr kumimoji="0" lang="en-US" altLang="en-US" sz="2800" b="1" i="0" u="none" strike="noStrike" cap="none" normalizeH="0" baseline="0" dirty="0">
+                <a:ln>
+                  <a:noFill/>
+                </a:ln>
+                <a:solidFill>
+                  <a:schemeClr val="tx1"/>
+                </a:solidFill>
+                <a:effectLst/>
+                <a:latin typeface="Calibri" panose="020F0502020204030204" pitchFamily="34" charset="0"/>
+                <a:ea typeface="Calibri" panose="020F0502020204030204" pitchFamily="34" charset="0"/>
+                <a:cs typeface="Calibri" panose="020F0502020204030204" pitchFamily="34" charset="0"/>
+              </a:rPr>
+              <a:t>Shannon’s Theorem,</a:t>
+            </a:r>
+            <a:endParaRPr kumimoji="0" lang="en-US" altLang="en-US" sz="2800" b="0" i="0" u="none" strike="noStrike" cap="none" normalizeH="0" baseline="0" dirty="0">
+              <a:ln>
+                <a:noFill/>
+              </a:ln>
+              <a:solidFill>
+                <a:schemeClr val="tx1"/>
+              </a:solidFill>
+              <a:effectLst/>
+            </a:endParaRPr>
+          </a:p>
+          <a:p>
+            <a:pPr marL="0" marR="0" lvl="0" indent="457200" algn="l" defTabSz="914400" rtl="0" eaLnBrk="0" fontAlgn="base" latinLnBrk="0" hangingPunct="0">
+              <a:lnSpc>
+                <a:spcPct val="100000"/>
+              </a:lnSpc>
+              <a:spcBef>
+                <a:spcPct val="0"/>
+              </a:spcBef>
+              <a:spcAft>
+                <a:spcPct val="0"/>
+              </a:spcAft>
+              <a:buClrTx/>
+              <a:buSzTx/>
+              <a:buFontTx/>
+              <a:buNone/>
+              <a:tabLst/>
+            </a:pPr>
+            <a:r>
+              <a:rPr kumimoji="0" lang="en-US" altLang="en-US" sz="2800" b="0" i="0" u="none" strike="noStrike" cap="none" normalizeH="0" baseline="0" dirty="0">
+                <a:ln>
+                  <a:noFill/>
+                </a:ln>
+                <a:solidFill>
+                  <a:schemeClr val="tx1"/>
+                </a:solidFill>
+                <a:effectLst/>
+                <a:latin typeface="Calibri" panose="020F0502020204030204" pitchFamily="34" charset="0"/>
+                <a:ea typeface="Calibri" panose="020F0502020204030204" pitchFamily="34" charset="0"/>
+                <a:cs typeface="Calibri" panose="020F0502020204030204" pitchFamily="34" charset="0"/>
+              </a:rPr>
+              <a:t>Data Rate	   </a:t>
+            </a:r>
+            <a:r>
+              <a:rPr kumimoji="0" lang="en-US" altLang="en-US" sz="2800" b="1" i="0" u="none" strike="noStrike" cap="none" normalizeH="0" baseline="0" dirty="0">
+                <a:ln>
+                  <a:noFill/>
+                </a:ln>
+                <a:solidFill>
+                  <a:schemeClr val="tx1"/>
+                </a:solidFill>
+                <a:effectLst/>
+                <a:latin typeface="Calibri" panose="020F0502020204030204" pitchFamily="34" charset="0"/>
+                <a:ea typeface="Calibri" panose="020F0502020204030204" pitchFamily="34" charset="0"/>
+                <a:cs typeface="Calibri" panose="020F0502020204030204" pitchFamily="34" charset="0"/>
+              </a:rPr>
+              <a:t>(D)</a:t>
+            </a:r>
+            <a:r>
+              <a:rPr kumimoji="0" lang="en-US" altLang="en-US" sz="2800" b="0" i="0" u="none" strike="noStrike" cap="none" normalizeH="0" baseline="0" dirty="0">
+                <a:ln>
+                  <a:noFill/>
+                </a:ln>
+                <a:solidFill>
+                  <a:schemeClr val="tx1"/>
+                </a:solidFill>
+                <a:effectLst/>
+                <a:latin typeface="Calibri" panose="020F0502020204030204" pitchFamily="34" charset="0"/>
+                <a:ea typeface="Calibri" panose="020F0502020204030204" pitchFamily="34" charset="0"/>
+                <a:cs typeface="Calibri" panose="020F0502020204030204" pitchFamily="34" charset="0"/>
+              </a:rPr>
+              <a:t> = </a:t>
+            </a:r>
+            <a:r>
+              <a:rPr kumimoji="0" lang="en-US" altLang="en-US" sz="2800" b="1" i="0" u="none" strike="noStrike" cap="none" normalizeH="0" baseline="0" dirty="0">
+                <a:ln>
+                  <a:noFill/>
+                </a:ln>
+                <a:solidFill>
+                  <a:schemeClr val="tx1"/>
+                </a:solidFill>
+                <a:effectLst/>
+                <a:latin typeface="Calibri" panose="020F0502020204030204" pitchFamily="34" charset="0"/>
+                <a:ea typeface="Calibri" panose="020F0502020204030204" pitchFamily="34" charset="0"/>
+                <a:cs typeface="Calibri" panose="020F0502020204030204" pitchFamily="34" charset="0"/>
+              </a:rPr>
+              <a:t>B * Log</a:t>
+            </a:r>
+            <a:r>
+              <a:rPr kumimoji="0" lang="en-US" altLang="en-US" sz="2800" b="1" i="0" u="none" strike="noStrike" cap="none" normalizeH="0" baseline="-30000" dirty="0">
+                <a:ln>
+                  <a:noFill/>
+                </a:ln>
+                <a:solidFill>
+                  <a:schemeClr val="tx1"/>
+                </a:solidFill>
+                <a:effectLst/>
+                <a:latin typeface="Calibri" panose="020F0502020204030204" pitchFamily="34" charset="0"/>
+                <a:ea typeface="Calibri" panose="020F0502020204030204" pitchFamily="34" charset="0"/>
+                <a:cs typeface="Calibri" panose="020F0502020204030204" pitchFamily="34" charset="0"/>
+              </a:rPr>
+              <a:t>2</a:t>
+            </a:r>
+            <a:r>
+              <a:rPr kumimoji="0" lang="en-US" altLang="en-US" sz="2800" b="1" i="0" u="none" strike="noStrike" cap="none" normalizeH="0" baseline="0" dirty="0">
+                <a:ln>
+                  <a:noFill/>
+                </a:ln>
+                <a:solidFill>
+                  <a:schemeClr val="tx1"/>
+                </a:solidFill>
+                <a:effectLst/>
+                <a:latin typeface="Calibri" panose="020F0502020204030204" pitchFamily="34" charset="0"/>
+                <a:ea typeface="Calibri" panose="020F0502020204030204" pitchFamily="34" charset="0"/>
+                <a:cs typeface="Calibri" panose="020F0502020204030204" pitchFamily="34" charset="0"/>
+              </a:rPr>
+              <a:t> (SNR+1)</a:t>
+            </a:r>
+            <a:endParaRPr kumimoji="0" lang="en-US" altLang="en-US" sz="2800" b="0" i="0" u="none" strike="noStrike" cap="none" normalizeH="0" baseline="0" dirty="0">
+              <a:ln>
+                <a:noFill/>
+              </a:ln>
+              <a:solidFill>
+                <a:schemeClr val="tx1"/>
+              </a:solidFill>
+              <a:effectLst/>
+            </a:endParaRPr>
+          </a:p>
+        </p:txBody>
+      </p:sp>
+      <p:sp>
+        <p:nvSpPr>
+          <p:cNvPr id="5" name="Rectangle 2"/>
+          <p:cNvSpPr>
+            <a:spLocks noChangeArrowheads="1"/>
+          </p:cNvSpPr>
+          <p:nvPr/>
+        </p:nvSpPr>
+        <p:spPr bwMode="auto">
+          <a:xfrm>
+            <a:off x="1300162" y="2659953"/>
+            <a:ext cx="9401176" cy="1692771"/>
+          </a:xfrm>
+          <a:prstGeom prst="rect">
+            <a:avLst/>
+          </a:prstGeom>
+          <a:noFill/>
+          <a:ln>
+            <a:noFill/>
+          </a:ln>
+          <a:effectLst/>
+          <a:extLst>
+            <a:ext uri="{909E8E84-426E-40DD-AFC4-6F175D3DCCD1}">
+              <a14:hiddenFill xmlns:a14="http://schemas.microsoft.com/office/drawing/2010/main">
+                <a:solidFill>
+                  <a:schemeClr val="accent1"/>
+                </a:solidFill>
+              </a14:hiddenFill>
+            </a:ext>
+            <a:ext uri="{91240B29-F687-4F45-9708-019B960494DF}">
+              <a14:hiddenLine xmlns:a14="http://schemas.microsoft.com/office/drawing/2010/main" w="9525">
+                <a:solidFill>
+                  <a:schemeClr val="tx1"/>
+                </a:solidFill>
+                <a:miter lim="800000"/>
+                <a:headEnd/>
+                <a:tailEnd/>
+              </a14:hiddenLine>
+            </a:ext>
+            <a:ext uri="{AF507438-7753-43E0-B8FC-AC1667EBCBE1}">
+              <a14:hiddenEffects xmlns:a14="http://schemas.microsoft.com/office/drawing/2010/main">
+                <a:effectLst>
+                  <a:outerShdw dist="35921" dir="2700000" algn="ctr" rotWithShape="0">
+                    <a:schemeClr val="bg2"/>
+                  </a:outerShdw>
+                </a:effectLst>
+              </a14:hiddenEffects>
+            </a:ext>
+          </a:extLst>
+        </p:spPr>
+        <p:txBody>
+          <a:bodyPr vert="horz" wrap="square" lIns="91440" tIns="45720" rIns="91440" bIns="45720" numCol="1" anchor="ctr" anchorCtr="0" compatLnSpc="1">
+            <a:prstTxWarp prst="textNoShape">
+              <a:avLst/>
+            </a:prstTxWarp>
+            <a:spAutoFit/>
+          </a:bodyPr>
+          <a:lstStyle>
+            <a:lvl1pPr indent="457200" eaLnBrk="0" fontAlgn="base" hangingPunct="0">
+              <a:spcBef>
+                <a:spcPct val="0"/>
+              </a:spcBef>
+              <a:spcAft>
+                <a:spcPct val="0"/>
+              </a:spcAft>
+              <a:defRPr>
+                <a:solidFill>
+                  <a:schemeClr val="tx1"/>
+                </a:solidFill>
+                <a:latin typeface="Arial" panose="020B0604020202020204" pitchFamily="34" charset="0"/>
+              </a:defRPr>
+            </a:lvl1pPr>
+            <a:lvl2pPr eaLnBrk="0" fontAlgn="base" hangingPunct="0">
+              <a:spcBef>
+                <a:spcPct val="0"/>
+              </a:spcBef>
+              <a:spcAft>
+                <a:spcPct val="0"/>
+              </a:spcAft>
+              <a:defRPr>
+                <a:solidFill>
+                  <a:schemeClr val="tx1"/>
+                </a:solidFill>
+                <a:latin typeface="Arial" panose="020B0604020202020204" pitchFamily="34" charset="0"/>
+              </a:defRPr>
+            </a:lvl2pPr>
+            <a:lvl3pPr eaLnBrk="0" fontAlgn="base" hangingPunct="0">
+              <a:spcBef>
+                <a:spcPct val="0"/>
+              </a:spcBef>
+              <a:spcAft>
+                <a:spcPct val="0"/>
+              </a:spcAft>
+              <a:defRPr>
+                <a:solidFill>
+                  <a:schemeClr val="tx1"/>
+                </a:solidFill>
+                <a:latin typeface="Arial" panose="020B0604020202020204" pitchFamily="34" charset="0"/>
+              </a:defRPr>
+            </a:lvl3pPr>
+            <a:lvl4pPr eaLnBrk="0" fontAlgn="base" hangingPunct="0">
+              <a:spcBef>
+                <a:spcPct val="0"/>
+              </a:spcBef>
+              <a:spcAft>
+                <a:spcPct val="0"/>
+              </a:spcAft>
+              <a:defRPr>
+                <a:solidFill>
+                  <a:schemeClr val="tx1"/>
+                </a:solidFill>
+                <a:latin typeface="Arial" panose="020B0604020202020204" pitchFamily="34" charset="0"/>
+              </a:defRPr>
+            </a:lvl4pPr>
+            <a:lvl5pPr eaLnBrk="0" fontAlgn="base" hangingPunct="0">
+              <a:spcBef>
+                <a:spcPct val="0"/>
+              </a:spcBef>
+              <a:spcAft>
+                <a:spcPct val="0"/>
+              </a:spcAft>
+              <a:defRPr>
+                <a:solidFill>
+                  <a:schemeClr val="tx1"/>
+                </a:solidFill>
+                <a:latin typeface="Arial" panose="020B0604020202020204" pitchFamily="34" charset="0"/>
+              </a:defRPr>
+            </a:lvl5pPr>
+            <a:lvl6pPr eaLnBrk="0" fontAlgn="base" hangingPunct="0">
+              <a:spcBef>
+                <a:spcPct val="0"/>
+              </a:spcBef>
+              <a:spcAft>
+                <a:spcPct val="0"/>
+              </a:spcAft>
+              <a:defRPr>
+                <a:solidFill>
+                  <a:schemeClr val="tx1"/>
+                </a:solidFill>
+                <a:latin typeface="Arial" panose="020B0604020202020204" pitchFamily="34" charset="0"/>
+              </a:defRPr>
+            </a:lvl6pPr>
+            <a:lvl7pPr eaLnBrk="0" fontAlgn="base" hangingPunct="0">
+              <a:spcBef>
+                <a:spcPct val="0"/>
+              </a:spcBef>
+              <a:spcAft>
+                <a:spcPct val="0"/>
+              </a:spcAft>
+              <a:defRPr>
+                <a:solidFill>
+                  <a:schemeClr val="tx1"/>
+                </a:solidFill>
+                <a:latin typeface="Arial" panose="020B0604020202020204" pitchFamily="34" charset="0"/>
+              </a:defRPr>
+            </a:lvl7pPr>
+            <a:lvl8pPr eaLnBrk="0" fontAlgn="base" hangingPunct="0">
+              <a:spcBef>
+                <a:spcPct val="0"/>
+              </a:spcBef>
+              <a:spcAft>
+                <a:spcPct val="0"/>
+              </a:spcAft>
+              <a:defRPr>
+                <a:solidFill>
+                  <a:schemeClr val="tx1"/>
+                </a:solidFill>
+                <a:latin typeface="Arial" panose="020B0604020202020204" pitchFamily="34" charset="0"/>
+              </a:defRPr>
+            </a:lvl8pPr>
+            <a:lvl9pPr eaLnBrk="0" fontAlgn="base" hangingPunct="0">
+              <a:spcBef>
+                <a:spcPct val="0"/>
+              </a:spcBef>
+              <a:spcAft>
+                <a:spcPct val="0"/>
+              </a:spcAft>
+              <a:defRPr>
+                <a:solidFill>
+                  <a:schemeClr val="tx1"/>
+                </a:solidFill>
+                <a:latin typeface="Arial" panose="020B0604020202020204" pitchFamily="34" charset="0"/>
+              </a:defRPr>
+            </a:lvl9pPr>
+          </a:lstStyle>
+          <a:p>
+            <a:pPr marL="0" marR="0" lvl="0" indent="457200" algn="l" defTabSz="914400" rtl="0" eaLnBrk="0" fontAlgn="base" latinLnBrk="0" hangingPunct="0">
+              <a:lnSpc>
+                <a:spcPct val="100000"/>
+              </a:lnSpc>
+              <a:spcBef>
+                <a:spcPct val="0"/>
+              </a:spcBef>
+              <a:spcAft>
+                <a:spcPct val="0"/>
+              </a:spcAft>
+              <a:buClrTx/>
+              <a:buSzTx/>
+              <a:buFontTx/>
+              <a:buNone/>
+              <a:tabLst/>
+            </a:pPr>
+            <a:r>
+              <a:rPr kumimoji="0" lang="en-US" altLang="en-US" sz="2800" b="0" i="0" u="none" strike="noStrike" cap="none" normalizeH="0" baseline="0" dirty="0">
+                <a:ln>
+                  <a:noFill/>
+                </a:ln>
+                <a:solidFill>
+                  <a:schemeClr val="tx1"/>
+                </a:solidFill>
+                <a:effectLst/>
+                <a:latin typeface="Calibri" panose="020F0502020204030204" pitchFamily="34" charset="0"/>
+                <a:ea typeface="Calibri" panose="020F0502020204030204" pitchFamily="34" charset="0"/>
+                <a:cs typeface="Calibri" panose="020F0502020204030204" pitchFamily="34" charset="0"/>
+              </a:rPr>
+              <a:t>So to achieve this Data Rate, </a:t>
+            </a:r>
+          </a:p>
+          <a:p>
+            <a:pPr marL="0" marR="0" lvl="0" indent="457200" algn="l" defTabSz="914400" rtl="0" eaLnBrk="0" fontAlgn="base" latinLnBrk="0" hangingPunct="0">
+              <a:lnSpc>
+                <a:spcPct val="100000"/>
+              </a:lnSpc>
+              <a:spcBef>
+                <a:spcPct val="0"/>
+              </a:spcBef>
+              <a:spcAft>
+                <a:spcPct val="0"/>
+              </a:spcAft>
+              <a:buClrTx/>
+              <a:buSzTx/>
+              <a:buFontTx/>
+              <a:buNone/>
+              <a:tabLst/>
+            </a:pPr>
+            <a:endParaRPr kumimoji="0" lang="en-US" altLang="en-US" sz="2000" b="0" i="0" u="none" strike="noStrike" cap="none" normalizeH="0" baseline="0" dirty="0">
+              <a:ln>
+                <a:noFill/>
+              </a:ln>
+              <a:solidFill>
+                <a:schemeClr val="tx1"/>
+              </a:solidFill>
+              <a:effectLst/>
+            </a:endParaRPr>
+          </a:p>
+          <a:p>
+            <a:pPr marL="0" marR="0" lvl="0" indent="457200" algn="l" defTabSz="914400" rtl="0" eaLnBrk="0" fontAlgn="base" latinLnBrk="0" hangingPunct="0">
+              <a:lnSpc>
+                <a:spcPct val="100000"/>
+              </a:lnSpc>
+              <a:spcBef>
+                <a:spcPct val="0"/>
+              </a:spcBef>
+              <a:spcAft>
+                <a:spcPct val="0"/>
+              </a:spcAft>
+              <a:buClrTx/>
+              <a:buSzTx/>
+              <a:buFontTx/>
+              <a:buNone/>
+              <a:tabLst/>
+            </a:pPr>
+            <a:r>
+              <a:rPr kumimoji="0" lang="en-US" altLang="en-US" sz="2800" b="1" i="0" u="none" strike="noStrike" cap="none" normalizeH="0" baseline="0" dirty="0">
+                <a:ln>
+                  <a:noFill/>
+                </a:ln>
+                <a:solidFill>
+                  <a:schemeClr val="tx1"/>
+                </a:solidFill>
+                <a:effectLst/>
+                <a:latin typeface="Calibri" panose="020F0502020204030204" pitchFamily="34" charset="0"/>
+                <a:ea typeface="Calibri" panose="020F0502020204030204" pitchFamily="34" charset="0"/>
+                <a:cs typeface="Calibri" panose="020F0502020204030204" pitchFamily="34" charset="0"/>
+              </a:rPr>
+              <a:t>		SNR	 ≥ 	 2 </a:t>
+            </a:r>
+            <a:r>
+              <a:rPr kumimoji="0" lang="en-US" altLang="en-US" sz="2800" b="1" i="0" u="none" strike="noStrike" cap="none" normalizeH="0" baseline="30000" dirty="0">
+                <a:ln>
+                  <a:noFill/>
+                </a:ln>
+                <a:solidFill>
+                  <a:schemeClr val="tx1"/>
+                </a:solidFill>
+                <a:effectLst/>
+                <a:latin typeface="Calibri" panose="020F0502020204030204" pitchFamily="34" charset="0"/>
+                <a:ea typeface="Calibri" panose="020F0502020204030204" pitchFamily="34" charset="0"/>
+                <a:cs typeface="Calibri" panose="020F0502020204030204" pitchFamily="34" charset="0"/>
+              </a:rPr>
+              <a:t>D/B </a:t>
+            </a:r>
+            <a:r>
+              <a:rPr kumimoji="0" lang="en-US" altLang="en-US" sz="2800" b="1" i="0" u="none" strike="noStrike" cap="none" normalizeH="0" baseline="0" dirty="0">
+                <a:ln>
+                  <a:noFill/>
+                </a:ln>
+                <a:solidFill>
+                  <a:schemeClr val="tx1"/>
+                </a:solidFill>
+                <a:effectLst/>
+                <a:latin typeface="Calibri" panose="020F0502020204030204" pitchFamily="34" charset="0"/>
+                <a:ea typeface="Calibri" panose="020F0502020204030204" pitchFamily="34" charset="0"/>
+                <a:cs typeface="Calibri" panose="020F0502020204030204" pitchFamily="34" charset="0"/>
+              </a:rPr>
+              <a:t> -1</a:t>
+            </a:r>
+            <a:endParaRPr kumimoji="0" lang="en-US" altLang="en-US" sz="2000" b="0" i="0" u="none" strike="noStrike" cap="none" normalizeH="0" baseline="0" dirty="0">
+              <a:ln>
+                <a:noFill/>
+              </a:ln>
+              <a:solidFill>
+                <a:schemeClr val="tx1"/>
+              </a:solidFill>
+              <a:effectLst/>
+            </a:endParaRPr>
+          </a:p>
+          <a:p>
+            <a:pPr marL="0" marR="0" lvl="0" indent="457200" algn="l" defTabSz="914400" rtl="0" eaLnBrk="0" fontAlgn="base" latinLnBrk="0" hangingPunct="0">
+              <a:lnSpc>
+                <a:spcPct val="100000"/>
+              </a:lnSpc>
+              <a:spcBef>
+                <a:spcPct val="0"/>
+              </a:spcBef>
+              <a:spcAft>
+                <a:spcPct val="0"/>
+              </a:spcAft>
+              <a:buClrTx/>
+              <a:buSzTx/>
+              <a:buFontTx/>
+              <a:buNone/>
+              <a:tabLst/>
+            </a:pPr>
+            <a:r>
+              <a:rPr kumimoji="0" lang="en-US" altLang="en-US" sz="2800" b="1" i="0" u="none" strike="noStrike" cap="none" normalizeH="0" baseline="0" dirty="0">
+                <a:ln>
+                  <a:noFill/>
+                </a:ln>
+                <a:solidFill>
+                  <a:schemeClr val="tx1"/>
+                </a:solidFill>
+                <a:effectLst/>
+                <a:latin typeface="Calibri" panose="020F0502020204030204" pitchFamily="34" charset="0"/>
+                <a:ea typeface="Calibri" panose="020F0502020204030204" pitchFamily="34" charset="0"/>
+                <a:cs typeface="Calibri" panose="020F0502020204030204" pitchFamily="34" charset="0"/>
+              </a:rPr>
+              <a:t>or, 	1/ SNR  ≤  	1/ 2 </a:t>
+            </a:r>
+            <a:r>
+              <a:rPr kumimoji="0" lang="en-US" altLang="en-US" sz="2800" b="1" i="0" u="none" strike="noStrike" cap="none" normalizeH="0" baseline="30000" dirty="0">
+                <a:ln>
+                  <a:noFill/>
+                </a:ln>
+                <a:solidFill>
+                  <a:schemeClr val="tx1"/>
+                </a:solidFill>
+                <a:effectLst/>
+                <a:latin typeface="Calibri" panose="020F0502020204030204" pitchFamily="34" charset="0"/>
+                <a:ea typeface="Calibri" panose="020F0502020204030204" pitchFamily="34" charset="0"/>
+                <a:cs typeface="Calibri" panose="020F0502020204030204" pitchFamily="34" charset="0"/>
+              </a:rPr>
+              <a:t>D/B </a:t>
+            </a:r>
+            <a:r>
+              <a:rPr kumimoji="0" lang="en-US" altLang="en-US" sz="2800" b="1" i="0" u="none" strike="noStrike" cap="none" normalizeH="0" baseline="0" dirty="0">
+                <a:ln>
+                  <a:noFill/>
+                </a:ln>
+                <a:solidFill>
+                  <a:schemeClr val="tx1"/>
+                </a:solidFill>
+                <a:effectLst/>
+                <a:latin typeface="Calibri" panose="020F0502020204030204" pitchFamily="34" charset="0"/>
+                <a:ea typeface="Calibri" panose="020F0502020204030204" pitchFamily="34" charset="0"/>
+                <a:cs typeface="Calibri" panose="020F0502020204030204" pitchFamily="34" charset="0"/>
+              </a:rPr>
+              <a:t> -1</a:t>
+            </a:r>
+            <a:endParaRPr kumimoji="0" lang="en-US" altLang="en-US" sz="2000" b="0" i="0" u="none" strike="noStrike" cap="none" normalizeH="0" baseline="0" dirty="0">
+              <a:ln>
+                <a:noFill/>
+              </a:ln>
+              <a:solidFill>
+                <a:schemeClr val="tx1"/>
+              </a:solidFill>
+              <a:effectLst/>
+            </a:endParaRPr>
+          </a:p>
+        </p:txBody>
+      </p:sp>
+      <p:sp>
+        <p:nvSpPr>
+          <p:cNvPr id="6" name="Text Box 2"/>
+          <p:cNvSpPr txBox="1"/>
+          <p:nvPr/>
+        </p:nvSpPr>
+        <p:spPr>
+          <a:xfrm>
+            <a:off x="3384867" y="11352531"/>
+            <a:ext cx="670813" cy="887412"/>
+          </a:xfrm>
+          <a:prstGeom prst="rect">
+            <a:avLst/>
+          </a:prstGeom>
+          <a:solidFill>
+            <a:schemeClr val="lt1"/>
+          </a:solidFill>
+          <a:ln w="6350">
+            <a:solidFill>
+              <a:prstClr val="black"/>
+            </a:solidFill>
+          </a:ln>
+        </p:spPr>
+        <p:txBody>
+          <a:bodyPr rot="0" spcFirstLastPara="0" vert="horz" wrap="square" lIns="91440" tIns="45720" rIns="91440" bIns="45720" numCol="1" spcCol="0" rtlCol="0" fromWordArt="0" anchor="t" anchorCtr="0" forceAA="0" compatLnSpc="1">
+            <a:prstTxWarp prst="textNoShape">
+              <a:avLst/>
+            </a:prstTxWarp>
+            <a:noAutofit/>
+          </a:bodyPr>
+          <a:lstStyle/>
+          <a:p>
+            <a:pPr marL="0" marR="0">
+              <a:lnSpc>
+                <a:spcPct val="107000"/>
+              </a:lnSpc>
+              <a:spcBef>
+                <a:spcPts val="0"/>
+              </a:spcBef>
+              <a:spcAft>
+                <a:spcPts val="800"/>
+              </a:spcAft>
+            </a:pPr>
+            <a:r>
+              <a:rPr lang="en-IN" sz="1100">
+                <a:effectLst/>
+                <a:latin typeface="Calibri" panose="020F0502020204030204" pitchFamily="34" charset="0"/>
+                <a:ea typeface="Calibri" panose="020F0502020204030204" pitchFamily="34" charset="0"/>
+                <a:cs typeface="Times New Roman" panose="02020603050405020304" pitchFamily="18" charset="0"/>
+              </a:rPr>
+              <a:t> </a:t>
+            </a:r>
+          </a:p>
+        </p:txBody>
+      </p:sp>
+      <p:sp>
+        <p:nvSpPr>
+          <p:cNvPr id="7" name="Rectangle 4"/>
+          <p:cNvSpPr>
+            <a:spLocks noChangeArrowheads="1"/>
+          </p:cNvSpPr>
+          <p:nvPr/>
+        </p:nvSpPr>
+        <p:spPr bwMode="auto">
+          <a:xfrm>
+            <a:off x="1300162" y="4273001"/>
+            <a:ext cx="10758488" cy="1692771"/>
+          </a:xfrm>
+          <a:prstGeom prst="rect">
+            <a:avLst/>
+          </a:prstGeom>
+          <a:noFill/>
+          <a:ln>
+            <a:noFill/>
+          </a:ln>
+          <a:effectLst/>
+          <a:extLst>
+            <a:ext uri="{909E8E84-426E-40DD-AFC4-6F175D3DCCD1}">
+              <a14:hiddenFill xmlns:a14="http://schemas.microsoft.com/office/drawing/2010/main">
+                <a:solidFill>
+                  <a:schemeClr val="accent1"/>
+                </a:solidFill>
+              </a14:hiddenFill>
+            </a:ext>
+            <a:ext uri="{91240B29-F687-4F45-9708-019B960494DF}">
+              <a14:hiddenLine xmlns:a14="http://schemas.microsoft.com/office/drawing/2010/main" w="9525">
+                <a:solidFill>
+                  <a:schemeClr val="tx1"/>
+                </a:solidFill>
+                <a:miter lim="800000"/>
+                <a:headEnd/>
+                <a:tailEnd/>
+              </a14:hiddenLine>
+            </a:ext>
+            <a:ext uri="{AF507438-7753-43E0-B8FC-AC1667EBCBE1}">
+              <a14:hiddenEffects xmlns:a14="http://schemas.microsoft.com/office/drawing/2010/main">
+                <a:effectLst>
+                  <a:outerShdw dist="35921" dir="2700000" algn="ctr" rotWithShape="0">
+                    <a:schemeClr val="bg2"/>
+                  </a:outerShdw>
+                </a:effectLst>
+              </a14:hiddenEffects>
+            </a:ext>
+          </a:extLst>
+        </p:spPr>
+        <p:txBody>
+          <a:bodyPr vert="horz" wrap="square" lIns="91440" tIns="45720" rIns="91440" bIns="45720" numCol="1" anchor="ctr" anchorCtr="0" compatLnSpc="1">
+            <a:prstTxWarp prst="textNoShape">
+              <a:avLst/>
+            </a:prstTxWarp>
+            <a:spAutoFit/>
+          </a:bodyPr>
+          <a:lstStyle/>
+          <a:p>
+            <a:pPr marL="0" marR="0" lvl="0" indent="457200" algn="l" defTabSz="914400" rtl="0" eaLnBrk="0" fontAlgn="base" latinLnBrk="0" hangingPunct="0">
+              <a:lnSpc>
+                <a:spcPct val="100000"/>
+              </a:lnSpc>
+              <a:spcBef>
+                <a:spcPct val="0"/>
+              </a:spcBef>
+              <a:spcAft>
+                <a:spcPct val="0"/>
+              </a:spcAft>
+              <a:buClrTx/>
+              <a:buSzTx/>
+              <a:buFontTx/>
+              <a:buNone/>
+              <a:tabLst/>
+            </a:pPr>
+            <a:r>
+              <a:rPr kumimoji="0" lang="en-US" altLang="en-US" sz="2800" b="1" i="0" u="none" strike="noStrike" cap="none" normalizeH="0" baseline="0" dirty="0">
+                <a:ln>
+                  <a:noFill/>
+                </a:ln>
+                <a:solidFill>
+                  <a:schemeClr val="tx1"/>
+                </a:solidFill>
+                <a:effectLst/>
+                <a:latin typeface="Calibri" panose="020F0502020204030204" pitchFamily="34" charset="0"/>
+                <a:ea typeface="Calibri" panose="020F0502020204030204" pitchFamily="34" charset="0"/>
+                <a:cs typeface="Calibri" panose="020F0502020204030204" pitchFamily="34" charset="0"/>
+              </a:rPr>
+              <a:t>or, 	∑ I 	≤ 	1/ 2 </a:t>
+            </a:r>
+            <a:r>
+              <a:rPr kumimoji="0" lang="en-US" altLang="en-US" sz="2800" b="1" i="0" u="none" strike="noStrike" cap="none" normalizeH="0" baseline="30000" dirty="0">
+                <a:ln>
+                  <a:noFill/>
+                </a:ln>
+                <a:solidFill>
+                  <a:schemeClr val="tx1"/>
+                </a:solidFill>
+                <a:effectLst/>
+                <a:latin typeface="Calibri" panose="020F0502020204030204" pitchFamily="34" charset="0"/>
+                <a:ea typeface="Calibri" panose="020F0502020204030204" pitchFamily="34" charset="0"/>
+                <a:cs typeface="Calibri" panose="020F0502020204030204" pitchFamily="34" charset="0"/>
+              </a:rPr>
+              <a:t>D/B </a:t>
+            </a:r>
+            <a:r>
+              <a:rPr kumimoji="0" lang="en-US" altLang="en-US" sz="2800" b="1" i="0" u="none" strike="noStrike" cap="none" normalizeH="0" baseline="0" dirty="0">
+                <a:ln>
+                  <a:noFill/>
+                </a:ln>
+                <a:solidFill>
+                  <a:schemeClr val="tx1"/>
+                </a:solidFill>
+                <a:effectLst/>
+                <a:latin typeface="Calibri" panose="020F0502020204030204" pitchFamily="34" charset="0"/>
+                <a:ea typeface="Calibri" panose="020F0502020204030204" pitchFamily="34" charset="0"/>
+                <a:cs typeface="Calibri" panose="020F0502020204030204" pitchFamily="34" charset="0"/>
+              </a:rPr>
+              <a:t> -1 		 [ Tolerance </a:t>
+            </a:r>
+            <a:r>
+              <a:rPr kumimoji="0" lang="en-US" altLang="en-US" sz="2800" b="1" i="0" u="none" strike="noStrike" cap="none" normalizeH="0" baseline="0" dirty="0" err="1">
+                <a:ln>
+                  <a:noFill/>
+                </a:ln>
+                <a:solidFill>
+                  <a:schemeClr val="tx1"/>
+                </a:solidFill>
+                <a:effectLst/>
+                <a:latin typeface="Calibri" panose="020F0502020204030204" pitchFamily="34" charset="0"/>
+                <a:ea typeface="Calibri" panose="020F0502020204030204" pitchFamily="34" charset="0"/>
+                <a:cs typeface="Calibri" panose="020F0502020204030204" pitchFamily="34" charset="0"/>
+              </a:rPr>
+              <a:t>Ƭ</a:t>
+            </a:r>
+            <a:r>
+              <a:rPr kumimoji="0" lang="en-US" altLang="en-US" sz="2800" b="1" i="0" u="none" strike="noStrike" cap="none" normalizeH="0" baseline="-30000" dirty="0" err="1">
+                <a:ln>
+                  <a:noFill/>
+                </a:ln>
+                <a:solidFill>
+                  <a:schemeClr val="tx1"/>
+                </a:solidFill>
+                <a:effectLst/>
+                <a:latin typeface="Calibri" panose="020F0502020204030204" pitchFamily="34" charset="0"/>
+                <a:ea typeface="Calibri" panose="020F0502020204030204" pitchFamily="34" charset="0"/>
+                <a:cs typeface="Calibri" panose="020F0502020204030204" pitchFamily="34" charset="0"/>
+              </a:rPr>
+              <a:t>i</a:t>
+            </a:r>
+            <a:r>
+              <a:rPr kumimoji="0" lang="en-US" altLang="en-US" sz="2800" b="1" i="0" u="none" strike="noStrike" cap="none" normalizeH="0" baseline="0" dirty="0">
+                <a:ln>
+                  <a:noFill/>
+                </a:ln>
+                <a:solidFill>
+                  <a:schemeClr val="tx1"/>
+                </a:solidFill>
+                <a:effectLst/>
+                <a:latin typeface="Calibri" panose="020F0502020204030204" pitchFamily="34" charset="0"/>
+                <a:ea typeface="Calibri" panose="020F0502020204030204" pitchFamily="34" charset="0"/>
+                <a:cs typeface="Calibri" panose="020F0502020204030204" pitchFamily="34" charset="0"/>
+              </a:rPr>
+              <a:t> =  1/ 2 </a:t>
+            </a:r>
+            <a:r>
+              <a:rPr kumimoji="0" lang="en-US" altLang="en-US" sz="2800" b="1" i="0" u="none" strike="noStrike" cap="none" normalizeH="0" baseline="30000" dirty="0">
+                <a:ln>
+                  <a:noFill/>
+                </a:ln>
+                <a:solidFill>
+                  <a:schemeClr val="tx1"/>
+                </a:solidFill>
+                <a:effectLst/>
+                <a:latin typeface="Calibri" panose="020F0502020204030204" pitchFamily="34" charset="0"/>
+                <a:ea typeface="Calibri" panose="020F0502020204030204" pitchFamily="34" charset="0"/>
+                <a:cs typeface="Calibri" panose="020F0502020204030204" pitchFamily="34" charset="0"/>
+              </a:rPr>
+              <a:t>D/B </a:t>
+            </a:r>
+            <a:r>
+              <a:rPr kumimoji="0" lang="en-US" altLang="en-US" sz="2800" b="1" i="0" u="none" strike="noStrike" cap="none" normalizeH="0" baseline="0" dirty="0">
+                <a:ln>
+                  <a:noFill/>
+                </a:ln>
+                <a:solidFill>
+                  <a:schemeClr val="tx1"/>
+                </a:solidFill>
+                <a:effectLst/>
+                <a:latin typeface="Calibri" panose="020F0502020204030204" pitchFamily="34" charset="0"/>
+                <a:ea typeface="Calibri" panose="020F0502020204030204" pitchFamily="34" charset="0"/>
+                <a:cs typeface="Calibri" panose="020F0502020204030204" pitchFamily="34" charset="0"/>
+              </a:rPr>
+              <a:t> -1 ]</a:t>
+            </a:r>
+          </a:p>
+          <a:p>
+            <a:pPr marL="0" marR="0" lvl="0" indent="457200" algn="l" defTabSz="914400" rtl="0" eaLnBrk="0" fontAlgn="base" latinLnBrk="0" hangingPunct="0">
+              <a:lnSpc>
+                <a:spcPct val="100000"/>
+              </a:lnSpc>
+              <a:spcBef>
+                <a:spcPct val="0"/>
+              </a:spcBef>
+              <a:spcAft>
+                <a:spcPct val="0"/>
+              </a:spcAft>
+              <a:buClrTx/>
+              <a:buSzTx/>
+              <a:buFontTx/>
+              <a:buNone/>
+              <a:tabLst/>
+            </a:pPr>
+            <a:endParaRPr lang="en-US" altLang="en-US" sz="2800" b="1" dirty="0">
+              <a:latin typeface="Calibri" panose="020F0502020204030204" pitchFamily="34" charset="0"/>
+              <a:cs typeface="Calibri" panose="020F0502020204030204" pitchFamily="34" charset="0"/>
+            </a:endParaRPr>
+          </a:p>
+          <a:p>
+            <a:pPr marL="0" marR="0" lvl="0" indent="457200" algn="l" defTabSz="914400" rtl="0" eaLnBrk="0" fontAlgn="base" latinLnBrk="0" hangingPunct="0">
+              <a:lnSpc>
+                <a:spcPct val="100000"/>
+              </a:lnSpc>
+              <a:spcBef>
+                <a:spcPct val="0"/>
+              </a:spcBef>
+              <a:spcAft>
+                <a:spcPct val="0"/>
+              </a:spcAft>
+              <a:buClrTx/>
+              <a:buSzTx/>
+              <a:buFontTx/>
+              <a:buNone/>
+              <a:tabLst/>
+            </a:pPr>
+            <a:endParaRPr kumimoji="0" lang="en-US" altLang="en-US" sz="2000" b="0" i="0" u="none" strike="noStrike" cap="none" normalizeH="0" baseline="0" dirty="0">
+              <a:ln>
+                <a:noFill/>
+              </a:ln>
+              <a:solidFill>
+                <a:schemeClr val="tx1"/>
+              </a:solidFill>
+              <a:effectLst/>
+            </a:endParaRPr>
+          </a:p>
+          <a:p>
+            <a:pPr marL="0" marR="0" lvl="0" indent="457200" algn="l" defTabSz="914400" rtl="0" eaLnBrk="0" fontAlgn="base" latinLnBrk="0" hangingPunct="0">
+              <a:lnSpc>
+                <a:spcPct val="100000"/>
+              </a:lnSpc>
+              <a:spcBef>
+                <a:spcPct val="0"/>
+              </a:spcBef>
+              <a:spcAft>
+                <a:spcPct val="0"/>
+              </a:spcAft>
+              <a:buClrTx/>
+              <a:buSzTx/>
+              <a:buFontTx/>
+              <a:buNone/>
+              <a:tabLst/>
+            </a:pPr>
+            <a:r>
+              <a:rPr kumimoji="0" lang="en-US" altLang="en-US" sz="2800" b="0" i="0" u="none" strike="noStrike" cap="none" normalizeH="0" baseline="0" dirty="0">
+                <a:ln>
+                  <a:noFill/>
+                </a:ln>
+                <a:solidFill>
+                  <a:schemeClr val="tx1"/>
+                </a:solidFill>
+                <a:effectLst/>
+                <a:latin typeface="Calibri" panose="020F0502020204030204" pitchFamily="34" charset="0"/>
+                <a:ea typeface="Calibri" panose="020F0502020204030204" pitchFamily="34" charset="0"/>
+                <a:cs typeface="Calibri" panose="020F0502020204030204" pitchFamily="34" charset="0"/>
+              </a:rPr>
+              <a:t>This Equation must have satisfied, </a:t>
+            </a:r>
+            <a:r>
+              <a:rPr kumimoji="0" lang="en-US" altLang="en-US" sz="2800" b="1" i="0" u="none" strike="noStrike" cap="none" normalizeH="0" baseline="0" dirty="0">
+                <a:ln>
+                  <a:noFill/>
+                </a:ln>
+                <a:solidFill>
+                  <a:schemeClr val="tx1"/>
+                </a:solidFill>
+                <a:effectLst/>
+                <a:latin typeface="Calibri" panose="020F0502020204030204" pitchFamily="34" charset="0"/>
+                <a:ea typeface="Calibri" panose="020F0502020204030204" pitchFamily="34" charset="0"/>
+                <a:cs typeface="Calibri" panose="020F0502020204030204" pitchFamily="34" charset="0"/>
+              </a:rPr>
+              <a:t>		∑ I  ≤ </a:t>
+            </a:r>
+            <a:r>
+              <a:rPr kumimoji="0" lang="en-US" altLang="en-US" sz="2800" b="1" i="0" u="none" strike="noStrike" cap="none" normalizeH="0" baseline="0" dirty="0" err="1">
+                <a:ln>
+                  <a:noFill/>
+                </a:ln>
+                <a:solidFill>
+                  <a:schemeClr val="tx1"/>
+                </a:solidFill>
+                <a:effectLst/>
+                <a:latin typeface="Calibri" panose="020F0502020204030204" pitchFamily="34" charset="0"/>
+                <a:ea typeface="Calibri" panose="020F0502020204030204" pitchFamily="34" charset="0"/>
+                <a:cs typeface="Calibri" panose="020F0502020204030204" pitchFamily="34" charset="0"/>
+              </a:rPr>
+              <a:t>Ƭ</a:t>
+            </a:r>
+            <a:r>
+              <a:rPr kumimoji="0" lang="en-US" altLang="en-US" sz="2800" b="1" i="0" u="none" strike="noStrike" cap="none" normalizeH="0" baseline="-30000" dirty="0" err="1">
+                <a:ln>
+                  <a:noFill/>
+                </a:ln>
+                <a:solidFill>
+                  <a:schemeClr val="tx1"/>
+                </a:solidFill>
+                <a:effectLst/>
+                <a:latin typeface="Calibri" panose="020F0502020204030204" pitchFamily="34" charset="0"/>
+                <a:ea typeface="Calibri" panose="020F0502020204030204" pitchFamily="34" charset="0"/>
+                <a:cs typeface="Calibri" panose="020F0502020204030204" pitchFamily="34" charset="0"/>
+              </a:rPr>
+              <a:t>i</a:t>
+            </a:r>
+            <a:r>
+              <a:rPr kumimoji="0" lang="en-US" altLang="en-US" sz="2800" b="1" i="0" u="none" strike="noStrike" cap="none" normalizeH="0" baseline="0" dirty="0">
+                <a:ln>
+                  <a:noFill/>
+                </a:ln>
+                <a:solidFill>
+                  <a:schemeClr val="tx1"/>
+                </a:solidFill>
+                <a:effectLst/>
+                <a:latin typeface="Calibri" panose="020F0502020204030204" pitchFamily="34" charset="0"/>
+                <a:ea typeface="Calibri" panose="020F0502020204030204" pitchFamily="34" charset="0"/>
+                <a:cs typeface="Calibri" panose="020F0502020204030204" pitchFamily="34" charset="0"/>
+              </a:rPr>
+              <a:t>	</a:t>
+            </a:r>
+            <a:endParaRPr kumimoji="0" lang="en-US" altLang="en-US" sz="3600" b="0" i="0" u="none" strike="noStrike" cap="none" normalizeH="0" baseline="0" dirty="0">
+              <a:ln>
+                <a:noFill/>
+              </a:ln>
+              <a:solidFill>
+                <a:schemeClr val="tx1"/>
+              </a:solidFill>
+              <a:effectLst/>
+              <a:latin typeface="Arial" panose="020B0604020202020204" pitchFamily="34" charset="0"/>
+            </a:endParaRPr>
+          </a:p>
+        </p:txBody>
+      </p:sp>
+      <p:sp>
+        <p:nvSpPr>
+          <p:cNvPr id="8" name="Title 1"/>
+          <p:cNvSpPr>
+            <a:spLocks noGrp="1"/>
+          </p:cNvSpPr>
+          <p:nvPr>
+            <p:ph type="title"/>
+          </p:nvPr>
+        </p:nvSpPr>
+        <p:spPr>
+          <a:xfrm>
+            <a:off x="1614488" y="638398"/>
+            <a:ext cx="8575674" cy="661765"/>
+          </a:xfrm>
+        </p:spPr>
+        <p:txBody>
+          <a:bodyPr>
+            <a:normAutofit/>
+          </a:bodyPr>
+          <a:lstStyle/>
+          <a:p>
+            <a:r>
+              <a:rPr lang="en-IN" dirty="0"/>
+              <a:t>Mathematical	 model </a:t>
+            </a:r>
+          </a:p>
+        </p:txBody>
+      </p:sp>
+    </p:spTree>
+    <p:extLst>
+      <p:ext uri="{BB962C8B-B14F-4D97-AF65-F5344CB8AC3E}">
+        <p14:creationId xmlns:p14="http://schemas.microsoft.com/office/powerpoint/2010/main" val="721302510"/>
+      </p:ext>
+    </p:extLst>
+  </p:cSld>
+  <p:clrMapOvr>
+    <a:masterClrMapping/>
+  </p:clrMapOvr>
+</p:sld>
+</file>
+
+<file path=ppt/slides/slide11.xml><?xml version="1.0" encoding="utf-8"?>
+<p:sld xmlns:a="http://schemas.openxmlformats.org/drawingml/2006/main" xmlns:r="http://schemas.openxmlformats.org/officeDocument/2006/relationships" xmlns:p="http://schemas.openxmlformats.org/presentationml/2006/main">
+  <p:cSld>
+    <p:spTree>
+      <p:nvGrpSpPr>
+        <p:cNvPr id="1" name=""/>
+        <p:cNvGrpSpPr/>
+        <p:nvPr/>
+      </p:nvGrpSpPr>
+      <p:grpSpPr>
+        <a:xfrm>
+          <a:off x="0" y="0"/>
+          <a:ext cx="0" cy="0"/>
+          <a:chOff x="0" y="0"/>
+          <a:chExt cx="0" cy="0"/>
+        </a:xfrm>
+      </p:grpSpPr>
+      <p:sp>
+        <p:nvSpPr>
+          <p:cNvPr id="9" name="Rectangle 8">
+            <a:extLst>
+              <a:ext uri="{FF2B5EF4-FFF2-40B4-BE49-F238E27FC236}">
+                <a16:creationId xmlns:a16="http://schemas.microsoft.com/office/drawing/2014/main" id="{37B5A23F-7276-435D-91DA-09104D77774D}"/>
+              </a:ext>
+              <a:ext uri="{C183D7F6-B498-43B3-948B-1728B52AA6E4}">
+                <adec:decorative xmlns:adec="http://schemas.microsoft.com/office/drawing/2017/decorative" xmlns="" val="1"/>
+              </a:ext>
+            </a:extLst>
+          </p:cNvPr>
+          <p:cNvSpPr>
+            <a:spLocks noGrp="1" noRot="1" noChangeAspect="1" noMove="1" noResize="1" noEditPoints="1" noAdjustHandles="1" noChangeArrowheads="1" noChangeShapeType="1" noTextEdit="1"/>
+          </p:cNvSpPr>
+          <p:nvPr>
+            <p:extLst>
+              <p:ext uri="{386F3935-93C4-4BCD-93E2-E3B085C9AB24}">
+                <p16:designElem xmlns:p16="http://schemas.microsoft.com/office/powerpoint/2015/main" val="1"/>
+              </p:ext>
+            </p:extLst>
+          </p:nvPr>
+        </p:nvSpPr>
+        <p:spPr>
+          <a:xfrm>
+            <a:off x="0" y="0"/>
+            <a:ext cx="12135481" cy="6858000"/>
+          </a:xfrm>
+          <a:prstGeom prst="rect">
+            <a:avLst/>
+          </a:prstGeom>
+          <a:ln>
+            <a:noFill/>
+          </a:ln>
+        </p:spPr>
+        <p:style>
+          <a:lnRef idx="2">
+            <a:schemeClr val="accent1">
+              <a:shade val="50000"/>
+            </a:schemeClr>
+          </a:lnRef>
+          <a:fillRef idx="1003">
+            <a:schemeClr val="lt2"/>
+          </a:fillRef>
+          <a:effectRef idx="0">
+            <a:schemeClr val="accent1"/>
+          </a:effectRef>
+          <a:fontRef idx="minor">
+            <a:schemeClr val="lt1"/>
+          </a:fontRef>
+        </p:style>
+        <p:txBody>
+          <a:bodyPr rtlCol="0" anchor="ctr"/>
+          <a:lstStyle/>
+          <a:p>
+            <a:pPr algn="ctr"/>
+            <a:endParaRPr lang="en-US"/>
+          </a:p>
+        </p:txBody>
+      </p:sp>
+      <p:sp>
+        <p:nvSpPr>
+          <p:cNvPr id="11" name="Rectangle 10">
+            <a:extLst>
+              <a:ext uri="{FF2B5EF4-FFF2-40B4-BE49-F238E27FC236}">
+                <a16:creationId xmlns:a16="http://schemas.microsoft.com/office/drawing/2014/main" id="{2F3ECD7F-BF61-4CB1-AA15-464BB771E778}"/>
+              </a:ext>
+              <a:ext uri="{C183D7F6-B498-43B3-948B-1728B52AA6E4}">
+                <adec:decorative xmlns:adec="http://schemas.microsoft.com/office/drawing/2017/decorative" xmlns="" val="1"/>
+              </a:ext>
+            </a:extLst>
+          </p:cNvPr>
+          <p:cNvSpPr>
+            <a:spLocks noGrp="1" noRot="1" noChangeAspect="1" noMove="1" noResize="1" noEditPoints="1" noAdjustHandles="1" noChangeArrowheads="1" noChangeShapeType="1" noTextEdit="1"/>
+          </p:cNvSpPr>
+          <p:nvPr>
+            <p:extLst>
+              <p:ext uri="{386F3935-93C4-4BCD-93E2-E3B085C9AB24}">
+                <p16:designElem xmlns:p16="http://schemas.microsoft.com/office/powerpoint/2015/main" val="1"/>
+              </p:ext>
+            </p:extLst>
+          </p:nvPr>
+        </p:nvSpPr>
+        <p:spPr>
+          <a:xfrm>
+            <a:off x="0" y="-786"/>
+            <a:ext cx="12192000" cy="6854038"/>
+          </a:xfrm>
+          <a:prstGeom prst="rect">
+            <a:avLst/>
+          </a:prstGeom>
+          <a:ln>
+            <a:noFill/>
+          </a:ln>
+        </p:spPr>
+        <p:style>
+          <a:lnRef idx="2">
+            <a:schemeClr val="accent1">
+              <a:shade val="50000"/>
+            </a:schemeClr>
+          </a:lnRef>
+          <a:fillRef idx="1003">
+            <a:schemeClr val="lt2"/>
+          </a:fillRef>
+          <a:effectRef idx="0">
+            <a:schemeClr val="accent1"/>
+          </a:effectRef>
+          <a:fontRef idx="minor">
+            <a:schemeClr val="lt1"/>
+          </a:fontRef>
+        </p:style>
+        <p:txBody>
+          <a:bodyPr rtlCol="0" anchor="ctr"/>
+          <a:lstStyle/>
+          <a:p>
+            <a:pPr algn="ctr"/>
+            <a:endParaRPr lang="en-US"/>
+          </a:p>
+        </p:txBody>
+      </p:sp>
+      <p:sp>
+        <p:nvSpPr>
+          <p:cNvPr id="13" name="Rectangle 12">
+            <a:extLst>
+              <a:ext uri="{FF2B5EF4-FFF2-40B4-BE49-F238E27FC236}">
+                <a16:creationId xmlns:a16="http://schemas.microsoft.com/office/drawing/2014/main" id="{966F1B29-3A08-4DB7-9F92-4C09B3BCFF14}"/>
+              </a:ext>
+              <a:ext uri="{C183D7F6-B498-43B3-948B-1728B52AA6E4}">
+                <adec:decorative xmlns:adec="http://schemas.microsoft.com/office/drawing/2017/decorative" xmlns="" val="1"/>
+              </a:ext>
+            </a:extLst>
+          </p:cNvPr>
+          <p:cNvSpPr>
+            <a:spLocks noGrp="1" noRot="1" noChangeAspect="1" noMove="1" noResize="1" noEditPoints="1" noAdjustHandles="1" noChangeArrowheads="1" noChangeShapeType="1" noTextEdit="1"/>
+          </p:cNvSpPr>
+          <p:nvPr>
+            <p:extLst>
+              <p:ext uri="{386F3935-93C4-4BCD-93E2-E3B085C9AB24}">
+                <p16:designElem xmlns:p16="http://schemas.microsoft.com/office/powerpoint/2015/main" val="1"/>
+              </p:ext>
+            </p:extLst>
+          </p:nvPr>
+        </p:nvSpPr>
+        <p:spPr bwMode="white">
+          <a:xfrm>
+            <a:off x="-1" y="0"/>
+            <a:ext cx="8229600" cy="6858000"/>
+          </a:xfrm>
+          <a:prstGeom prst="rect">
+            <a:avLst/>
+          </a:prstGeom>
+          <a:solidFill>
+            <a:schemeClr val="bg2">
+              <a:lumMod val="10000"/>
+              <a:alpha val="90000"/>
+            </a:schemeClr>
+          </a:solidFill>
+          <a:ln>
+            <a:noFill/>
+          </a:ln>
+          <a:effectLst/>
+        </p:spPr>
+        <p:style>
+          <a:lnRef idx="1">
+            <a:schemeClr val="accent1"/>
+          </a:lnRef>
+          <a:fillRef idx="3">
+            <a:schemeClr val="accent1"/>
+          </a:fillRef>
+          <a:effectRef idx="2">
+            <a:schemeClr val="accent1"/>
+          </a:effectRef>
+          <a:fontRef idx="minor">
+            <a:schemeClr val="lt1"/>
+          </a:fontRef>
+        </p:style>
+      </p:sp>
+      <p:sp>
+        <p:nvSpPr>
+          <p:cNvPr id="15" name="Freeform 5">
+            <a:extLst>
+              <a:ext uri="{FF2B5EF4-FFF2-40B4-BE49-F238E27FC236}">
+                <a16:creationId xmlns:a16="http://schemas.microsoft.com/office/drawing/2014/main" id="{44A5AAD1-9616-4E1C-B3AC-E5497A6A3C2A}"/>
+              </a:ext>
+              <a:ext uri="{C183D7F6-B498-43B3-948B-1728B52AA6E4}">
+                <adec:decorative xmlns:adec="http://schemas.microsoft.com/office/drawing/2017/decorative" xmlns="" val="1"/>
+              </a:ext>
+            </a:extLst>
+          </p:cNvPr>
+          <p:cNvSpPr>
+            <a:spLocks noGrp="1" noRot="1" noChangeAspect="1" noMove="1" noResize="1" noEditPoints="1" noAdjustHandles="1" noChangeArrowheads="1" noChangeShapeType="1" noTextEdit="1"/>
+          </p:cNvSpPr>
+          <p:nvPr>
+            <p:extLst>
+              <p:ext uri="{386F3935-93C4-4BCD-93E2-E3B085C9AB24}">
+                <p16:designElem xmlns:p16="http://schemas.microsoft.com/office/powerpoint/2015/main" val="1"/>
+              </p:ext>
+            </p:extLst>
+          </p:nvPr>
+        </p:nvSpPr>
+        <p:spPr bwMode="grayWhite">
+          <a:xfrm>
+            <a:off x="1" y="659027"/>
+            <a:ext cx="9042690" cy="1035152"/>
+          </a:xfrm>
+          <a:custGeom>
+            <a:avLst/>
+            <a:gdLst>
+              <a:gd name="T0" fmla="*/ 1900 w 1902"/>
+              <a:gd name="T1" fmla="*/ 77 h 163"/>
+              <a:gd name="T2" fmla="*/ 1826 w 1902"/>
+              <a:gd name="T3" fmla="*/ 3 h 163"/>
+              <a:gd name="T4" fmla="*/ 1825 w 1902"/>
+              <a:gd name="T5" fmla="*/ 2 h 163"/>
+              <a:gd name="T6" fmla="*/ 1819 w 1902"/>
+              <a:gd name="T7" fmla="*/ 0 h 163"/>
+              <a:gd name="T8" fmla="*/ 1363 w 1902"/>
+              <a:gd name="T9" fmla="*/ 0 h 163"/>
+              <a:gd name="T10" fmla="*/ 1348 w 1902"/>
+              <a:gd name="T11" fmla="*/ 0 h 163"/>
+              <a:gd name="T12" fmla="*/ 1225 w 1902"/>
+              <a:gd name="T13" fmla="*/ 0 h 163"/>
+              <a:gd name="T14" fmla="*/ 1033 w 1902"/>
+              <a:gd name="T15" fmla="*/ 0 h 163"/>
+              <a:gd name="T16" fmla="*/ 892 w 1902"/>
+              <a:gd name="T17" fmla="*/ 0 h 163"/>
+              <a:gd name="T18" fmla="*/ 786 w 1902"/>
+              <a:gd name="T19" fmla="*/ 0 h 163"/>
+              <a:gd name="T20" fmla="*/ 577 w 1902"/>
+              <a:gd name="T21" fmla="*/ 0 h 163"/>
+              <a:gd name="T22" fmla="*/ 562 w 1902"/>
+              <a:gd name="T23" fmla="*/ 0 h 163"/>
+              <a:gd name="T24" fmla="*/ 439 w 1902"/>
+              <a:gd name="T25" fmla="*/ 0 h 163"/>
+              <a:gd name="T26" fmla="*/ 106 w 1902"/>
+              <a:gd name="T27" fmla="*/ 0 h 163"/>
+              <a:gd name="T28" fmla="*/ 0 w 1902"/>
+              <a:gd name="T29" fmla="*/ 0 h 163"/>
+              <a:gd name="T30" fmla="*/ 0 w 1902"/>
+              <a:gd name="T31" fmla="*/ 163 h 163"/>
+              <a:gd name="T32" fmla="*/ 106 w 1902"/>
+              <a:gd name="T33" fmla="*/ 163 h 163"/>
+              <a:gd name="T34" fmla="*/ 439 w 1902"/>
+              <a:gd name="T35" fmla="*/ 163 h 163"/>
+              <a:gd name="T36" fmla="*/ 562 w 1902"/>
+              <a:gd name="T37" fmla="*/ 163 h 163"/>
+              <a:gd name="T38" fmla="*/ 577 w 1902"/>
+              <a:gd name="T39" fmla="*/ 163 h 163"/>
+              <a:gd name="T40" fmla="*/ 786 w 1902"/>
+              <a:gd name="T41" fmla="*/ 163 h 163"/>
+              <a:gd name="T42" fmla="*/ 892 w 1902"/>
+              <a:gd name="T43" fmla="*/ 163 h 163"/>
+              <a:gd name="T44" fmla="*/ 1033 w 1902"/>
+              <a:gd name="T45" fmla="*/ 163 h 163"/>
+              <a:gd name="T46" fmla="*/ 1225 w 1902"/>
+              <a:gd name="T47" fmla="*/ 163 h 163"/>
+              <a:gd name="T48" fmla="*/ 1348 w 1902"/>
+              <a:gd name="T49" fmla="*/ 163 h 163"/>
+              <a:gd name="T50" fmla="*/ 1363 w 1902"/>
+              <a:gd name="T51" fmla="*/ 163 h 163"/>
+              <a:gd name="T52" fmla="*/ 1819 w 1902"/>
+              <a:gd name="T53" fmla="*/ 163 h 163"/>
+              <a:gd name="T54" fmla="*/ 1825 w 1902"/>
+              <a:gd name="T55" fmla="*/ 161 h 163"/>
+              <a:gd name="T56" fmla="*/ 1826 w 1902"/>
+              <a:gd name="T57" fmla="*/ 160 h 163"/>
+              <a:gd name="T58" fmla="*/ 1900 w 1902"/>
+              <a:gd name="T59" fmla="*/ 86 h 163"/>
+              <a:gd name="T60" fmla="*/ 1900 w 1902"/>
+              <a:gd name="T61" fmla="*/ 77 h 163"/>
+            </a:gdLst>
+            <a:ahLst/>
+            <a:cxnLst>
+              <a:cxn ang="0">
+                <a:pos x="T0" y="T1"/>
+              </a:cxn>
+              <a:cxn ang="0">
+                <a:pos x="T2" y="T3"/>
+              </a:cxn>
+              <a:cxn ang="0">
+                <a:pos x="T4" y="T5"/>
+              </a:cxn>
+              <a:cxn ang="0">
+                <a:pos x="T6" y="T7"/>
+              </a:cxn>
+              <a:cxn ang="0">
+                <a:pos x="T8" y="T9"/>
+              </a:cxn>
+              <a:cxn ang="0">
+                <a:pos x="T10" y="T11"/>
+              </a:cxn>
+              <a:cxn ang="0">
+                <a:pos x="T12" y="T13"/>
+              </a:cxn>
+              <a:cxn ang="0">
+                <a:pos x="T14" y="T15"/>
+              </a:cxn>
+              <a:cxn ang="0">
+                <a:pos x="T16" y="T17"/>
+              </a:cxn>
+              <a:cxn ang="0">
+                <a:pos x="T18" y="T19"/>
+              </a:cxn>
+              <a:cxn ang="0">
+                <a:pos x="T20" y="T21"/>
+              </a:cxn>
+              <a:cxn ang="0">
+                <a:pos x="T22" y="T23"/>
+              </a:cxn>
+              <a:cxn ang="0">
+                <a:pos x="T24" y="T25"/>
+              </a:cxn>
+              <a:cxn ang="0">
+                <a:pos x="T26" y="T27"/>
+              </a:cxn>
+              <a:cxn ang="0">
+                <a:pos x="T28" y="T29"/>
+              </a:cxn>
+              <a:cxn ang="0">
+                <a:pos x="T30" y="T31"/>
+              </a:cxn>
+              <a:cxn ang="0">
+                <a:pos x="T32" y="T33"/>
+              </a:cxn>
+              <a:cxn ang="0">
+                <a:pos x="T34" y="T35"/>
+              </a:cxn>
+              <a:cxn ang="0">
+                <a:pos x="T36" y="T37"/>
+              </a:cxn>
+              <a:cxn ang="0">
+                <a:pos x="T38" y="T39"/>
+              </a:cxn>
+              <a:cxn ang="0">
+                <a:pos x="T40" y="T41"/>
+              </a:cxn>
+              <a:cxn ang="0">
+                <a:pos x="T42" y="T43"/>
+              </a:cxn>
+              <a:cxn ang="0">
+                <a:pos x="T44" y="T45"/>
+              </a:cxn>
+              <a:cxn ang="0">
+                <a:pos x="T46" y="T47"/>
+              </a:cxn>
+              <a:cxn ang="0">
+                <a:pos x="T48" y="T49"/>
+              </a:cxn>
+              <a:cxn ang="0">
+                <a:pos x="T50" y="T51"/>
+              </a:cxn>
+              <a:cxn ang="0">
+                <a:pos x="T52" y="T53"/>
+              </a:cxn>
+              <a:cxn ang="0">
+                <a:pos x="T54" y="T55"/>
+              </a:cxn>
+              <a:cxn ang="0">
+                <a:pos x="T56" y="T57"/>
+              </a:cxn>
+              <a:cxn ang="0">
+                <a:pos x="T58" y="T59"/>
+              </a:cxn>
+              <a:cxn ang="0">
+                <a:pos x="T60" y="T61"/>
+              </a:cxn>
+            </a:cxnLst>
+            <a:rect l="0" t="0" r="r" b="b"/>
+            <a:pathLst>
+              <a:path w="1902" h="163">
+                <a:moveTo>
+                  <a:pt x="1900" y="77"/>
+                </a:moveTo>
+                <a:cubicBezTo>
+                  <a:pt x="1826" y="3"/>
+                  <a:pt x="1826" y="3"/>
+                  <a:pt x="1826" y="3"/>
+                </a:cubicBezTo>
+                <a:cubicBezTo>
+                  <a:pt x="1825" y="2"/>
+                  <a:pt x="1825" y="2"/>
+                  <a:pt x="1825" y="2"/>
+                </a:cubicBezTo>
+                <a:cubicBezTo>
+                  <a:pt x="1823" y="1"/>
+                  <a:pt x="1821" y="0"/>
+                  <a:pt x="1819" y="0"/>
+                </a:cubicBezTo>
+                <a:cubicBezTo>
+                  <a:pt x="1363" y="0"/>
+                  <a:pt x="1363" y="0"/>
+                  <a:pt x="1363" y="0"/>
+                </a:cubicBezTo>
+                <a:cubicBezTo>
+                  <a:pt x="1348" y="0"/>
+                  <a:pt x="1348" y="0"/>
+                  <a:pt x="1348" y="0"/>
+                </a:cubicBezTo>
+                <a:cubicBezTo>
+                  <a:pt x="1225" y="0"/>
+                  <a:pt x="1225" y="0"/>
+                  <a:pt x="1225" y="0"/>
+                </a:cubicBezTo>
+                <a:cubicBezTo>
+                  <a:pt x="1033" y="0"/>
+                  <a:pt x="1033" y="0"/>
+                  <a:pt x="1033" y="0"/>
+                </a:cubicBezTo>
+                <a:cubicBezTo>
+                  <a:pt x="892" y="0"/>
+                  <a:pt x="892" y="0"/>
+                  <a:pt x="892" y="0"/>
+                </a:cubicBezTo>
+                <a:cubicBezTo>
+                  <a:pt x="786" y="0"/>
+                  <a:pt x="786" y="0"/>
+                  <a:pt x="786" y="0"/>
+                </a:cubicBezTo>
+                <a:cubicBezTo>
+                  <a:pt x="577" y="0"/>
+                  <a:pt x="577" y="0"/>
+                  <a:pt x="577" y="0"/>
+                </a:cubicBezTo>
+                <a:cubicBezTo>
+                  <a:pt x="562" y="0"/>
+                  <a:pt x="562" y="0"/>
+                  <a:pt x="562" y="0"/>
+                </a:cubicBezTo>
+                <a:cubicBezTo>
+                  <a:pt x="439" y="0"/>
+                  <a:pt x="439" y="0"/>
+                  <a:pt x="439" y="0"/>
+                </a:cubicBezTo>
+                <a:cubicBezTo>
+                  <a:pt x="106" y="0"/>
+                  <a:pt x="106" y="0"/>
+                  <a:pt x="106" y="0"/>
+                </a:cubicBezTo>
+                <a:cubicBezTo>
+                  <a:pt x="0" y="0"/>
+                  <a:pt x="0" y="0"/>
+                  <a:pt x="0" y="0"/>
+                </a:cubicBezTo>
+                <a:cubicBezTo>
+                  <a:pt x="0" y="163"/>
+                  <a:pt x="0" y="163"/>
+                  <a:pt x="0" y="163"/>
+                </a:cubicBezTo>
+                <a:cubicBezTo>
+                  <a:pt x="106" y="163"/>
+                  <a:pt x="106" y="163"/>
+                  <a:pt x="106" y="163"/>
+                </a:cubicBezTo>
+                <a:cubicBezTo>
+                  <a:pt x="439" y="163"/>
+                  <a:pt x="439" y="163"/>
+                  <a:pt x="439" y="163"/>
+                </a:cubicBezTo>
+                <a:cubicBezTo>
+                  <a:pt x="562" y="163"/>
+                  <a:pt x="562" y="163"/>
+                  <a:pt x="562" y="163"/>
+                </a:cubicBezTo>
+                <a:cubicBezTo>
+                  <a:pt x="577" y="163"/>
+                  <a:pt x="577" y="163"/>
+                  <a:pt x="577" y="163"/>
+                </a:cubicBezTo>
+                <a:cubicBezTo>
+                  <a:pt x="786" y="163"/>
+                  <a:pt x="786" y="163"/>
+                  <a:pt x="786" y="163"/>
+                </a:cubicBezTo>
+                <a:cubicBezTo>
+                  <a:pt x="892" y="163"/>
+                  <a:pt x="892" y="163"/>
+                  <a:pt x="892" y="163"/>
+                </a:cubicBezTo>
+                <a:cubicBezTo>
+                  <a:pt x="1033" y="163"/>
+                  <a:pt x="1033" y="163"/>
+                  <a:pt x="1033" y="163"/>
+                </a:cubicBezTo>
+                <a:cubicBezTo>
+                  <a:pt x="1225" y="163"/>
+                  <a:pt x="1225" y="163"/>
+                  <a:pt x="1225" y="163"/>
+                </a:cubicBezTo>
+                <a:cubicBezTo>
+                  <a:pt x="1348" y="163"/>
+                  <a:pt x="1348" y="163"/>
+                  <a:pt x="1348" y="163"/>
+                </a:cubicBezTo>
+                <a:cubicBezTo>
+                  <a:pt x="1363" y="163"/>
+                  <a:pt x="1363" y="163"/>
+                  <a:pt x="1363" y="163"/>
+                </a:cubicBezTo>
+                <a:cubicBezTo>
+                  <a:pt x="1819" y="163"/>
+                  <a:pt x="1819" y="163"/>
+                  <a:pt x="1819" y="163"/>
+                </a:cubicBezTo>
+                <a:cubicBezTo>
+                  <a:pt x="1821" y="163"/>
+                  <a:pt x="1823" y="162"/>
+                  <a:pt x="1825" y="161"/>
+                </a:cubicBezTo>
+                <a:cubicBezTo>
+                  <a:pt x="1825" y="160"/>
+                  <a:pt x="1825" y="160"/>
+                  <a:pt x="1826" y="160"/>
+                </a:cubicBezTo>
+                <a:cubicBezTo>
+                  <a:pt x="1900" y="86"/>
+                  <a:pt x="1900" y="86"/>
+                  <a:pt x="1900" y="86"/>
+                </a:cubicBezTo>
+                <a:cubicBezTo>
+                  <a:pt x="1902" y="83"/>
+                  <a:pt x="1902" y="79"/>
+                  <a:pt x="1900" y="77"/>
+                </a:cubicBezTo>
+                <a:close/>
+              </a:path>
+            </a:pathLst>
+          </a:custGeom>
+          <a:solidFill>
+            <a:schemeClr val="accent1"/>
+          </a:solidFill>
+          <a:ln>
+            <a:noFill/>
+          </a:ln>
+        </p:spPr>
+        <p:txBody>
+          <a:bodyPr vert="horz" wrap="square" lIns="91440" tIns="45720" rIns="91440" bIns="45720" numCol="1" anchor="t" anchorCtr="0" compatLnSpc="1">
+            <a:prstTxWarp prst="textNoShape">
+              <a:avLst/>
+            </a:prstTxWarp>
+          </a:bodyPr>
+          <a:lstStyle/>
+          <a:p>
+            <a:endParaRPr lang="en-US"/>
+          </a:p>
+        </p:txBody>
+      </p:sp>
+      <p:sp>
+        <p:nvSpPr>
+          <p:cNvPr id="2" name="Title 1"/>
+          <p:cNvSpPr>
+            <a:spLocks noGrp="1"/>
+          </p:cNvSpPr>
+          <p:nvPr>
+            <p:ph type="title"/>
+          </p:nvPr>
+        </p:nvSpPr>
+        <p:spPr>
+          <a:xfrm>
+            <a:off x="541867" y="787400"/>
+            <a:ext cx="7145866" cy="778933"/>
+          </a:xfrm>
+        </p:spPr>
+        <p:txBody>
+          <a:bodyPr anchor="ctr">
+            <a:normAutofit/>
+          </a:bodyPr>
+          <a:lstStyle/>
+          <a:p>
+            <a:pPr>
+              <a:lnSpc>
+                <a:spcPct val="90000"/>
+              </a:lnSpc>
+            </a:pPr>
+            <a:r>
+              <a:rPr lang="en-US" sz="2500">
+                <a:solidFill>
+                  <a:srgbClr val="FEFFFF"/>
+                </a:solidFill>
+              </a:rPr>
+              <a:t>Greedy Algorithm to allocate channels to devices</a:t>
+            </a:r>
+            <a:endParaRPr lang="en-IN" sz="2500" dirty="0">
+              <a:solidFill>
+                <a:srgbClr val="FEFFFF"/>
+              </a:solidFill>
+            </a:endParaRPr>
+          </a:p>
+        </p:txBody>
+      </p:sp>
+      <p:sp>
+        <p:nvSpPr>
+          <p:cNvPr id="3" name="Content Placeholder 2"/>
+          <p:cNvSpPr>
+            <a:spLocks noGrp="1"/>
+          </p:cNvSpPr>
+          <p:nvPr>
+            <p:ph idx="1"/>
+          </p:nvPr>
+        </p:nvSpPr>
+        <p:spPr>
+          <a:xfrm>
+            <a:off x="103836" y="1971140"/>
+            <a:ext cx="8021925" cy="4363095"/>
+          </a:xfrm>
+          <a:noFill/>
+        </p:spPr>
+        <p:txBody>
+          <a:bodyPr>
+            <a:noAutofit/>
+          </a:bodyPr>
+          <a:lstStyle/>
+          <a:p>
+            <a:pPr>
+              <a:lnSpc>
+                <a:spcPct val="150000"/>
+              </a:lnSpc>
+            </a:pPr>
+            <a:r>
+              <a:rPr lang="en-IN">
+                <a:solidFill>
+                  <a:srgbClr val="FEFFFF"/>
+                </a:solidFill>
+              </a:rPr>
+              <a:t>There are</a:t>
+            </a:r>
+            <a:r>
+              <a:rPr lang="en-IN" b="1">
+                <a:solidFill>
+                  <a:srgbClr val="FEFFFF"/>
+                </a:solidFill>
+              </a:rPr>
+              <a:t> </a:t>
+            </a:r>
+            <a:r>
+              <a:rPr lang="en-IN" b="1">
+                <a:solidFill>
+                  <a:srgbClr val="FF0000"/>
+                </a:solidFill>
+              </a:rPr>
+              <a:t>k</a:t>
+            </a:r>
+            <a:r>
+              <a:rPr lang="en-IN">
+                <a:solidFill>
+                  <a:srgbClr val="FEFFFF"/>
+                </a:solidFill>
+              </a:rPr>
+              <a:t> channels.</a:t>
+            </a:r>
+          </a:p>
+          <a:p>
+            <a:pPr>
+              <a:lnSpc>
+                <a:spcPct val="150000"/>
+              </a:lnSpc>
+            </a:pPr>
+            <a:r>
+              <a:rPr lang="en-IN">
+                <a:solidFill>
+                  <a:srgbClr val="FEFFFF"/>
+                </a:solidFill>
+              </a:rPr>
+              <a:t>First </a:t>
+            </a:r>
+            <a:r>
+              <a:rPr lang="en-IN" b="1">
+                <a:solidFill>
+                  <a:srgbClr val="FF0000"/>
+                </a:solidFill>
+              </a:rPr>
+              <a:t>p</a:t>
+            </a:r>
+            <a:r>
+              <a:rPr lang="en-IN">
+                <a:solidFill>
+                  <a:srgbClr val="FEFFFF"/>
+                </a:solidFill>
+              </a:rPr>
+              <a:t> devices </a:t>
+            </a:r>
+            <a:r>
+              <a:rPr lang="en-IN" b="1">
+                <a:solidFill>
+                  <a:srgbClr val="FF0000"/>
+                </a:solidFill>
+              </a:rPr>
+              <a:t>d</a:t>
+            </a:r>
+            <a:r>
+              <a:rPr lang="en-IN" b="1" baseline="-25000">
+                <a:solidFill>
+                  <a:srgbClr val="FF0000"/>
+                </a:solidFill>
+              </a:rPr>
+              <a:t>1</a:t>
+            </a:r>
+            <a:r>
+              <a:rPr lang="en-IN" b="1">
+                <a:solidFill>
+                  <a:srgbClr val="FF0000"/>
+                </a:solidFill>
+              </a:rPr>
+              <a:t>, d</a:t>
+            </a:r>
+            <a:r>
+              <a:rPr lang="en-IN" b="1" baseline="-25000">
+                <a:solidFill>
+                  <a:srgbClr val="FF0000"/>
+                </a:solidFill>
+              </a:rPr>
+              <a:t>2</a:t>
+            </a:r>
+            <a:r>
+              <a:rPr lang="en-IN" b="1">
+                <a:solidFill>
+                  <a:srgbClr val="FF0000"/>
+                </a:solidFill>
+              </a:rPr>
+              <a:t>, ... d</a:t>
+            </a:r>
+            <a:r>
+              <a:rPr lang="en-IN" b="1" baseline="-25000">
+                <a:solidFill>
+                  <a:srgbClr val="FF0000"/>
+                </a:solidFill>
+              </a:rPr>
+              <a:t>p</a:t>
+            </a:r>
+            <a:r>
+              <a:rPr lang="en-IN">
+                <a:solidFill>
+                  <a:srgbClr val="FF0000"/>
+                </a:solidFill>
+              </a:rPr>
+              <a:t> </a:t>
+            </a:r>
+            <a:r>
+              <a:rPr lang="en-IN">
+                <a:solidFill>
+                  <a:srgbClr val="FEFFFF"/>
+                </a:solidFill>
+              </a:rPr>
+              <a:t>asking for data rate more than </a:t>
+            </a:r>
+            <a:r>
+              <a:rPr lang="en-IN" b="1">
+                <a:solidFill>
+                  <a:srgbClr val="FF0000"/>
+                </a:solidFill>
+              </a:rPr>
+              <a:t>B</a:t>
+            </a:r>
+            <a:r>
+              <a:rPr lang="en-IN">
+                <a:solidFill>
+                  <a:srgbClr val="FF0000"/>
+                </a:solidFill>
+              </a:rPr>
+              <a:t>, </a:t>
+            </a:r>
+            <a:r>
+              <a:rPr lang="en-IN" b="1">
+                <a:solidFill>
+                  <a:srgbClr val="FF0000"/>
+                </a:solidFill>
+              </a:rPr>
+              <a:t>[p &lt; k] </a:t>
+            </a:r>
+            <a:r>
+              <a:rPr lang="en-IN">
+                <a:solidFill>
+                  <a:srgbClr val="FEFFFF"/>
+                </a:solidFill>
+              </a:rPr>
+              <a:t> </a:t>
+            </a:r>
+          </a:p>
+          <a:p>
+            <a:pPr>
+              <a:lnSpc>
+                <a:spcPct val="150000"/>
+              </a:lnSpc>
+            </a:pPr>
+            <a:r>
+              <a:rPr lang="en-IN">
+                <a:solidFill>
+                  <a:srgbClr val="FEFFFF"/>
+                </a:solidFill>
+              </a:rPr>
+              <a:t>The next </a:t>
+            </a:r>
+            <a:r>
+              <a:rPr lang="en-IN">
+                <a:solidFill>
+                  <a:srgbClr val="FF0000"/>
+                </a:solidFill>
+              </a:rPr>
+              <a:t>(</a:t>
+            </a:r>
+            <a:r>
+              <a:rPr lang="en-IN" b="1">
+                <a:solidFill>
+                  <a:srgbClr val="FF0000"/>
+                </a:solidFill>
+              </a:rPr>
+              <a:t>n – p)</a:t>
+            </a:r>
+            <a:r>
+              <a:rPr lang="en-IN">
+                <a:solidFill>
+                  <a:srgbClr val="FEFFFF"/>
+                </a:solidFill>
+              </a:rPr>
+              <a:t> devices </a:t>
+            </a:r>
+            <a:r>
+              <a:rPr lang="en-IN" b="1">
+                <a:solidFill>
+                  <a:srgbClr val="FF0000"/>
+                </a:solidFill>
+              </a:rPr>
+              <a:t>d</a:t>
+            </a:r>
+            <a:r>
+              <a:rPr lang="en-IN" b="1" baseline="-25000">
+                <a:solidFill>
+                  <a:srgbClr val="FF0000"/>
+                </a:solidFill>
+              </a:rPr>
+              <a:t>p+1</a:t>
+            </a:r>
+            <a:r>
+              <a:rPr lang="en-IN" b="1">
+                <a:solidFill>
+                  <a:srgbClr val="FF0000"/>
+                </a:solidFill>
+              </a:rPr>
+              <a:t>, d</a:t>
+            </a:r>
+            <a:r>
+              <a:rPr lang="en-IN" b="1" baseline="-25000">
+                <a:solidFill>
+                  <a:srgbClr val="FF0000"/>
+                </a:solidFill>
+              </a:rPr>
+              <a:t>p+2</a:t>
+            </a:r>
+            <a:r>
+              <a:rPr lang="en-IN" b="1">
+                <a:solidFill>
+                  <a:srgbClr val="FF0000"/>
+                </a:solidFill>
+              </a:rPr>
+              <a:t>, … d</a:t>
+            </a:r>
+            <a:r>
+              <a:rPr lang="en-IN" b="1" baseline="-25000">
+                <a:solidFill>
+                  <a:srgbClr val="FF0000"/>
+                </a:solidFill>
+              </a:rPr>
+              <a:t>n</a:t>
+            </a:r>
+            <a:r>
+              <a:rPr lang="en-IN">
+                <a:solidFill>
+                  <a:srgbClr val="FEFFFF"/>
+                </a:solidFill>
+              </a:rPr>
+              <a:t> asking for data rate below </a:t>
+            </a:r>
+            <a:r>
+              <a:rPr lang="en-IN" b="1">
+                <a:solidFill>
+                  <a:srgbClr val="FF0000"/>
+                </a:solidFill>
+              </a:rPr>
+              <a:t>B</a:t>
+            </a:r>
+            <a:r>
+              <a:rPr lang="en-IN">
+                <a:solidFill>
+                  <a:srgbClr val="FEFFFF"/>
+                </a:solidFill>
+              </a:rPr>
+              <a:t>,</a:t>
+            </a:r>
+          </a:p>
+          <a:p>
+            <a:r>
+              <a:rPr lang="en-IN">
+                <a:solidFill>
+                  <a:srgbClr val="FEFFFF"/>
+                </a:solidFill>
+              </a:rPr>
+              <a:t>Sort the devices </a:t>
+            </a:r>
+            <a:r>
+              <a:rPr lang="en-IN" b="1">
+                <a:solidFill>
+                  <a:srgbClr val="FF0000"/>
+                </a:solidFill>
+              </a:rPr>
+              <a:t>d</a:t>
+            </a:r>
+            <a:r>
+              <a:rPr lang="en-IN" b="1" baseline="-25000">
+                <a:solidFill>
+                  <a:srgbClr val="FF0000"/>
+                </a:solidFill>
+              </a:rPr>
+              <a:t>p+1</a:t>
+            </a:r>
+            <a:r>
+              <a:rPr lang="en-IN">
+                <a:solidFill>
+                  <a:srgbClr val="FEFFFF"/>
+                </a:solidFill>
+              </a:rPr>
+              <a:t> to </a:t>
+            </a:r>
+            <a:r>
+              <a:rPr lang="en-IN" b="1">
+                <a:solidFill>
+                  <a:srgbClr val="FF0000"/>
+                </a:solidFill>
+              </a:rPr>
+              <a:t>d</a:t>
+            </a:r>
+            <a:r>
+              <a:rPr lang="en-IN" b="1" baseline="-25000">
+                <a:solidFill>
+                  <a:srgbClr val="FF0000"/>
+                </a:solidFill>
+              </a:rPr>
+              <a:t>n</a:t>
+            </a:r>
+            <a:r>
+              <a:rPr lang="en-IN">
+                <a:solidFill>
+                  <a:srgbClr val="FEFFFF"/>
+                </a:solidFill>
+              </a:rPr>
+              <a:t> in ascending order of data rate </a:t>
+            </a:r>
+            <a:r>
+              <a:rPr lang="en-IN" b="1">
+                <a:solidFill>
+                  <a:srgbClr val="FF0000"/>
+                </a:solidFill>
+              </a:rPr>
+              <a:t>r</a:t>
+            </a:r>
+            <a:r>
+              <a:rPr lang="en-IN" b="1" baseline="-25000">
+                <a:solidFill>
+                  <a:srgbClr val="FF0000"/>
+                </a:solidFill>
+              </a:rPr>
+              <a:t>i  </a:t>
+            </a:r>
+            <a:r>
+              <a:rPr lang="en-IN" b="1" baseline="-25000">
+                <a:solidFill>
+                  <a:srgbClr val="FEFFFF"/>
+                </a:solidFill>
+              </a:rPr>
+              <a:t>  </a:t>
+            </a:r>
+            <a:endParaRPr lang="en-IN">
+              <a:solidFill>
+                <a:srgbClr val="FEFFFF"/>
+              </a:solidFill>
+            </a:endParaRPr>
+          </a:p>
+          <a:p>
+            <a:pPr marL="0" indent="0">
+              <a:buNone/>
+            </a:pPr>
+            <a:r>
+              <a:rPr lang="en-IN">
+                <a:solidFill>
+                  <a:srgbClr val="FEFFFF"/>
+                </a:solidFill>
+              </a:rPr>
+              <a:t>	 </a:t>
+            </a:r>
+            <a:r>
+              <a:rPr lang="en-IN" sz="1600">
+                <a:solidFill>
+                  <a:srgbClr val="FEFFFF"/>
+                </a:solidFill>
+              </a:rPr>
+              <a:t>[ </a:t>
+            </a:r>
+            <a:r>
+              <a:rPr lang="en-IN" sz="1600" b="1">
+                <a:solidFill>
+                  <a:srgbClr val="FEFFFF"/>
+                </a:solidFill>
+              </a:rPr>
+              <a:t>r</a:t>
+            </a:r>
+            <a:r>
+              <a:rPr lang="en-IN" sz="1600" b="1" baseline="-25000">
+                <a:solidFill>
+                  <a:srgbClr val="FEFFFF"/>
+                </a:solidFill>
+              </a:rPr>
+              <a:t>i</a:t>
+            </a:r>
+            <a:r>
+              <a:rPr lang="en-IN" sz="1600">
+                <a:solidFill>
+                  <a:srgbClr val="FEFFFF"/>
+                </a:solidFill>
+              </a:rPr>
+              <a:t> = data rate in Mbps for device </a:t>
+            </a:r>
+            <a:r>
+              <a:rPr lang="en-IN" sz="1600" b="1">
+                <a:solidFill>
+                  <a:srgbClr val="FEFFFF"/>
+                </a:solidFill>
+              </a:rPr>
+              <a:t>d</a:t>
+            </a:r>
+            <a:r>
+              <a:rPr lang="en-IN" sz="1600" b="1" baseline="-25000">
+                <a:solidFill>
+                  <a:srgbClr val="FEFFFF"/>
+                </a:solidFill>
+              </a:rPr>
+              <a:t>i</a:t>
+            </a:r>
+            <a:r>
+              <a:rPr lang="en-IN" sz="1600">
+                <a:solidFill>
+                  <a:srgbClr val="FEFFFF"/>
+                </a:solidFill>
+              </a:rPr>
+              <a:t> in sorted order i,  i = 1, 2 ... n]</a:t>
+            </a:r>
+          </a:p>
+          <a:p>
+            <a:pPr>
+              <a:lnSpc>
+                <a:spcPct val="150000"/>
+              </a:lnSpc>
+            </a:pPr>
+            <a:r>
+              <a:rPr lang="en-IN">
+                <a:solidFill>
+                  <a:srgbClr val="FEFFFF"/>
+                </a:solidFill>
+              </a:rPr>
+              <a:t>Initialize,</a:t>
+            </a:r>
+          </a:p>
+          <a:p>
+            <a:pPr marL="0" indent="0">
+              <a:buNone/>
+            </a:pPr>
+            <a:r>
+              <a:rPr lang="en-IN" b="1">
+                <a:solidFill>
+                  <a:srgbClr val="FEFFFF"/>
+                </a:solidFill>
+              </a:rPr>
+              <a:t>	</a:t>
+            </a:r>
+            <a:r>
+              <a:rPr lang="en-IN" b="1">
+                <a:solidFill>
+                  <a:schemeClr val="bg1"/>
+                </a:solidFill>
+              </a:rPr>
+              <a:t>allocated</a:t>
+            </a:r>
+            <a:r>
+              <a:rPr lang="en-IN" b="1" baseline="-25000">
+                <a:solidFill>
+                  <a:schemeClr val="bg1"/>
+                </a:solidFill>
+              </a:rPr>
+              <a:t>i</a:t>
+            </a:r>
+            <a:r>
+              <a:rPr lang="en-IN">
+                <a:solidFill>
+                  <a:schemeClr val="tx1"/>
+                </a:solidFill>
+              </a:rPr>
+              <a:t> </a:t>
+            </a:r>
+            <a:r>
+              <a:rPr lang="en-IN">
+                <a:solidFill>
+                  <a:srgbClr val="FF0000"/>
+                </a:solidFill>
+              </a:rPr>
+              <a:t>= i for i = 1 to p     </a:t>
+            </a:r>
+            <a:r>
+              <a:rPr lang="en-IN">
+                <a:solidFill>
+                  <a:schemeClr val="bg1"/>
+                </a:solidFill>
+              </a:rPr>
+              <a:t> [for high data rate dev.]</a:t>
+            </a:r>
+          </a:p>
+          <a:p>
+            <a:pPr marL="0" indent="0">
+              <a:buNone/>
+            </a:pPr>
+            <a:r>
+              <a:rPr lang="en-IN" b="1">
+                <a:solidFill>
+                  <a:srgbClr val="FF0000"/>
+                </a:solidFill>
+              </a:rPr>
+              <a:t>	</a:t>
+            </a:r>
+            <a:r>
+              <a:rPr lang="en-IN" b="1">
+                <a:solidFill>
+                  <a:schemeClr val="bg1"/>
+                </a:solidFill>
+              </a:rPr>
+              <a:t>allocated</a:t>
+            </a:r>
+            <a:r>
+              <a:rPr lang="en-IN" b="1" baseline="-25000">
+                <a:solidFill>
+                  <a:schemeClr val="bg1"/>
+                </a:solidFill>
+              </a:rPr>
+              <a:t>i</a:t>
+            </a:r>
+            <a:r>
+              <a:rPr lang="en-IN">
+                <a:solidFill>
+                  <a:srgbClr val="FF0000"/>
+                </a:solidFill>
+              </a:rPr>
+              <a:t> = 0 for i = p + 1 to n </a:t>
+            </a:r>
+            <a:r>
+              <a:rPr lang="en-IN">
+                <a:solidFill>
+                  <a:schemeClr val="tx1"/>
+                </a:solidFill>
+              </a:rPr>
+              <a:t> </a:t>
+            </a:r>
+            <a:r>
+              <a:rPr lang="en-IN">
+                <a:solidFill>
+                  <a:schemeClr val="bg1"/>
+                </a:solidFill>
+              </a:rPr>
+              <a:t>[for other dev.]</a:t>
+            </a:r>
+            <a:endParaRPr lang="en-IN" dirty="0">
+              <a:solidFill>
+                <a:schemeClr val="bg1"/>
+              </a:solidFill>
+            </a:endParaRPr>
+          </a:p>
+        </p:txBody>
+      </p:sp>
+      <p:sp>
+        <p:nvSpPr>
+          <p:cNvPr id="6" name="TextBox 5"/>
+          <p:cNvSpPr txBox="1"/>
+          <p:nvPr/>
+        </p:nvSpPr>
+        <p:spPr>
+          <a:xfrm>
+            <a:off x="8471647" y="131059"/>
+            <a:ext cx="3663834" cy="523220"/>
+          </a:xfrm>
+          <a:prstGeom prst="rect">
+            <a:avLst/>
+          </a:prstGeom>
+          <a:noFill/>
+        </p:spPr>
+        <p:txBody>
+          <a:bodyPr wrap="square" rtlCol="0">
+            <a:spAutoFit/>
+          </a:bodyPr>
+          <a:lstStyle/>
+          <a:p>
+            <a:r>
+              <a:rPr lang="en-US" sz="2800" dirty="0"/>
+              <a:t>Proposed Algorithm</a:t>
+            </a:r>
+            <a:endParaRPr lang="en-IN" sz="2800" dirty="0"/>
+          </a:p>
+        </p:txBody>
+      </p:sp>
+    </p:spTree>
+    <p:extLst>
+      <p:ext uri="{BB962C8B-B14F-4D97-AF65-F5344CB8AC3E}">
+        <p14:creationId xmlns:p14="http://schemas.microsoft.com/office/powerpoint/2010/main" val="3385852544"/>
+      </p:ext>
+    </p:extLst>
+  </p:cSld>
+  <p:clrMapOvr>
+    <a:masterClrMapping/>
+  </p:clrMapOvr>
+</p:sld>
+</file>
+
+<file path=ppt/slides/slide12.xml><?xml version="1.0" encoding="utf-8"?>
+<p:sld xmlns:a="http://schemas.openxmlformats.org/drawingml/2006/main" xmlns:r="http://schemas.openxmlformats.org/officeDocument/2006/relationships" xmlns:p="http://schemas.openxmlformats.org/presentationml/2006/main">
+  <p:cSld>
+    <p:spTree>
+      <p:nvGrpSpPr>
+        <p:cNvPr id="1" name=""/>
+        <p:cNvGrpSpPr/>
+        <p:nvPr/>
+      </p:nvGrpSpPr>
+      <p:grpSpPr>
+        <a:xfrm>
+          <a:off x="0" y="0"/>
+          <a:ext cx="0" cy="0"/>
+          <a:chOff x="0" y="0"/>
+          <a:chExt cx="0" cy="0"/>
+        </a:xfrm>
+      </p:grpSpPr>
+      <p:sp>
+        <p:nvSpPr>
+          <p:cNvPr id="2" name="Title 1"/>
+          <p:cNvSpPr>
+            <a:spLocks noGrp="1"/>
+          </p:cNvSpPr>
+          <p:nvPr>
+            <p:ph type="title"/>
+          </p:nvPr>
+        </p:nvSpPr>
+        <p:spPr>
+          <a:xfrm>
+            <a:off x="1634471" y="651004"/>
+            <a:ext cx="8911687" cy="734042"/>
+          </a:xfrm>
+        </p:spPr>
+        <p:txBody>
+          <a:bodyPr/>
+          <a:lstStyle/>
+          <a:p>
+            <a:r>
+              <a:rPr lang="en-US" dirty="0"/>
+              <a:t>Cont.</a:t>
+            </a:r>
+            <a:endParaRPr lang="en-IN" dirty="0"/>
+          </a:p>
+        </p:txBody>
+      </p:sp>
+      <p:sp>
+        <p:nvSpPr>
+          <p:cNvPr id="5" name="Content Placeholder 4"/>
+          <p:cNvSpPr>
+            <a:spLocks noGrp="1"/>
+          </p:cNvSpPr>
+          <p:nvPr>
+            <p:ph idx="1"/>
+          </p:nvPr>
+        </p:nvSpPr>
+        <p:spPr>
+          <a:xfrm>
+            <a:off x="215040" y="4609398"/>
+            <a:ext cx="6925236" cy="1587501"/>
+          </a:xfrm>
+        </p:spPr>
+        <p:txBody>
+          <a:bodyPr/>
+          <a:lstStyle/>
+          <a:p>
+            <a:r>
+              <a:rPr lang="en-US" dirty="0"/>
+              <a:t>1. </a:t>
+            </a:r>
+            <a:endParaRPr lang="en-IN" dirty="0"/>
+          </a:p>
+        </p:txBody>
+      </p:sp>
+      <p:sp>
+        <p:nvSpPr>
+          <p:cNvPr id="7" name="Rectangle 6">
+            <a:extLst>
+              <a:ext uri="{FF2B5EF4-FFF2-40B4-BE49-F238E27FC236}">
+                <a16:creationId xmlns:a16="http://schemas.microsoft.com/office/drawing/2014/main" id="{37B5A23F-7276-435D-91DA-09104D77774D}"/>
+              </a:ext>
+              <a:ext uri="{C183D7F6-B498-43B3-948B-1728B52AA6E4}">
+                <adec:decorative xmlns:adec="http://schemas.microsoft.com/office/drawing/2017/decorative" xmlns="" val="1"/>
+              </a:ext>
+            </a:extLst>
+          </p:cNvPr>
+          <p:cNvSpPr>
+            <a:spLocks noGrp="1" noRot="1" noChangeAspect="1" noMove="1" noResize="1" noEditPoints="1" noAdjustHandles="1" noChangeArrowheads="1" noChangeShapeType="1" noTextEdit="1"/>
+          </p:cNvSpPr>
+          <p:nvPr>
+            <p:extLst>
+              <p:ext uri="{386F3935-93C4-4BCD-93E2-E3B085C9AB24}">
+                <p16:designElem xmlns:p16="http://schemas.microsoft.com/office/powerpoint/2015/main" val="1"/>
+              </p:ext>
+            </p:extLst>
+          </p:nvPr>
+        </p:nvSpPr>
+        <p:spPr>
+          <a:xfrm>
+            <a:off x="0" y="0"/>
+            <a:ext cx="12135481" cy="6858000"/>
+          </a:xfrm>
+          <a:prstGeom prst="rect">
+            <a:avLst/>
+          </a:prstGeom>
+          <a:ln>
+            <a:noFill/>
+          </a:ln>
+        </p:spPr>
+        <p:style>
+          <a:lnRef idx="2">
+            <a:schemeClr val="accent1">
+              <a:shade val="50000"/>
+            </a:schemeClr>
+          </a:lnRef>
+          <a:fillRef idx="1003">
+            <a:schemeClr val="lt2"/>
+          </a:fillRef>
+          <a:effectRef idx="0">
+            <a:schemeClr val="accent1"/>
+          </a:effectRef>
+          <a:fontRef idx="minor">
+            <a:schemeClr val="lt1"/>
+          </a:fontRef>
+        </p:style>
+        <p:txBody>
+          <a:bodyPr rtlCol="0" anchor="ctr"/>
+          <a:lstStyle/>
+          <a:p>
+            <a:pPr algn="ctr"/>
+            <a:endParaRPr lang="en-US"/>
+          </a:p>
+        </p:txBody>
+      </p:sp>
+      <p:sp>
+        <p:nvSpPr>
+          <p:cNvPr id="8" name="Rectangle 7">
+            <a:extLst>
+              <a:ext uri="{FF2B5EF4-FFF2-40B4-BE49-F238E27FC236}">
+                <a16:creationId xmlns:a16="http://schemas.microsoft.com/office/drawing/2014/main" id="{2F3ECD7F-BF61-4CB1-AA15-464BB771E778}"/>
+              </a:ext>
+              <a:ext uri="{C183D7F6-B498-43B3-948B-1728B52AA6E4}">
+                <adec:decorative xmlns:adec="http://schemas.microsoft.com/office/drawing/2017/decorative" xmlns="" val="1"/>
+              </a:ext>
+            </a:extLst>
+          </p:cNvPr>
+          <p:cNvSpPr>
+            <a:spLocks noGrp="1" noRot="1" noChangeAspect="1" noMove="1" noResize="1" noEditPoints="1" noAdjustHandles="1" noChangeArrowheads="1" noChangeShapeType="1" noTextEdit="1"/>
+          </p:cNvSpPr>
+          <p:nvPr>
+            <p:extLst>
+              <p:ext uri="{386F3935-93C4-4BCD-93E2-E3B085C9AB24}">
+                <p16:designElem xmlns:p16="http://schemas.microsoft.com/office/powerpoint/2015/main" val="1"/>
+              </p:ext>
+            </p:extLst>
+          </p:nvPr>
+        </p:nvSpPr>
+        <p:spPr>
+          <a:xfrm>
+            <a:off x="0" y="-786"/>
+            <a:ext cx="12192000" cy="6854038"/>
+          </a:xfrm>
+          <a:prstGeom prst="rect">
+            <a:avLst/>
+          </a:prstGeom>
+          <a:ln>
+            <a:noFill/>
+          </a:ln>
+        </p:spPr>
+        <p:style>
+          <a:lnRef idx="2">
+            <a:schemeClr val="accent1">
+              <a:shade val="50000"/>
+            </a:schemeClr>
+          </a:lnRef>
+          <a:fillRef idx="1003">
+            <a:schemeClr val="lt2"/>
+          </a:fillRef>
+          <a:effectRef idx="0">
+            <a:schemeClr val="accent1"/>
+          </a:effectRef>
+          <a:fontRef idx="minor">
+            <a:schemeClr val="lt1"/>
+          </a:fontRef>
+        </p:style>
+        <p:txBody>
+          <a:bodyPr rtlCol="0" anchor="ctr"/>
+          <a:lstStyle/>
+          <a:p>
+            <a:pPr algn="ctr"/>
+            <a:endParaRPr lang="en-US"/>
+          </a:p>
+        </p:txBody>
+      </p:sp>
+      <p:sp>
+        <p:nvSpPr>
+          <p:cNvPr id="9" name="Rectangle 8">
+            <a:extLst>
+              <a:ext uri="{FF2B5EF4-FFF2-40B4-BE49-F238E27FC236}">
+                <a16:creationId xmlns:a16="http://schemas.microsoft.com/office/drawing/2014/main" id="{966F1B29-3A08-4DB7-9F92-4C09B3BCFF14}"/>
+              </a:ext>
+              <a:ext uri="{C183D7F6-B498-43B3-948B-1728B52AA6E4}">
+                <adec:decorative xmlns:adec="http://schemas.microsoft.com/office/drawing/2017/decorative" xmlns="" val="1"/>
+              </a:ext>
+            </a:extLst>
+          </p:cNvPr>
+          <p:cNvSpPr>
+            <a:spLocks noGrp="1" noRot="1" noChangeAspect="1" noMove="1" noResize="1" noEditPoints="1" noAdjustHandles="1" noChangeArrowheads="1" noChangeShapeType="1" noTextEdit="1"/>
+          </p:cNvSpPr>
+          <p:nvPr>
+            <p:extLst>
+              <p:ext uri="{386F3935-93C4-4BCD-93E2-E3B085C9AB24}">
+                <p16:designElem xmlns:p16="http://schemas.microsoft.com/office/powerpoint/2015/main" val="1"/>
+              </p:ext>
+            </p:extLst>
+          </p:nvPr>
+        </p:nvSpPr>
+        <p:spPr bwMode="white">
+          <a:xfrm>
+            <a:off x="-1" y="0"/>
+            <a:ext cx="8229600" cy="6858000"/>
+          </a:xfrm>
+          <a:prstGeom prst="rect">
+            <a:avLst/>
+          </a:prstGeom>
+          <a:solidFill>
+            <a:schemeClr val="bg2">
+              <a:lumMod val="10000"/>
+              <a:alpha val="90000"/>
+            </a:schemeClr>
+          </a:solidFill>
+          <a:ln>
+            <a:noFill/>
+          </a:ln>
+          <a:effectLst/>
+        </p:spPr>
+        <p:style>
+          <a:lnRef idx="1">
+            <a:schemeClr val="accent1"/>
+          </a:lnRef>
+          <a:fillRef idx="3">
+            <a:schemeClr val="accent1"/>
+          </a:fillRef>
+          <a:effectRef idx="2">
+            <a:schemeClr val="accent1"/>
+          </a:effectRef>
+          <a:fontRef idx="minor">
+            <a:schemeClr val="lt1"/>
+          </a:fontRef>
+        </p:style>
+      </p:sp>
+      <p:sp>
+        <p:nvSpPr>
+          <p:cNvPr id="10" name="Freeform 5">
+            <a:extLst>
+              <a:ext uri="{FF2B5EF4-FFF2-40B4-BE49-F238E27FC236}">
+                <a16:creationId xmlns:a16="http://schemas.microsoft.com/office/drawing/2014/main" id="{44A5AAD1-9616-4E1C-B3AC-E5497A6A3C2A}"/>
+              </a:ext>
+              <a:ext uri="{C183D7F6-B498-43B3-948B-1728B52AA6E4}">
+                <adec:decorative xmlns:adec="http://schemas.microsoft.com/office/drawing/2017/decorative" xmlns="" val="1"/>
+              </a:ext>
+            </a:extLst>
+          </p:cNvPr>
+          <p:cNvSpPr>
+            <a:spLocks noGrp="1" noRot="1" noChangeAspect="1" noMove="1" noResize="1" noEditPoints="1" noAdjustHandles="1" noChangeArrowheads="1" noChangeShapeType="1" noTextEdit="1"/>
+          </p:cNvSpPr>
+          <p:nvPr>
+            <p:extLst>
+              <p:ext uri="{386F3935-93C4-4BCD-93E2-E3B085C9AB24}">
+                <p16:designElem xmlns:p16="http://schemas.microsoft.com/office/powerpoint/2015/main" val="1"/>
+              </p:ext>
+            </p:extLst>
+          </p:nvPr>
+        </p:nvSpPr>
+        <p:spPr bwMode="grayWhite">
+          <a:xfrm>
+            <a:off x="1" y="659027"/>
+            <a:ext cx="9042690" cy="1035152"/>
+          </a:xfrm>
+          <a:custGeom>
+            <a:avLst/>
+            <a:gdLst>
+              <a:gd name="T0" fmla="*/ 1900 w 1902"/>
+              <a:gd name="T1" fmla="*/ 77 h 163"/>
+              <a:gd name="T2" fmla="*/ 1826 w 1902"/>
+              <a:gd name="T3" fmla="*/ 3 h 163"/>
+              <a:gd name="T4" fmla="*/ 1825 w 1902"/>
+              <a:gd name="T5" fmla="*/ 2 h 163"/>
+              <a:gd name="T6" fmla="*/ 1819 w 1902"/>
+              <a:gd name="T7" fmla="*/ 0 h 163"/>
+              <a:gd name="T8" fmla="*/ 1363 w 1902"/>
+              <a:gd name="T9" fmla="*/ 0 h 163"/>
+              <a:gd name="T10" fmla="*/ 1348 w 1902"/>
+              <a:gd name="T11" fmla="*/ 0 h 163"/>
+              <a:gd name="T12" fmla="*/ 1225 w 1902"/>
+              <a:gd name="T13" fmla="*/ 0 h 163"/>
+              <a:gd name="T14" fmla="*/ 1033 w 1902"/>
+              <a:gd name="T15" fmla="*/ 0 h 163"/>
+              <a:gd name="T16" fmla="*/ 892 w 1902"/>
+              <a:gd name="T17" fmla="*/ 0 h 163"/>
+              <a:gd name="T18" fmla="*/ 786 w 1902"/>
+              <a:gd name="T19" fmla="*/ 0 h 163"/>
+              <a:gd name="T20" fmla="*/ 577 w 1902"/>
+              <a:gd name="T21" fmla="*/ 0 h 163"/>
+              <a:gd name="T22" fmla="*/ 562 w 1902"/>
+              <a:gd name="T23" fmla="*/ 0 h 163"/>
+              <a:gd name="T24" fmla="*/ 439 w 1902"/>
+              <a:gd name="T25" fmla="*/ 0 h 163"/>
+              <a:gd name="T26" fmla="*/ 106 w 1902"/>
+              <a:gd name="T27" fmla="*/ 0 h 163"/>
+              <a:gd name="T28" fmla="*/ 0 w 1902"/>
+              <a:gd name="T29" fmla="*/ 0 h 163"/>
+              <a:gd name="T30" fmla="*/ 0 w 1902"/>
+              <a:gd name="T31" fmla="*/ 163 h 163"/>
+              <a:gd name="T32" fmla="*/ 106 w 1902"/>
+              <a:gd name="T33" fmla="*/ 163 h 163"/>
+              <a:gd name="T34" fmla="*/ 439 w 1902"/>
+              <a:gd name="T35" fmla="*/ 163 h 163"/>
+              <a:gd name="T36" fmla="*/ 562 w 1902"/>
+              <a:gd name="T37" fmla="*/ 163 h 163"/>
+              <a:gd name="T38" fmla="*/ 577 w 1902"/>
+              <a:gd name="T39" fmla="*/ 163 h 163"/>
+              <a:gd name="T40" fmla="*/ 786 w 1902"/>
+              <a:gd name="T41" fmla="*/ 163 h 163"/>
+              <a:gd name="T42" fmla="*/ 892 w 1902"/>
+              <a:gd name="T43" fmla="*/ 163 h 163"/>
+              <a:gd name="T44" fmla="*/ 1033 w 1902"/>
+              <a:gd name="T45" fmla="*/ 163 h 163"/>
+              <a:gd name="T46" fmla="*/ 1225 w 1902"/>
+              <a:gd name="T47" fmla="*/ 163 h 163"/>
+              <a:gd name="T48" fmla="*/ 1348 w 1902"/>
+              <a:gd name="T49" fmla="*/ 163 h 163"/>
+              <a:gd name="T50" fmla="*/ 1363 w 1902"/>
+              <a:gd name="T51" fmla="*/ 163 h 163"/>
+              <a:gd name="T52" fmla="*/ 1819 w 1902"/>
+              <a:gd name="T53" fmla="*/ 163 h 163"/>
+              <a:gd name="T54" fmla="*/ 1825 w 1902"/>
+              <a:gd name="T55" fmla="*/ 161 h 163"/>
+              <a:gd name="T56" fmla="*/ 1826 w 1902"/>
+              <a:gd name="T57" fmla="*/ 160 h 163"/>
+              <a:gd name="T58" fmla="*/ 1900 w 1902"/>
+              <a:gd name="T59" fmla="*/ 86 h 163"/>
+              <a:gd name="T60" fmla="*/ 1900 w 1902"/>
+              <a:gd name="T61" fmla="*/ 77 h 163"/>
+            </a:gdLst>
+            <a:ahLst/>
+            <a:cxnLst>
+              <a:cxn ang="0">
+                <a:pos x="T0" y="T1"/>
+              </a:cxn>
+              <a:cxn ang="0">
+                <a:pos x="T2" y="T3"/>
+              </a:cxn>
+              <a:cxn ang="0">
+                <a:pos x="T4" y="T5"/>
+              </a:cxn>
+              <a:cxn ang="0">
+                <a:pos x="T6" y="T7"/>
+              </a:cxn>
+              <a:cxn ang="0">
+                <a:pos x="T8" y="T9"/>
+              </a:cxn>
+              <a:cxn ang="0">
+                <a:pos x="T10" y="T11"/>
+              </a:cxn>
+              <a:cxn ang="0">
+                <a:pos x="T12" y="T13"/>
+              </a:cxn>
+              <a:cxn ang="0">
+                <a:pos x="T14" y="T15"/>
+              </a:cxn>
+              <a:cxn ang="0">
+                <a:pos x="T16" y="T17"/>
+              </a:cxn>
+              <a:cxn ang="0">
+                <a:pos x="T18" y="T19"/>
+              </a:cxn>
+              <a:cxn ang="0">
+                <a:pos x="T20" y="T21"/>
+              </a:cxn>
+              <a:cxn ang="0">
+                <a:pos x="T22" y="T23"/>
+              </a:cxn>
+              <a:cxn ang="0">
+                <a:pos x="T24" y="T25"/>
+              </a:cxn>
+              <a:cxn ang="0">
+                <a:pos x="T26" y="T27"/>
+              </a:cxn>
+              <a:cxn ang="0">
+                <a:pos x="T28" y="T29"/>
+              </a:cxn>
+              <a:cxn ang="0">
+                <a:pos x="T30" y="T31"/>
+              </a:cxn>
+              <a:cxn ang="0">
+                <a:pos x="T32" y="T33"/>
+              </a:cxn>
+              <a:cxn ang="0">
+                <a:pos x="T34" y="T35"/>
+              </a:cxn>
+              <a:cxn ang="0">
+                <a:pos x="T36" y="T37"/>
+              </a:cxn>
+              <a:cxn ang="0">
+                <a:pos x="T38" y="T39"/>
+              </a:cxn>
+              <a:cxn ang="0">
+                <a:pos x="T40" y="T41"/>
+              </a:cxn>
+              <a:cxn ang="0">
+                <a:pos x="T42" y="T43"/>
+              </a:cxn>
+              <a:cxn ang="0">
+                <a:pos x="T44" y="T45"/>
+              </a:cxn>
+              <a:cxn ang="0">
+                <a:pos x="T46" y="T47"/>
+              </a:cxn>
+              <a:cxn ang="0">
+                <a:pos x="T48" y="T49"/>
+              </a:cxn>
+              <a:cxn ang="0">
+                <a:pos x="T50" y="T51"/>
+              </a:cxn>
+              <a:cxn ang="0">
+                <a:pos x="T52" y="T53"/>
+              </a:cxn>
+              <a:cxn ang="0">
+                <a:pos x="T54" y="T55"/>
+              </a:cxn>
+              <a:cxn ang="0">
+                <a:pos x="T56" y="T57"/>
+              </a:cxn>
+              <a:cxn ang="0">
+                <a:pos x="T58" y="T59"/>
+              </a:cxn>
+              <a:cxn ang="0">
+                <a:pos x="T60" y="T61"/>
+              </a:cxn>
+            </a:cxnLst>
+            <a:rect l="0" t="0" r="r" b="b"/>
+            <a:pathLst>
+              <a:path w="1902" h="163">
+                <a:moveTo>
+                  <a:pt x="1900" y="77"/>
+                </a:moveTo>
+                <a:cubicBezTo>
+                  <a:pt x="1826" y="3"/>
+                  <a:pt x="1826" y="3"/>
+                  <a:pt x="1826" y="3"/>
+                </a:cubicBezTo>
+                <a:cubicBezTo>
+                  <a:pt x="1825" y="2"/>
+                  <a:pt x="1825" y="2"/>
+                  <a:pt x="1825" y="2"/>
+                </a:cubicBezTo>
+                <a:cubicBezTo>
+                  <a:pt x="1823" y="1"/>
+                  <a:pt x="1821" y="0"/>
+                  <a:pt x="1819" y="0"/>
+                </a:cubicBezTo>
+                <a:cubicBezTo>
+                  <a:pt x="1363" y="0"/>
+                  <a:pt x="1363" y="0"/>
+                  <a:pt x="1363" y="0"/>
+                </a:cubicBezTo>
+                <a:cubicBezTo>
+                  <a:pt x="1348" y="0"/>
+                  <a:pt x="1348" y="0"/>
+                  <a:pt x="1348" y="0"/>
+                </a:cubicBezTo>
+                <a:cubicBezTo>
+                  <a:pt x="1225" y="0"/>
+                  <a:pt x="1225" y="0"/>
+                  <a:pt x="1225" y="0"/>
+                </a:cubicBezTo>
+                <a:cubicBezTo>
+                  <a:pt x="1033" y="0"/>
+                  <a:pt x="1033" y="0"/>
+                  <a:pt x="1033" y="0"/>
+                </a:cubicBezTo>
+                <a:cubicBezTo>
+                  <a:pt x="892" y="0"/>
+                  <a:pt x="892" y="0"/>
+                  <a:pt x="892" y="0"/>
+                </a:cubicBezTo>
+                <a:cubicBezTo>
+                  <a:pt x="786" y="0"/>
+                  <a:pt x="786" y="0"/>
+                  <a:pt x="786" y="0"/>
+                </a:cubicBezTo>
+                <a:cubicBezTo>
+                  <a:pt x="577" y="0"/>
+                  <a:pt x="577" y="0"/>
+                  <a:pt x="577" y="0"/>
+                </a:cubicBezTo>
+                <a:cubicBezTo>
+                  <a:pt x="562" y="0"/>
+                  <a:pt x="562" y="0"/>
+                  <a:pt x="562" y="0"/>
+                </a:cubicBezTo>
+                <a:cubicBezTo>
+                  <a:pt x="439" y="0"/>
+                  <a:pt x="439" y="0"/>
+                  <a:pt x="439" y="0"/>
+                </a:cubicBezTo>
+                <a:cubicBezTo>
+                  <a:pt x="106" y="0"/>
+                  <a:pt x="106" y="0"/>
+                  <a:pt x="106" y="0"/>
+                </a:cubicBezTo>
+                <a:cubicBezTo>
+                  <a:pt x="0" y="0"/>
+                  <a:pt x="0" y="0"/>
+                  <a:pt x="0" y="0"/>
+                </a:cubicBezTo>
+                <a:cubicBezTo>
+                  <a:pt x="0" y="163"/>
+                  <a:pt x="0" y="163"/>
+                  <a:pt x="0" y="163"/>
+                </a:cubicBezTo>
+                <a:cubicBezTo>
+                  <a:pt x="106" y="163"/>
+                  <a:pt x="106" y="163"/>
+                  <a:pt x="106" y="163"/>
+                </a:cubicBezTo>
+                <a:cubicBezTo>
+                  <a:pt x="439" y="163"/>
+                  <a:pt x="439" y="163"/>
+                  <a:pt x="439" y="163"/>
+                </a:cubicBezTo>
+                <a:cubicBezTo>
+                  <a:pt x="562" y="163"/>
+                  <a:pt x="562" y="163"/>
+                  <a:pt x="562" y="163"/>
+                </a:cubicBezTo>
+                <a:cubicBezTo>
+                  <a:pt x="577" y="163"/>
+                  <a:pt x="577" y="163"/>
+                  <a:pt x="577" y="163"/>
+                </a:cubicBezTo>
+                <a:cubicBezTo>
+                  <a:pt x="786" y="163"/>
+                  <a:pt x="786" y="163"/>
+                  <a:pt x="786" y="163"/>
+                </a:cubicBezTo>
+                <a:cubicBezTo>
+                  <a:pt x="892" y="163"/>
+                  <a:pt x="892" y="163"/>
+                  <a:pt x="892" y="163"/>
+                </a:cubicBezTo>
+                <a:cubicBezTo>
+                  <a:pt x="1033" y="163"/>
+                  <a:pt x="1033" y="163"/>
+                  <a:pt x="1033" y="163"/>
+                </a:cubicBezTo>
+                <a:cubicBezTo>
+                  <a:pt x="1225" y="163"/>
+                  <a:pt x="1225" y="163"/>
+                  <a:pt x="1225" y="163"/>
+                </a:cubicBezTo>
+                <a:cubicBezTo>
+                  <a:pt x="1348" y="163"/>
+                  <a:pt x="1348" y="163"/>
+                  <a:pt x="1348" y="163"/>
+                </a:cubicBezTo>
+                <a:cubicBezTo>
+                  <a:pt x="1363" y="163"/>
+                  <a:pt x="1363" y="163"/>
+                  <a:pt x="1363" y="163"/>
+                </a:cubicBezTo>
+                <a:cubicBezTo>
+                  <a:pt x="1819" y="163"/>
+                  <a:pt x="1819" y="163"/>
+                  <a:pt x="1819" y="163"/>
+                </a:cubicBezTo>
+                <a:cubicBezTo>
+                  <a:pt x="1821" y="163"/>
+                  <a:pt x="1823" y="162"/>
+                  <a:pt x="1825" y="161"/>
+                </a:cubicBezTo>
+                <a:cubicBezTo>
+                  <a:pt x="1825" y="160"/>
+                  <a:pt x="1825" y="160"/>
+                  <a:pt x="1826" y="160"/>
+                </a:cubicBezTo>
+                <a:cubicBezTo>
+                  <a:pt x="1900" y="86"/>
+                  <a:pt x="1900" y="86"/>
+                  <a:pt x="1900" y="86"/>
+                </a:cubicBezTo>
+                <a:cubicBezTo>
+                  <a:pt x="1902" y="83"/>
+                  <a:pt x="1902" y="79"/>
+                  <a:pt x="1900" y="77"/>
+                </a:cubicBezTo>
+                <a:close/>
+              </a:path>
+            </a:pathLst>
+          </a:custGeom>
+          <a:solidFill>
+            <a:schemeClr val="accent1"/>
+          </a:solidFill>
+          <a:ln>
+            <a:noFill/>
+          </a:ln>
+        </p:spPr>
+        <p:txBody>
+          <a:bodyPr vert="horz" wrap="square" lIns="91440" tIns="45720" rIns="91440" bIns="45720" numCol="1" anchor="t" anchorCtr="0" compatLnSpc="1">
+            <a:prstTxWarp prst="textNoShape">
+              <a:avLst/>
+            </a:prstTxWarp>
+          </a:bodyPr>
+          <a:lstStyle/>
+          <a:p>
+            <a:endParaRPr lang="en-US"/>
+          </a:p>
+        </p:txBody>
+      </p:sp>
+      <p:sp>
+        <p:nvSpPr>
+          <p:cNvPr id="11" name="Title 1"/>
+          <p:cNvSpPr txBox="1">
+            <a:spLocks/>
+          </p:cNvSpPr>
+          <p:nvPr/>
+        </p:nvSpPr>
+        <p:spPr>
+          <a:xfrm>
+            <a:off x="541867" y="787400"/>
+            <a:ext cx="7145866" cy="778933"/>
+          </a:xfrm>
+          <a:prstGeom prst="rect">
+            <a:avLst/>
+          </a:prstGeom>
+        </p:spPr>
+        <p:txBody>
+          <a:bodyPr vert="horz" lIns="91440" tIns="45720" rIns="91440" bIns="45720" rtlCol="0" anchor="ctr">
+            <a:normAutofit/>
+          </a:bodyPr>
+          <a:lstStyle>
+            <a:lvl1pPr algn="l" defTabSz="457200" rtl="0" eaLnBrk="1" latinLnBrk="0" hangingPunct="1">
+              <a:spcBef>
+                <a:spcPct val="0"/>
+              </a:spcBef>
+              <a:buNone/>
+              <a:defRPr sz="3600" kern="1200">
+                <a:solidFill>
+                  <a:schemeClr val="tx1">
+                    <a:lumMod val="85000"/>
+                    <a:lumOff val="15000"/>
+                  </a:schemeClr>
+                </a:solidFill>
+                <a:latin typeface="+mj-lt"/>
+                <a:ea typeface="+mj-ea"/>
+                <a:cs typeface="+mj-cs"/>
+              </a:defRPr>
+            </a:lvl1pPr>
+            <a:lvl2pPr eaLnBrk="1" hangingPunct="1">
+              <a:defRPr>
+                <a:solidFill>
+                  <a:schemeClr val="tx2"/>
+                </a:solidFill>
+              </a:defRPr>
+            </a:lvl2pPr>
+            <a:lvl3pPr eaLnBrk="1" hangingPunct="1">
+              <a:defRPr>
+                <a:solidFill>
+                  <a:schemeClr val="tx2"/>
+                </a:solidFill>
+              </a:defRPr>
+            </a:lvl3pPr>
+            <a:lvl4pPr eaLnBrk="1" hangingPunct="1">
+              <a:defRPr>
+                <a:solidFill>
+                  <a:schemeClr val="tx2"/>
+                </a:solidFill>
+              </a:defRPr>
+            </a:lvl4pPr>
+            <a:lvl5pPr eaLnBrk="1" hangingPunct="1">
+              <a:defRPr>
+                <a:solidFill>
+                  <a:schemeClr val="tx2"/>
+                </a:solidFill>
+              </a:defRPr>
+            </a:lvl5pPr>
+            <a:lvl6pPr eaLnBrk="1" hangingPunct="1">
+              <a:defRPr>
+                <a:solidFill>
+                  <a:schemeClr val="tx2"/>
+                </a:solidFill>
+              </a:defRPr>
+            </a:lvl6pPr>
+            <a:lvl7pPr eaLnBrk="1" hangingPunct="1">
+              <a:defRPr>
+                <a:solidFill>
+                  <a:schemeClr val="tx2"/>
+                </a:solidFill>
+              </a:defRPr>
+            </a:lvl7pPr>
+            <a:lvl8pPr eaLnBrk="1" hangingPunct="1">
+              <a:defRPr>
+                <a:solidFill>
+                  <a:schemeClr val="tx2"/>
+                </a:solidFill>
+              </a:defRPr>
+            </a:lvl8pPr>
+            <a:lvl9pPr eaLnBrk="1" hangingPunct="1">
+              <a:defRPr>
+                <a:solidFill>
+                  <a:schemeClr val="tx2"/>
+                </a:solidFill>
+              </a:defRPr>
+            </a:lvl9pPr>
+          </a:lstStyle>
+          <a:p>
+            <a:pPr>
+              <a:lnSpc>
+                <a:spcPct val="90000"/>
+              </a:lnSpc>
+            </a:pPr>
+            <a:r>
+              <a:rPr lang="en-US" sz="2500">
+                <a:solidFill>
+                  <a:srgbClr val="FEFFFF"/>
+                </a:solidFill>
+              </a:rPr>
+              <a:t>Greedy Algorithm to allocate channels to devices</a:t>
+            </a:r>
+            <a:endParaRPr lang="en-IN" sz="2500">
+              <a:solidFill>
+                <a:srgbClr val="FEFFFF"/>
+              </a:solidFill>
+            </a:endParaRPr>
+          </a:p>
+        </p:txBody>
+      </p:sp>
+      <p:sp>
+        <p:nvSpPr>
+          <p:cNvPr id="12" name="Content Placeholder 2"/>
+          <p:cNvSpPr txBox="1">
+            <a:spLocks/>
+          </p:cNvSpPr>
+          <p:nvPr/>
+        </p:nvSpPr>
+        <p:spPr>
+          <a:xfrm>
+            <a:off x="207674" y="2024258"/>
+            <a:ext cx="6626019" cy="4363095"/>
+          </a:xfrm>
+          <a:prstGeom prst="rect">
+            <a:avLst/>
+          </a:prstGeom>
+        </p:spPr>
+        <p:txBody>
+          <a:bodyPr vert="horz" lIns="91440" tIns="45720" rIns="91440" bIns="45720" rtlCol="0">
+            <a:noAutofit/>
+          </a:bodyPr>
+          <a:lstStyle>
+            <a:lvl1pPr marL="342900" indent="-342900" algn="l" defTabSz="457200" rtl="0" eaLnBrk="1" latinLnBrk="0" hangingPunct="1">
+              <a:spcBef>
+                <a:spcPts val="1000"/>
+              </a:spcBef>
+              <a:spcAft>
+                <a:spcPts val="0"/>
+              </a:spcAft>
+              <a:buClr>
+                <a:schemeClr val="accent1"/>
+              </a:buClr>
+              <a:buFont typeface="Wingdings 3" charset="2"/>
+              <a:buChar char=""/>
+              <a:defRPr sz="1800" kern="1200">
+                <a:solidFill>
+                  <a:schemeClr val="tx1">
+                    <a:lumMod val="75000"/>
+                    <a:lumOff val="25000"/>
+                  </a:schemeClr>
+                </a:solidFill>
+                <a:latin typeface="+mn-lt"/>
+                <a:ea typeface="+mn-ea"/>
+                <a:cs typeface="+mn-cs"/>
+              </a:defRPr>
+            </a:lvl1pPr>
+            <a:lvl2pPr marL="742950" indent="-285750" algn="l" defTabSz="457200" rtl="0" eaLnBrk="1" latinLnBrk="0" hangingPunct="1">
+              <a:spcBef>
+                <a:spcPts val="1000"/>
+              </a:spcBef>
+              <a:spcAft>
+                <a:spcPts val="0"/>
+              </a:spcAft>
+              <a:buClr>
+                <a:schemeClr val="accent1"/>
+              </a:buClr>
+              <a:buFont typeface="Wingdings 3" charset="2"/>
+              <a:buChar char=""/>
+              <a:defRPr sz="1600" kern="1200">
+                <a:solidFill>
+                  <a:schemeClr val="tx1">
+                    <a:lumMod val="75000"/>
+                    <a:lumOff val="25000"/>
+                  </a:schemeClr>
+                </a:solidFill>
+                <a:latin typeface="+mn-lt"/>
+                <a:ea typeface="+mn-ea"/>
+                <a:cs typeface="+mn-cs"/>
+              </a:defRPr>
+            </a:lvl2pPr>
+            <a:lvl3pPr marL="1143000" indent="-228600" algn="l" defTabSz="457200" rtl="0" eaLnBrk="1" latinLnBrk="0" hangingPunct="1">
+              <a:spcBef>
+                <a:spcPts val="1000"/>
+              </a:spcBef>
+              <a:spcAft>
+                <a:spcPts val="0"/>
+              </a:spcAft>
+              <a:buClr>
+                <a:schemeClr val="accent1"/>
+              </a:buClr>
+              <a:buFont typeface="Wingdings 3" charset="2"/>
+              <a:buChar char=""/>
+              <a:defRPr sz="1400" kern="1200">
+                <a:solidFill>
+                  <a:schemeClr val="tx1">
+                    <a:lumMod val="75000"/>
+                    <a:lumOff val="25000"/>
+                  </a:schemeClr>
+                </a:solidFill>
+                <a:latin typeface="+mn-lt"/>
+                <a:ea typeface="+mn-ea"/>
+                <a:cs typeface="+mn-cs"/>
+              </a:defRPr>
+            </a:lvl3pPr>
+            <a:lvl4pPr marL="1600200" indent="-228600" algn="l" defTabSz="457200" rtl="0" eaLnBrk="1" latinLnBrk="0" hangingPunct="1">
+              <a:spcBef>
+                <a:spcPts val="1000"/>
+              </a:spcBef>
+              <a:spcAft>
+                <a:spcPts val="0"/>
+              </a:spcAft>
+              <a:buClr>
+                <a:schemeClr val="accent1"/>
+              </a:buClr>
+              <a:buFont typeface="Wingdings 3" charset="2"/>
+              <a:buChar char=""/>
+              <a:defRPr sz="1200" kern="1200">
+                <a:solidFill>
+                  <a:schemeClr val="tx1">
+                    <a:lumMod val="75000"/>
+                    <a:lumOff val="25000"/>
+                  </a:schemeClr>
+                </a:solidFill>
+                <a:latin typeface="+mn-lt"/>
+                <a:ea typeface="+mn-ea"/>
+                <a:cs typeface="+mn-cs"/>
+              </a:defRPr>
+            </a:lvl4pPr>
+            <a:lvl5pPr marL="2057400" indent="-228600" algn="l" defTabSz="457200" rtl="0" eaLnBrk="1" latinLnBrk="0" hangingPunct="1">
+              <a:spcBef>
+                <a:spcPts val="1000"/>
+              </a:spcBef>
+              <a:spcAft>
+                <a:spcPts val="0"/>
+              </a:spcAft>
+              <a:buClr>
+                <a:schemeClr val="accent1"/>
+              </a:buClr>
+              <a:buFont typeface="Wingdings 3" charset="2"/>
+              <a:buChar char=""/>
+              <a:defRPr sz="1200" kern="1200">
+                <a:solidFill>
+                  <a:schemeClr val="tx1">
+                    <a:lumMod val="75000"/>
+                    <a:lumOff val="25000"/>
+                  </a:schemeClr>
+                </a:solidFill>
+                <a:latin typeface="+mn-lt"/>
+                <a:ea typeface="+mn-ea"/>
+                <a:cs typeface="+mn-cs"/>
+              </a:defRPr>
+            </a:lvl5pPr>
+            <a:lvl6pPr marL="2514600" indent="-228600" algn="l" defTabSz="457200" rtl="0" eaLnBrk="1" latinLnBrk="0" hangingPunct="1">
+              <a:spcBef>
+                <a:spcPts val="1000"/>
+              </a:spcBef>
+              <a:spcAft>
+                <a:spcPts val="0"/>
+              </a:spcAft>
+              <a:buClr>
+                <a:schemeClr val="accent1"/>
+              </a:buClr>
+              <a:buFont typeface="Wingdings 3" charset="2"/>
+              <a:buChar char=""/>
+              <a:defRPr sz="1200" kern="1200">
+                <a:solidFill>
+                  <a:schemeClr val="tx1">
+                    <a:lumMod val="75000"/>
+                    <a:lumOff val="25000"/>
+                  </a:schemeClr>
+                </a:solidFill>
+                <a:latin typeface="+mn-lt"/>
+                <a:ea typeface="+mn-ea"/>
+                <a:cs typeface="+mn-cs"/>
+              </a:defRPr>
+            </a:lvl6pPr>
+            <a:lvl7pPr marL="2971800" indent="-228600" algn="l" defTabSz="457200" rtl="0" eaLnBrk="1" latinLnBrk="0" hangingPunct="1">
+              <a:spcBef>
+                <a:spcPts val="1000"/>
+              </a:spcBef>
+              <a:spcAft>
+                <a:spcPts val="0"/>
+              </a:spcAft>
+              <a:buClr>
+                <a:schemeClr val="accent1"/>
+              </a:buClr>
+              <a:buFont typeface="Wingdings 3" charset="2"/>
+              <a:buChar char=""/>
+              <a:defRPr sz="1200" kern="1200">
+                <a:solidFill>
+                  <a:schemeClr val="tx1">
+                    <a:lumMod val="75000"/>
+                    <a:lumOff val="25000"/>
+                  </a:schemeClr>
+                </a:solidFill>
+                <a:latin typeface="+mn-lt"/>
+                <a:ea typeface="+mn-ea"/>
+                <a:cs typeface="+mn-cs"/>
+              </a:defRPr>
+            </a:lvl7pPr>
+            <a:lvl8pPr marL="3429000" indent="-228600" algn="l" defTabSz="457200" rtl="0" eaLnBrk="1" latinLnBrk="0" hangingPunct="1">
+              <a:spcBef>
+                <a:spcPts val="1000"/>
+              </a:spcBef>
+              <a:spcAft>
+                <a:spcPts val="0"/>
+              </a:spcAft>
+              <a:buClr>
+                <a:schemeClr val="accent1"/>
+              </a:buClr>
+              <a:buFont typeface="Wingdings 3" charset="2"/>
+              <a:buChar char=""/>
+              <a:defRPr sz="1200" kern="1200">
+                <a:solidFill>
+                  <a:schemeClr val="tx1">
+                    <a:lumMod val="75000"/>
+                    <a:lumOff val="25000"/>
+                  </a:schemeClr>
+                </a:solidFill>
+                <a:latin typeface="+mn-lt"/>
+                <a:ea typeface="+mn-ea"/>
+                <a:cs typeface="+mn-cs"/>
+              </a:defRPr>
+            </a:lvl8pPr>
+            <a:lvl9pPr marL="3886200" indent="-228600" algn="l" defTabSz="457200" rtl="0" eaLnBrk="1" latinLnBrk="0" hangingPunct="1">
+              <a:spcBef>
+                <a:spcPts val="1000"/>
+              </a:spcBef>
+              <a:spcAft>
+                <a:spcPts val="0"/>
+              </a:spcAft>
+              <a:buClr>
+                <a:schemeClr val="accent1"/>
+              </a:buClr>
+              <a:buFont typeface="Wingdings 3" charset="2"/>
+              <a:buChar char=""/>
+              <a:defRPr sz="1200" kern="1200">
+                <a:solidFill>
+                  <a:schemeClr val="tx1">
+                    <a:lumMod val="75000"/>
+                    <a:lumOff val="25000"/>
+                  </a:schemeClr>
+                </a:solidFill>
+                <a:latin typeface="+mn-lt"/>
+                <a:ea typeface="+mn-ea"/>
+                <a:cs typeface="+mn-cs"/>
+              </a:defRPr>
+            </a:lvl9pPr>
+          </a:lstStyle>
+          <a:p>
+            <a:pPr>
+              <a:lnSpc>
+                <a:spcPct val="90000"/>
+              </a:lnSpc>
+            </a:pPr>
+            <a:endParaRPr lang="en-IN" dirty="0">
+              <a:solidFill>
+                <a:schemeClr val="tx1"/>
+              </a:solidFill>
+            </a:endParaRPr>
+          </a:p>
+        </p:txBody>
+      </p:sp>
+      <p:pic>
+        <p:nvPicPr>
+          <p:cNvPr id="13" name="Picture 12"/>
+          <p:cNvPicPr>
+            <a:picLocks noChangeAspect="1"/>
+          </p:cNvPicPr>
+          <p:nvPr/>
+        </p:nvPicPr>
+        <p:blipFill>
+          <a:blip r:embed="rId2"/>
+          <a:stretch>
+            <a:fillRect/>
+          </a:stretch>
+        </p:blipFill>
+        <p:spPr>
+          <a:xfrm>
+            <a:off x="7518842" y="2044073"/>
+            <a:ext cx="4745141" cy="3821205"/>
+          </a:xfrm>
+          <a:prstGeom prst="rect">
+            <a:avLst/>
+          </a:prstGeom>
+        </p:spPr>
+      </p:pic>
+      <p:sp>
+        <p:nvSpPr>
+          <p:cNvPr id="14" name="TextBox 13"/>
+          <p:cNvSpPr txBox="1"/>
+          <p:nvPr/>
+        </p:nvSpPr>
+        <p:spPr>
+          <a:xfrm>
+            <a:off x="168911" y="2367738"/>
+            <a:ext cx="7188208" cy="2116990"/>
+          </a:xfrm>
+          <a:prstGeom prst="rect">
+            <a:avLst/>
+          </a:prstGeom>
+          <a:noFill/>
+        </p:spPr>
+        <p:txBody>
+          <a:bodyPr wrap="square" rtlCol="0">
+            <a:spAutoFit/>
+          </a:bodyPr>
+          <a:lstStyle/>
+          <a:p>
+            <a:pPr marL="342900" indent="-342900">
+              <a:lnSpc>
+                <a:spcPct val="150000"/>
+              </a:lnSpc>
+              <a:buAutoNum type="arabicPeriod"/>
+            </a:pPr>
+            <a:r>
+              <a:rPr lang="en-US" dirty="0">
+                <a:solidFill>
+                  <a:schemeClr val="bg2"/>
+                </a:solidFill>
+              </a:rPr>
+              <a:t>The algorithm </a:t>
+            </a:r>
+            <a:r>
+              <a:rPr lang="en-US" b="1" dirty="0">
+                <a:solidFill>
+                  <a:schemeClr val="bg2"/>
+                </a:solidFill>
+              </a:rPr>
+              <a:t>checks for all the waiting devices </a:t>
+            </a:r>
+            <a:r>
+              <a:rPr lang="en-US" dirty="0">
+                <a:solidFill>
+                  <a:schemeClr val="bg2"/>
+                </a:solidFill>
+              </a:rPr>
+              <a:t>1 by 1</a:t>
+            </a:r>
+          </a:p>
+          <a:p>
+            <a:pPr marL="342900" indent="-342900">
+              <a:lnSpc>
+                <a:spcPct val="150000"/>
+              </a:lnSpc>
+              <a:buAutoNum type="arabicPeriod"/>
+            </a:pPr>
+            <a:r>
+              <a:rPr lang="en-US" dirty="0">
+                <a:solidFill>
+                  <a:schemeClr val="bg2"/>
+                </a:solidFill>
+              </a:rPr>
+              <a:t>Then observe in each channel </a:t>
+            </a:r>
+          </a:p>
+          <a:p>
+            <a:pPr lvl="3">
+              <a:lnSpc>
+                <a:spcPct val="150000"/>
+              </a:lnSpc>
+            </a:pPr>
+            <a:r>
+              <a:rPr lang="en-US" dirty="0">
+                <a:solidFill>
+                  <a:schemeClr val="bg2"/>
+                </a:solidFill>
+              </a:rPr>
+              <a:t>if the </a:t>
+            </a:r>
+            <a:r>
+              <a:rPr lang="en-US" b="1" dirty="0">
+                <a:solidFill>
+                  <a:schemeClr val="bg1"/>
+                </a:solidFill>
+              </a:rPr>
+              <a:t>sum of interference is &lt; Tolerance </a:t>
+            </a:r>
+          </a:p>
+          <a:p>
+            <a:pPr marL="342900" indent="-342900">
+              <a:lnSpc>
+                <a:spcPct val="150000"/>
+              </a:lnSpc>
+              <a:buAutoNum type="arabicPeriod"/>
+            </a:pPr>
+            <a:r>
+              <a:rPr lang="en-US" dirty="0">
+                <a:solidFill>
+                  <a:schemeClr val="bg2"/>
+                </a:solidFill>
+              </a:rPr>
+              <a:t>If the condition satisfies in any one of the channel </a:t>
+            </a:r>
+          </a:p>
+          <a:p>
+            <a:pPr>
+              <a:lnSpc>
+                <a:spcPct val="150000"/>
+              </a:lnSpc>
+            </a:pPr>
+            <a:r>
+              <a:rPr lang="en-US" dirty="0">
+                <a:solidFill>
+                  <a:schemeClr val="bg2"/>
+                </a:solidFill>
+              </a:rPr>
+              <a:t>			that device </a:t>
+            </a:r>
+            <a:r>
+              <a:rPr lang="en-US" b="1" dirty="0">
+                <a:solidFill>
+                  <a:schemeClr val="bg2"/>
+                </a:solidFill>
+              </a:rPr>
+              <a:t>will be allocated to that channel</a:t>
+            </a:r>
+          </a:p>
+        </p:txBody>
+      </p:sp>
+      <p:sp>
+        <p:nvSpPr>
+          <p:cNvPr id="15" name="TextBox 14"/>
+          <p:cNvSpPr txBox="1"/>
+          <p:nvPr/>
+        </p:nvSpPr>
+        <p:spPr>
+          <a:xfrm>
+            <a:off x="246436" y="4996570"/>
+            <a:ext cx="7110683" cy="1200329"/>
+          </a:xfrm>
+          <a:prstGeom prst="rect">
+            <a:avLst/>
+          </a:prstGeom>
+          <a:noFill/>
+        </p:spPr>
+        <p:txBody>
+          <a:bodyPr wrap="square" rtlCol="0">
+            <a:spAutoFit/>
+          </a:bodyPr>
+          <a:lstStyle/>
+          <a:p>
+            <a:r>
+              <a:rPr lang="en-US" dirty="0">
+                <a:solidFill>
+                  <a:schemeClr val="bg2"/>
+                </a:solidFill>
+              </a:rPr>
+              <a:t>Sum of Interference : </a:t>
+            </a:r>
+          </a:p>
+          <a:p>
+            <a:endParaRPr lang="en-US" dirty="0">
+              <a:solidFill>
+                <a:schemeClr val="bg2"/>
+              </a:solidFill>
+            </a:endParaRPr>
+          </a:p>
+          <a:p>
+            <a:r>
+              <a:rPr lang="en-US" altLang="en-US" b="1" dirty="0">
+                <a:solidFill>
+                  <a:schemeClr val="bg1"/>
+                </a:solidFill>
+                <a:latin typeface="Calibri" panose="020F0502020204030204" pitchFamily="34" charset="0"/>
+                <a:ea typeface="Calibri" panose="020F0502020204030204" pitchFamily="34" charset="0"/>
+                <a:cs typeface="Calibri" panose="020F0502020204030204" pitchFamily="34" charset="0"/>
+              </a:rPr>
+              <a:t>It </a:t>
+            </a:r>
+            <a:r>
+              <a:rPr lang="en-US" altLang="en-US" b="1" dirty="0">
+                <a:solidFill>
+                  <a:schemeClr val="bg2"/>
+                </a:solidFill>
+                <a:latin typeface="Calibri" panose="020F0502020204030204" pitchFamily="34" charset="0"/>
+                <a:ea typeface="Calibri" panose="020F0502020204030204" pitchFamily="34" charset="0"/>
+                <a:cs typeface="Calibri" panose="020F0502020204030204" pitchFamily="34" charset="0"/>
+              </a:rPr>
+              <a:t>is calculated by </a:t>
+            </a:r>
+            <a:r>
+              <a:rPr lang="en-IN" b="1" dirty="0">
+                <a:solidFill>
+                  <a:schemeClr val="bg1"/>
+                </a:solidFill>
+              </a:rPr>
+              <a:t>summing the interferences between each </a:t>
+            </a:r>
+            <a:r>
+              <a:rPr lang="en-IN" dirty="0">
+                <a:solidFill>
+                  <a:schemeClr val="bg1"/>
+                </a:solidFill>
+              </a:rPr>
+              <a:t> </a:t>
+            </a:r>
+            <a:r>
+              <a:rPr lang="en-US" altLang="en-US" b="1" dirty="0">
+                <a:solidFill>
+                  <a:schemeClr val="bg2"/>
+                </a:solidFill>
+                <a:latin typeface="Calibri" panose="020F0502020204030204" pitchFamily="34" charset="0"/>
+                <a:ea typeface="Calibri" panose="020F0502020204030204" pitchFamily="34" charset="0"/>
+                <a:cs typeface="Calibri" panose="020F0502020204030204" pitchFamily="34" charset="0"/>
+              </a:rPr>
+              <a:t>of the devices which are allocated to same channel</a:t>
+            </a:r>
+            <a:endParaRPr lang="en-IN" dirty="0">
+              <a:solidFill>
+                <a:schemeClr val="bg2"/>
+              </a:solidFill>
+            </a:endParaRPr>
+          </a:p>
+        </p:txBody>
+      </p:sp>
+      <p:sp>
+        <p:nvSpPr>
+          <p:cNvPr id="16" name="TextBox 15"/>
+          <p:cNvSpPr txBox="1"/>
+          <p:nvPr/>
+        </p:nvSpPr>
+        <p:spPr>
+          <a:xfrm>
+            <a:off x="8471647" y="131059"/>
+            <a:ext cx="3663834" cy="523220"/>
+          </a:xfrm>
+          <a:prstGeom prst="rect">
+            <a:avLst/>
+          </a:prstGeom>
+          <a:noFill/>
+        </p:spPr>
+        <p:txBody>
+          <a:bodyPr wrap="square" rtlCol="0">
+            <a:spAutoFit/>
+          </a:bodyPr>
+          <a:lstStyle/>
+          <a:p>
+            <a:r>
+              <a:rPr lang="en-US" sz="2800" dirty="0"/>
+              <a:t>Proposed Algorithm</a:t>
+            </a:r>
+            <a:endParaRPr lang="en-IN" sz="2800" dirty="0"/>
+          </a:p>
+        </p:txBody>
+      </p:sp>
+    </p:spTree>
+    <p:extLst>
+      <p:ext uri="{BB962C8B-B14F-4D97-AF65-F5344CB8AC3E}">
+        <p14:creationId xmlns:p14="http://schemas.microsoft.com/office/powerpoint/2010/main" val="3158775381"/>
+      </p:ext>
+    </p:extLst>
+  </p:cSld>
+  <p:clrMapOvr>
+    <a:masterClrMapping/>
+  </p:clrMapOvr>
+</p:sld>
+</file>
+
+<file path=ppt/slides/slide13.xml><?xml version="1.0" encoding="utf-8"?>
+<p:sld xmlns:a="http://schemas.openxmlformats.org/drawingml/2006/main" xmlns:r="http://schemas.openxmlformats.org/officeDocument/2006/relationships" xmlns:p="http://schemas.openxmlformats.org/presentationml/2006/main">
+  <p:cSld>
+    <p:spTree>
+      <p:nvGrpSpPr>
+        <p:cNvPr id="1" name=""/>
+        <p:cNvGrpSpPr/>
+        <p:nvPr/>
+      </p:nvGrpSpPr>
+      <p:grpSpPr>
+        <a:xfrm>
+          <a:off x="0" y="0"/>
+          <a:ext cx="0" cy="0"/>
+          <a:chOff x="0" y="0"/>
+          <a:chExt cx="0" cy="0"/>
+        </a:xfrm>
+      </p:grpSpPr>
+      <p:sp>
+        <p:nvSpPr>
+          <p:cNvPr id="2" name="Title 1"/>
+          <p:cNvSpPr>
+            <a:spLocks noGrp="1"/>
+          </p:cNvSpPr>
+          <p:nvPr>
+            <p:ph type="title"/>
+          </p:nvPr>
+        </p:nvSpPr>
+        <p:spPr>
+          <a:xfrm>
+            <a:off x="1707777" y="677898"/>
+            <a:ext cx="8546259" cy="693702"/>
+          </a:xfrm>
+        </p:spPr>
+        <p:txBody>
+          <a:bodyPr>
+            <a:normAutofit fontScale="90000"/>
+          </a:bodyPr>
+          <a:lstStyle/>
+          <a:p>
+            <a:r>
+              <a:rPr lang="en-US" sz="4000" dirty="0"/>
+              <a:t>System Simulation</a:t>
+            </a:r>
+            <a:endParaRPr lang="en-IN" sz="4000" dirty="0"/>
+          </a:p>
+        </p:txBody>
+      </p:sp>
+      <p:sp>
+        <p:nvSpPr>
+          <p:cNvPr id="3" name="Content Placeholder 2"/>
+          <p:cNvSpPr>
+            <a:spLocks noGrp="1"/>
+          </p:cNvSpPr>
+          <p:nvPr>
+            <p:ph idx="1"/>
+          </p:nvPr>
+        </p:nvSpPr>
+        <p:spPr>
+          <a:xfrm>
+            <a:off x="2662518" y="1801906"/>
+            <a:ext cx="7059705" cy="4216893"/>
+          </a:xfrm>
+        </p:spPr>
+        <p:txBody>
+          <a:bodyPr>
+            <a:normAutofit/>
+          </a:bodyPr>
+          <a:lstStyle/>
+          <a:p>
+            <a:r>
+              <a:rPr lang="en-US" sz="3600" dirty="0"/>
+              <a:t>Let’s Go live </a:t>
+            </a:r>
+          </a:p>
+          <a:p>
+            <a:endParaRPr lang="en-US" sz="3600" dirty="0"/>
+          </a:p>
+          <a:p>
+            <a:pPr lvl="1"/>
+            <a:r>
+              <a:rPr lang="en-US" sz="3200" dirty="0"/>
+              <a:t>1</a:t>
+            </a:r>
+            <a:r>
+              <a:rPr lang="en-US" sz="3200" dirty="0">
+                <a:solidFill>
+                  <a:srgbClr val="002060"/>
+                </a:solidFill>
+              </a:rPr>
+              <a:t>. </a:t>
+            </a:r>
+            <a:r>
+              <a:rPr lang="en-US" sz="3200" b="1" dirty="0">
+                <a:solidFill>
+                  <a:srgbClr val="002060"/>
+                </a:solidFill>
+                <a:hlinkClick r:id="rId2"/>
+              </a:rPr>
+              <a:t>Static Simulation</a:t>
+            </a:r>
+            <a:endParaRPr lang="en-US" sz="3200" b="1" dirty="0">
+              <a:solidFill>
+                <a:srgbClr val="002060"/>
+              </a:solidFill>
+            </a:endParaRPr>
+          </a:p>
+          <a:p>
+            <a:pPr lvl="1"/>
+            <a:endParaRPr lang="en-US" sz="3200" dirty="0"/>
+          </a:p>
+          <a:p>
+            <a:pPr lvl="1"/>
+            <a:r>
+              <a:rPr lang="en-US" sz="3200" dirty="0"/>
+              <a:t>2. </a:t>
+            </a:r>
+            <a:r>
+              <a:rPr lang="en-US" sz="3200" b="1" dirty="0">
+                <a:solidFill>
+                  <a:srgbClr val="002060"/>
+                </a:solidFill>
+                <a:hlinkClick r:id="rId3"/>
+              </a:rPr>
+              <a:t>Dynamic Simulation</a:t>
+            </a:r>
+            <a:endParaRPr lang="en-IN" sz="3200" b="1" dirty="0">
+              <a:solidFill>
+                <a:srgbClr val="002060"/>
+              </a:solidFill>
+            </a:endParaRPr>
+          </a:p>
+        </p:txBody>
+      </p:sp>
+    </p:spTree>
+    <p:extLst>
+      <p:ext uri="{BB962C8B-B14F-4D97-AF65-F5344CB8AC3E}">
+        <p14:creationId xmlns:p14="http://schemas.microsoft.com/office/powerpoint/2010/main" val="4256682063"/>
+      </p:ext>
+    </p:extLst>
+  </p:cSld>
+  <p:clrMapOvr>
+    <a:masterClrMapping/>
+  </p:clrMapOvr>
+</p:sld>
+</file>
+
+<file path=ppt/slides/slide14.xml><?xml version="1.0" encoding="utf-8"?>
+<p:sld xmlns:a="http://schemas.openxmlformats.org/drawingml/2006/main" xmlns:r="http://schemas.openxmlformats.org/officeDocument/2006/relationships" xmlns:p="http://schemas.openxmlformats.org/presentationml/2006/main">
+  <p:cSld>
+    <p:spTree>
+      <p:nvGrpSpPr>
+        <p:cNvPr id="1" name=""/>
+        <p:cNvGrpSpPr/>
+        <p:nvPr/>
+      </p:nvGrpSpPr>
+      <p:grpSpPr>
+        <a:xfrm>
+          <a:off x="0" y="0"/>
+          <a:ext cx="0" cy="0"/>
+          <a:chOff x="0" y="0"/>
+          <a:chExt cx="0" cy="0"/>
+        </a:xfrm>
+      </p:grpSpPr>
+      <p:sp>
+        <p:nvSpPr>
+          <p:cNvPr id="2" name="Title 1"/>
+          <p:cNvSpPr>
+            <a:spLocks noGrp="1"/>
+          </p:cNvSpPr>
+          <p:nvPr>
+            <p:ph type="title"/>
+          </p:nvPr>
+        </p:nvSpPr>
+        <p:spPr>
+          <a:xfrm>
+            <a:off x="1643063" y="666973"/>
+            <a:ext cx="8747124" cy="604615"/>
+          </a:xfrm>
+        </p:spPr>
+        <p:txBody>
+          <a:bodyPr>
+            <a:normAutofit fontScale="90000"/>
+          </a:bodyPr>
+          <a:lstStyle/>
+          <a:p>
+            <a:pPr lvl="0"/>
+            <a:r>
+              <a:rPr lang="en-IN" dirty="0"/>
+              <a:t>Conclusion</a:t>
+            </a:r>
+            <a:br>
+              <a:rPr lang="en-IN" b="1" dirty="0"/>
+            </a:br>
+            <a:endParaRPr lang="en-IN" dirty="0"/>
+          </a:p>
+        </p:txBody>
+      </p:sp>
+      <p:sp>
+        <p:nvSpPr>
+          <p:cNvPr id="3" name="Content Placeholder 2"/>
+          <p:cNvSpPr>
+            <a:spLocks noGrp="1"/>
+          </p:cNvSpPr>
+          <p:nvPr>
+            <p:ph idx="1"/>
+          </p:nvPr>
+        </p:nvSpPr>
+        <p:spPr>
+          <a:xfrm>
+            <a:off x="1114425" y="2133600"/>
+            <a:ext cx="10390187" cy="3777622"/>
+          </a:xfrm>
+        </p:spPr>
+        <p:txBody>
+          <a:bodyPr/>
+          <a:lstStyle/>
+          <a:p>
+            <a:pPr algn="just"/>
+            <a:r>
+              <a:rPr lang="en-IN" dirty="0">
+                <a:solidFill>
+                  <a:schemeClr val="tx1"/>
+                </a:solidFill>
+              </a:rPr>
+              <a:t> </a:t>
+            </a:r>
+            <a:r>
+              <a:rPr lang="en-IN" sz="2800" dirty="0">
+                <a:solidFill>
+                  <a:schemeClr val="tx1"/>
+                </a:solidFill>
+              </a:rPr>
+              <a:t>Channel allocation problem, an </a:t>
+            </a:r>
+            <a:r>
+              <a:rPr lang="en-IN" sz="2800" b="1" dirty="0">
+                <a:solidFill>
+                  <a:schemeClr val="tx1"/>
+                </a:solidFill>
+              </a:rPr>
+              <a:t>NP hard </a:t>
+            </a:r>
+            <a:r>
+              <a:rPr lang="en-IN" sz="2800" dirty="0">
+                <a:solidFill>
+                  <a:schemeClr val="tx1"/>
+                </a:solidFill>
+              </a:rPr>
+              <a:t>problem, which means </a:t>
+            </a:r>
+            <a:r>
+              <a:rPr lang="en-IN" sz="2800" b="1" dirty="0">
+                <a:solidFill>
+                  <a:schemeClr val="tx1"/>
+                </a:solidFill>
+              </a:rPr>
+              <a:t>an exact solution cannot be found in polynomial time</a:t>
+            </a:r>
+            <a:r>
+              <a:rPr lang="en-IN" sz="2800" dirty="0">
+                <a:solidFill>
+                  <a:schemeClr val="tx1"/>
+                </a:solidFill>
+              </a:rPr>
+              <a:t>. Evolutionary and heuristic algorithms can be applied to find near optimal solutions to channel allocation.</a:t>
+            </a:r>
+          </a:p>
+          <a:p>
+            <a:pPr algn="just"/>
+            <a:r>
+              <a:rPr lang="en-IN" sz="2800" dirty="0">
+                <a:solidFill>
+                  <a:schemeClr val="tx1"/>
+                </a:solidFill>
+              </a:rPr>
+              <a:t>This algorithm </a:t>
+            </a:r>
+            <a:r>
+              <a:rPr lang="en-IN" sz="2800" b="1" dirty="0">
+                <a:solidFill>
+                  <a:schemeClr val="tx1"/>
+                </a:solidFill>
+              </a:rPr>
+              <a:t>tries to allocate as many devices as possible to the channels </a:t>
+            </a:r>
+            <a:r>
+              <a:rPr lang="en-IN" sz="2800" dirty="0">
+                <a:solidFill>
+                  <a:schemeClr val="tx1"/>
+                </a:solidFill>
+              </a:rPr>
+              <a:t>in dynamic situation by greedy approach.</a:t>
+            </a:r>
+            <a:endParaRPr lang="en-IN" dirty="0">
+              <a:solidFill>
+                <a:schemeClr val="tx1"/>
+              </a:solidFill>
+            </a:endParaRPr>
+          </a:p>
+        </p:txBody>
+      </p:sp>
+    </p:spTree>
+    <p:extLst>
+      <p:ext uri="{BB962C8B-B14F-4D97-AF65-F5344CB8AC3E}">
+        <p14:creationId xmlns:p14="http://schemas.microsoft.com/office/powerpoint/2010/main" val="242805364"/>
+      </p:ext>
+    </p:extLst>
+  </p:cSld>
+  <p:clrMapOvr>
+    <a:masterClrMapping/>
+  </p:clrMapOvr>
+</p:sld>
+</file>
+
+<file path=ppt/slides/slide15.xml><?xml version="1.0" encoding="utf-8"?>
+<p:sld xmlns:a="http://schemas.openxmlformats.org/drawingml/2006/main" xmlns:r="http://schemas.openxmlformats.org/officeDocument/2006/relationships" xmlns:p="http://schemas.openxmlformats.org/presentationml/2006/main">
+  <p:cSld>
+    <p:spTree>
+      <p:nvGrpSpPr>
+        <p:cNvPr id="1" name=""/>
+        <p:cNvGrpSpPr/>
+        <p:nvPr/>
+      </p:nvGrpSpPr>
+      <p:grpSpPr>
+        <a:xfrm>
+          <a:off x="0" y="0"/>
+          <a:ext cx="0" cy="0"/>
+          <a:chOff x="0" y="0"/>
+          <a:chExt cx="0" cy="0"/>
+        </a:xfrm>
+      </p:grpSpPr>
+      <p:sp>
+        <p:nvSpPr>
+          <p:cNvPr id="2" name="Title 1"/>
+          <p:cNvSpPr>
+            <a:spLocks noGrp="1"/>
+          </p:cNvSpPr>
+          <p:nvPr>
+            <p:ph type="title"/>
+          </p:nvPr>
+        </p:nvSpPr>
+        <p:spPr>
+          <a:xfrm>
+            <a:off x="1628775" y="652685"/>
+            <a:ext cx="8761412" cy="633190"/>
+          </a:xfrm>
+        </p:spPr>
+        <p:txBody>
+          <a:bodyPr>
+            <a:normAutofit fontScale="90000"/>
+          </a:bodyPr>
+          <a:lstStyle/>
+          <a:p>
+            <a:r>
+              <a:rPr lang="en-US" dirty="0">
+                <a:solidFill>
+                  <a:schemeClr val="tx1"/>
+                </a:solidFill>
+              </a:rPr>
+              <a:t>References</a:t>
+            </a:r>
+            <a:endParaRPr lang="en-IN" dirty="0">
+              <a:solidFill>
+                <a:schemeClr val="tx1"/>
+              </a:solidFill>
+            </a:endParaRPr>
+          </a:p>
+        </p:txBody>
+      </p:sp>
+      <p:sp>
+        <p:nvSpPr>
+          <p:cNvPr id="5" name="Content Placeholder 4"/>
+          <p:cNvSpPr>
+            <a:spLocks noGrp="1"/>
+          </p:cNvSpPr>
+          <p:nvPr>
+            <p:ph idx="1"/>
+          </p:nvPr>
+        </p:nvSpPr>
+        <p:spPr>
+          <a:xfrm>
+            <a:off x="857250" y="1628775"/>
+            <a:ext cx="10647362" cy="4700587"/>
+          </a:xfrm>
+        </p:spPr>
+        <p:txBody>
+          <a:bodyPr>
+            <a:normAutofit fontScale="85000" lnSpcReduction="10000"/>
+          </a:bodyPr>
+          <a:lstStyle/>
+          <a:p>
+            <a:r>
+              <a:rPr lang="en-IN" sz="2800" dirty="0">
+                <a:solidFill>
+                  <a:schemeClr val="tx1"/>
+                </a:solidFill>
+              </a:rPr>
+              <a:t>1.	www.google.com</a:t>
+            </a:r>
+          </a:p>
+          <a:p>
+            <a:pPr marL="342900" lvl="3" indent="-342900"/>
+            <a:r>
+              <a:rPr lang="en-IN" sz="2800" dirty="0">
+                <a:solidFill>
+                  <a:schemeClr val="tx1"/>
+                </a:solidFill>
+              </a:rPr>
+              <a:t>2.	</a:t>
+            </a:r>
+            <a:r>
+              <a:rPr lang="en-IN" sz="2800" u="sng" dirty="0">
+                <a:solidFill>
+                  <a:schemeClr val="tx1"/>
+                </a:solidFill>
+                <a:hlinkClick r:id="rId2"/>
+              </a:rPr>
+              <a:t>https://ieeexplore.ieee.org/document/8729351</a:t>
+            </a:r>
+            <a:r>
+              <a:rPr lang="en-IN" sz="2800" dirty="0">
+                <a:solidFill>
+                  <a:schemeClr val="tx1"/>
+                </a:solidFill>
+              </a:rPr>
+              <a:t> </a:t>
+            </a:r>
+            <a:endParaRPr lang="en-IN" sz="2400" dirty="0">
+              <a:solidFill>
+                <a:schemeClr val="tx1"/>
+              </a:solidFill>
+            </a:endParaRPr>
+          </a:p>
+          <a:p>
+            <a:r>
+              <a:rPr lang="en-IN" sz="2800" dirty="0">
+                <a:solidFill>
+                  <a:schemeClr val="tx1"/>
+                </a:solidFill>
+              </a:rPr>
+              <a:t>3.	Ruifang Li; PuSheng Zhu; Lisha Jin  Channel Allocation Scheme   		Based on Greedy Algorithm in Cognitive Vehicular Networks by 		Published in: 2019 IEEE 3rd Information Technology, Networking, 		Electronic and Automation Control Conference (ITNEC).</a:t>
+            </a:r>
+          </a:p>
+          <a:p>
+            <a:r>
+              <a:rPr lang="en-IN" sz="2800" dirty="0">
+                <a:solidFill>
+                  <a:schemeClr val="tx1"/>
+                </a:solidFill>
+              </a:rPr>
+              <a:t>4.	M. Zhang and T. P.Yum, “Comparisons of channel assignment 			strategies in cellular mobile telephone systems,” IEEE Trans. Veh. 		Technol., vol. 38, pp. 211–215, Nov. 1989.</a:t>
+            </a:r>
+          </a:p>
+          <a:p>
+            <a:r>
+              <a:rPr lang="en-IN" sz="2800" dirty="0">
+                <a:solidFill>
+                  <a:schemeClr val="tx1"/>
+                </a:solidFill>
+              </a:rPr>
+              <a:t>5.	</a:t>
+            </a:r>
+            <a:r>
+              <a:rPr lang="en-IN" sz="3100" u="sng" dirty="0">
+                <a:solidFill>
+                  <a:schemeClr val="tx1"/>
+                </a:solidFill>
+                <a:hlinkClick r:id="rId3"/>
+              </a:rPr>
+              <a:t>https://www.geeksforgeeks.org/maximum-data-rate-channel-capacity-for-noiseless-and-noisy-channels/</a:t>
+            </a:r>
+            <a:endParaRPr lang="en-IN" sz="1500" dirty="0">
+              <a:solidFill>
+                <a:schemeClr val="tx1"/>
+              </a:solidFill>
+            </a:endParaRPr>
+          </a:p>
+          <a:p>
+            <a:endParaRPr lang="en-IN" sz="2800" dirty="0">
+              <a:solidFill>
+                <a:schemeClr val="tx1"/>
+              </a:solidFill>
+            </a:endParaRPr>
+          </a:p>
+        </p:txBody>
+      </p:sp>
+    </p:spTree>
+    <p:extLst>
+      <p:ext uri="{BB962C8B-B14F-4D97-AF65-F5344CB8AC3E}">
+        <p14:creationId xmlns:p14="http://schemas.microsoft.com/office/powerpoint/2010/main" val="1508123000"/>
+      </p:ext>
+    </p:extLst>
+  </p:cSld>
+  <p:clrMapOvr>
+    <a:masterClrMapping/>
+  </p:clrMapOvr>
+</p:sld>
+</file>
+
 <file path=ppt/slides/slide2.xml><?xml version="1.0" encoding="utf-8"?>
 <p:sld xmlns:a="http://schemas.openxmlformats.org/drawingml/2006/main" xmlns:r="http://schemas.openxmlformats.org/officeDocument/2006/relationships" xmlns:p="http://schemas.openxmlformats.org/presentationml/2006/main">
   <p:cSld>
@@ -7850,33 +12092,37 @@
           <a:lstStyle/>
           <a:p>
             <a:r>
-              <a:rPr lang="en-US" sz="2800" dirty="0"/>
+              <a:rPr lang="en-US" sz="2800" dirty="0">
+                <a:solidFill>
+                  <a:schemeClr val="tx1"/>
+                </a:solidFill>
+              </a:rPr>
               <a:t>1. Introduction</a:t>
             </a:r>
           </a:p>
           <a:p>
             <a:r>
-              <a:rPr lang="en-US" sz="2800" dirty="0"/>
-              <a:t>2. Static and Dynamic CAP</a:t>
-            </a:r>
-          </a:p>
-          <a:p>
-            <a:r>
               <a:rPr lang="en-US" sz="2800" dirty="0">
                 <a:solidFill>
-                  <a:srgbClr val="FF0000"/>
-                </a:solidFill>
-              </a:rPr>
-              <a:t>3.</a:t>
-            </a:r>
-            <a:r>
-              <a:rPr lang="en-US" sz="2800" dirty="0"/>
-              <a:t> </a:t>
+                  <a:schemeClr val="tx1"/>
+                </a:solidFill>
+              </a:rPr>
+              <a:t>2. Problem Statement</a:t>
+            </a:r>
+          </a:p>
+          <a:p>
+            <a:r>
+              <a:rPr lang="en-US" sz="2800" dirty="0">
+                <a:solidFill>
+                  <a:schemeClr val="tx1"/>
+                </a:solidFill>
+              </a:rPr>
+              <a:t>3. </a:t>
             </a:r>
             <a:r>
               <a:rPr lang="en-IN" sz="2800" dirty="0">
                 <a:solidFill>
-                  <a:srgbClr val="FF0000"/>
+                  <a:schemeClr val="tx1"/>
                 </a:solidFill>
               </a:rPr>
               <a:t>Mathematical model</a:t>
@@ -7886,7 +12132,7 @@
             <a:r>
               <a:rPr lang="en-US" sz="2800" dirty="0">
                 <a:solidFill>
-                  <a:srgbClr val="FF0000"/>
+                  <a:schemeClr val="tx1"/>
                 </a:solidFill>
               </a:rPr>
               <a:t>4. Proposed algorithm</a:t>
@@ -7896,7 +12142,7 @@
             <a:r>
               <a:rPr lang="en-US" sz="2800" dirty="0">
                 <a:solidFill>
-                  <a:srgbClr val="FF0000"/>
+                  <a:schemeClr val="tx1"/>
                 </a:solidFill>
               </a:rPr>
               <a:t>5. System Simulation</a:t>
@@ -7904,20 +12150,36 @@
           </a:p>
           <a:p>
             <a:r>
-              <a:rPr lang="en-US" sz="2800" dirty="0"/>
+              <a:rPr lang="en-US" sz="2800" dirty="0">
+                <a:solidFill>
+                  <a:schemeClr val="tx1"/>
+                </a:solidFill>
+              </a:rPr>
               <a:t>6. </a:t>
             </a:r>
             <a:r>
-              <a:rPr lang="en-IN" sz="2800" dirty="0"/>
+              <a:rPr lang="en-IN" sz="2800" dirty="0">
+                <a:solidFill>
+                  <a:schemeClr val="tx1"/>
+                </a:solidFill>
+              </a:rPr>
               <a:t>Conclusion</a:t>
             </a:r>
           </a:p>
           <a:p>
             <a:r>
-              <a:rPr lang="en-IN" sz="2800" dirty="0"/>
+              <a:rPr lang="en-IN" sz="2800" dirty="0">
+                <a:solidFill>
+                  <a:schemeClr val="tx1"/>
+                </a:solidFill>
+              </a:rPr>
               <a:t>7. References</a:t>
             </a:r>
-            <a:endParaRPr lang="en-US" sz="2800" dirty="0"/>
+            <a:endParaRPr lang="en-US" sz="2800" dirty="0">
+              <a:solidFill>
+                <a:schemeClr val="tx1"/>
+              </a:solidFill>
+            </a:endParaRPr>
           </a:p>
           <a:p>
             <a:endParaRPr lang="en-US" dirty="0"/>
@@ -7966,7 +12228,7 @@
         </p:nvSpPr>
         <p:spPr>
           <a:xfrm>
-            <a:off x="1654176" y="638398"/>
+            <a:off x="1349936" y="1641044"/>
             <a:ext cx="9847262" cy="776065"/>
           </a:xfrm>
         </p:spPr>
@@ -7999,7 +12261,7 @@
         </p:nvSpPr>
         <p:spPr>
           <a:xfrm>
-            <a:off x="1500188" y="1771650"/>
+            <a:off x="1338823" y="2565026"/>
             <a:ext cx="9858375" cy="3816429"/>
           </a:xfrm>
           <a:prstGeom prst="rect">
@@ -8094,6 +12356,36 @@
           </a:p>
           <a:p>
             <a:endParaRPr lang="en-IN" dirty="0"/>
+          </a:p>
+        </p:txBody>
+      </p:sp>
+      <p:sp>
+        <p:nvSpPr>
+          <p:cNvPr id="3" name="TextBox 2"/>
+          <p:cNvSpPr txBox="1"/>
+          <p:nvPr/>
+        </p:nvSpPr>
+        <p:spPr>
+          <a:xfrm>
+            <a:off x="1667436" y="699750"/>
+            <a:ext cx="6441141" cy="646331"/>
+          </a:xfrm>
+          <a:prstGeom prst="rect">
+            <a:avLst/>
+          </a:prstGeom>
+          <a:noFill/>
+        </p:spPr>
+        <p:txBody>
+          <a:bodyPr wrap="square" rtlCol="0">
+            <a:spAutoFit/>
+          </a:bodyPr>
+          <a:lstStyle/>
+          <a:p>
+            <a:r>
+              <a:rPr lang="en-US" sz="3600" dirty="0"/>
+              <a:t>Introduction</a:t>
+            </a:r>
+            <a:endParaRPr lang="en-IN" sz="3600" dirty="0"/>
           </a:p>
         </p:txBody>
       </p:sp>
@@ -8175,7 +12467,7 @@
         </p:nvSpPr>
         <p:spPr>
           <a:xfrm>
-            <a:off x="1042987" y="1385888"/>
+            <a:off x="1110222" y="2192712"/>
             <a:ext cx="10461625" cy="5472112"/>
           </a:xfrm>
         </p:spPr>
@@ -8284,32 +12576,6 @@
           </a:p>
         </p:txBody>
       </p:sp>
-      <p:pic>
-        <p:nvPicPr>
-          <p:cNvPr id="5" name="Content Placeholder 3"/>
-          <p:cNvPicPr>
-            <a:picLocks noChangeAspect="1"/>
-          </p:cNvPicPr>
-          <p:nvPr/>
-        </p:nvPicPr>
-        <p:blipFill>
-          <a:blip r:embed="rId2">
-            <a:lum contrast="40000"/>
-          </a:blip>
-          <a:stretch>
-            <a:fillRect/>
-          </a:stretch>
-        </p:blipFill>
-        <p:spPr>
-          <a:xfrm>
-            <a:off x="1128714" y="4700816"/>
-            <a:ext cx="9944101" cy="1672755"/>
-          </a:xfrm>
-          <a:prstGeom prst="rect">
-            <a:avLst/>
-          </a:prstGeom>
-        </p:spPr>
-      </p:pic>
     </p:spTree>
     <p:extLst>
       <p:ext uri="{BB962C8B-B14F-4D97-AF65-F5344CB8AC3E}">
@@ -8362,7 +12628,7 @@
           <a:p>
             <a:r>
               <a:rPr lang="en-IN" dirty="0"/>
-              <a:t>Static channel allocation</a:t>
+              <a:t>Static channel allocation in TDM, FDM</a:t>
             </a:r>
           </a:p>
         </p:txBody>
@@ -8534,7 +12800,7 @@
         </p:nvSpPr>
         <p:spPr>
           <a:xfrm>
-            <a:off x="828675" y="1419224"/>
+            <a:off x="828675" y="1228725"/>
             <a:ext cx="10504487" cy="5281613"/>
           </a:xfrm>
         </p:spPr>
@@ -8619,108 +12885,68 @@
           <a:chExt cx="0" cy="0"/>
         </a:xfrm>
       </p:grpSpPr>
-      <p:sp>
-        <p:nvSpPr>
-          <p:cNvPr id="2" name="Title 1"/>
-          <p:cNvSpPr>
-            <a:spLocks noGrp="1"/>
-          </p:cNvSpPr>
-          <p:nvPr>
-            <p:ph type="title"/>
-          </p:nvPr>
-        </p:nvSpPr>
-        <p:spPr>
-          <a:xfrm>
-            <a:off x="1643063" y="666973"/>
-            <a:ext cx="8747124" cy="604615"/>
-          </a:xfrm>
-        </p:spPr>
-        <p:txBody>
-          <a:bodyPr>
-            <a:normAutofit fontScale="90000"/>
-          </a:bodyPr>
-          <a:lstStyle/>
-          <a:p>
-            <a:pPr lvl="0"/>
-            <a:r>
-              <a:rPr lang="en-IN" dirty="0"/>
-              <a:t>Conclusion</a:t>
-            </a:r>
-            <a:br>
-              <a:rPr lang="en-IN" b="1" dirty="0"/>
-            </a:br>
-            <a:endParaRPr lang="en-IN" dirty="0"/>
-          </a:p>
-        </p:txBody>
-      </p:sp>
-      <p:sp>
-        <p:nvSpPr>
-          <p:cNvPr id="3" name="Content Placeholder 2"/>
-          <p:cNvSpPr>
-            <a:spLocks noGrp="1"/>
-          </p:cNvSpPr>
+      <p:pic>
+        <p:nvPicPr>
+          <p:cNvPr id="4" name="Content Placeholder 3"/>
+          <p:cNvPicPr>
+            <a:picLocks noGrp="1" noChangeAspect="1"/>
+          </p:cNvPicPr>
           <p:nvPr>
             <p:ph idx="1"/>
           </p:nvPr>
-        </p:nvSpPr>
+        </p:nvPicPr>
+        <p:blipFill>
+          <a:blip r:embed="rId2">
+            <a:lum contrast="40000"/>
+          </a:blip>
+          <a:stretch>
+            <a:fillRect/>
+          </a:stretch>
+        </p:blipFill>
         <p:spPr>
           <a:xfrm>
-            <a:off x="1114425" y="2133600"/>
-            <a:ext cx="10390187" cy="3777622"/>
+            <a:off x="1706160" y="4096033"/>
+            <a:ext cx="8915400" cy="1672755"/>
           </a:xfrm>
+          <a:prstGeom prst="rect">
+            <a:avLst/>
+          </a:prstGeom>
         </p:spPr>
-        <p:txBody>
-          <a:bodyPr/>
-          <a:lstStyle/>
-          <a:p>
-            <a:pPr algn="just"/>
-            <a:r>
-              <a:rPr lang="en-IN" dirty="0"/>
-              <a:t> </a:t>
-            </a:r>
-            <a:r>
-              <a:rPr lang="en-IN" sz="2800" dirty="0"/>
-              <a:t>Channel allocation problem, an </a:t>
-            </a:r>
-            <a:r>
-              <a:rPr lang="en-IN" sz="2800" b="1" dirty="0"/>
-              <a:t>NP hard </a:t>
-            </a:r>
-            <a:r>
-              <a:rPr lang="en-IN" sz="2800" dirty="0"/>
-              <a:t>problem, which means </a:t>
-            </a:r>
-            <a:r>
-              <a:rPr lang="en-IN" sz="2800" b="1" dirty="0"/>
-              <a:t>an exact solution cannot be found in polynomial time</a:t>
-            </a:r>
-            <a:r>
-              <a:rPr lang="en-IN" sz="2800" dirty="0"/>
-              <a:t>. Evolutionary and heuristic algorithms can be applied to find near optimal solutions to channel allocation.</a:t>
-            </a:r>
-          </a:p>
-          <a:p>
-            <a:pPr algn="just"/>
-            <a:r>
-              <a:rPr lang="en-IN" sz="2800" dirty="0"/>
-              <a:t>This algorithm </a:t>
-            </a:r>
-            <a:r>
-              <a:rPr lang="en-IN" sz="2800" b="1" dirty="0"/>
-              <a:t>tries to allocate as many devices as possible to the channels </a:t>
-            </a:r>
-            <a:r>
-              <a:rPr lang="en-IN" sz="2800" dirty="0"/>
-              <a:t>in dynamic situation by greedy approach.</a:t>
-            </a:r>
-            <a:endParaRPr lang="en-IN" dirty="0"/>
-          </a:p>
-        </p:txBody>
-      </p:sp>
+      </p:pic>
+      <p:pic>
+        <p:nvPicPr>
+          <p:cNvPr id="5" name="Picture 4"/>
+          <p:cNvPicPr>
+            <a:picLocks noChangeAspect="1"/>
+          </p:cNvPicPr>
+          <p:nvPr/>
+        </p:nvPicPr>
+        <p:blipFill>
+          <a:blip r:embed="rId3">
+            <a:extLst>
+              <a:ext uri="{28A0092B-C50C-407E-A947-70E740481C1C}">
+                <a14:useLocalDpi xmlns:a14="http://schemas.microsoft.com/office/drawing/2010/main" val="0"/>
+              </a:ext>
+            </a:extLst>
+          </a:blip>
+          <a:stretch>
+            <a:fillRect/>
+          </a:stretch>
+        </p:blipFill>
+        <p:spPr>
+          <a:xfrm>
+            <a:off x="1777253" y="746031"/>
+            <a:ext cx="8773214" cy="2279557"/>
+          </a:xfrm>
+          <a:prstGeom prst="rect">
+            <a:avLst/>
+          </a:prstGeom>
+        </p:spPr>
+      </p:pic>
     </p:spTree>
     <p:extLst>
       <p:ext uri="{BB962C8B-B14F-4D97-AF65-F5344CB8AC3E}">
-        <p14:creationId xmlns:p14="http://schemas.microsoft.com/office/powerpoint/2010/main" val="242805364"/>
+        <p14:creationId xmlns:p14="http://schemas.microsoft.com/office/powerpoint/2010/main" val="3548172530"/>
       </p:ext>
     </p:extLst>
   </p:cSld>
@@ -8759,8 +12985,8 @@
         </p:nvSpPr>
         <p:spPr>
           <a:xfrm>
-            <a:off x="1628775" y="652685"/>
-            <a:ext cx="8761412" cy="633190"/>
+            <a:off x="1743075" y="724123"/>
+            <a:ext cx="8632824" cy="547465"/>
           </a:xfrm>
         </p:spPr>
         <p:txBody>
@@ -8771,7 +12997,7 @@
           <a:p>
             <a:r>
               <a:rPr lang="en-US" dirty="0"/>
-              <a:t>References</a:t>
+              <a:t>Greedy Approach</a:t>
             </a:r>
             <a:endParaRPr lang="en-IN" dirty="0"/>
           </a:p>
@@ -8779,7 +13005,7 @@
       </p:sp>
       <p:sp>
         <p:nvSpPr>
-          <p:cNvPr id="5" name="Content Placeholder 4"/>
+          <p:cNvPr id="3" name="Content Placeholder 2"/>
           <p:cNvSpPr>
             <a:spLocks noGrp="1"/>
           </p:cNvSpPr>
@@ -8789,121 +13015,1385 @@
         </p:nvSpPr>
         <p:spPr>
           <a:xfrm>
-            <a:off x="857250" y="1628775"/>
-            <a:ext cx="10647362" cy="4700587"/>
+            <a:off x="1100138" y="1914525"/>
+            <a:ext cx="9575799" cy="3939547"/>
           </a:xfrm>
         </p:spPr>
         <p:txBody>
           <a:bodyPr>
-            <a:normAutofit fontScale="85000" lnSpcReduction="10000"/>
+            <a:noAutofit/>
           </a:bodyPr>
           <a:lstStyle/>
           <a:p>
-            <a:r>
-              <a:rPr lang="en-IN" sz="2800" dirty="0"/>
-              <a:t>1.	www.google.com</a:t>
-            </a:r>
-          </a:p>
-          <a:p>
-            <a:pPr marL="342900" lvl="3" indent="-342900"/>
-            <a:r>
-              <a:rPr lang="en-IN" sz="2800" dirty="0"/>
-              <a:t>2.	</a:t>
-            </a:r>
-            <a:r>
-              <a:rPr lang="en-IN" sz="2800" u="sng" dirty="0">
-                <a:hlinkClick r:id="rId2"/>
-              </a:rPr>
-              <a:t>https://ieeexplore.ieee.org/document/8729351</a:t>
-            </a:r>
-            <a:r>
-              <a:rPr lang="en-IN" sz="2800" dirty="0"/>
+            <a:pPr algn="just"/>
+            <a:r>
+              <a:rPr lang="en-US" sz="2800" dirty="0">
+                <a:solidFill>
+                  <a:schemeClr val="tx1"/>
+                </a:solidFill>
+              </a:rPr>
+              <a:t>1. Efficient usage of the </a:t>
+            </a:r>
+            <a:r>
+              <a:rPr lang="en-US" sz="2800" b="1" dirty="0">
+                <a:solidFill>
+                  <a:schemeClr val="tx1"/>
+                </a:solidFill>
+              </a:rPr>
+              <a:t>available spectrum</a:t>
+            </a:r>
+          </a:p>
+          <a:p>
+            <a:pPr algn="just"/>
+            <a:r>
+              <a:rPr lang="en-US" sz="2800" dirty="0">
+                <a:solidFill>
+                  <a:schemeClr val="tx1"/>
+                </a:solidFill>
+              </a:rPr>
+              <a:t>2. </a:t>
+            </a:r>
+            <a:r>
+              <a:rPr lang="en-US" sz="2800" b="1" dirty="0">
+                <a:solidFill>
+                  <a:schemeClr val="tx1"/>
+                </a:solidFill>
+              </a:rPr>
+              <a:t>Reassigning</a:t>
+            </a:r>
+            <a:r>
+              <a:rPr lang="en-US" sz="2800" dirty="0">
+                <a:solidFill>
+                  <a:schemeClr val="tx1"/>
+                </a:solidFill>
+              </a:rPr>
+              <a:t> the </a:t>
+            </a:r>
+            <a:r>
+              <a:rPr lang="en-US" sz="2800" b="1" dirty="0">
+                <a:solidFill>
+                  <a:schemeClr val="tx1"/>
+                </a:solidFill>
+              </a:rPr>
+              <a:t>unused</a:t>
+            </a:r>
+            <a:r>
+              <a:rPr lang="en-US" sz="2800" dirty="0">
+                <a:solidFill>
+                  <a:schemeClr val="tx1"/>
+                </a:solidFill>
+              </a:rPr>
               <a:t> </a:t>
             </a:r>
-            <a:endParaRPr lang="en-IN" sz="2400" dirty="0"/>
-          </a:p>
-          <a:p>
-            <a:r>
-              <a:rPr lang="en-IN" sz="2800" dirty="0"/>
-              <a:t>3.	</a:t>
-            </a:r>
-            <a:r>
-              <a:rPr lang="en-IN" sz="2800" dirty="0" err="1"/>
-              <a:t>Ruifang</a:t>
-            </a:r>
-            <a:r>
-              <a:rPr lang="en-IN" sz="2800" dirty="0"/>
-              <a:t> Li; </a:t>
-            </a:r>
-            <a:r>
-              <a:rPr lang="en-IN" sz="2800" dirty="0" err="1"/>
-              <a:t>PuSheng</a:t>
-            </a:r>
-            <a:r>
-              <a:rPr lang="en-IN" sz="2800" dirty="0"/>
-              <a:t> Zhu; </a:t>
-            </a:r>
-            <a:r>
-              <a:rPr lang="en-IN" sz="2800" dirty="0" err="1"/>
-              <a:t>Lisha</a:t>
-            </a:r>
-            <a:r>
-              <a:rPr lang="en-IN" sz="2800" dirty="0"/>
-              <a:t> </a:t>
-            </a:r>
-            <a:r>
-              <a:rPr lang="en-IN" sz="2800" dirty="0" err="1"/>
-              <a:t>Jin</a:t>
-            </a:r>
-            <a:r>
-              <a:rPr lang="en-IN" sz="2800" dirty="0"/>
-              <a:t>  Channel Allocation Scheme   		Based on Greedy Algorithm in Cognitive Vehicular Networks by 		Published in: 2019 IEEE 3rd Information Technology, Networking, 		Electronic and Automation Control Conference (ITNEC).</a:t>
-            </a:r>
-          </a:p>
-          <a:p>
-            <a:r>
-              <a:rPr lang="en-IN" sz="2800" dirty="0"/>
-              <a:t>4.	M. Zhang and T. </a:t>
-            </a:r>
-            <a:r>
-              <a:rPr lang="en-IN" sz="2800" dirty="0" err="1"/>
-              <a:t>P.Yum</a:t>
-            </a:r>
-            <a:r>
-              <a:rPr lang="en-IN" sz="2800" dirty="0"/>
-              <a:t>, “Comparisons of channel assignment 			strategies in cellular mobile telephone systems,” IEEE Trans. </a:t>
-            </a:r>
-            <a:r>
-              <a:rPr lang="en-IN" sz="2800" dirty="0" err="1"/>
-              <a:t>Veh</a:t>
-            </a:r>
-            <a:r>
-              <a:rPr lang="en-IN" sz="2800" dirty="0"/>
-              <a:t>. 		Technol., vol. 38, pp. 211–215, Nov. 1989.</a:t>
-            </a:r>
-          </a:p>
-          <a:p>
-            <a:r>
-              <a:rPr lang="en-IN" sz="2800" dirty="0"/>
-              <a:t>5.	</a:t>
-            </a:r>
-            <a:r>
-              <a:rPr lang="en-IN" sz="3100" u="sng" dirty="0">
-                <a:hlinkClick r:id="rId3"/>
-              </a:rPr>
-              <a:t>https://www.geeksforgeeks.org/maximum-data-rate-channel-capacity-for-noiseless-and-noisy-channels/</a:t>
-            </a:r>
-            <a:endParaRPr lang="en-IN" sz="1500" dirty="0"/>
-          </a:p>
-          <a:p>
-            <a:endParaRPr lang="en-IN" sz="2800" dirty="0"/>
+            <a:r>
+              <a:rPr lang="en-US" sz="2800" b="1" dirty="0">
+                <a:solidFill>
+                  <a:schemeClr val="tx1"/>
+                </a:solidFill>
+              </a:rPr>
+              <a:t>channel</a:t>
+            </a:r>
+            <a:r>
+              <a:rPr lang="en-US" sz="2800" dirty="0">
+                <a:solidFill>
+                  <a:schemeClr val="tx1"/>
+                </a:solidFill>
+              </a:rPr>
+              <a:t> to the user</a:t>
+            </a:r>
+          </a:p>
+          <a:p>
+            <a:pPr algn="just"/>
+            <a:r>
+              <a:rPr lang="en-US" sz="2800" dirty="0">
+                <a:solidFill>
+                  <a:schemeClr val="tx1"/>
+                </a:solidFill>
+              </a:rPr>
+              <a:t>3. Channels are </a:t>
+            </a:r>
+            <a:r>
+              <a:rPr lang="en-US" sz="2800" b="1" dirty="0">
+                <a:solidFill>
+                  <a:schemeClr val="tx1"/>
+                </a:solidFill>
+              </a:rPr>
+              <a:t>not</a:t>
+            </a:r>
+            <a:r>
+              <a:rPr lang="en-US" sz="2800" dirty="0">
+                <a:solidFill>
+                  <a:schemeClr val="tx1"/>
+                </a:solidFill>
+              </a:rPr>
+              <a:t> pre allocated to the user</a:t>
+            </a:r>
+          </a:p>
+          <a:p>
+            <a:pPr algn="just"/>
+            <a:r>
+              <a:rPr lang="en-US" sz="2800" dirty="0">
+                <a:solidFill>
+                  <a:schemeClr val="tx1"/>
+                </a:solidFill>
+              </a:rPr>
+              <a:t>4. Channels are </a:t>
+            </a:r>
+            <a:r>
+              <a:rPr lang="en-US" sz="2800" b="1" dirty="0">
+                <a:solidFill>
+                  <a:schemeClr val="tx1"/>
+                </a:solidFill>
+              </a:rPr>
+              <a:t>dynamically allocated </a:t>
+            </a:r>
+            <a:r>
+              <a:rPr lang="en-US" sz="2800" dirty="0">
+                <a:solidFill>
+                  <a:schemeClr val="tx1"/>
+                </a:solidFill>
+              </a:rPr>
+              <a:t>as the device arrived</a:t>
+            </a:r>
+          </a:p>
+          <a:p>
+            <a:pPr algn="just"/>
+            <a:r>
+              <a:rPr lang="en-US" sz="2800" dirty="0">
+                <a:solidFill>
+                  <a:schemeClr val="tx1"/>
+                </a:solidFill>
+              </a:rPr>
+              <a:t>5. Devices left the channel after completing data transfer and new device joins </a:t>
+            </a:r>
+            <a:r>
+              <a:rPr lang="en-US" sz="2800" b="1" dirty="0">
+                <a:solidFill>
+                  <a:schemeClr val="tx1"/>
+                </a:solidFill>
+              </a:rPr>
+              <a:t>without affecting existing communications.</a:t>
+            </a:r>
+            <a:endParaRPr lang="en-IN" sz="2800" b="1" dirty="0">
+              <a:solidFill>
+                <a:schemeClr val="tx1"/>
+              </a:solidFill>
+            </a:endParaRPr>
           </a:p>
         </p:txBody>
       </p:sp>
     </p:spTree>
     <p:extLst>
       <p:ext uri="{BB962C8B-B14F-4D97-AF65-F5344CB8AC3E}">
-        <p14:creationId xmlns:p14="http://schemas.microsoft.com/office/powerpoint/2010/main" val="1508123000"/>
+        <p14:creationId xmlns:p14="http://schemas.microsoft.com/office/powerpoint/2010/main" val="2925090833"/>
+      </p:ext>
+    </p:extLst>
+  </p:cSld>
+  <p:clrMapOvr>
+    <a:masterClrMapping/>
+  </p:clrMapOvr>
+</p:sld>
+</file>
+
+<file path=ppt/slides/slide9.xml><?xml version="1.0" encoding="utf-8"?>
+<p:sld xmlns:a="http://schemas.openxmlformats.org/drawingml/2006/main" xmlns:r="http://schemas.openxmlformats.org/officeDocument/2006/relationships" xmlns:p="http://schemas.openxmlformats.org/presentationml/2006/main">
+  <p:cSld>
+    <p:spTree>
+      <p:nvGrpSpPr>
+        <p:cNvPr id="1" name=""/>
+        <p:cNvGrpSpPr/>
+        <p:nvPr/>
+      </p:nvGrpSpPr>
+      <p:grpSpPr>
+        <a:xfrm>
+          <a:off x="0" y="0"/>
+          <a:ext cx="0" cy="0"/>
+          <a:chOff x="0" y="0"/>
+          <a:chExt cx="0" cy="0"/>
+        </a:xfrm>
+      </p:grpSpPr>
+      <p:sp>
+        <p:nvSpPr>
+          <p:cNvPr id="2" name="Title 1"/>
+          <p:cNvSpPr>
+            <a:spLocks noGrp="1"/>
+          </p:cNvSpPr>
+          <p:nvPr>
+            <p:ph type="title"/>
+          </p:nvPr>
+        </p:nvSpPr>
+        <p:spPr>
+          <a:xfrm>
+            <a:off x="1614488" y="638398"/>
+            <a:ext cx="8575674" cy="661765"/>
+          </a:xfrm>
+        </p:spPr>
+        <p:txBody>
+          <a:bodyPr>
+            <a:normAutofit/>
+          </a:bodyPr>
+          <a:lstStyle/>
+          <a:p>
+            <a:r>
+              <a:rPr lang="en-IN" dirty="0"/>
+              <a:t>Mathematical	 model </a:t>
+            </a:r>
+          </a:p>
+        </p:txBody>
+      </p:sp>
+      <p:sp>
+        <p:nvSpPr>
+          <p:cNvPr id="18" name="TextBox 17"/>
+          <p:cNvSpPr txBox="1"/>
+          <p:nvPr/>
+        </p:nvSpPr>
+        <p:spPr>
+          <a:xfrm>
+            <a:off x="385763" y="1514475"/>
+            <a:ext cx="11329987" cy="2308324"/>
+          </a:xfrm>
+          <a:prstGeom prst="rect">
+            <a:avLst/>
+          </a:prstGeom>
+          <a:noFill/>
+        </p:spPr>
+        <p:txBody>
+          <a:bodyPr wrap="square" rtlCol="0">
+            <a:spAutoFit/>
+          </a:bodyPr>
+          <a:lstStyle/>
+          <a:p>
+            <a:r>
+              <a:rPr lang="en-IN" sz="2400" dirty="0"/>
+              <a:t>Let, There are </a:t>
+            </a:r>
+            <a:r>
+              <a:rPr lang="en-IN" sz="2400" b="1" dirty="0"/>
+              <a:t>n</a:t>
+            </a:r>
+            <a:r>
+              <a:rPr lang="en-IN" sz="2400" dirty="0"/>
+              <a:t> no of devices </a:t>
+            </a:r>
+            <a:r>
+              <a:rPr lang="en-IN" sz="2400" b="1" dirty="0"/>
+              <a:t>d</a:t>
+            </a:r>
+            <a:r>
+              <a:rPr lang="en-IN" sz="2400" b="1" baseline="-25000" dirty="0"/>
+              <a:t>1</a:t>
+            </a:r>
+            <a:r>
+              <a:rPr lang="en-IN" sz="2400" b="1" dirty="0"/>
+              <a:t>, d</a:t>
+            </a:r>
+            <a:r>
+              <a:rPr lang="en-IN" sz="2400" b="1" baseline="-25000" dirty="0"/>
+              <a:t>2</a:t>
+            </a:r>
+            <a:r>
+              <a:rPr lang="en-IN" sz="2400" b="1" dirty="0"/>
+              <a:t>, … d</a:t>
+            </a:r>
+            <a:r>
+              <a:rPr lang="en-IN" sz="2400" b="1" baseline="-25000" dirty="0"/>
+              <a:t>n</a:t>
+            </a:r>
+            <a:r>
+              <a:rPr lang="en-IN" sz="2400" dirty="0"/>
+              <a:t> placed randomly,</a:t>
+            </a:r>
+          </a:p>
+          <a:p>
+            <a:r>
+              <a:rPr lang="en-IN" sz="2400" dirty="0"/>
+              <a:t>	One base station </a:t>
+            </a:r>
+            <a:r>
+              <a:rPr lang="en-IN" sz="2400" b="1" dirty="0"/>
+              <a:t>BS </a:t>
+            </a:r>
+            <a:r>
+              <a:rPr lang="en-IN" sz="2400" dirty="0"/>
+              <a:t>placed randomly,</a:t>
+            </a:r>
+          </a:p>
+          <a:p>
+            <a:r>
+              <a:rPr lang="en-IN" sz="2400" dirty="0"/>
+              <a:t>	Distance of device </a:t>
+            </a:r>
+            <a:r>
+              <a:rPr lang="en-IN" sz="2400" b="1" dirty="0"/>
+              <a:t>d</a:t>
+            </a:r>
+            <a:r>
+              <a:rPr lang="en-IN" sz="2400" b="1" baseline="-25000" dirty="0"/>
+              <a:t>i</a:t>
+            </a:r>
+            <a:r>
+              <a:rPr lang="en-IN" sz="2400" b="1" dirty="0"/>
+              <a:t> </a:t>
+            </a:r>
+            <a:r>
+              <a:rPr lang="en-IN" sz="2400" dirty="0"/>
+              <a:t>from </a:t>
+            </a:r>
+            <a:r>
+              <a:rPr lang="en-IN" sz="2400" b="1" dirty="0"/>
+              <a:t>BS</a:t>
+            </a:r>
+            <a:r>
+              <a:rPr lang="en-IN" sz="2400" dirty="0"/>
+              <a:t> = </a:t>
+            </a:r>
+            <a:r>
+              <a:rPr lang="en-IN" sz="2400" b="1" dirty="0"/>
+              <a:t>f</a:t>
+            </a:r>
+            <a:r>
+              <a:rPr lang="en-IN" sz="2400" b="1" baseline="-25000" dirty="0"/>
+              <a:t>i </a:t>
+            </a:r>
+            <a:endParaRPr lang="en-IN" sz="2400" dirty="0"/>
+          </a:p>
+          <a:p>
+            <a:r>
+              <a:rPr lang="en-IN" sz="2400" dirty="0"/>
+              <a:t>	Bandwidth of every Channel = </a:t>
+            </a:r>
+            <a:r>
+              <a:rPr lang="en-IN" sz="2400" b="1" dirty="0"/>
+              <a:t>B,</a:t>
+            </a:r>
+            <a:endParaRPr lang="en-IN" sz="2400" dirty="0"/>
+          </a:p>
+          <a:p>
+            <a:r>
+              <a:rPr lang="en-IN" sz="2400" dirty="0"/>
+              <a:t>	The Signal to Noise Ratio(</a:t>
+            </a:r>
+            <a:r>
+              <a:rPr lang="en-IN" sz="2400" b="1" dirty="0"/>
+              <a:t>SNR) </a:t>
+            </a:r>
+            <a:r>
+              <a:rPr lang="en-IN" sz="2400" dirty="0"/>
+              <a:t>will be</a:t>
+            </a:r>
+            <a:r>
+              <a:rPr lang="en-IN" sz="2400" b="1" dirty="0"/>
+              <a:t>, </a:t>
+            </a:r>
+            <a:endParaRPr lang="en-IN" sz="2400" dirty="0"/>
+          </a:p>
+          <a:p>
+            <a:endParaRPr lang="en-IN" sz="2400" dirty="0"/>
+          </a:p>
+        </p:txBody>
+      </p:sp>
+      <p:sp>
+        <p:nvSpPr>
+          <p:cNvPr id="19" name="Rectangle 22"/>
+          <p:cNvSpPr>
+            <a:spLocks noChangeArrowheads="1"/>
+          </p:cNvSpPr>
+          <p:nvPr/>
+        </p:nvSpPr>
+        <p:spPr bwMode="auto">
+          <a:xfrm>
+            <a:off x="588169" y="3650540"/>
+            <a:ext cx="11015662" cy="954107"/>
+          </a:xfrm>
+          <a:prstGeom prst="rect">
+            <a:avLst/>
+          </a:prstGeom>
+          <a:noFill/>
+          <a:ln>
+            <a:noFill/>
+          </a:ln>
+          <a:effectLst/>
+          <a:extLst>
+            <a:ext uri="{909E8E84-426E-40DD-AFC4-6F175D3DCCD1}">
+              <a14:hiddenFill xmlns:a14="http://schemas.microsoft.com/office/drawing/2010/main">
+                <a:solidFill>
+                  <a:schemeClr val="accent1"/>
+                </a:solidFill>
+              </a14:hiddenFill>
+            </a:ext>
+            <a:ext uri="{91240B29-F687-4F45-9708-019B960494DF}">
+              <a14:hiddenLine xmlns:a14="http://schemas.microsoft.com/office/drawing/2010/main" w="9525">
+                <a:solidFill>
+                  <a:schemeClr val="tx1"/>
+                </a:solidFill>
+                <a:miter lim="800000"/>
+                <a:headEnd/>
+                <a:tailEnd/>
+              </a14:hiddenLine>
+            </a:ext>
+            <a:ext uri="{AF507438-7753-43E0-B8FC-AC1667EBCBE1}">
+              <a14:hiddenEffects xmlns:a14="http://schemas.microsoft.com/office/drawing/2010/main">
+                <a:effectLst>
+                  <a:outerShdw dist="35921" dir="2700000" algn="ctr" rotWithShape="0">
+                    <a:schemeClr val="bg2"/>
+                  </a:outerShdw>
+                </a:effectLst>
+              </a14:hiddenEffects>
+            </a:ext>
+          </a:extLst>
+        </p:spPr>
+        <p:txBody>
+          <a:bodyPr vert="horz" wrap="square" lIns="91440" tIns="45720" rIns="91440" bIns="45720" numCol="1" anchor="ctr" anchorCtr="0" compatLnSpc="1">
+            <a:prstTxWarp prst="textNoShape">
+              <a:avLst/>
+            </a:prstTxWarp>
+            <a:spAutoFit/>
+          </a:bodyPr>
+          <a:lstStyle>
+            <a:lvl1pPr indent="457200" eaLnBrk="0" fontAlgn="base" hangingPunct="0">
+              <a:spcBef>
+                <a:spcPct val="0"/>
+              </a:spcBef>
+              <a:spcAft>
+                <a:spcPct val="0"/>
+              </a:spcAft>
+              <a:defRPr>
+                <a:solidFill>
+                  <a:schemeClr val="tx1"/>
+                </a:solidFill>
+                <a:latin typeface="Arial" panose="020B0604020202020204" pitchFamily="34" charset="0"/>
+              </a:defRPr>
+            </a:lvl1pPr>
+            <a:lvl2pPr eaLnBrk="0" fontAlgn="base" hangingPunct="0">
+              <a:spcBef>
+                <a:spcPct val="0"/>
+              </a:spcBef>
+              <a:spcAft>
+                <a:spcPct val="0"/>
+              </a:spcAft>
+              <a:defRPr>
+                <a:solidFill>
+                  <a:schemeClr val="tx1"/>
+                </a:solidFill>
+                <a:latin typeface="Arial" panose="020B0604020202020204" pitchFamily="34" charset="0"/>
+              </a:defRPr>
+            </a:lvl2pPr>
+            <a:lvl3pPr eaLnBrk="0" fontAlgn="base" hangingPunct="0">
+              <a:spcBef>
+                <a:spcPct val="0"/>
+              </a:spcBef>
+              <a:spcAft>
+                <a:spcPct val="0"/>
+              </a:spcAft>
+              <a:defRPr>
+                <a:solidFill>
+                  <a:schemeClr val="tx1"/>
+                </a:solidFill>
+                <a:latin typeface="Arial" panose="020B0604020202020204" pitchFamily="34" charset="0"/>
+              </a:defRPr>
+            </a:lvl3pPr>
+            <a:lvl4pPr eaLnBrk="0" fontAlgn="base" hangingPunct="0">
+              <a:spcBef>
+                <a:spcPct val="0"/>
+              </a:spcBef>
+              <a:spcAft>
+                <a:spcPct val="0"/>
+              </a:spcAft>
+              <a:defRPr>
+                <a:solidFill>
+                  <a:schemeClr val="tx1"/>
+                </a:solidFill>
+                <a:latin typeface="Arial" panose="020B0604020202020204" pitchFamily="34" charset="0"/>
+              </a:defRPr>
+            </a:lvl4pPr>
+            <a:lvl5pPr eaLnBrk="0" fontAlgn="base" hangingPunct="0">
+              <a:spcBef>
+                <a:spcPct val="0"/>
+              </a:spcBef>
+              <a:spcAft>
+                <a:spcPct val="0"/>
+              </a:spcAft>
+              <a:defRPr>
+                <a:solidFill>
+                  <a:schemeClr val="tx1"/>
+                </a:solidFill>
+                <a:latin typeface="Arial" panose="020B0604020202020204" pitchFamily="34" charset="0"/>
+              </a:defRPr>
+            </a:lvl5pPr>
+            <a:lvl6pPr eaLnBrk="0" fontAlgn="base" hangingPunct="0">
+              <a:spcBef>
+                <a:spcPct val="0"/>
+              </a:spcBef>
+              <a:spcAft>
+                <a:spcPct val="0"/>
+              </a:spcAft>
+              <a:defRPr>
+                <a:solidFill>
+                  <a:schemeClr val="tx1"/>
+                </a:solidFill>
+                <a:latin typeface="Arial" panose="020B0604020202020204" pitchFamily="34" charset="0"/>
+              </a:defRPr>
+            </a:lvl6pPr>
+            <a:lvl7pPr eaLnBrk="0" fontAlgn="base" hangingPunct="0">
+              <a:spcBef>
+                <a:spcPct val="0"/>
+              </a:spcBef>
+              <a:spcAft>
+                <a:spcPct val="0"/>
+              </a:spcAft>
+              <a:defRPr>
+                <a:solidFill>
+                  <a:schemeClr val="tx1"/>
+                </a:solidFill>
+                <a:latin typeface="Arial" panose="020B0604020202020204" pitchFamily="34" charset="0"/>
+              </a:defRPr>
+            </a:lvl7pPr>
+            <a:lvl8pPr eaLnBrk="0" fontAlgn="base" hangingPunct="0">
+              <a:spcBef>
+                <a:spcPct val="0"/>
+              </a:spcBef>
+              <a:spcAft>
+                <a:spcPct val="0"/>
+              </a:spcAft>
+              <a:defRPr>
+                <a:solidFill>
+                  <a:schemeClr val="tx1"/>
+                </a:solidFill>
+                <a:latin typeface="Arial" panose="020B0604020202020204" pitchFamily="34" charset="0"/>
+              </a:defRPr>
+            </a:lvl8pPr>
+            <a:lvl9pPr eaLnBrk="0" fontAlgn="base" hangingPunct="0">
+              <a:spcBef>
+                <a:spcPct val="0"/>
+              </a:spcBef>
+              <a:spcAft>
+                <a:spcPct val="0"/>
+              </a:spcAft>
+              <a:defRPr>
+                <a:solidFill>
+                  <a:schemeClr val="tx1"/>
+                </a:solidFill>
+                <a:latin typeface="Arial" panose="020B0604020202020204" pitchFamily="34" charset="0"/>
+              </a:defRPr>
+            </a:lvl9pPr>
+          </a:lstStyle>
+          <a:p>
+            <a:pPr marL="0" marR="0" lvl="0" indent="457200" algn="l" defTabSz="914400" rtl="0" eaLnBrk="0" fontAlgn="base" latinLnBrk="0" hangingPunct="0">
+              <a:lnSpc>
+                <a:spcPct val="100000"/>
+              </a:lnSpc>
+              <a:spcBef>
+                <a:spcPct val="0"/>
+              </a:spcBef>
+              <a:spcAft>
+                <a:spcPct val="0"/>
+              </a:spcAft>
+              <a:buClrTx/>
+              <a:buSzTx/>
+              <a:buFontTx/>
+              <a:buNone/>
+              <a:tabLst/>
+            </a:pPr>
+            <a:r>
+              <a:rPr kumimoji="0" lang="en-US" altLang="en-US" sz="2800" b="1" i="0" u="none" strike="noStrike" cap="none" normalizeH="0" baseline="0" dirty="0">
+                <a:ln>
+                  <a:noFill/>
+                </a:ln>
+                <a:solidFill>
+                  <a:schemeClr val="tx1"/>
+                </a:solidFill>
+                <a:effectLst/>
+                <a:latin typeface="Calibri" panose="020F0502020204030204" pitchFamily="34" charset="0"/>
+                <a:ea typeface="Calibri" panose="020F0502020204030204" pitchFamily="34" charset="0"/>
+                <a:cs typeface="Calibri" panose="020F0502020204030204" pitchFamily="34" charset="0"/>
+              </a:rPr>
+              <a:t>SNR</a:t>
+            </a:r>
+            <a:r>
+              <a:rPr kumimoji="0" lang="en-US" altLang="en-US" sz="2800" b="1" i="0" u="none" strike="noStrike" cap="none" normalizeH="0" dirty="0">
+                <a:ln>
+                  <a:noFill/>
+                </a:ln>
+                <a:solidFill>
+                  <a:schemeClr val="tx1"/>
+                </a:solidFill>
+                <a:effectLst/>
+                <a:latin typeface="Calibri" panose="020F0502020204030204" pitchFamily="34" charset="0"/>
+                <a:ea typeface="Calibri" panose="020F0502020204030204" pitchFamily="34" charset="0"/>
+                <a:cs typeface="Calibri" panose="020F0502020204030204" pitchFamily="34" charset="0"/>
+              </a:rPr>
+              <a:t> </a:t>
+            </a:r>
+            <a:r>
+              <a:rPr kumimoji="0" lang="en-US" altLang="en-US" sz="2800" b="1" i="0" u="none" strike="noStrike" cap="none" normalizeH="0" baseline="0" dirty="0">
+                <a:ln>
+                  <a:noFill/>
+                </a:ln>
+                <a:solidFill>
+                  <a:schemeClr val="tx1"/>
+                </a:solidFill>
+                <a:effectLst/>
+                <a:latin typeface="Calibri" panose="020F0502020204030204" pitchFamily="34" charset="0"/>
+                <a:ea typeface="Calibri" panose="020F0502020204030204" pitchFamily="34" charset="0"/>
+                <a:cs typeface="Calibri" panose="020F0502020204030204" pitchFamily="34" charset="0"/>
+              </a:rPr>
+              <a:t>=  1 / (</a:t>
+            </a:r>
+            <a:r>
+              <a:rPr kumimoji="0" lang="en-US" altLang="en-US" sz="2000" b="1" i="0" u="none" strike="noStrike" cap="none" normalizeH="0" baseline="0" dirty="0">
+                <a:ln>
+                  <a:noFill/>
+                </a:ln>
+                <a:solidFill>
+                  <a:schemeClr val="tx1"/>
+                </a:solidFill>
+                <a:effectLst/>
+                <a:latin typeface="Calibri" panose="020F0502020204030204" pitchFamily="34" charset="0"/>
+                <a:ea typeface="Calibri" panose="020F0502020204030204" pitchFamily="34" charset="0"/>
+                <a:cs typeface="Calibri" panose="020F0502020204030204" pitchFamily="34" charset="0"/>
+              </a:rPr>
+              <a:t>sum of interference of the devices which are allocated to same channel</a:t>
+            </a:r>
+            <a:r>
+              <a:rPr kumimoji="0" lang="en-US" altLang="en-US" sz="2800" b="1" i="0" u="none" strike="noStrike" cap="none" normalizeH="0" baseline="0" dirty="0">
+                <a:ln>
+                  <a:noFill/>
+                </a:ln>
+                <a:solidFill>
+                  <a:schemeClr val="tx1"/>
+                </a:solidFill>
+                <a:effectLst/>
+                <a:latin typeface="Calibri" panose="020F0502020204030204" pitchFamily="34" charset="0"/>
+                <a:ea typeface="Calibri" panose="020F0502020204030204" pitchFamily="34" charset="0"/>
+                <a:cs typeface="Calibri" panose="020F0502020204030204" pitchFamily="34" charset="0"/>
+              </a:rPr>
+              <a:t>)</a:t>
+            </a:r>
+            <a:endParaRPr kumimoji="0" lang="en-US" altLang="en-US" sz="2000" b="0" i="0" u="none" strike="noStrike" cap="none" normalizeH="0" baseline="0" dirty="0">
+              <a:ln>
+                <a:noFill/>
+              </a:ln>
+              <a:solidFill>
+                <a:schemeClr val="tx1"/>
+              </a:solidFill>
+              <a:effectLst/>
+            </a:endParaRPr>
+          </a:p>
+          <a:p>
+            <a:pPr marL="0" marR="0" lvl="0" indent="457200" algn="l" defTabSz="914400" rtl="0" eaLnBrk="0" fontAlgn="base" latinLnBrk="0" hangingPunct="0">
+              <a:lnSpc>
+                <a:spcPct val="100000"/>
+              </a:lnSpc>
+              <a:spcBef>
+                <a:spcPct val="0"/>
+              </a:spcBef>
+              <a:spcAft>
+                <a:spcPct val="0"/>
+              </a:spcAft>
+              <a:buClrTx/>
+              <a:buSzTx/>
+              <a:buFontTx/>
+              <a:buNone/>
+              <a:tabLst/>
+            </a:pPr>
+            <a:r>
+              <a:rPr kumimoji="0" lang="en-US" altLang="en-US" sz="2800" b="1" i="0" u="none" strike="noStrike" cap="none" normalizeH="0" baseline="0" dirty="0">
+                <a:ln>
+                  <a:noFill/>
+                </a:ln>
+                <a:solidFill>
+                  <a:schemeClr val="tx1"/>
+                </a:solidFill>
+                <a:effectLst/>
+                <a:latin typeface="Calibri" panose="020F0502020204030204" pitchFamily="34" charset="0"/>
+                <a:ea typeface="Calibri" panose="020F0502020204030204" pitchFamily="34" charset="0"/>
+                <a:cs typeface="Calibri" panose="020F0502020204030204" pitchFamily="34" charset="0"/>
+              </a:rPr>
+              <a:t>	</a:t>
+            </a:r>
+            <a:r>
+              <a:rPr kumimoji="0" lang="en-US" altLang="en-US" sz="2800" b="1" i="0" u="none" strike="noStrike" cap="none" normalizeH="0" dirty="0">
+                <a:ln>
+                  <a:noFill/>
+                </a:ln>
+                <a:solidFill>
+                  <a:schemeClr val="tx1"/>
+                </a:solidFill>
+                <a:effectLst/>
+                <a:latin typeface="Calibri" panose="020F0502020204030204" pitchFamily="34" charset="0"/>
+                <a:ea typeface="Calibri" panose="020F0502020204030204" pitchFamily="34" charset="0"/>
+                <a:cs typeface="Calibri" panose="020F0502020204030204" pitchFamily="34" charset="0"/>
+              </a:rPr>
+              <a:t>   </a:t>
+            </a:r>
+            <a:r>
+              <a:rPr kumimoji="0" lang="en-US" altLang="en-US" sz="2800" b="1" i="0" u="none" strike="noStrike" cap="none" normalizeH="0" baseline="0" dirty="0">
+                <a:ln>
+                  <a:noFill/>
+                </a:ln>
+                <a:solidFill>
+                  <a:schemeClr val="tx1"/>
+                </a:solidFill>
+                <a:effectLst/>
+                <a:latin typeface="Calibri" panose="020F0502020204030204" pitchFamily="34" charset="0"/>
+                <a:ea typeface="Calibri" panose="020F0502020204030204" pitchFamily="34" charset="0"/>
+                <a:cs typeface="Calibri" panose="020F0502020204030204" pitchFamily="34" charset="0"/>
+              </a:rPr>
+              <a:t>=  1 / ∑ I </a:t>
+            </a:r>
+            <a:endParaRPr kumimoji="0" lang="en-US" altLang="en-US" sz="3600" b="0" i="0" u="none" strike="noStrike" cap="none" normalizeH="0" baseline="0" dirty="0">
+              <a:ln>
+                <a:noFill/>
+              </a:ln>
+              <a:solidFill>
+                <a:schemeClr val="tx1"/>
+              </a:solidFill>
+              <a:effectLst/>
+              <a:latin typeface="Arial" panose="020B0604020202020204" pitchFamily="34" charset="0"/>
+            </a:endParaRPr>
+          </a:p>
+        </p:txBody>
+      </p:sp>
+      <p:sp>
+        <p:nvSpPr>
+          <p:cNvPr id="21" name="Rectangle 24"/>
+          <p:cNvSpPr>
+            <a:spLocks noChangeArrowheads="1"/>
+          </p:cNvSpPr>
+          <p:nvPr/>
+        </p:nvSpPr>
+        <p:spPr bwMode="auto">
+          <a:xfrm>
+            <a:off x="465373" y="5355633"/>
+            <a:ext cx="5468784" cy="523220"/>
+          </a:xfrm>
+          <a:prstGeom prst="rect">
+            <a:avLst/>
+          </a:prstGeom>
+          <a:noFill/>
+          <a:ln>
+            <a:noFill/>
+          </a:ln>
+          <a:effectLst/>
+          <a:extLst>
+            <a:ext uri="{909E8E84-426E-40DD-AFC4-6F175D3DCCD1}">
+              <a14:hiddenFill xmlns:a14="http://schemas.microsoft.com/office/drawing/2010/main">
+                <a:solidFill>
+                  <a:schemeClr val="accent1"/>
+                </a:solidFill>
+              </a14:hiddenFill>
+            </a:ext>
+            <a:ext uri="{91240B29-F687-4F45-9708-019B960494DF}">
+              <a14:hiddenLine xmlns:a14="http://schemas.microsoft.com/office/drawing/2010/main" w="9525">
+                <a:solidFill>
+                  <a:schemeClr val="tx1"/>
+                </a:solidFill>
+                <a:miter lim="800000"/>
+                <a:headEnd/>
+                <a:tailEnd/>
+              </a14:hiddenLine>
+            </a:ext>
+            <a:ext uri="{AF507438-7753-43E0-B8FC-AC1667EBCBE1}">
+              <a14:hiddenEffects xmlns:a14="http://schemas.microsoft.com/office/drawing/2010/main">
+                <a:effectLst>
+                  <a:outerShdw dist="35921" dir="2700000" algn="ctr" rotWithShape="0">
+                    <a:schemeClr val="bg2"/>
+                  </a:outerShdw>
+                </a:effectLst>
+              </a14:hiddenEffects>
+            </a:ext>
+          </a:extLst>
+        </p:spPr>
+        <p:txBody>
+          <a:bodyPr vert="horz" wrap="square" lIns="91440" tIns="45720" rIns="91440" bIns="45720" numCol="1" anchor="ctr" anchorCtr="0" compatLnSpc="1">
+            <a:prstTxWarp prst="textNoShape">
+              <a:avLst/>
+            </a:prstTxWarp>
+            <a:spAutoFit/>
+          </a:bodyPr>
+          <a:lstStyle>
+            <a:lvl1pPr eaLnBrk="0" fontAlgn="base" hangingPunct="0">
+              <a:spcBef>
+                <a:spcPct val="0"/>
+              </a:spcBef>
+              <a:spcAft>
+                <a:spcPct val="0"/>
+              </a:spcAft>
+              <a:tabLst>
+                <a:tab pos="2838450" algn="l"/>
+              </a:tabLst>
+              <a:defRPr>
+                <a:solidFill>
+                  <a:schemeClr val="tx1"/>
+                </a:solidFill>
+                <a:latin typeface="Arial" panose="020B0604020202020204" pitchFamily="34" charset="0"/>
+              </a:defRPr>
+            </a:lvl1pPr>
+            <a:lvl2pPr eaLnBrk="0" fontAlgn="base" hangingPunct="0">
+              <a:spcBef>
+                <a:spcPct val="0"/>
+              </a:spcBef>
+              <a:spcAft>
+                <a:spcPct val="0"/>
+              </a:spcAft>
+              <a:tabLst>
+                <a:tab pos="2838450" algn="l"/>
+              </a:tabLst>
+              <a:defRPr>
+                <a:solidFill>
+                  <a:schemeClr val="tx1"/>
+                </a:solidFill>
+                <a:latin typeface="Arial" panose="020B0604020202020204" pitchFamily="34" charset="0"/>
+              </a:defRPr>
+            </a:lvl2pPr>
+            <a:lvl3pPr eaLnBrk="0" fontAlgn="base" hangingPunct="0">
+              <a:spcBef>
+                <a:spcPct val="0"/>
+              </a:spcBef>
+              <a:spcAft>
+                <a:spcPct val="0"/>
+              </a:spcAft>
+              <a:tabLst>
+                <a:tab pos="2838450" algn="l"/>
+              </a:tabLst>
+              <a:defRPr>
+                <a:solidFill>
+                  <a:schemeClr val="tx1"/>
+                </a:solidFill>
+                <a:latin typeface="Arial" panose="020B0604020202020204" pitchFamily="34" charset="0"/>
+              </a:defRPr>
+            </a:lvl3pPr>
+            <a:lvl4pPr eaLnBrk="0" fontAlgn="base" hangingPunct="0">
+              <a:spcBef>
+                <a:spcPct val="0"/>
+              </a:spcBef>
+              <a:spcAft>
+                <a:spcPct val="0"/>
+              </a:spcAft>
+              <a:tabLst>
+                <a:tab pos="2838450" algn="l"/>
+              </a:tabLst>
+              <a:defRPr>
+                <a:solidFill>
+                  <a:schemeClr val="tx1"/>
+                </a:solidFill>
+                <a:latin typeface="Arial" panose="020B0604020202020204" pitchFamily="34" charset="0"/>
+              </a:defRPr>
+            </a:lvl4pPr>
+            <a:lvl5pPr eaLnBrk="0" fontAlgn="base" hangingPunct="0">
+              <a:spcBef>
+                <a:spcPct val="0"/>
+              </a:spcBef>
+              <a:spcAft>
+                <a:spcPct val="0"/>
+              </a:spcAft>
+              <a:tabLst>
+                <a:tab pos="2838450" algn="l"/>
+              </a:tabLst>
+              <a:defRPr>
+                <a:solidFill>
+                  <a:schemeClr val="tx1"/>
+                </a:solidFill>
+                <a:latin typeface="Arial" panose="020B0604020202020204" pitchFamily="34" charset="0"/>
+              </a:defRPr>
+            </a:lvl5pPr>
+            <a:lvl6pPr eaLnBrk="0" fontAlgn="base" hangingPunct="0">
+              <a:spcBef>
+                <a:spcPct val="0"/>
+              </a:spcBef>
+              <a:spcAft>
+                <a:spcPct val="0"/>
+              </a:spcAft>
+              <a:tabLst>
+                <a:tab pos="2838450" algn="l"/>
+              </a:tabLst>
+              <a:defRPr>
+                <a:solidFill>
+                  <a:schemeClr val="tx1"/>
+                </a:solidFill>
+                <a:latin typeface="Arial" panose="020B0604020202020204" pitchFamily="34" charset="0"/>
+              </a:defRPr>
+            </a:lvl6pPr>
+            <a:lvl7pPr eaLnBrk="0" fontAlgn="base" hangingPunct="0">
+              <a:spcBef>
+                <a:spcPct val="0"/>
+              </a:spcBef>
+              <a:spcAft>
+                <a:spcPct val="0"/>
+              </a:spcAft>
+              <a:tabLst>
+                <a:tab pos="2838450" algn="l"/>
+              </a:tabLst>
+              <a:defRPr>
+                <a:solidFill>
+                  <a:schemeClr val="tx1"/>
+                </a:solidFill>
+                <a:latin typeface="Arial" panose="020B0604020202020204" pitchFamily="34" charset="0"/>
+              </a:defRPr>
+            </a:lvl7pPr>
+            <a:lvl8pPr eaLnBrk="0" fontAlgn="base" hangingPunct="0">
+              <a:spcBef>
+                <a:spcPct val="0"/>
+              </a:spcBef>
+              <a:spcAft>
+                <a:spcPct val="0"/>
+              </a:spcAft>
+              <a:tabLst>
+                <a:tab pos="2838450" algn="l"/>
+              </a:tabLst>
+              <a:defRPr>
+                <a:solidFill>
+                  <a:schemeClr val="tx1"/>
+                </a:solidFill>
+                <a:latin typeface="Arial" panose="020B0604020202020204" pitchFamily="34" charset="0"/>
+              </a:defRPr>
+            </a:lvl8pPr>
+            <a:lvl9pPr eaLnBrk="0" fontAlgn="base" hangingPunct="0">
+              <a:spcBef>
+                <a:spcPct val="0"/>
+              </a:spcBef>
+              <a:spcAft>
+                <a:spcPct val="0"/>
+              </a:spcAft>
+              <a:tabLst>
+                <a:tab pos="2838450" algn="l"/>
+              </a:tabLst>
+              <a:defRPr>
+                <a:solidFill>
+                  <a:schemeClr val="tx1"/>
+                </a:solidFill>
+                <a:latin typeface="Arial" panose="020B0604020202020204" pitchFamily="34" charset="0"/>
+              </a:defRPr>
+            </a:lvl9pPr>
+          </a:lstStyle>
+          <a:p>
+            <a:pPr marL="0" marR="0" lvl="0" indent="457200" defTabSz="914400" rtl="0" eaLnBrk="0" fontAlgn="base" latinLnBrk="0" hangingPunct="0">
+              <a:lnSpc>
+                <a:spcPct val="100000"/>
+              </a:lnSpc>
+              <a:spcBef>
+                <a:spcPct val="0"/>
+              </a:spcBef>
+              <a:spcAft>
+                <a:spcPct val="0"/>
+              </a:spcAft>
+              <a:buClrTx/>
+              <a:buSzTx/>
+              <a:buFontTx/>
+              <a:buNone/>
+              <a:tabLst>
+                <a:tab pos="2838450" algn="l"/>
+              </a:tabLst>
+            </a:pPr>
+            <a:r>
+              <a:rPr kumimoji="0" lang="en-US" altLang="en-US" sz="2800" b="1" i="0" u="none" strike="noStrike" cap="none" normalizeH="0" baseline="0" dirty="0">
+                <a:ln>
+                  <a:noFill/>
+                </a:ln>
+                <a:solidFill>
+                  <a:schemeClr val="tx1"/>
+                </a:solidFill>
+                <a:effectLst/>
+                <a:latin typeface="Calibri" panose="020F0502020204030204" pitchFamily="34" charset="0"/>
+                <a:ea typeface="Calibri" panose="020F0502020204030204" pitchFamily="34" charset="0"/>
+                <a:cs typeface="Calibri" panose="020F0502020204030204" pitchFamily="34" charset="0"/>
+              </a:rPr>
+              <a:t>Sum of Interference  ∑ I = 1/SNR</a:t>
+            </a:r>
+            <a:endParaRPr kumimoji="0" lang="en-US" altLang="en-US" sz="3600" b="0" i="0" u="none" strike="noStrike" cap="none" normalizeH="0" baseline="0" dirty="0">
+              <a:ln>
+                <a:noFill/>
+              </a:ln>
+              <a:solidFill>
+                <a:schemeClr val="tx1"/>
+              </a:solidFill>
+              <a:effectLst/>
+              <a:latin typeface="Arial" panose="020B0604020202020204" pitchFamily="34" charset="0"/>
+            </a:endParaRPr>
+          </a:p>
+        </p:txBody>
+      </p:sp>
+      <p:sp>
+        <p:nvSpPr>
+          <p:cNvPr id="23" name="Rectangle 22"/>
+          <p:cNvSpPr/>
+          <p:nvPr/>
+        </p:nvSpPr>
+        <p:spPr>
+          <a:xfrm>
+            <a:off x="5507831" y="4352969"/>
+            <a:ext cx="6096000" cy="1343701"/>
+          </a:xfrm>
+          <a:prstGeom prst="rect">
+            <a:avLst/>
+          </a:prstGeom>
+        </p:spPr>
+        <p:txBody>
+          <a:bodyPr>
+            <a:spAutoFit/>
+          </a:bodyPr>
+          <a:lstStyle/>
+          <a:p>
+            <a:pPr indent="457200">
+              <a:lnSpc>
+                <a:spcPct val="107000"/>
+              </a:lnSpc>
+            </a:pPr>
+            <a:r>
+              <a:rPr lang="en-IN" sz="2800" b="1" dirty="0">
+                <a:latin typeface="Calibri" panose="020F0502020204030204" pitchFamily="34" charset="0"/>
+                <a:ea typeface="Calibri" panose="020F0502020204030204" pitchFamily="34" charset="0"/>
+                <a:cs typeface="Calibri" panose="020F0502020204030204" pitchFamily="34" charset="0"/>
+              </a:rPr>
+              <a:t>Interference </a:t>
+            </a:r>
+            <a:r>
+              <a:rPr lang="en-IN" sz="2800" dirty="0">
+                <a:latin typeface="Calibri" panose="020F0502020204030204" pitchFamily="34" charset="0"/>
+                <a:ea typeface="Calibri" panose="020F0502020204030204" pitchFamily="34" charset="0"/>
+                <a:cs typeface="Calibri" panose="020F0502020204030204" pitchFamily="34" charset="0"/>
+              </a:rPr>
+              <a:t>	 </a:t>
+            </a:r>
+            <a:r>
+              <a:rPr lang="en-IN" sz="2800" b="1" dirty="0">
+                <a:latin typeface="Calibri" panose="020F0502020204030204" pitchFamily="34" charset="0"/>
+                <a:ea typeface="Calibri" panose="020F0502020204030204" pitchFamily="34" charset="0"/>
+                <a:cs typeface="Calibri" panose="020F0502020204030204" pitchFamily="34" charset="0"/>
+              </a:rPr>
+              <a:t>I </a:t>
+            </a:r>
+            <a:r>
+              <a:rPr lang="en-IN" sz="2800" b="1" baseline="-25000" dirty="0" err="1">
+                <a:latin typeface="Calibri" panose="020F0502020204030204" pitchFamily="34" charset="0"/>
+                <a:ea typeface="Calibri" panose="020F0502020204030204" pitchFamily="34" charset="0"/>
+                <a:cs typeface="Calibri" panose="020F0502020204030204" pitchFamily="34" charset="0"/>
+              </a:rPr>
+              <a:t>i</a:t>
+            </a:r>
+            <a:r>
+              <a:rPr lang="en-IN" sz="2800" b="1" baseline="-25000" dirty="0">
+                <a:latin typeface="Calibri" panose="020F0502020204030204" pitchFamily="34" charset="0"/>
+                <a:ea typeface="Calibri" panose="020F0502020204030204" pitchFamily="34" charset="0"/>
+                <a:cs typeface="Calibri" panose="020F0502020204030204" pitchFamily="34" charset="0"/>
+              </a:rPr>
+              <a:t>, j</a:t>
+            </a:r>
+            <a:r>
+              <a:rPr lang="en-IN" sz="2800" dirty="0">
+                <a:latin typeface="Calibri" panose="020F0502020204030204" pitchFamily="34" charset="0"/>
+                <a:ea typeface="Calibri" panose="020F0502020204030204" pitchFamily="34" charset="0"/>
+                <a:cs typeface="Calibri" panose="020F0502020204030204" pitchFamily="34" charset="0"/>
+              </a:rPr>
+              <a:t> </a:t>
+            </a:r>
+            <a:r>
+              <a:rPr lang="en-IN" sz="2800" dirty="0">
+                <a:latin typeface="Calibri" panose="020F0502020204030204" pitchFamily="34" charset="0"/>
+                <a:ea typeface="CMR10"/>
+                <a:cs typeface="Calibri" panose="020F0502020204030204" pitchFamily="34" charset="0"/>
+              </a:rPr>
+              <a:t> </a:t>
+            </a:r>
+            <a:r>
+              <a:rPr lang="en-IN" sz="2800" b="1" dirty="0">
+                <a:latin typeface="Calibri" panose="020F0502020204030204" pitchFamily="34" charset="0"/>
+                <a:ea typeface="CMR10"/>
+                <a:cs typeface="Calibri" panose="020F0502020204030204" pitchFamily="34" charset="0"/>
+              </a:rPr>
+              <a:t>= (f</a:t>
+            </a:r>
+            <a:r>
+              <a:rPr lang="en-IN" sz="2800" b="1" baseline="-25000" dirty="0">
+                <a:latin typeface="Calibri" panose="020F0502020204030204" pitchFamily="34" charset="0"/>
+                <a:ea typeface="CMR10"/>
+                <a:cs typeface="Calibri" panose="020F0502020204030204" pitchFamily="34" charset="0"/>
+              </a:rPr>
+              <a:t>i</a:t>
+            </a:r>
+            <a:r>
+              <a:rPr lang="en-IN" sz="2800" b="1" dirty="0">
+                <a:latin typeface="Calibri" panose="020F0502020204030204" pitchFamily="34" charset="0"/>
+                <a:ea typeface="CMR10"/>
+                <a:cs typeface="Calibri" panose="020F0502020204030204" pitchFamily="34" charset="0"/>
+              </a:rPr>
+              <a:t> / f</a:t>
+            </a:r>
+            <a:r>
+              <a:rPr lang="en-IN" sz="2800" b="1" baseline="-25000" dirty="0">
+                <a:latin typeface="Calibri" panose="020F0502020204030204" pitchFamily="34" charset="0"/>
+                <a:ea typeface="CMR10"/>
+                <a:cs typeface="Calibri" panose="020F0502020204030204" pitchFamily="34" charset="0"/>
+              </a:rPr>
+              <a:t>j</a:t>
+            </a:r>
+            <a:r>
+              <a:rPr lang="en-IN" sz="2800" b="1" dirty="0">
+                <a:latin typeface="Calibri" panose="020F0502020204030204" pitchFamily="34" charset="0"/>
+                <a:ea typeface="CMR10"/>
+                <a:cs typeface="Calibri" panose="020F0502020204030204" pitchFamily="34" charset="0"/>
+              </a:rPr>
+              <a:t>)</a:t>
+            </a:r>
+            <a:r>
+              <a:rPr lang="en-IN" sz="2800" b="1" baseline="30000" dirty="0">
+                <a:latin typeface="Calibri" panose="020F0502020204030204" pitchFamily="34" charset="0"/>
+                <a:ea typeface="CMR10"/>
+                <a:cs typeface="Calibri" panose="020F0502020204030204" pitchFamily="34" charset="0"/>
+              </a:rPr>
+              <a:t>4 </a:t>
+            </a:r>
+            <a:r>
+              <a:rPr lang="en-IN" sz="2800" b="1" dirty="0">
+                <a:latin typeface="Calibri" panose="020F0502020204030204" pitchFamily="34" charset="0"/>
+                <a:ea typeface="CMR10"/>
+                <a:cs typeface="Calibri" panose="020F0502020204030204" pitchFamily="34" charset="0"/>
+              </a:rPr>
+              <a:t> , 	if </a:t>
+            </a:r>
+            <a:r>
+              <a:rPr lang="en-IN" sz="2800" b="1" dirty="0" err="1">
+                <a:latin typeface="Calibri" panose="020F0502020204030204" pitchFamily="34" charset="0"/>
+                <a:ea typeface="CMR10"/>
+                <a:cs typeface="Calibri" panose="020F0502020204030204" pitchFamily="34" charset="0"/>
+              </a:rPr>
+              <a:t>i</a:t>
+            </a:r>
+            <a:r>
+              <a:rPr lang="en-IN" sz="2800" b="1" dirty="0">
+                <a:latin typeface="Calibri" panose="020F0502020204030204" pitchFamily="34" charset="0"/>
+                <a:ea typeface="CMR10"/>
+                <a:cs typeface="Calibri" panose="020F0502020204030204" pitchFamily="34" charset="0"/>
+              </a:rPr>
+              <a:t> ≠ j </a:t>
+            </a:r>
+            <a:endParaRPr lang="en-IN" sz="2000" dirty="0">
+              <a:latin typeface="Calibri" panose="020F0502020204030204" pitchFamily="34" charset="0"/>
+              <a:ea typeface="Calibri" panose="020F0502020204030204" pitchFamily="34" charset="0"/>
+              <a:cs typeface="Times New Roman" panose="02020603050405020304" pitchFamily="18" charset="0"/>
+            </a:endParaRPr>
+          </a:p>
+          <a:p>
+            <a:pPr indent="457200">
+              <a:lnSpc>
+                <a:spcPct val="107000"/>
+              </a:lnSpc>
+            </a:pPr>
+            <a:r>
+              <a:rPr lang="en-IN" sz="2800" b="1" dirty="0">
+                <a:latin typeface="Calibri" panose="020F0502020204030204" pitchFamily="34" charset="0"/>
+                <a:ea typeface="CMR10"/>
+                <a:cs typeface="Calibri" panose="020F0502020204030204" pitchFamily="34" charset="0"/>
+              </a:rPr>
+              <a:t>					 </a:t>
+            </a:r>
+            <a:r>
+              <a:rPr lang="en-IN" sz="2800" b="1" dirty="0">
+                <a:latin typeface="Calibri" panose="020F0502020204030204" pitchFamily="34" charset="0"/>
+                <a:ea typeface="Calibri" panose="020F0502020204030204" pitchFamily="34" charset="0"/>
+                <a:cs typeface="Calibri" panose="020F0502020204030204" pitchFamily="34" charset="0"/>
+              </a:rPr>
+              <a:t>I </a:t>
+            </a:r>
+            <a:r>
+              <a:rPr lang="en-IN" sz="2800" b="1" baseline="-25000" dirty="0" err="1">
+                <a:latin typeface="Calibri" panose="020F0502020204030204" pitchFamily="34" charset="0"/>
+                <a:ea typeface="Calibri" panose="020F0502020204030204" pitchFamily="34" charset="0"/>
+                <a:cs typeface="Calibri" panose="020F0502020204030204" pitchFamily="34" charset="0"/>
+              </a:rPr>
+              <a:t>i</a:t>
+            </a:r>
+            <a:r>
+              <a:rPr lang="en-IN" sz="2800" b="1" baseline="-25000" dirty="0">
+                <a:latin typeface="Calibri" panose="020F0502020204030204" pitchFamily="34" charset="0"/>
+                <a:ea typeface="Calibri" panose="020F0502020204030204" pitchFamily="34" charset="0"/>
+                <a:cs typeface="Calibri" panose="020F0502020204030204" pitchFamily="34" charset="0"/>
+              </a:rPr>
+              <a:t>, j</a:t>
+            </a:r>
+            <a:r>
+              <a:rPr lang="en-IN" sz="2800" dirty="0">
+                <a:latin typeface="Calibri" panose="020F0502020204030204" pitchFamily="34" charset="0"/>
+                <a:ea typeface="Calibri" panose="020F0502020204030204" pitchFamily="34" charset="0"/>
+                <a:cs typeface="Calibri" panose="020F0502020204030204" pitchFamily="34" charset="0"/>
+              </a:rPr>
+              <a:t> </a:t>
+            </a:r>
+            <a:r>
+              <a:rPr lang="en-IN" sz="2800" dirty="0">
+                <a:latin typeface="Calibri" panose="020F0502020204030204" pitchFamily="34" charset="0"/>
+                <a:ea typeface="CMR10"/>
+                <a:cs typeface="Calibri" panose="020F0502020204030204" pitchFamily="34" charset="0"/>
+              </a:rPr>
+              <a:t> = </a:t>
+            </a:r>
+            <a:r>
+              <a:rPr lang="en-IN" sz="2800" b="1" dirty="0">
+                <a:latin typeface="Calibri" panose="020F0502020204030204" pitchFamily="34" charset="0"/>
+                <a:ea typeface="CMR10"/>
+                <a:cs typeface="Calibri" panose="020F0502020204030204" pitchFamily="34" charset="0"/>
+              </a:rPr>
+              <a:t>0 , 		if </a:t>
+            </a:r>
+            <a:r>
+              <a:rPr lang="en-IN" sz="2800" b="1" dirty="0" err="1">
+                <a:latin typeface="Calibri" panose="020F0502020204030204" pitchFamily="34" charset="0"/>
+                <a:ea typeface="CMR10"/>
+                <a:cs typeface="Calibri" panose="020F0502020204030204" pitchFamily="34" charset="0"/>
+              </a:rPr>
+              <a:t>i</a:t>
+            </a:r>
+            <a:r>
+              <a:rPr lang="en-IN" sz="2800" b="1" dirty="0">
+                <a:latin typeface="Calibri" panose="020F0502020204030204" pitchFamily="34" charset="0"/>
+                <a:ea typeface="CMR10"/>
+                <a:cs typeface="Calibri" panose="020F0502020204030204" pitchFamily="34" charset="0"/>
+              </a:rPr>
+              <a:t> = j</a:t>
+            </a:r>
+            <a:endParaRPr lang="en-IN" sz="2000" dirty="0">
+              <a:latin typeface="Calibri" panose="020F0502020204030204" pitchFamily="34" charset="0"/>
+              <a:ea typeface="Calibri" panose="020F0502020204030204" pitchFamily="34" charset="0"/>
+              <a:cs typeface="Times New Roman" panose="02020603050405020304" pitchFamily="18" charset="0"/>
+            </a:endParaRPr>
+          </a:p>
+          <a:p>
+            <a:pPr>
+              <a:lnSpc>
+                <a:spcPct val="107000"/>
+              </a:lnSpc>
+            </a:pPr>
+            <a:endParaRPr lang="en-IN" sz="2000" dirty="0">
+              <a:effectLst/>
+              <a:latin typeface="Calibri" panose="020F0502020204030204" pitchFamily="34" charset="0"/>
+              <a:ea typeface="Calibri" panose="020F0502020204030204" pitchFamily="34" charset="0"/>
+              <a:cs typeface="Times New Roman" panose="02020603050405020304" pitchFamily="18" charset="0"/>
+            </a:endParaRPr>
+          </a:p>
+        </p:txBody>
+      </p:sp>
+      <p:sp>
+        <p:nvSpPr>
+          <p:cNvPr id="24" name="Rectangle 26"/>
+          <p:cNvSpPr>
+            <a:spLocks noChangeArrowheads="1"/>
+          </p:cNvSpPr>
+          <p:nvPr/>
+        </p:nvSpPr>
+        <p:spPr bwMode="auto">
+          <a:xfrm>
+            <a:off x="0" y="2614613"/>
+            <a:ext cx="12192000" cy="457200"/>
+          </a:xfrm>
+          <a:prstGeom prst="rect">
+            <a:avLst/>
+          </a:prstGeom>
+          <a:noFill/>
+          <a:ln>
+            <a:noFill/>
+          </a:ln>
+          <a:effectLst/>
+          <a:extLst>
+            <a:ext uri="{909E8E84-426E-40DD-AFC4-6F175D3DCCD1}">
+              <a14:hiddenFill xmlns:a14="http://schemas.microsoft.com/office/drawing/2010/main">
+                <a:solidFill>
+                  <a:schemeClr val="accent1"/>
+                </a:solidFill>
+              </a14:hiddenFill>
+            </a:ext>
+            <a:ext uri="{91240B29-F687-4F45-9708-019B960494DF}">
+              <a14:hiddenLine xmlns:a14="http://schemas.microsoft.com/office/drawing/2010/main" w="9525">
+                <a:solidFill>
+                  <a:schemeClr val="tx1"/>
+                </a:solidFill>
+                <a:miter lim="800000"/>
+                <a:headEnd/>
+                <a:tailEnd/>
+              </a14:hiddenLine>
+            </a:ext>
+            <a:ext uri="{AF507438-7753-43E0-B8FC-AC1667EBCBE1}">
+              <a14:hiddenEffects xmlns:a14="http://schemas.microsoft.com/office/drawing/2010/main">
+                <a:effectLst>
+                  <a:outerShdw dist="35921" dir="2700000" algn="ctr" rotWithShape="0">
+                    <a:schemeClr val="bg2"/>
+                  </a:outerShdw>
+                </a:effectLst>
+              </a14:hiddenEffects>
+            </a:ext>
+          </a:extLst>
+        </p:spPr>
+        <p:txBody>
+          <a:bodyPr vert="horz" wrap="none" lIns="91440" tIns="45720" rIns="91440" bIns="45720" numCol="1" anchor="ctr" anchorCtr="0" compatLnSpc="1">
+            <a:prstTxWarp prst="textNoShape">
+              <a:avLst/>
+            </a:prstTxWarp>
+            <a:spAutoFit/>
+          </a:bodyPr>
+          <a:lstStyle/>
+          <a:p>
+            <a:endParaRPr lang="en-IN"/>
+          </a:p>
+        </p:txBody>
+      </p:sp>
+      <p:sp>
+        <p:nvSpPr>
+          <p:cNvPr id="25" name="Text Box 3"/>
+          <p:cNvSpPr txBox="1"/>
+          <p:nvPr/>
+        </p:nvSpPr>
+        <p:spPr>
+          <a:xfrm>
+            <a:off x="2329815" y="10204133"/>
+            <a:ext cx="1739900" cy="279400"/>
+          </a:xfrm>
+          <a:prstGeom prst="rect">
+            <a:avLst/>
+          </a:prstGeom>
+          <a:solidFill>
+            <a:schemeClr val="lt1"/>
+          </a:solidFill>
+          <a:ln w="6350">
+            <a:solidFill>
+              <a:prstClr val="black"/>
+            </a:solidFill>
+          </a:ln>
+        </p:spPr>
+        <p:txBody>
+          <a:bodyPr rot="0" spcFirstLastPara="0" vert="horz" wrap="square" lIns="91440" tIns="45720" rIns="91440" bIns="45720" numCol="1" spcCol="0" rtlCol="0" fromWordArt="0" anchor="t" anchorCtr="0" forceAA="0" compatLnSpc="1">
+            <a:prstTxWarp prst="textNoShape">
+              <a:avLst/>
+            </a:prstTxWarp>
+            <a:noAutofit/>
+          </a:bodyPr>
+          <a:lstStyle/>
+          <a:p>
+            <a:pPr marL="0" marR="0">
+              <a:lnSpc>
+                <a:spcPct val="107000"/>
+              </a:lnSpc>
+              <a:spcBef>
+                <a:spcPts val="0"/>
+              </a:spcBef>
+              <a:spcAft>
+                <a:spcPts val="800"/>
+              </a:spcAft>
+            </a:pPr>
+            <a:r>
+              <a:rPr lang="en-IN" sz="1100">
+                <a:effectLst/>
+                <a:latin typeface="Calibri" panose="020F0502020204030204" pitchFamily="34" charset="0"/>
+                <a:ea typeface="Calibri" panose="020F0502020204030204" pitchFamily="34" charset="0"/>
+                <a:cs typeface="Times New Roman" panose="02020603050405020304" pitchFamily="18" charset="0"/>
+              </a:rPr>
+              <a:t> </a:t>
+            </a:r>
+          </a:p>
+        </p:txBody>
+      </p:sp>
+    </p:spTree>
+    <p:extLst>
+      <p:ext uri="{BB962C8B-B14F-4D97-AF65-F5344CB8AC3E}">
+        <p14:creationId xmlns:p14="http://schemas.microsoft.com/office/powerpoint/2010/main" val="3318046780"/>
       </p:ext>
     </p:extLst>
   </p:cSld>
@@ -8916,7 +14406,7 @@
 <file path=ppt/theme/theme1.xml><?xml version="1.0" encoding="utf-8"?>
 <a:theme xmlns:a="http://schemas.openxmlformats.org/drawingml/2006/main" name="Wisp">
   <a:themeElements>
-    <a:clrScheme name="Wisp">
+    <a:clrScheme name="Custom 2">
       <a:dk1>
         <a:sysClr val="windowText" lastClr="000000"/>
       </a:dk1>
@@ -8948,10 +14438,10 @@
         <a:srgbClr val="6AAC91"/>
       </a:accent6>
       <a:hlink>
-        <a:srgbClr val="FB4A18"/>
+        <a:srgbClr val="0042C7"/>
       </a:hlink>
       <a:folHlink>
-        <a:srgbClr val="FB9318"/>
+        <a:srgbClr val="0042C7"/>
       </a:folHlink>
     </a:clrScheme>
     <a:fontScheme name="Wisp">

--- a/Docs/ppt.pptx
+++ b/Docs/ppt.pptx
@@ -20,6 +20,7 @@
     <p:sldId id="270" r:id="rId14"/>
     <p:sldId id="263" r:id="rId15"/>
     <p:sldId id="260" r:id="rId16"/>
+    <p:sldId id="271" r:id="rId17"/>
   </p:sldIdLst>
   <p:sldSz cx="12192000" cy="6858000"/>
   <p:notesSz cx="6858000" cy="9144000"/>
@@ -8563,61 +8564,6 @@
       </p:sp>
       <p:sp>
         <p:nvSpPr>
-          <p:cNvPr id="6" name="Text Box 2"/>
-          <p:cNvSpPr txBox="1"/>
-          <p:nvPr/>
-        </p:nvSpPr>
-        <p:spPr>
-          <a:xfrm>
-            <a:off x="3384867" y="11352531"/>
-            <a:ext cx="670813" cy="887412"/>
-          </a:xfrm>
-          <a:prstGeom prst="rect">
-            <a:avLst/>
-          </a:prstGeom>
-          <a:solidFill>
-            <a:schemeClr val="lt1"/>
-          </a:solidFill>
-          <a:ln w="6350">
-            <a:solidFill>
-              <a:prstClr val="black"/>
-            </a:solidFill>
-          </a:ln>
-        </p:spPr>
-        <p:txBody>
-          <a:bodyPr rot="0" spcFirstLastPara="0" vert="horz" wrap="square" lIns="91440" tIns="45720" rIns="91440" bIns="45720" numCol="1" spcCol="0" rtlCol="0" fromWordArt="0" anchor="t" anchorCtr="0" forceAA="0" compatLnSpc="1">
-            <a:prstTxWarp prst="textNoShape">
-              <a:avLst/>
-            </a:prstTxWarp>
-            <a:noAutofit/>
-          </a:bodyPr>
-          <a:lstStyle/>
-          <a:p>
-            <a:pPr marL="0" marR="0">
-              <a:lnSpc>
-                <a:spcPct val="107000"/>
-              </a:lnSpc>
-              <a:spcBef>
-                <a:spcPts val="0"/>
-              </a:spcBef>
-              <a:spcAft>
-                <a:spcPts val="800"/>
-              </a:spcAft>
-            </a:pPr>
-            <a:r>
-              <a:rPr lang="en-IN" sz="1100">
-                <a:effectLst/>
-                <a:latin typeface="Calibri" panose="020F0502020204030204" pitchFamily="34" charset="0"/>
-                <a:ea typeface="Calibri" panose="020F0502020204030204" pitchFamily="34" charset="0"/>
-                <a:cs typeface="Times New Roman" panose="02020603050405020304" pitchFamily="18" charset="0"/>
-              </a:rPr>
-              <a:t> </a:t>
-            </a:r>
-          </a:p>
-        </p:txBody>
-      </p:sp>
-      <p:sp>
-        <p:nvSpPr>
           <p:cNvPr id="7" name="Rectangle 4"/>
           <p:cNvSpPr>
             <a:spLocks noChangeArrowheads="1"/>
@@ -9033,7 +8979,7 @@
                 <a16:creationId xmlns:a16="http://schemas.microsoft.com/office/drawing/2014/main" id="{37B5A23F-7276-435D-91DA-09104D77774D}"/>
               </a:ext>
               <a:ext uri="{C183D7F6-B498-43B3-948B-1728B52AA6E4}">
-                <adec:decorative xmlns:adec="http://schemas.microsoft.com/office/drawing/2017/decorative" xmlns="" val="1"/>
+                <adec:decorative xmlns="" xmlns:adec="http://schemas.microsoft.com/office/drawing/2017/decorative" val="1"/>
               </a:ext>
             </a:extLst>
           </p:cNvPr>
@@ -9093,7 +9039,7 @@
                 <a16:creationId xmlns:a16="http://schemas.microsoft.com/office/drawing/2014/main" id="{2F3ECD7F-BF61-4CB1-AA15-464BB771E778}"/>
               </a:ext>
               <a:ext uri="{C183D7F6-B498-43B3-948B-1728B52AA6E4}">
-                <adec:decorative xmlns:adec="http://schemas.microsoft.com/office/drawing/2017/decorative" xmlns="" val="1"/>
+                <adec:decorative xmlns="" xmlns:adec="http://schemas.microsoft.com/office/drawing/2017/decorative" val="1"/>
               </a:ext>
             </a:extLst>
           </p:cNvPr>
@@ -9153,7 +9099,7 @@
                 <a16:creationId xmlns:a16="http://schemas.microsoft.com/office/drawing/2014/main" id="{966F1B29-3A08-4DB7-9F92-4C09B3BCFF14}"/>
               </a:ext>
               <a:ext uri="{C183D7F6-B498-43B3-948B-1728B52AA6E4}">
-                <adec:decorative xmlns:adec="http://schemas.microsoft.com/office/drawing/2017/decorative" xmlns="" val="1"/>
+                <adec:decorative xmlns="" xmlns:adec="http://schemas.microsoft.com/office/drawing/2017/decorative" val="1"/>
               </a:ext>
             </a:extLst>
           </p:cNvPr>
@@ -9210,7 +9156,7 @@
                 <a16:creationId xmlns:a16="http://schemas.microsoft.com/office/drawing/2014/main" id="{44A5AAD1-9616-4E1C-B3AC-E5497A6A3C2A}"/>
               </a:ext>
               <a:ext uri="{C183D7F6-B498-43B3-948B-1728B52AA6E4}">
-                <adec:decorative xmlns:adec="http://schemas.microsoft.com/office/drawing/2017/decorative" xmlns="" val="1"/>
+                <adec:decorative xmlns="" xmlns:adec="http://schemas.microsoft.com/office/drawing/2017/decorative" val="1"/>
               </a:ext>
             </a:extLst>
           </p:cNvPr>
@@ -10321,7 +10267,7 @@
                 <a16:creationId xmlns:a16="http://schemas.microsoft.com/office/drawing/2014/main" id="{37B5A23F-7276-435D-91DA-09104D77774D}"/>
               </a:ext>
               <a:ext uri="{C183D7F6-B498-43B3-948B-1728B52AA6E4}">
-                <adec:decorative xmlns:adec="http://schemas.microsoft.com/office/drawing/2017/decorative" xmlns="" val="1"/>
+                <adec:decorative xmlns="" xmlns:adec="http://schemas.microsoft.com/office/drawing/2017/decorative" val="1"/>
               </a:ext>
             </a:extLst>
           </p:cNvPr>
@@ -10381,7 +10327,7 @@
                 <a16:creationId xmlns:a16="http://schemas.microsoft.com/office/drawing/2014/main" id="{2F3ECD7F-BF61-4CB1-AA15-464BB771E778}"/>
               </a:ext>
               <a:ext uri="{C183D7F6-B498-43B3-948B-1728B52AA6E4}">
-                <adec:decorative xmlns:adec="http://schemas.microsoft.com/office/drawing/2017/decorative" xmlns="" val="1"/>
+                <adec:decorative xmlns="" xmlns:adec="http://schemas.microsoft.com/office/drawing/2017/decorative" val="1"/>
               </a:ext>
             </a:extLst>
           </p:cNvPr>
@@ -10441,7 +10387,7 @@
                 <a16:creationId xmlns:a16="http://schemas.microsoft.com/office/drawing/2014/main" id="{966F1B29-3A08-4DB7-9F92-4C09B3BCFF14}"/>
               </a:ext>
               <a:ext uri="{C183D7F6-B498-43B3-948B-1728B52AA6E4}">
-                <adec:decorative xmlns:adec="http://schemas.microsoft.com/office/drawing/2017/decorative" xmlns="" val="1"/>
+                <adec:decorative xmlns="" xmlns:adec="http://schemas.microsoft.com/office/drawing/2017/decorative" val="1"/>
               </a:ext>
             </a:extLst>
           </p:cNvPr>
@@ -10498,7 +10444,7 @@
                 <a16:creationId xmlns:a16="http://schemas.microsoft.com/office/drawing/2014/main" id="{44A5AAD1-9616-4E1C-B3AC-E5497A6A3C2A}"/>
               </a:ext>
               <a:ext uri="{C183D7F6-B498-43B3-948B-1728B52AA6E4}">
-                <adec:decorative xmlns:adec="http://schemas.microsoft.com/office/drawing/2017/decorative" xmlns="" val="1"/>
+                <adec:decorative xmlns="" xmlns:adec="http://schemas.microsoft.com/office/drawing/2017/decorative" val="1"/>
               </a:ext>
             </a:extLst>
           </p:cNvPr>
@@ -11735,12 +11681,14 @@
         </p:nvSpPr>
         <p:spPr>
           <a:xfrm>
-            <a:off x="1114425" y="2133600"/>
-            <a:ext cx="10390187" cy="3777622"/>
+            <a:off x="993402" y="1461248"/>
+            <a:ext cx="10390187" cy="4603376"/>
           </a:xfrm>
         </p:spPr>
         <p:txBody>
-          <a:bodyPr/>
+          <a:bodyPr>
+            <a:normAutofit lnSpcReduction="10000"/>
+          </a:bodyPr>
           <a:lstStyle/>
           <a:p>
             <a:pPr algn="just"/>
@@ -11819,11 +11767,16 @@
               </a:rPr>
               <a:t>in dynamic situation by greedy approach.</a:t>
             </a:r>
-            <a:endParaRPr lang="en-IN" dirty="0">
-              <a:solidFill>
-                <a:schemeClr val="tx1"/>
-              </a:solidFill>
-            </a:endParaRPr>
+          </a:p>
+          <a:p>
+            <a:r>
+              <a:rPr lang="en-IN" sz="3000" dirty="0">
+                <a:solidFill>
+                  <a:schemeClr val="tx1"/>
+                </a:solidFill>
+              </a:rPr>
+              <a:t>High computational effort and Moderate to high implementation complexity.</a:t>
+            </a:r>
           </a:p>
         </p:txBody>
       </p:sp>
@@ -12025,6 +11978,77 @@
 </p:sld>
 </file>
 
+<file path=ppt/slides/slide16.xml><?xml version="1.0" encoding="utf-8"?>
+<p:sld xmlns:a="http://schemas.openxmlformats.org/drawingml/2006/main" xmlns:r="http://schemas.openxmlformats.org/officeDocument/2006/relationships" xmlns:p="http://schemas.openxmlformats.org/presentationml/2006/main">
+  <p:cSld>
+    <p:spTree>
+      <p:nvGrpSpPr>
+        <p:cNvPr id="1" name=""/>
+        <p:cNvGrpSpPr/>
+        <p:nvPr/>
+      </p:nvGrpSpPr>
+      <p:grpSpPr>
+        <a:xfrm>
+          <a:off x="0" y="0"/>
+          <a:ext cx="0" cy="0"/>
+          <a:chOff x="0" y="0"/>
+          <a:chExt cx="0" cy="0"/>
+        </a:xfrm>
+      </p:grpSpPr>
+      <p:sp>
+        <p:nvSpPr>
+          <p:cNvPr id="3" name="Content Placeholder 2"/>
+          <p:cNvSpPr>
+            <a:spLocks noGrp="1"/>
+          </p:cNvSpPr>
+          <p:nvPr>
+            <p:ph idx="1"/>
+          </p:nvPr>
+        </p:nvSpPr>
+        <p:spPr>
+          <a:xfrm>
+            <a:off x="1062318" y="1707776"/>
+            <a:ext cx="10442294" cy="4203446"/>
+          </a:xfrm>
+        </p:spPr>
+        <p:txBody>
+          <a:bodyPr>
+            <a:normAutofit/>
+          </a:bodyPr>
+          <a:lstStyle/>
+          <a:p>
+            <a:pPr marL="0" indent="0">
+              <a:buNone/>
+            </a:pPr>
+            <a:r>
+              <a:rPr lang="en-US" sz="11500" dirty="0"/>
+              <a:t>			</a:t>
+            </a:r>
+            <a:r>
+              <a:rPr lang="en-US" sz="11500" dirty="0">
+                <a:latin typeface="Monotype Corsiva" panose="03010101010201010101" pitchFamily="66" charset="0"/>
+              </a:rPr>
+              <a:t>Thank You</a:t>
+            </a:r>
+            <a:endParaRPr lang="en-IN" sz="11500" dirty="0">
+              <a:latin typeface="Monotype Corsiva" panose="03010101010201010101" pitchFamily="66" charset="0"/>
+            </a:endParaRPr>
+          </a:p>
+        </p:txBody>
+      </p:sp>
+    </p:spTree>
+    <p:extLst>
+      <p:ext uri="{BB962C8B-B14F-4D97-AF65-F5344CB8AC3E}">
+        <p14:creationId xmlns:p14="http://schemas.microsoft.com/office/powerpoint/2010/main" val="1995287931"/>
+      </p:ext>
+    </p:extLst>
+  </p:cSld>
+  <p:clrMapOvr>
+    <a:masterClrMapping/>
+  </p:clrMapOvr>
+</p:sld>
+</file>
+
 <file path=ppt/slides/slide2.xml><?xml version="1.0" encoding="utf-8"?>
 <p:sld xmlns:a="http://schemas.openxmlformats.org/drawingml/2006/main" xmlns:r="http://schemas.openxmlformats.org/officeDocument/2006/relationships" xmlns:p="http://schemas.openxmlformats.org/presentationml/2006/main">
   <p:cSld>
@@ -12468,7 +12492,7 @@
         <p:spPr>
           <a:xfrm>
             <a:off x="1110222" y="2192712"/>
-            <a:ext cx="10461625" cy="5472112"/>
+            <a:ext cx="10461625" cy="3888048"/>
           </a:xfrm>
         </p:spPr>
         <p:txBody>
@@ -12628,7 +12652,7 @@
           <a:p>
             <a:r>
               <a:rPr lang="en-IN" dirty="0"/>
-              <a:t>Static channel allocation in TDM, FDM</a:t>
+              <a:t>Static channel allocation</a:t>
             </a:r>
           </a:p>
         </p:txBody>
@@ -13137,7 +13161,7 @@
                   <a:schemeClr val="tx1"/>
                 </a:solidFill>
               </a:rPr>
-              <a:t>4. Channels are </a:t>
+              <a:t>4.Channels are </a:t>
             </a:r>
             <a:r>
               <a:rPr lang="en-US" sz="2800" b="1" dirty="0">
@@ -14332,61 +14356,6 @@
           <a:lstStyle/>
           <a:p>
             <a:endParaRPr lang="en-IN"/>
-          </a:p>
-        </p:txBody>
-      </p:sp>
-      <p:sp>
-        <p:nvSpPr>
-          <p:cNvPr id="25" name="Text Box 3"/>
-          <p:cNvSpPr txBox="1"/>
-          <p:nvPr/>
-        </p:nvSpPr>
-        <p:spPr>
-          <a:xfrm>
-            <a:off x="2329815" y="10204133"/>
-            <a:ext cx="1739900" cy="279400"/>
-          </a:xfrm>
-          <a:prstGeom prst="rect">
-            <a:avLst/>
-          </a:prstGeom>
-          <a:solidFill>
-            <a:schemeClr val="lt1"/>
-          </a:solidFill>
-          <a:ln w="6350">
-            <a:solidFill>
-              <a:prstClr val="black"/>
-            </a:solidFill>
-          </a:ln>
-        </p:spPr>
-        <p:txBody>
-          <a:bodyPr rot="0" spcFirstLastPara="0" vert="horz" wrap="square" lIns="91440" tIns="45720" rIns="91440" bIns="45720" numCol="1" spcCol="0" rtlCol="0" fromWordArt="0" anchor="t" anchorCtr="0" forceAA="0" compatLnSpc="1">
-            <a:prstTxWarp prst="textNoShape">
-              <a:avLst/>
-            </a:prstTxWarp>
-            <a:noAutofit/>
-          </a:bodyPr>
-          <a:lstStyle/>
-          <a:p>
-            <a:pPr marL="0" marR="0">
-              <a:lnSpc>
-                <a:spcPct val="107000"/>
-              </a:lnSpc>
-              <a:spcBef>
-                <a:spcPts val="0"/>
-              </a:spcBef>
-              <a:spcAft>
-                <a:spcPts val="800"/>
-              </a:spcAft>
-            </a:pPr>
-            <a:r>
-              <a:rPr lang="en-IN" sz="1100">
-                <a:effectLst/>
-                <a:latin typeface="Calibri" panose="020F0502020204030204" pitchFamily="34" charset="0"/>
-                <a:ea typeface="Calibri" panose="020F0502020204030204" pitchFamily="34" charset="0"/>
-                <a:cs typeface="Times New Roman" panose="02020603050405020304" pitchFamily="18" charset="0"/>
-              </a:rPr>
-              <a:t> </a:t>
-            </a:r>
           </a:p>
         </p:txBody>
       </p:sp>

--- a/Docs/ppt.pptx
+++ b/Docs/ppt.pptx
@@ -121,7 +121,7 @@
   </p:defaultTextStyle>
   <p:extLst>
     <p:ext uri="{EFAFB233-063F-42B5-8137-9DF3F51BA10A}">
-      <p15:sldGuideLst xmlns:p15="http://schemas.microsoft.com/office/powerpoint/2012/main"/>
+      <p15:sldGuideLst xmlns:p15="http://schemas.microsoft.com/office/powerpoint/2012/main" xmlns=""/>
     </p:ext>
   </p:extLst>
 </p:presentation>
@@ -315,6 +315,7 @@
           <a:p>
             <a:fld id="{B6F0CEBF-78ED-409A-A70D-EC4E4FA47A78}" type="datetimeFigureOut">
               <a:rPr lang="en-IN" smtClean="0"/>
+              <a:pPr/>
               <a:t>24-08-2021</a:t>
             </a:fld>
             <a:endParaRPr lang="en-IN"/>
@@ -444,6 +445,7 @@
           <a:p>
             <a:fld id="{E5460A27-0446-4682-B5C1-BA27FEFAC527}" type="slidenum">
               <a:rPr lang="en-IN" smtClean="0"/>
+              <a:pPr/>
               <a:t>‹#›</a:t>
             </a:fld>
             <a:endParaRPr lang="en-IN"/>
@@ -453,7 +455,7 @@
     </p:spTree>
     <p:extLst>
       <p:ext uri="{BB962C8B-B14F-4D97-AF65-F5344CB8AC3E}">
-        <p14:creationId xmlns:p14="http://schemas.microsoft.com/office/powerpoint/2010/main" val="2819872655"/>
+        <p14:creationId xmlns:p14="http://schemas.microsoft.com/office/powerpoint/2010/main" xmlns="" val="2819872655"/>
       </p:ext>
     </p:extLst>
   </p:cSld>
@@ -653,6 +655,7 @@
           <a:p>
             <a:fld id="{B6F0CEBF-78ED-409A-A70D-EC4E4FA47A78}" type="datetimeFigureOut">
               <a:rPr lang="en-IN" smtClean="0"/>
+              <a:pPr/>
               <a:t>24-08-2021</a:t>
             </a:fld>
             <a:endParaRPr lang="en-IN"/>
@@ -782,6 +785,7 @@
           <a:p>
             <a:fld id="{E5460A27-0446-4682-B5C1-BA27FEFAC527}" type="slidenum">
               <a:rPr lang="en-IN" smtClean="0"/>
+              <a:pPr/>
               <a:t>‹#›</a:t>
             </a:fld>
             <a:endParaRPr lang="en-IN"/>
@@ -791,7 +795,7 @@
     </p:spTree>
     <p:extLst>
       <p:ext uri="{BB962C8B-B14F-4D97-AF65-F5344CB8AC3E}">
-        <p14:creationId xmlns:p14="http://schemas.microsoft.com/office/powerpoint/2010/main" val="3485397268"/>
+        <p14:creationId xmlns:p14="http://schemas.microsoft.com/office/powerpoint/2010/main" xmlns="" val="3485397268"/>
       </p:ext>
     </p:extLst>
   </p:cSld>
@@ -1054,6 +1058,7 @@
           <a:p>
             <a:fld id="{B6F0CEBF-78ED-409A-A70D-EC4E4FA47A78}" type="datetimeFigureOut">
               <a:rPr lang="en-IN" smtClean="0"/>
+              <a:pPr/>
               <a:t>24-08-2021</a:t>
             </a:fld>
             <a:endParaRPr lang="en-IN"/>
@@ -1183,6 +1188,7 @@
           <a:p>
             <a:fld id="{E5460A27-0446-4682-B5C1-BA27FEFAC527}" type="slidenum">
               <a:rPr lang="en-IN" smtClean="0"/>
+              <a:pPr/>
               <a:t>‹#›</a:t>
             </a:fld>
             <a:endParaRPr lang="en-IN"/>
@@ -1268,7 +1274,7 @@
     </p:spTree>
     <p:extLst>
       <p:ext uri="{BB962C8B-B14F-4D97-AF65-F5344CB8AC3E}">
-        <p14:creationId xmlns:p14="http://schemas.microsoft.com/office/powerpoint/2010/main" val="124215348"/>
+        <p14:creationId xmlns:p14="http://schemas.microsoft.com/office/powerpoint/2010/main" xmlns="" val="124215348"/>
       </p:ext>
     </p:extLst>
   </p:cSld>
@@ -1390,6 +1396,7 @@
           <a:p>
             <a:fld id="{B6F0CEBF-78ED-409A-A70D-EC4E4FA47A78}" type="datetimeFigureOut">
               <a:rPr lang="en-IN" smtClean="0"/>
+              <a:pPr/>
               <a:t>24-08-2021</a:t>
             </a:fld>
             <a:endParaRPr lang="en-IN"/>
@@ -1519,6 +1526,7 @@
           <a:p>
             <a:fld id="{E5460A27-0446-4682-B5C1-BA27FEFAC527}" type="slidenum">
               <a:rPr lang="en-IN" smtClean="0"/>
+              <a:pPr/>
               <a:t>‹#›</a:t>
             </a:fld>
             <a:endParaRPr lang="en-IN"/>
@@ -1528,7 +1536,7 @@
     </p:spTree>
     <p:extLst>
       <p:ext uri="{BB962C8B-B14F-4D97-AF65-F5344CB8AC3E}">
-        <p14:creationId xmlns:p14="http://schemas.microsoft.com/office/powerpoint/2010/main" val="1922437167"/>
+        <p14:creationId xmlns:p14="http://schemas.microsoft.com/office/powerpoint/2010/main" xmlns="" val="1922437167"/>
       </p:ext>
     </p:extLst>
   </p:cSld>
@@ -1710,6 +1718,7 @@
           <a:p>
             <a:fld id="{B6F0CEBF-78ED-409A-A70D-EC4E4FA47A78}" type="datetimeFigureOut">
               <a:rPr lang="en-IN" smtClean="0"/>
+              <a:pPr/>
               <a:t>24-08-2021</a:t>
             </a:fld>
             <a:endParaRPr lang="en-IN"/>
@@ -1839,6 +1848,7 @@
           <a:p>
             <a:fld id="{E5460A27-0446-4682-B5C1-BA27FEFAC527}" type="slidenum">
               <a:rPr lang="en-IN" smtClean="0"/>
+              <a:pPr/>
               <a:t>‹#›</a:t>
             </a:fld>
             <a:endParaRPr lang="en-IN"/>
@@ -1924,7 +1934,7 @@
     </p:spTree>
     <p:extLst>
       <p:ext uri="{BB962C8B-B14F-4D97-AF65-F5344CB8AC3E}">
-        <p14:creationId xmlns:p14="http://schemas.microsoft.com/office/powerpoint/2010/main" val="120209989"/>
+        <p14:creationId xmlns:p14="http://schemas.microsoft.com/office/powerpoint/2010/main" xmlns="" val="120209989"/>
       </p:ext>
     </p:extLst>
   </p:cSld>
@@ -2106,6 +2116,7 @@
           <a:p>
             <a:fld id="{B6F0CEBF-78ED-409A-A70D-EC4E4FA47A78}" type="datetimeFigureOut">
               <a:rPr lang="en-IN" smtClean="0"/>
+              <a:pPr/>
               <a:t>24-08-2021</a:t>
             </a:fld>
             <a:endParaRPr lang="en-IN"/>
@@ -2235,6 +2246,7 @@
           <a:p>
             <a:fld id="{E5460A27-0446-4682-B5C1-BA27FEFAC527}" type="slidenum">
               <a:rPr lang="en-IN" smtClean="0"/>
+              <a:pPr/>
               <a:t>‹#›</a:t>
             </a:fld>
             <a:endParaRPr lang="en-IN"/>
@@ -2244,7 +2256,7 @@
     </p:spTree>
     <p:extLst>
       <p:ext uri="{BB962C8B-B14F-4D97-AF65-F5344CB8AC3E}">
-        <p14:creationId xmlns:p14="http://schemas.microsoft.com/office/powerpoint/2010/main" val="3593010486"/>
+        <p14:creationId xmlns:p14="http://schemas.microsoft.com/office/powerpoint/2010/main" xmlns="" val="3593010486"/>
       </p:ext>
     </p:extLst>
   </p:cSld>
@@ -2363,6 +2375,7 @@
           <a:p>
             <a:fld id="{B6F0CEBF-78ED-409A-A70D-EC4E4FA47A78}" type="datetimeFigureOut">
               <a:rPr lang="en-IN" smtClean="0"/>
+              <a:pPr/>
               <a:t>24-08-2021</a:t>
             </a:fld>
             <a:endParaRPr lang="en-IN"/>
@@ -2487,6 +2500,7 @@
           <a:p>
             <a:fld id="{E5460A27-0446-4682-B5C1-BA27FEFAC527}" type="slidenum">
               <a:rPr lang="en-IN" smtClean="0"/>
+              <a:pPr/>
               <a:t>‹#›</a:t>
             </a:fld>
             <a:endParaRPr lang="en-IN"/>
@@ -2496,7 +2510,7 @@
     </p:spTree>
     <p:extLst>
       <p:ext uri="{BB962C8B-B14F-4D97-AF65-F5344CB8AC3E}">
-        <p14:creationId xmlns:p14="http://schemas.microsoft.com/office/powerpoint/2010/main" val="1182216163"/>
+        <p14:creationId xmlns:p14="http://schemas.microsoft.com/office/powerpoint/2010/main" xmlns="" val="1182216163"/>
       </p:ext>
     </p:extLst>
   </p:cSld>
@@ -2625,6 +2639,7 @@
           <a:p>
             <a:fld id="{B6F0CEBF-78ED-409A-A70D-EC4E4FA47A78}" type="datetimeFigureOut">
               <a:rPr lang="en-IN" smtClean="0"/>
+              <a:pPr/>
               <a:t>24-08-2021</a:t>
             </a:fld>
             <a:endParaRPr lang="en-IN"/>
@@ -2749,6 +2764,7 @@
           <a:p>
             <a:fld id="{E5460A27-0446-4682-B5C1-BA27FEFAC527}" type="slidenum">
               <a:rPr lang="en-IN" smtClean="0"/>
+              <a:pPr/>
               <a:t>‹#›</a:t>
             </a:fld>
             <a:endParaRPr lang="en-IN"/>
@@ -2758,7 +2774,7 @@
     </p:spTree>
     <p:extLst>
       <p:ext uri="{BB962C8B-B14F-4D97-AF65-F5344CB8AC3E}">
-        <p14:creationId xmlns:p14="http://schemas.microsoft.com/office/powerpoint/2010/main" val="379380563"/>
+        <p14:creationId xmlns:p14="http://schemas.microsoft.com/office/powerpoint/2010/main" xmlns="" val="379380563"/>
       </p:ext>
     </p:extLst>
   </p:cSld>
@@ -2887,6 +2903,7 @@
           <a:p>
             <a:fld id="{B6F0CEBF-78ED-409A-A70D-EC4E4FA47A78}" type="datetimeFigureOut">
               <a:rPr lang="en-IN" smtClean="0"/>
+              <a:pPr/>
               <a:t>24-08-2021</a:t>
             </a:fld>
             <a:endParaRPr lang="en-IN"/>
@@ -3011,6 +3028,7 @@
           <a:p>
             <a:fld id="{E5460A27-0446-4682-B5C1-BA27FEFAC527}" type="slidenum">
               <a:rPr lang="en-IN" smtClean="0"/>
+              <a:pPr/>
               <a:t>‹#›</a:t>
             </a:fld>
             <a:endParaRPr lang="en-IN"/>
@@ -3020,7 +3038,7 @@
     </p:spTree>
     <p:extLst>
       <p:ext uri="{BB962C8B-B14F-4D97-AF65-F5344CB8AC3E}">
-        <p14:creationId xmlns:p14="http://schemas.microsoft.com/office/powerpoint/2010/main" val="2040402627"/>
+        <p14:creationId xmlns:p14="http://schemas.microsoft.com/office/powerpoint/2010/main" xmlns="" val="2040402627"/>
       </p:ext>
     </p:extLst>
   </p:cSld>
@@ -3216,6 +3234,7 @@
           <a:p>
             <a:fld id="{B6F0CEBF-78ED-409A-A70D-EC4E4FA47A78}" type="datetimeFigureOut">
               <a:rPr lang="en-IN" smtClean="0"/>
+              <a:pPr/>
               <a:t>24-08-2021</a:t>
             </a:fld>
             <a:endParaRPr lang="en-IN"/>
@@ -3345,6 +3364,7 @@
           <a:p>
             <a:fld id="{E5460A27-0446-4682-B5C1-BA27FEFAC527}" type="slidenum">
               <a:rPr lang="en-IN" smtClean="0"/>
+              <a:pPr/>
               <a:t>‹#›</a:t>
             </a:fld>
             <a:endParaRPr lang="en-IN"/>
@@ -3354,7 +3374,7 @@
     </p:spTree>
     <p:extLst>
       <p:ext uri="{BB962C8B-B14F-4D97-AF65-F5344CB8AC3E}">
-        <p14:creationId xmlns:p14="http://schemas.microsoft.com/office/powerpoint/2010/main" val="3243036248"/>
+        <p14:creationId xmlns:p14="http://schemas.microsoft.com/office/powerpoint/2010/main" xmlns="" val="3243036248"/>
       </p:ext>
     </p:extLst>
   </p:cSld>
@@ -3539,6 +3559,7 @@
           <a:p>
             <a:fld id="{B6F0CEBF-78ED-409A-A70D-EC4E4FA47A78}" type="datetimeFigureOut">
               <a:rPr lang="en-IN" smtClean="0"/>
+              <a:pPr/>
               <a:t>24-08-2021</a:t>
             </a:fld>
             <a:endParaRPr lang="en-IN"/>
@@ -3668,6 +3689,7 @@
           <a:p>
             <a:fld id="{E5460A27-0446-4682-B5C1-BA27FEFAC527}" type="slidenum">
               <a:rPr lang="en-IN" smtClean="0"/>
+              <a:pPr/>
               <a:t>‹#›</a:t>
             </a:fld>
             <a:endParaRPr lang="en-IN"/>
@@ -3677,7 +3699,7 @@
     </p:spTree>
     <p:extLst>
       <p:ext uri="{BB962C8B-B14F-4D97-AF65-F5344CB8AC3E}">
-        <p14:creationId xmlns:p14="http://schemas.microsoft.com/office/powerpoint/2010/main" val="4081465331"/>
+        <p14:creationId xmlns:p14="http://schemas.microsoft.com/office/powerpoint/2010/main" xmlns="" val="4081465331"/>
       </p:ext>
     </p:extLst>
   </p:cSld>
@@ -3996,6 +4018,7 @@
           <a:p>
             <a:fld id="{B6F0CEBF-78ED-409A-A70D-EC4E4FA47A78}" type="datetimeFigureOut">
               <a:rPr lang="en-IN" smtClean="0"/>
+              <a:pPr/>
               <a:t>24-08-2021</a:t>
             </a:fld>
             <a:endParaRPr lang="en-IN"/>
@@ -4125,6 +4148,7 @@
           <a:p>
             <a:fld id="{E5460A27-0446-4682-B5C1-BA27FEFAC527}" type="slidenum">
               <a:rPr lang="en-IN" smtClean="0"/>
+              <a:pPr/>
               <a:t>‹#›</a:t>
             </a:fld>
             <a:endParaRPr lang="en-IN"/>
@@ -4134,7 +4158,7 @@
     </p:spTree>
     <p:extLst>
       <p:ext uri="{BB962C8B-B14F-4D97-AF65-F5344CB8AC3E}">
-        <p14:creationId xmlns:p14="http://schemas.microsoft.com/office/powerpoint/2010/main" val="4140733315"/>
+        <p14:creationId xmlns:p14="http://schemas.microsoft.com/office/powerpoint/2010/main" xmlns="" val="4140733315"/>
       </p:ext>
     </p:extLst>
   </p:cSld>
@@ -4201,6 +4225,7 @@
           <a:p>
             <a:fld id="{B6F0CEBF-78ED-409A-A70D-EC4E4FA47A78}" type="datetimeFigureOut">
               <a:rPr lang="en-IN" smtClean="0"/>
+              <a:pPr/>
               <a:t>24-08-2021</a:t>
             </a:fld>
             <a:endParaRPr lang="en-IN"/>
@@ -4325,6 +4350,7 @@
           <a:p>
             <a:fld id="{E5460A27-0446-4682-B5C1-BA27FEFAC527}" type="slidenum">
               <a:rPr lang="en-IN" smtClean="0"/>
+              <a:pPr/>
               <a:t>‹#›</a:t>
             </a:fld>
             <a:endParaRPr lang="en-IN"/>
@@ -4334,7 +4360,7 @@
     </p:spTree>
     <p:extLst>
       <p:ext uri="{BB962C8B-B14F-4D97-AF65-F5344CB8AC3E}">
-        <p14:creationId xmlns:p14="http://schemas.microsoft.com/office/powerpoint/2010/main" val="4175040661"/>
+        <p14:creationId xmlns:p14="http://schemas.microsoft.com/office/powerpoint/2010/main" xmlns="" val="4175040661"/>
       </p:ext>
     </p:extLst>
   </p:cSld>
@@ -4378,6 +4404,7 @@
           <a:p>
             <a:fld id="{B6F0CEBF-78ED-409A-A70D-EC4E4FA47A78}" type="datetimeFigureOut">
               <a:rPr lang="en-IN" smtClean="0"/>
+              <a:pPr/>
               <a:t>24-08-2021</a:t>
             </a:fld>
             <a:endParaRPr lang="en-IN"/>
@@ -4502,6 +4529,7 @@
           <a:p>
             <a:fld id="{E5460A27-0446-4682-B5C1-BA27FEFAC527}" type="slidenum">
               <a:rPr lang="en-IN" smtClean="0"/>
+              <a:pPr/>
               <a:t>‹#›</a:t>
             </a:fld>
             <a:endParaRPr lang="en-IN"/>
@@ -4511,7 +4539,7 @@
     </p:spTree>
     <p:extLst>
       <p:ext uri="{BB962C8B-B14F-4D97-AF65-F5344CB8AC3E}">
-        <p14:creationId xmlns:p14="http://schemas.microsoft.com/office/powerpoint/2010/main" val="2264314909"/>
+        <p14:creationId xmlns:p14="http://schemas.microsoft.com/office/powerpoint/2010/main" xmlns="" val="2264314909"/>
       </p:ext>
     </p:extLst>
   </p:cSld>
@@ -4711,6 +4739,7 @@
           <a:p>
             <a:fld id="{B6F0CEBF-78ED-409A-A70D-EC4E4FA47A78}" type="datetimeFigureOut">
               <a:rPr lang="en-IN" smtClean="0"/>
+              <a:pPr/>
               <a:t>24-08-2021</a:t>
             </a:fld>
             <a:endParaRPr lang="en-IN"/>
@@ -4835,6 +4864,7 @@
           <a:p>
             <a:fld id="{E5460A27-0446-4682-B5C1-BA27FEFAC527}" type="slidenum">
               <a:rPr lang="en-IN" smtClean="0"/>
+              <a:pPr/>
               <a:t>‹#›</a:t>
             </a:fld>
             <a:endParaRPr lang="en-IN"/>
@@ -4844,7 +4874,7 @@
     </p:spTree>
     <p:extLst>
       <p:ext uri="{BB962C8B-B14F-4D97-AF65-F5344CB8AC3E}">
-        <p14:creationId xmlns:p14="http://schemas.microsoft.com/office/powerpoint/2010/main" val="3031459085"/>
+        <p14:creationId xmlns:p14="http://schemas.microsoft.com/office/powerpoint/2010/main" xmlns="" val="3031459085"/>
       </p:ext>
     </p:extLst>
   </p:cSld>
@@ -5056,6 +5086,7 @@
           <a:p>
             <a:fld id="{B6F0CEBF-78ED-409A-A70D-EC4E4FA47A78}" type="datetimeFigureOut">
               <a:rPr lang="en-IN" smtClean="0"/>
+              <a:pPr/>
               <a:t>24-08-2021</a:t>
             </a:fld>
             <a:endParaRPr lang="en-IN"/>
@@ -5185,6 +5216,7 @@
           <a:p>
             <a:fld id="{E5460A27-0446-4682-B5C1-BA27FEFAC527}" type="slidenum">
               <a:rPr lang="en-IN" smtClean="0"/>
+              <a:pPr/>
               <a:t>‹#›</a:t>
             </a:fld>
             <a:endParaRPr lang="en-IN"/>
@@ -5194,7 +5226,7 @@
     </p:spTree>
     <p:extLst>
       <p:ext uri="{BB962C8B-B14F-4D97-AF65-F5344CB8AC3E}">
-        <p14:creationId xmlns:p14="http://schemas.microsoft.com/office/powerpoint/2010/main" val="2701051298"/>
+        <p14:creationId xmlns:p14="http://schemas.microsoft.com/office/powerpoint/2010/main" xmlns="" val="2701051298"/>
       </p:ext>
     </p:extLst>
   </p:cSld>
@@ -7173,6 +7205,7 @@
           <a:p>
             <a:fld id="{B6F0CEBF-78ED-409A-A70D-EC4E4FA47A78}" type="datetimeFigureOut">
               <a:rPr lang="en-IN" smtClean="0"/>
+              <a:pPr/>
               <a:t>24-08-2021</a:t>
             </a:fld>
             <a:endParaRPr lang="en-IN"/>
@@ -7249,6 +7282,7 @@
           <a:p>
             <a:fld id="{E5460A27-0446-4682-B5C1-BA27FEFAC527}" type="slidenum">
               <a:rPr lang="en-IN" smtClean="0"/>
+              <a:pPr/>
               <a:t>‹#›</a:t>
             </a:fld>
             <a:endParaRPr lang="en-IN"/>
@@ -7258,7 +7292,7 @@
     </p:spTree>
     <p:extLst>
       <p:ext uri="{BB962C8B-B14F-4D97-AF65-F5344CB8AC3E}">
-        <p14:creationId xmlns:p14="http://schemas.microsoft.com/office/powerpoint/2010/main" val="1974044376"/>
+        <p14:creationId xmlns:p14="http://schemas.microsoft.com/office/powerpoint/2010/main" xmlns="" val="1974044376"/>
       </p:ext>
     </p:extLst>
   </p:cSld>
@@ -7717,6 +7751,10 @@
               <a:rPr lang="en-IN" b="1" dirty="0"/>
               <a:t>Greedy Based Channel Allocation Strategy</a:t>
             </a:r>
+            <a:r>
+              <a:rPr lang="en-IN" dirty="0"/>
+              <a:t/>
+            </a:r>
             <a:br>
               <a:rPr lang="en-IN" dirty="0"/>
             </a:br>
@@ -7781,7 +7819,7 @@
     </p:spTree>
     <p:extLst>
       <p:ext uri="{BB962C8B-B14F-4D97-AF65-F5344CB8AC3E}">
-        <p14:creationId xmlns:p14="http://schemas.microsoft.com/office/powerpoint/2010/main" val="216662859"/>
+        <p14:creationId xmlns:p14="http://schemas.microsoft.com/office/powerpoint/2010/main" xmlns="" val="216662859"/>
       </p:ext>
     </p:extLst>
   </p:cSld>
@@ -7810,18 +7848,45 @@
       </p:grpSpPr>
       <p:sp>
         <p:nvSpPr>
-          <p:cNvPr id="4" name="Rectangle 28"/>
+          <p:cNvPr id="8" name="Title 1"/>
           <p:cNvSpPr>
-            <a:spLocks noGrp="1" noChangeArrowheads="1"/>
+            <a:spLocks noGrp="1"/>
           </p:cNvSpPr>
           <p:nvPr>
-            <p:ph idx="1"/>
+            <p:ph type="title"/>
           </p:nvPr>
+        </p:nvSpPr>
+        <p:spPr>
+          <a:xfrm>
+            <a:off x="1614488" y="638398"/>
+            <a:ext cx="8575674" cy="661765"/>
+          </a:xfrm>
+        </p:spPr>
+        <p:txBody>
+          <a:bodyPr>
+            <a:normAutofit/>
+          </a:bodyPr>
+          <a:lstStyle/>
+          <a:p>
+            <a:r>
+              <a:rPr lang="en-IN" dirty="0"/>
+              <a:t>Mathematical	 model </a:t>
+            </a:r>
+          </a:p>
+        </p:txBody>
+      </p:sp>
+      <p:sp>
+        <p:nvSpPr>
+          <p:cNvPr id="12" name="Rectangle 22"/>
+          <p:cNvSpPr>
+            <a:spLocks noChangeArrowheads="1"/>
+          </p:cNvSpPr>
+          <p:nvPr/>
         </p:nvSpPr>
         <p:spPr bwMode="auto">
           <a:xfrm>
-            <a:off x="1443004" y="1611592"/>
-            <a:ext cx="8415371" cy="954107"/>
+            <a:off x="836363" y="2050350"/>
+            <a:ext cx="11015662" cy="954107"/>
           </a:xfrm>
           <a:prstGeom prst="rect">
             <a:avLst/>
@@ -7833,14 +7898,14 @@
           <a:effectLst/>
           <a:extLst>
             <a:ext uri="{909E8E84-426E-40DD-AFC4-6F175D3DCCD1}">
-              <a14:hiddenFill xmlns:a14="http://schemas.microsoft.com/office/drawing/2010/main">
+              <a14:hiddenFill xmlns:a14="http://schemas.microsoft.com/office/drawing/2010/main" xmlns="">
                 <a:solidFill>
                   <a:schemeClr val="accent1"/>
                 </a:solidFill>
               </a14:hiddenFill>
             </a:ext>
             <a:ext uri="{91240B29-F687-4F45-9708-019B960494DF}">
-              <a14:hiddenLine xmlns:a14="http://schemas.microsoft.com/office/drawing/2010/main" w="9525">
+              <a14:hiddenLine xmlns:a14="http://schemas.microsoft.com/office/drawing/2010/main" xmlns="" w="9525">
                 <a:solidFill>
                   <a:schemeClr val="tx1"/>
                 </a:solidFill>
@@ -7850,7 +7915,7 @@
               </a14:hiddenLine>
             </a:ext>
             <a:ext uri="{AF507438-7753-43E0-B8FC-AC1667EBCBE1}">
-              <a14:hiddenEffects xmlns:a14="http://schemas.microsoft.com/office/drawing/2010/main">
+              <a14:hiddenEffects xmlns:a14="http://schemas.microsoft.com/office/drawing/2010/main" xmlns="">
                 <a:effectLst>
                   <a:outerShdw dist="35921" dir="2700000" algn="ctr" rotWithShape="0">
                     <a:schemeClr val="bg2"/>
@@ -8013,7 +8078,7 @@
               <a:tabLst/>
             </a:pPr>
             <a:r>
-              <a:rPr kumimoji="0" lang="en-US" altLang="en-US" sz="2800" b="0" i="0" u="none" strike="noStrike" cap="none" normalizeH="0" baseline="0" dirty="0">
+              <a:rPr kumimoji="0" lang="en-US" altLang="en-US" sz="2800" b="1" i="0" u="none" strike="noStrike" cap="none" normalizeH="0" baseline="0" dirty="0">
                 <a:ln>
                   <a:noFill/>
                 </a:ln>
@@ -8025,7 +8090,22 @@
                 <a:ea typeface="Calibri" panose="020F0502020204030204" pitchFamily="34" charset="0"/>
                 <a:cs typeface="Calibri" panose="020F0502020204030204" pitchFamily="34" charset="0"/>
               </a:rPr>
-              <a:t>From </a:t>
+              <a:t>SNR</a:t>
+            </a:r>
+            <a:r>
+              <a:rPr kumimoji="0" lang="en-US" altLang="en-US" sz="2800" b="1" i="0" u="none" strike="noStrike" cap="none" normalizeH="0" dirty="0">
+                <a:ln>
+                  <a:noFill/>
+                </a:ln>
+                <a:solidFill>
+                  <a:schemeClr val="tx1"/>
+                </a:solidFill>
+                <a:effectLst/>
+                <a:latin typeface="Calibri" panose="020F0502020204030204" pitchFamily="34" charset="0"/>
+                <a:ea typeface="Calibri" panose="020F0502020204030204" pitchFamily="34" charset="0"/>
+                <a:cs typeface="Calibri" panose="020F0502020204030204" pitchFamily="34" charset="0"/>
+              </a:rPr>
+              <a:t> </a:t>
             </a:r>
             <a:r>
               <a:rPr kumimoji="0" lang="en-US" altLang="en-US" sz="2800" b="1" i="0" u="none" strike="noStrike" cap="none" normalizeH="0" baseline="0" dirty="0">
@@ -8040,9 +8120,39 @@
                 <a:ea typeface="Calibri" panose="020F0502020204030204" pitchFamily="34" charset="0"/>
                 <a:cs typeface="Calibri" panose="020F0502020204030204" pitchFamily="34" charset="0"/>
               </a:rPr>
-              <a:t>Shannon’s Theorem,</a:t>
-            </a:r>
-            <a:endParaRPr kumimoji="0" lang="en-US" altLang="en-US" sz="2800" b="0" i="0" u="none" strike="noStrike" cap="none" normalizeH="0" baseline="0" dirty="0">
+              <a:t>=  1 / (</a:t>
+            </a:r>
+            <a:r>
+              <a:rPr kumimoji="0" lang="en-US" altLang="en-US" sz="2000" b="1" i="0" u="none" strike="noStrike" cap="none" normalizeH="0" baseline="0" dirty="0">
+                <a:ln>
+                  <a:noFill/>
+                </a:ln>
+                <a:solidFill>
+                  <a:schemeClr val="tx1"/>
+                </a:solidFill>
+                <a:effectLst/>
+                <a:latin typeface="Calibri" panose="020F0502020204030204" pitchFamily="34" charset="0"/>
+                <a:ea typeface="Calibri" panose="020F0502020204030204" pitchFamily="34" charset="0"/>
+                <a:cs typeface="Calibri" panose="020F0502020204030204" pitchFamily="34" charset="0"/>
+              </a:rPr>
+              <a:t>sum of interference of the devices which are allocated to same channel</a:t>
+            </a:r>
+            <a:r>
+              <a:rPr kumimoji="0" lang="en-US" altLang="en-US" sz="2800" b="1" i="0" u="none" strike="noStrike" cap="none" normalizeH="0" baseline="0" dirty="0">
+                <a:ln>
+                  <a:noFill/>
+                </a:ln>
+                <a:solidFill>
+                  <a:schemeClr val="tx1"/>
+                </a:solidFill>
+                <a:effectLst/>
+                <a:latin typeface="Calibri" panose="020F0502020204030204" pitchFamily="34" charset="0"/>
+                <a:ea typeface="Calibri" panose="020F0502020204030204" pitchFamily="34" charset="0"/>
+                <a:cs typeface="Calibri" panose="020F0502020204030204" pitchFamily="34" charset="0"/>
+              </a:rPr>
+              <a:t>)</a:t>
+            </a:r>
+            <a:endParaRPr kumimoji="0" lang="en-US" altLang="en-US" sz="2000" b="0" i="0" u="none" strike="noStrike" cap="none" normalizeH="0" baseline="0" dirty="0">
               <a:ln>
                 <a:noFill/>
               </a:ln>
@@ -8070,7 +8180,7 @@
               <a:tabLst/>
             </a:pPr>
             <a:r>
-              <a:rPr kumimoji="0" lang="en-US" altLang="en-US" sz="2800" b="0" i="0" u="none" strike="noStrike" cap="none" normalizeH="0" baseline="0" dirty="0">
+              <a:rPr kumimoji="0" lang="en-US" altLang="en-US" sz="2800" b="1" i="0" u="none" strike="noStrike" cap="none" normalizeH="0" baseline="0" dirty="0">
                 <a:ln>
                   <a:noFill/>
                 </a:ln>
@@ -8082,7 +8192,22 @@
                 <a:ea typeface="Calibri" panose="020F0502020204030204" pitchFamily="34" charset="0"/>
                 <a:cs typeface="Calibri" panose="020F0502020204030204" pitchFamily="34" charset="0"/>
               </a:rPr>
-              <a:t>Data Rate	   </a:t>
+              <a:t>	</a:t>
+            </a:r>
+            <a:r>
+              <a:rPr kumimoji="0" lang="en-US" altLang="en-US" sz="2800" b="1" i="0" u="none" strike="noStrike" cap="none" normalizeH="0" dirty="0">
+                <a:ln>
+                  <a:noFill/>
+                </a:ln>
+                <a:solidFill>
+                  <a:schemeClr val="tx1"/>
+                </a:solidFill>
+                <a:effectLst/>
+                <a:latin typeface="Calibri" panose="020F0502020204030204" pitchFamily="34" charset="0"/>
+                <a:ea typeface="Calibri" panose="020F0502020204030204" pitchFamily="34" charset="0"/>
+                <a:cs typeface="Calibri" panose="020F0502020204030204" pitchFamily="34" charset="0"/>
+              </a:rPr>
+              <a:t>   </a:t>
             </a:r>
             <a:r>
               <a:rPr kumimoji="0" lang="en-US" altLang="en-US" sz="2800" b="1" i="0" u="none" strike="noStrike" cap="none" normalizeH="0" baseline="0" dirty="0">
@@ -8097,69 +8222,9 @@
                 <a:ea typeface="Calibri" panose="020F0502020204030204" pitchFamily="34" charset="0"/>
                 <a:cs typeface="Calibri" panose="020F0502020204030204" pitchFamily="34" charset="0"/>
               </a:rPr>
-              <a:t>(D)</a:t>
-            </a:r>
-            <a:r>
-              <a:rPr kumimoji="0" lang="en-US" altLang="en-US" sz="2800" b="0" i="0" u="none" strike="noStrike" cap="none" normalizeH="0" baseline="0" dirty="0">
-                <a:ln>
-                  <a:noFill/>
-                </a:ln>
-                <a:solidFill>
-                  <a:schemeClr val="tx1"/>
-                </a:solidFill>
-                <a:effectLst/>
-                <a:latin typeface="Calibri" panose="020F0502020204030204" pitchFamily="34" charset="0"/>
-                <a:ea typeface="Calibri" panose="020F0502020204030204" pitchFamily="34" charset="0"/>
-                <a:cs typeface="Calibri" panose="020F0502020204030204" pitchFamily="34" charset="0"/>
-              </a:rPr>
-              <a:t> = </a:t>
-            </a:r>
-            <a:r>
-              <a:rPr kumimoji="0" lang="en-US" altLang="en-US" sz="2800" b="1" i="0" u="none" strike="noStrike" cap="none" normalizeH="0" baseline="0" dirty="0">
-                <a:ln>
-                  <a:noFill/>
-                </a:ln>
-                <a:solidFill>
-                  <a:schemeClr val="tx1"/>
-                </a:solidFill>
-                <a:effectLst/>
-                <a:latin typeface="Calibri" panose="020F0502020204030204" pitchFamily="34" charset="0"/>
-                <a:ea typeface="Calibri" panose="020F0502020204030204" pitchFamily="34" charset="0"/>
-                <a:cs typeface="Calibri" panose="020F0502020204030204" pitchFamily="34" charset="0"/>
-              </a:rPr>
-              <a:t>B * Log</a:t>
-            </a:r>
-            <a:r>
-              <a:rPr kumimoji="0" lang="en-US" altLang="en-US" sz="2800" b="1" i="0" u="none" strike="noStrike" cap="none" normalizeH="0" baseline="-30000" dirty="0">
-                <a:ln>
-                  <a:noFill/>
-                </a:ln>
-                <a:solidFill>
-                  <a:schemeClr val="tx1"/>
-                </a:solidFill>
-                <a:effectLst/>
-                <a:latin typeface="Calibri" panose="020F0502020204030204" pitchFamily="34" charset="0"/>
-                <a:ea typeface="Calibri" panose="020F0502020204030204" pitchFamily="34" charset="0"/>
-                <a:cs typeface="Calibri" panose="020F0502020204030204" pitchFamily="34" charset="0"/>
-              </a:rPr>
-              <a:t>2</a:t>
-            </a:r>
-            <a:r>
-              <a:rPr kumimoji="0" lang="en-US" altLang="en-US" sz="2800" b="1" i="0" u="none" strike="noStrike" cap="none" normalizeH="0" baseline="0" dirty="0">
-                <a:ln>
-                  <a:noFill/>
-                </a:ln>
-                <a:solidFill>
-                  <a:schemeClr val="tx1"/>
-                </a:solidFill>
-                <a:effectLst/>
-                <a:latin typeface="Calibri" panose="020F0502020204030204" pitchFamily="34" charset="0"/>
-                <a:ea typeface="Calibri" panose="020F0502020204030204" pitchFamily="34" charset="0"/>
-                <a:cs typeface="Calibri" panose="020F0502020204030204" pitchFamily="34" charset="0"/>
-              </a:rPr>
-              <a:t> (SNR+1)</a:t>
-            </a:r>
-            <a:endParaRPr kumimoji="0" lang="en-US" altLang="en-US" sz="2800" b="0" i="0" u="none" strike="noStrike" cap="none" normalizeH="0" baseline="0" dirty="0">
+              <a:t>=  1 / ∑ I </a:t>
+            </a:r>
+            <a:endParaRPr kumimoji="0" lang="en-US" altLang="en-US" sz="3600" b="0" i="0" u="none" strike="noStrike" cap="none" normalizeH="0" baseline="0" dirty="0">
               <a:ln>
                 <a:noFill/>
               </a:ln>
@@ -8167,13 +8232,14 @@
                 <a:schemeClr val="tx1"/>
               </a:solidFill>
               <a:effectLst/>
+              <a:latin typeface="Arial" panose="020B0604020202020204" pitchFamily="34" charset="0"/>
             </a:endParaRPr>
           </a:p>
         </p:txBody>
       </p:sp>
       <p:sp>
         <p:nvSpPr>
-          <p:cNvPr id="5" name="Rectangle 2"/>
+          <p:cNvPr id="13" name="Rectangle 24"/>
           <p:cNvSpPr>
             <a:spLocks noChangeArrowheads="1"/>
           </p:cNvSpPr>
@@ -8181,8 +8247,8 @@
         </p:nvSpPr>
         <p:spPr bwMode="auto">
           <a:xfrm>
-            <a:off x="1300162" y="2659953"/>
-            <a:ext cx="9401176" cy="1692771"/>
+            <a:off x="0" y="3200262"/>
+            <a:ext cx="5468784" cy="523220"/>
           </a:xfrm>
           <a:prstGeom prst="rect">
             <a:avLst/>
@@ -8194,14 +8260,14 @@
           <a:effectLst/>
           <a:extLst>
             <a:ext uri="{909E8E84-426E-40DD-AFC4-6F175D3DCCD1}">
-              <a14:hiddenFill xmlns:a14="http://schemas.microsoft.com/office/drawing/2010/main">
+              <a14:hiddenFill xmlns:a14="http://schemas.microsoft.com/office/drawing/2010/main" xmlns="">
                 <a:solidFill>
                   <a:schemeClr val="accent1"/>
                 </a:solidFill>
               </a14:hiddenFill>
             </a:ext>
             <a:ext uri="{91240B29-F687-4F45-9708-019B960494DF}">
-              <a14:hiddenLine xmlns:a14="http://schemas.microsoft.com/office/drawing/2010/main" w="9525">
+              <a14:hiddenLine xmlns:a14="http://schemas.microsoft.com/office/drawing/2010/main" xmlns="" w="9525">
                 <a:solidFill>
                   <a:schemeClr val="tx1"/>
                 </a:solidFill>
@@ -8211,7 +8277,7 @@
               </a14:hiddenLine>
             </a:ext>
             <a:ext uri="{AF507438-7753-43E0-B8FC-AC1667EBCBE1}">
-              <a14:hiddenEffects xmlns:a14="http://schemas.microsoft.com/office/drawing/2010/main">
+              <a14:hiddenEffects xmlns:a14="http://schemas.microsoft.com/office/drawing/2010/main" xmlns="">
                 <a:effectLst>
                   <a:outerShdw dist="35921" dir="2700000" algn="ctr" rotWithShape="0">
                     <a:schemeClr val="bg2"/>
@@ -8229,13 +8295,16 @@
             <a:spAutoFit/>
           </a:bodyPr>
           <a:lstStyle>
-            <a:lvl1pPr indent="457200" eaLnBrk="0" fontAlgn="base" hangingPunct="0">
+            <a:lvl1pPr eaLnBrk="0" fontAlgn="base" hangingPunct="0">
               <a:spcBef>
                 <a:spcPct val="0"/>
               </a:spcBef>
               <a:spcAft>
                 <a:spcPct val="0"/>
               </a:spcAft>
+              <a:tabLst>
+                <a:tab pos="2838450" algn="l"/>
+              </a:tabLst>
               <a:defRPr>
                 <a:solidFill>
                   <a:schemeClr val="tx1"/>
@@ -8250,6 +8319,9 @@
               <a:spcAft>
                 <a:spcPct val="0"/>
               </a:spcAft>
+              <a:tabLst>
+                <a:tab pos="2838450" algn="l"/>
+              </a:tabLst>
               <a:defRPr>
                 <a:solidFill>
                   <a:schemeClr val="tx1"/>
@@ -8264,6 +8336,9 @@
               <a:spcAft>
                 <a:spcPct val="0"/>
               </a:spcAft>
+              <a:tabLst>
+                <a:tab pos="2838450" algn="l"/>
+              </a:tabLst>
               <a:defRPr>
                 <a:solidFill>
                   <a:schemeClr val="tx1"/>
@@ -8278,6 +8353,9 @@
               <a:spcAft>
                 <a:spcPct val="0"/>
               </a:spcAft>
+              <a:tabLst>
+                <a:tab pos="2838450" algn="l"/>
+              </a:tabLst>
               <a:defRPr>
                 <a:solidFill>
                   <a:schemeClr val="tx1"/>
@@ -8292,6 +8370,9 @@
               <a:spcAft>
                 <a:spcPct val="0"/>
               </a:spcAft>
+              <a:tabLst>
+                <a:tab pos="2838450" algn="l"/>
+              </a:tabLst>
               <a:defRPr>
                 <a:solidFill>
                   <a:schemeClr val="tx1"/>
@@ -8306,6 +8387,9 @@
               <a:spcAft>
                 <a:spcPct val="0"/>
               </a:spcAft>
+              <a:tabLst>
+                <a:tab pos="2838450" algn="l"/>
+              </a:tabLst>
               <a:defRPr>
                 <a:solidFill>
                   <a:schemeClr val="tx1"/>
@@ -8320,6 +8404,9 @@
               <a:spcAft>
                 <a:spcPct val="0"/>
               </a:spcAft>
+              <a:tabLst>
+                <a:tab pos="2838450" algn="l"/>
+              </a:tabLst>
               <a:defRPr>
                 <a:solidFill>
                   <a:schemeClr val="tx1"/>
@@ -8334,6 +8421,9 @@
               <a:spcAft>
                 <a:spcPct val="0"/>
               </a:spcAft>
+              <a:tabLst>
+                <a:tab pos="2838450" algn="l"/>
+              </a:tabLst>
               <a:defRPr>
                 <a:solidFill>
                   <a:schemeClr val="tx1"/>
@@ -8348,6 +8438,9 @@
               <a:spcAft>
                 <a:spcPct val="0"/>
               </a:spcAft>
+              <a:tabLst>
+                <a:tab pos="2838450" algn="l"/>
+              </a:tabLst>
               <a:defRPr>
                 <a:solidFill>
                   <a:schemeClr val="tx1"/>
@@ -8356,6 +8449,370 @@
               </a:defRPr>
             </a:lvl9pPr>
           </a:lstStyle>
+          <a:p>
+            <a:pPr marL="0" marR="0" lvl="0" indent="457200" defTabSz="914400" rtl="0" eaLnBrk="0" fontAlgn="base" latinLnBrk="0" hangingPunct="0">
+              <a:lnSpc>
+                <a:spcPct val="100000"/>
+              </a:lnSpc>
+              <a:spcBef>
+                <a:spcPct val="0"/>
+              </a:spcBef>
+              <a:spcAft>
+                <a:spcPct val="0"/>
+              </a:spcAft>
+              <a:buClrTx/>
+              <a:buSzTx/>
+              <a:buFontTx/>
+              <a:buNone/>
+              <a:tabLst>
+                <a:tab pos="2838450" algn="l"/>
+              </a:tabLst>
+            </a:pPr>
+            <a:r>
+              <a:rPr kumimoji="0" lang="en-US" altLang="en-US" sz="2800" b="1" i="0" u="none" strike="noStrike" cap="none" normalizeH="0" baseline="0" dirty="0">
+                <a:ln>
+                  <a:noFill/>
+                </a:ln>
+                <a:solidFill>
+                  <a:schemeClr val="tx1"/>
+                </a:solidFill>
+                <a:effectLst/>
+                <a:latin typeface="Calibri" panose="020F0502020204030204" pitchFamily="34" charset="0"/>
+                <a:ea typeface="Calibri" panose="020F0502020204030204" pitchFamily="34" charset="0"/>
+                <a:cs typeface="Calibri" panose="020F0502020204030204" pitchFamily="34" charset="0"/>
+              </a:rPr>
+              <a:t>Sum of Interference  ∑ I = 1/SNR</a:t>
+            </a:r>
+            <a:endParaRPr kumimoji="0" lang="en-US" altLang="en-US" sz="3600" b="0" i="0" u="none" strike="noStrike" cap="none" normalizeH="0" baseline="0" dirty="0">
+              <a:ln>
+                <a:noFill/>
+              </a:ln>
+              <a:solidFill>
+                <a:schemeClr val="tx1"/>
+              </a:solidFill>
+              <a:effectLst/>
+              <a:latin typeface="Arial" panose="020B0604020202020204" pitchFamily="34" charset="0"/>
+            </a:endParaRPr>
+          </a:p>
+        </p:txBody>
+      </p:sp>
+      <p:sp>
+        <p:nvSpPr>
+          <p:cNvPr id="14" name="Rectangle 13"/>
+          <p:cNvSpPr/>
+          <p:nvPr/>
+        </p:nvSpPr>
+        <p:spPr>
+          <a:xfrm>
+            <a:off x="5852160" y="3046683"/>
+            <a:ext cx="6156619" cy="1343701"/>
+          </a:xfrm>
+          <a:prstGeom prst="rect">
+            <a:avLst/>
+          </a:prstGeom>
+        </p:spPr>
+        <p:txBody>
+          <a:bodyPr wrap="square">
+            <a:spAutoFit/>
+          </a:bodyPr>
+          <a:lstStyle/>
+          <a:p>
+            <a:pPr indent="457200">
+              <a:lnSpc>
+                <a:spcPct val="107000"/>
+              </a:lnSpc>
+            </a:pPr>
+            <a:r>
+              <a:rPr lang="en-IN" sz="2800" b="1" dirty="0">
+                <a:latin typeface="Calibri" panose="020F0502020204030204" pitchFamily="34" charset="0"/>
+                <a:ea typeface="Calibri" panose="020F0502020204030204" pitchFamily="34" charset="0"/>
+                <a:cs typeface="Calibri" panose="020F0502020204030204" pitchFamily="34" charset="0"/>
+              </a:rPr>
+              <a:t>Interference </a:t>
+            </a:r>
+            <a:r>
+              <a:rPr lang="en-IN" sz="2800" dirty="0">
+                <a:latin typeface="Calibri" panose="020F0502020204030204" pitchFamily="34" charset="0"/>
+                <a:ea typeface="Calibri" panose="020F0502020204030204" pitchFamily="34" charset="0"/>
+                <a:cs typeface="Calibri" panose="020F0502020204030204" pitchFamily="34" charset="0"/>
+              </a:rPr>
+              <a:t>	 </a:t>
+            </a:r>
+            <a:r>
+              <a:rPr lang="en-IN" sz="2800" b="1" dirty="0">
+                <a:latin typeface="Calibri" panose="020F0502020204030204" pitchFamily="34" charset="0"/>
+                <a:ea typeface="Calibri" panose="020F0502020204030204" pitchFamily="34" charset="0"/>
+                <a:cs typeface="Calibri" panose="020F0502020204030204" pitchFamily="34" charset="0"/>
+              </a:rPr>
+              <a:t>I </a:t>
+            </a:r>
+            <a:r>
+              <a:rPr lang="en-IN" sz="2800" b="1" baseline="-25000" dirty="0" err="1">
+                <a:latin typeface="Calibri" panose="020F0502020204030204" pitchFamily="34" charset="0"/>
+                <a:ea typeface="Calibri" panose="020F0502020204030204" pitchFamily="34" charset="0"/>
+                <a:cs typeface="Calibri" panose="020F0502020204030204" pitchFamily="34" charset="0"/>
+              </a:rPr>
+              <a:t>i</a:t>
+            </a:r>
+            <a:r>
+              <a:rPr lang="en-IN" sz="2800" b="1" baseline="-25000" dirty="0">
+                <a:latin typeface="Calibri" panose="020F0502020204030204" pitchFamily="34" charset="0"/>
+                <a:ea typeface="Calibri" panose="020F0502020204030204" pitchFamily="34" charset="0"/>
+                <a:cs typeface="Calibri" panose="020F0502020204030204" pitchFamily="34" charset="0"/>
+              </a:rPr>
+              <a:t>, j</a:t>
+            </a:r>
+            <a:r>
+              <a:rPr lang="en-IN" sz="2800" dirty="0">
+                <a:latin typeface="Calibri" panose="020F0502020204030204" pitchFamily="34" charset="0"/>
+                <a:ea typeface="Calibri" panose="020F0502020204030204" pitchFamily="34" charset="0"/>
+                <a:cs typeface="Calibri" panose="020F0502020204030204" pitchFamily="34" charset="0"/>
+              </a:rPr>
+              <a:t> </a:t>
+            </a:r>
+            <a:r>
+              <a:rPr lang="en-IN" sz="2800" dirty="0">
+                <a:latin typeface="Calibri" panose="020F0502020204030204" pitchFamily="34" charset="0"/>
+                <a:ea typeface="CMR10"/>
+                <a:cs typeface="Calibri" panose="020F0502020204030204" pitchFamily="34" charset="0"/>
+              </a:rPr>
+              <a:t> </a:t>
+            </a:r>
+            <a:r>
+              <a:rPr lang="en-IN" sz="2800" b="1" dirty="0">
+                <a:latin typeface="Calibri" panose="020F0502020204030204" pitchFamily="34" charset="0"/>
+                <a:ea typeface="CMR10"/>
+                <a:cs typeface="Calibri" panose="020F0502020204030204" pitchFamily="34" charset="0"/>
+              </a:rPr>
+              <a:t>= (f</a:t>
+            </a:r>
+            <a:r>
+              <a:rPr lang="en-IN" sz="2800" b="1" baseline="-25000" dirty="0">
+                <a:latin typeface="Calibri" panose="020F0502020204030204" pitchFamily="34" charset="0"/>
+                <a:ea typeface="CMR10"/>
+                <a:cs typeface="Calibri" panose="020F0502020204030204" pitchFamily="34" charset="0"/>
+              </a:rPr>
+              <a:t>i</a:t>
+            </a:r>
+            <a:r>
+              <a:rPr lang="en-IN" sz="2800" b="1" dirty="0">
+                <a:latin typeface="Calibri" panose="020F0502020204030204" pitchFamily="34" charset="0"/>
+                <a:ea typeface="CMR10"/>
+                <a:cs typeface="Calibri" panose="020F0502020204030204" pitchFamily="34" charset="0"/>
+              </a:rPr>
+              <a:t> / f</a:t>
+            </a:r>
+            <a:r>
+              <a:rPr lang="en-IN" sz="2800" b="1" baseline="-25000" dirty="0">
+                <a:latin typeface="Calibri" panose="020F0502020204030204" pitchFamily="34" charset="0"/>
+                <a:ea typeface="CMR10"/>
+                <a:cs typeface="Calibri" panose="020F0502020204030204" pitchFamily="34" charset="0"/>
+              </a:rPr>
+              <a:t>j</a:t>
+            </a:r>
+            <a:r>
+              <a:rPr lang="en-IN" sz="2800" b="1" dirty="0">
+                <a:latin typeface="Calibri" panose="020F0502020204030204" pitchFamily="34" charset="0"/>
+                <a:ea typeface="CMR10"/>
+                <a:cs typeface="Calibri" panose="020F0502020204030204" pitchFamily="34" charset="0"/>
+              </a:rPr>
+              <a:t>)</a:t>
+            </a:r>
+            <a:r>
+              <a:rPr lang="en-IN" sz="2800" b="1" baseline="30000" dirty="0">
+                <a:latin typeface="Calibri" panose="020F0502020204030204" pitchFamily="34" charset="0"/>
+                <a:ea typeface="CMR10"/>
+                <a:cs typeface="Calibri" panose="020F0502020204030204" pitchFamily="34" charset="0"/>
+              </a:rPr>
+              <a:t>4 </a:t>
+            </a:r>
+            <a:r>
+              <a:rPr lang="en-IN" sz="2800" b="1" dirty="0">
+                <a:latin typeface="Calibri" panose="020F0502020204030204" pitchFamily="34" charset="0"/>
+                <a:ea typeface="CMR10"/>
+                <a:cs typeface="Calibri" panose="020F0502020204030204" pitchFamily="34" charset="0"/>
+              </a:rPr>
+              <a:t> , 	if </a:t>
+            </a:r>
+            <a:r>
+              <a:rPr lang="en-IN" sz="2800" b="1" dirty="0" err="1">
+                <a:latin typeface="Calibri" panose="020F0502020204030204" pitchFamily="34" charset="0"/>
+                <a:ea typeface="CMR10"/>
+                <a:cs typeface="Calibri" panose="020F0502020204030204" pitchFamily="34" charset="0"/>
+              </a:rPr>
+              <a:t>i</a:t>
+            </a:r>
+            <a:r>
+              <a:rPr lang="en-IN" sz="2800" b="1" dirty="0">
+                <a:latin typeface="Calibri" panose="020F0502020204030204" pitchFamily="34" charset="0"/>
+                <a:ea typeface="CMR10"/>
+                <a:cs typeface="Calibri" panose="020F0502020204030204" pitchFamily="34" charset="0"/>
+              </a:rPr>
+              <a:t> ≠ j </a:t>
+            </a:r>
+            <a:endParaRPr lang="en-IN" sz="2000" dirty="0">
+              <a:latin typeface="Calibri" panose="020F0502020204030204" pitchFamily="34" charset="0"/>
+              <a:ea typeface="Calibri" panose="020F0502020204030204" pitchFamily="34" charset="0"/>
+              <a:cs typeface="Times New Roman" panose="02020603050405020304" pitchFamily="18" charset="0"/>
+            </a:endParaRPr>
+          </a:p>
+          <a:p>
+            <a:pPr indent="457200">
+              <a:lnSpc>
+                <a:spcPct val="107000"/>
+              </a:lnSpc>
+            </a:pPr>
+            <a:r>
+              <a:rPr lang="en-IN" sz="2800" b="1" dirty="0">
+                <a:latin typeface="Calibri" panose="020F0502020204030204" pitchFamily="34" charset="0"/>
+                <a:ea typeface="CMR10"/>
+                <a:cs typeface="Calibri" panose="020F0502020204030204" pitchFamily="34" charset="0"/>
+              </a:rPr>
+              <a:t>					 </a:t>
+            </a:r>
+            <a:r>
+              <a:rPr lang="en-IN" sz="2800" b="1" dirty="0">
+                <a:latin typeface="Calibri" panose="020F0502020204030204" pitchFamily="34" charset="0"/>
+                <a:ea typeface="Calibri" panose="020F0502020204030204" pitchFamily="34" charset="0"/>
+                <a:cs typeface="Calibri" panose="020F0502020204030204" pitchFamily="34" charset="0"/>
+              </a:rPr>
+              <a:t>I </a:t>
+            </a:r>
+            <a:r>
+              <a:rPr lang="en-IN" sz="2800" b="1" baseline="-25000" dirty="0" err="1">
+                <a:latin typeface="Calibri" panose="020F0502020204030204" pitchFamily="34" charset="0"/>
+                <a:ea typeface="Calibri" panose="020F0502020204030204" pitchFamily="34" charset="0"/>
+                <a:cs typeface="Calibri" panose="020F0502020204030204" pitchFamily="34" charset="0"/>
+              </a:rPr>
+              <a:t>i</a:t>
+            </a:r>
+            <a:r>
+              <a:rPr lang="en-IN" sz="2800" b="1" baseline="-25000" dirty="0">
+                <a:latin typeface="Calibri" panose="020F0502020204030204" pitchFamily="34" charset="0"/>
+                <a:ea typeface="Calibri" panose="020F0502020204030204" pitchFamily="34" charset="0"/>
+                <a:cs typeface="Calibri" panose="020F0502020204030204" pitchFamily="34" charset="0"/>
+              </a:rPr>
+              <a:t>, j</a:t>
+            </a:r>
+            <a:r>
+              <a:rPr lang="en-IN" sz="2800" dirty="0">
+                <a:latin typeface="Calibri" panose="020F0502020204030204" pitchFamily="34" charset="0"/>
+                <a:ea typeface="Calibri" panose="020F0502020204030204" pitchFamily="34" charset="0"/>
+                <a:cs typeface="Calibri" panose="020F0502020204030204" pitchFamily="34" charset="0"/>
+              </a:rPr>
+              <a:t> </a:t>
+            </a:r>
+            <a:r>
+              <a:rPr lang="en-IN" sz="2800" dirty="0">
+                <a:latin typeface="Calibri" panose="020F0502020204030204" pitchFamily="34" charset="0"/>
+                <a:ea typeface="CMR10"/>
+                <a:cs typeface="Calibri" panose="020F0502020204030204" pitchFamily="34" charset="0"/>
+              </a:rPr>
+              <a:t> = </a:t>
+            </a:r>
+            <a:r>
+              <a:rPr lang="en-IN" sz="2800" b="1" dirty="0">
+                <a:latin typeface="Calibri" panose="020F0502020204030204" pitchFamily="34" charset="0"/>
+                <a:ea typeface="CMR10"/>
+                <a:cs typeface="Calibri" panose="020F0502020204030204" pitchFamily="34" charset="0"/>
+              </a:rPr>
+              <a:t>0 , 		if </a:t>
+            </a:r>
+            <a:r>
+              <a:rPr lang="en-IN" sz="2800" b="1" dirty="0" err="1">
+                <a:latin typeface="Calibri" panose="020F0502020204030204" pitchFamily="34" charset="0"/>
+                <a:ea typeface="CMR10"/>
+                <a:cs typeface="Calibri" panose="020F0502020204030204" pitchFamily="34" charset="0"/>
+              </a:rPr>
+              <a:t>i</a:t>
+            </a:r>
+            <a:r>
+              <a:rPr lang="en-IN" sz="2800" b="1" dirty="0">
+                <a:latin typeface="Calibri" panose="020F0502020204030204" pitchFamily="34" charset="0"/>
+                <a:ea typeface="CMR10"/>
+                <a:cs typeface="Calibri" panose="020F0502020204030204" pitchFamily="34" charset="0"/>
+              </a:rPr>
+              <a:t> = j</a:t>
+            </a:r>
+            <a:endParaRPr lang="en-IN" sz="2000" dirty="0">
+              <a:latin typeface="Calibri" panose="020F0502020204030204" pitchFamily="34" charset="0"/>
+              <a:ea typeface="Calibri" panose="020F0502020204030204" pitchFamily="34" charset="0"/>
+              <a:cs typeface="Times New Roman" panose="02020603050405020304" pitchFamily="18" charset="0"/>
+            </a:endParaRPr>
+          </a:p>
+          <a:p>
+            <a:pPr>
+              <a:lnSpc>
+                <a:spcPct val="107000"/>
+              </a:lnSpc>
+            </a:pPr>
+            <a:endParaRPr lang="en-IN" sz="2000" dirty="0">
+              <a:effectLst/>
+              <a:latin typeface="Calibri" panose="020F0502020204030204" pitchFamily="34" charset="0"/>
+              <a:ea typeface="Calibri" panose="020F0502020204030204" pitchFamily="34" charset="0"/>
+              <a:cs typeface="Times New Roman" panose="02020603050405020304" pitchFamily="18" charset="0"/>
+            </a:endParaRPr>
+          </a:p>
+        </p:txBody>
+      </p:sp>
+      <p:sp>
+        <p:nvSpPr>
+          <p:cNvPr id="15" name="Rectangle 4"/>
+          <p:cNvSpPr>
+            <a:spLocks noChangeArrowheads="1"/>
+          </p:cNvSpPr>
+          <p:nvPr/>
+        </p:nvSpPr>
+        <p:spPr bwMode="auto">
+          <a:xfrm>
+            <a:off x="924061" y="4455880"/>
+            <a:ext cx="10758488" cy="2123658"/>
+          </a:xfrm>
+          <a:prstGeom prst="rect">
+            <a:avLst/>
+          </a:prstGeom>
+          <a:noFill/>
+          <a:ln>
+            <a:noFill/>
+          </a:ln>
+          <a:effectLst/>
+          <a:extLst>
+            <a:ext uri="{909E8E84-426E-40DD-AFC4-6F175D3DCCD1}">
+              <a14:hiddenFill xmlns:a14="http://schemas.microsoft.com/office/drawing/2010/main" xmlns="">
+                <a:solidFill>
+                  <a:schemeClr val="accent1"/>
+                </a:solidFill>
+              </a14:hiddenFill>
+            </a:ext>
+            <a:ext uri="{91240B29-F687-4F45-9708-019B960494DF}">
+              <a14:hiddenLine xmlns:a14="http://schemas.microsoft.com/office/drawing/2010/main" xmlns="" w="9525">
+                <a:solidFill>
+                  <a:schemeClr val="tx1"/>
+                </a:solidFill>
+                <a:miter lim="800000"/>
+                <a:headEnd/>
+                <a:tailEnd/>
+              </a14:hiddenLine>
+            </a:ext>
+            <a:ext uri="{AF507438-7753-43E0-B8FC-AC1667EBCBE1}">
+              <a14:hiddenEffects xmlns:a14="http://schemas.microsoft.com/office/drawing/2010/main" xmlns="">
+                <a:effectLst>
+                  <a:outerShdw dist="35921" dir="2700000" algn="ctr" rotWithShape="0">
+                    <a:schemeClr val="bg2"/>
+                  </a:outerShdw>
+                </a:effectLst>
+              </a14:hiddenEffects>
+            </a:ext>
+          </a:extLst>
+        </p:spPr>
+        <p:txBody>
+          <a:bodyPr vert="horz" wrap="square" lIns="91440" tIns="45720" rIns="91440" bIns="45720" numCol="1" anchor="ctr" anchorCtr="0" compatLnSpc="1">
+            <a:prstTxWarp prst="textNoShape">
+              <a:avLst/>
+            </a:prstTxWarp>
+            <a:spAutoFit/>
+          </a:bodyPr>
+          <a:lstStyle/>
           <a:p>
             <a:pPr marL="0" marR="0" lvl="0" indent="457200" algn="l" defTabSz="914400" rtl="0" eaLnBrk="0" fontAlgn="base" latinLnBrk="0" hangingPunct="0">
               <a:lnSpc>
@@ -8374,7 +8831,33 @@
               <a:tabLst/>
             </a:pPr>
             <a:r>
-              <a:rPr kumimoji="0" lang="en-US" altLang="en-US" sz="2800" b="0" i="0" u="none" strike="noStrike" cap="none" normalizeH="0" baseline="0" dirty="0">
+              <a:rPr lang="en-US" altLang="en-US" sz="2800" dirty="0" smtClean="0">
+                <a:latin typeface="Calibri" panose="020F0502020204030204" pitchFamily="34" charset="0"/>
+                <a:ea typeface="Calibri" panose="020F0502020204030204" pitchFamily="34" charset="0"/>
+                <a:cs typeface="Calibri" panose="020F0502020204030204" pitchFamily="34" charset="0"/>
+              </a:rPr>
+              <a:t>From equation(1), </a:t>
+            </a:r>
+          </a:p>
+          <a:p>
+            <a:pPr marL="0" marR="0" lvl="0" indent="457200" algn="l" defTabSz="914400" rtl="0" eaLnBrk="0" fontAlgn="base" latinLnBrk="0" hangingPunct="0">
+              <a:lnSpc>
+                <a:spcPct val="100000"/>
+              </a:lnSpc>
+              <a:spcBef>
+                <a:spcPct val="0"/>
+              </a:spcBef>
+              <a:spcAft>
+                <a:spcPct val="0"/>
+              </a:spcAft>
+              <a:buClrTx/>
+              <a:buSzTx/>
+              <a:buFontTx/>
+              <a:buNone/>
+              <a:tabLst/>
+            </a:pPr>
+            <a:r>
+              <a:rPr kumimoji="0" lang="en-US" altLang="en-US" sz="2800" b="1" i="0" u="none" strike="noStrike" cap="none" normalizeH="0" baseline="0" dirty="0">
                 <a:ln>
                   <a:noFill/>
                 </a:ln>
@@ -8386,8 +8869,135 @@
                 <a:ea typeface="Calibri" panose="020F0502020204030204" pitchFamily="34" charset="0"/>
                 <a:cs typeface="Calibri" panose="020F0502020204030204" pitchFamily="34" charset="0"/>
               </a:rPr>
-              <a:t>So to achieve this Data Rate, </a:t>
-            </a:r>
+              <a:t>	∑ I 	≤ 	1/ 2 </a:t>
+            </a:r>
+            <a:r>
+              <a:rPr kumimoji="0" lang="en-US" altLang="en-US" sz="2800" b="1" i="0" u="none" strike="noStrike" cap="none" normalizeH="0" baseline="30000" dirty="0">
+                <a:ln>
+                  <a:noFill/>
+                </a:ln>
+                <a:solidFill>
+                  <a:schemeClr val="tx1"/>
+                </a:solidFill>
+                <a:effectLst/>
+                <a:latin typeface="Calibri" panose="020F0502020204030204" pitchFamily="34" charset="0"/>
+                <a:ea typeface="Calibri" panose="020F0502020204030204" pitchFamily="34" charset="0"/>
+                <a:cs typeface="Calibri" panose="020F0502020204030204" pitchFamily="34" charset="0"/>
+              </a:rPr>
+              <a:t>D/B </a:t>
+            </a:r>
+            <a:r>
+              <a:rPr kumimoji="0" lang="en-US" altLang="en-US" sz="2800" b="1" i="0" u="none" strike="noStrike" cap="none" normalizeH="0" baseline="0" dirty="0">
+                <a:ln>
+                  <a:noFill/>
+                </a:ln>
+                <a:solidFill>
+                  <a:schemeClr val="tx1"/>
+                </a:solidFill>
+                <a:effectLst/>
+                <a:latin typeface="Calibri" panose="020F0502020204030204" pitchFamily="34" charset="0"/>
+                <a:ea typeface="Calibri" panose="020F0502020204030204" pitchFamily="34" charset="0"/>
+                <a:cs typeface="Calibri" panose="020F0502020204030204" pitchFamily="34" charset="0"/>
+              </a:rPr>
+              <a:t> -1 		 [ Tolerance </a:t>
+            </a:r>
+            <a:r>
+              <a:rPr kumimoji="0" lang="en-US" altLang="en-US" sz="2800" b="1" i="0" u="none" strike="noStrike" cap="none" normalizeH="0" baseline="0" dirty="0" err="1">
+                <a:ln>
+                  <a:noFill/>
+                </a:ln>
+                <a:solidFill>
+                  <a:schemeClr val="tx1"/>
+                </a:solidFill>
+                <a:effectLst/>
+                <a:latin typeface="Calibri" panose="020F0502020204030204" pitchFamily="34" charset="0"/>
+                <a:ea typeface="Calibri" panose="020F0502020204030204" pitchFamily="34" charset="0"/>
+                <a:cs typeface="Calibri" panose="020F0502020204030204" pitchFamily="34" charset="0"/>
+              </a:rPr>
+              <a:t>Ƭ</a:t>
+            </a:r>
+            <a:r>
+              <a:rPr kumimoji="0" lang="en-US" altLang="en-US" sz="2800" b="1" i="0" u="none" strike="noStrike" cap="none" normalizeH="0" baseline="-30000" dirty="0" err="1">
+                <a:ln>
+                  <a:noFill/>
+                </a:ln>
+                <a:solidFill>
+                  <a:schemeClr val="tx1"/>
+                </a:solidFill>
+                <a:effectLst/>
+                <a:latin typeface="Calibri" panose="020F0502020204030204" pitchFamily="34" charset="0"/>
+                <a:ea typeface="Calibri" panose="020F0502020204030204" pitchFamily="34" charset="0"/>
+                <a:cs typeface="Calibri" panose="020F0502020204030204" pitchFamily="34" charset="0"/>
+              </a:rPr>
+              <a:t>i</a:t>
+            </a:r>
+            <a:r>
+              <a:rPr kumimoji="0" lang="en-US" altLang="en-US" sz="2800" b="1" i="0" u="none" strike="noStrike" cap="none" normalizeH="0" baseline="0" dirty="0">
+                <a:ln>
+                  <a:noFill/>
+                </a:ln>
+                <a:solidFill>
+                  <a:schemeClr val="tx1"/>
+                </a:solidFill>
+                <a:effectLst/>
+                <a:latin typeface="Calibri" panose="020F0502020204030204" pitchFamily="34" charset="0"/>
+                <a:ea typeface="Calibri" panose="020F0502020204030204" pitchFamily="34" charset="0"/>
+                <a:cs typeface="Calibri" panose="020F0502020204030204" pitchFamily="34" charset="0"/>
+              </a:rPr>
+              <a:t> =  1/ 2 </a:t>
+            </a:r>
+            <a:r>
+              <a:rPr kumimoji="0" lang="en-US" altLang="en-US" sz="2800" b="1" i="0" u="none" strike="noStrike" cap="none" normalizeH="0" baseline="30000" dirty="0">
+                <a:ln>
+                  <a:noFill/>
+                </a:ln>
+                <a:solidFill>
+                  <a:schemeClr val="tx1"/>
+                </a:solidFill>
+                <a:effectLst/>
+                <a:latin typeface="Calibri" panose="020F0502020204030204" pitchFamily="34" charset="0"/>
+                <a:ea typeface="Calibri" panose="020F0502020204030204" pitchFamily="34" charset="0"/>
+                <a:cs typeface="Calibri" panose="020F0502020204030204" pitchFamily="34" charset="0"/>
+              </a:rPr>
+              <a:t>D/B </a:t>
+            </a:r>
+            <a:r>
+              <a:rPr kumimoji="0" lang="en-US" altLang="en-US" sz="2800" b="1" i="0" u="none" strike="noStrike" cap="none" normalizeH="0" baseline="0" dirty="0">
+                <a:ln>
+                  <a:noFill/>
+                </a:ln>
+                <a:solidFill>
+                  <a:schemeClr val="tx1"/>
+                </a:solidFill>
+                <a:effectLst/>
+                <a:latin typeface="Calibri" panose="020F0502020204030204" pitchFamily="34" charset="0"/>
+                <a:ea typeface="Calibri" panose="020F0502020204030204" pitchFamily="34" charset="0"/>
+                <a:cs typeface="Calibri" panose="020F0502020204030204" pitchFamily="34" charset="0"/>
+              </a:rPr>
+              <a:t> -1 ]</a:t>
+            </a:r>
+          </a:p>
+          <a:p>
+            <a:pPr marL="0" marR="0" lvl="0" indent="457200" algn="l" defTabSz="914400" rtl="0" eaLnBrk="0" fontAlgn="base" latinLnBrk="0" hangingPunct="0">
+              <a:lnSpc>
+                <a:spcPct val="100000"/>
+              </a:lnSpc>
+              <a:spcBef>
+                <a:spcPct val="0"/>
+              </a:spcBef>
+              <a:spcAft>
+                <a:spcPct val="0"/>
+              </a:spcAft>
+              <a:buClrTx/>
+              <a:buSzTx/>
+              <a:buFontTx/>
+              <a:buNone/>
+              <a:tabLst/>
+            </a:pPr>
+            <a:endParaRPr lang="en-US" altLang="en-US" sz="2800" b="1" dirty="0">
+              <a:latin typeface="Calibri" panose="020F0502020204030204" pitchFamily="34" charset="0"/>
+              <a:cs typeface="Calibri" panose="020F0502020204030204" pitchFamily="34" charset="0"/>
+            </a:endParaRPr>
           </a:p>
           <a:p>
             <a:pPr marL="0" marR="0" lvl="0" indent="457200" algn="l" defTabSz="914400" rtl="0" eaLnBrk="0" fontAlgn="base" latinLnBrk="0" hangingPunct="0">
@@ -8434,397 +9044,6 @@
               <a:tabLst/>
             </a:pPr>
             <a:r>
-              <a:rPr kumimoji="0" lang="en-US" altLang="en-US" sz="2800" b="1" i="0" u="none" strike="noStrike" cap="none" normalizeH="0" baseline="0" dirty="0">
-                <a:ln>
-                  <a:noFill/>
-                </a:ln>
-                <a:solidFill>
-                  <a:schemeClr val="tx1"/>
-                </a:solidFill>
-                <a:effectLst/>
-                <a:latin typeface="Calibri" panose="020F0502020204030204" pitchFamily="34" charset="0"/>
-                <a:ea typeface="Calibri" panose="020F0502020204030204" pitchFamily="34" charset="0"/>
-                <a:cs typeface="Calibri" panose="020F0502020204030204" pitchFamily="34" charset="0"/>
-              </a:rPr>
-              <a:t>		SNR	 ≥ 	 2 </a:t>
-            </a:r>
-            <a:r>
-              <a:rPr kumimoji="0" lang="en-US" altLang="en-US" sz="2800" b="1" i="0" u="none" strike="noStrike" cap="none" normalizeH="0" baseline="30000" dirty="0">
-                <a:ln>
-                  <a:noFill/>
-                </a:ln>
-                <a:solidFill>
-                  <a:schemeClr val="tx1"/>
-                </a:solidFill>
-                <a:effectLst/>
-                <a:latin typeface="Calibri" panose="020F0502020204030204" pitchFamily="34" charset="0"/>
-                <a:ea typeface="Calibri" panose="020F0502020204030204" pitchFamily="34" charset="0"/>
-                <a:cs typeface="Calibri" panose="020F0502020204030204" pitchFamily="34" charset="0"/>
-              </a:rPr>
-              <a:t>D/B </a:t>
-            </a:r>
-            <a:r>
-              <a:rPr kumimoji="0" lang="en-US" altLang="en-US" sz="2800" b="1" i="0" u="none" strike="noStrike" cap="none" normalizeH="0" baseline="0" dirty="0">
-                <a:ln>
-                  <a:noFill/>
-                </a:ln>
-                <a:solidFill>
-                  <a:schemeClr val="tx1"/>
-                </a:solidFill>
-                <a:effectLst/>
-                <a:latin typeface="Calibri" panose="020F0502020204030204" pitchFamily="34" charset="0"/>
-                <a:ea typeface="Calibri" panose="020F0502020204030204" pitchFamily="34" charset="0"/>
-                <a:cs typeface="Calibri" panose="020F0502020204030204" pitchFamily="34" charset="0"/>
-              </a:rPr>
-              <a:t> -1</a:t>
-            </a:r>
-            <a:endParaRPr kumimoji="0" lang="en-US" altLang="en-US" sz="2000" b="0" i="0" u="none" strike="noStrike" cap="none" normalizeH="0" baseline="0" dirty="0">
-              <a:ln>
-                <a:noFill/>
-              </a:ln>
-              <a:solidFill>
-                <a:schemeClr val="tx1"/>
-              </a:solidFill>
-              <a:effectLst/>
-            </a:endParaRPr>
-          </a:p>
-          <a:p>
-            <a:pPr marL="0" marR="0" lvl="0" indent="457200" algn="l" defTabSz="914400" rtl="0" eaLnBrk="0" fontAlgn="base" latinLnBrk="0" hangingPunct="0">
-              <a:lnSpc>
-                <a:spcPct val="100000"/>
-              </a:lnSpc>
-              <a:spcBef>
-                <a:spcPct val="0"/>
-              </a:spcBef>
-              <a:spcAft>
-                <a:spcPct val="0"/>
-              </a:spcAft>
-              <a:buClrTx/>
-              <a:buSzTx/>
-              <a:buFontTx/>
-              <a:buNone/>
-              <a:tabLst/>
-            </a:pPr>
-            <a:r>
-              <a:rPr kumimoji="0" lang="en-US" altLang="en-US" sz="2800" b="1" i="0" u="none" strike="noStrike" cap="none" normalizeH="0" baseline="0" dirty="0">
-                <a:ln>
-                  <a:noFill/>
-                </a:ln>
-                <a:solidFill>
-                  <a:schemeClr val="tx1"/>
-                </a:solidFill>
-                <a:effectLst/>
-                <a:latin typeface="Calibri" panose="020F0502020204030204" pitchFamily="34" charset="0"/>
-                <a:ea typeface="Calibri" panose="020F0502020204030204" pitchFamily="34" charset="0"/>
-                <a:cs typeface="Calibri" panose="020F0502020204030204" pitchFamily="34" charset="0"/>
-              </a:rPr>
-              <a:t>or, 	1/ SNR  ≤  	1/ 2 </a:t>
-            </a:r>
-            <a:r>
-              <a:rPr kumimoji="0" lang="en-US" altLang="en-US" sz="2800" b="1" i="0" u="none" strike="noStrike" cap="none" normalizeH="0" baseline="30000" dirty="0">
-                <a:ln>
-                  <a:noFill/>
-                </a:ln>
-                <a:solidFill>
-                  <a:schemeClr val="tx1"/>
-                </a:solidFill>
-                <a:effectLst/>
-                <a:latin typeface="Calibri" panose="020F0502020204030204" pitchFamily="34" charset="0"/>
-                <a:ea typeface="Calibri" panose="020F0502020204030204" pitchFamily="34" charset="0"/>
-                <a:cs typeface="Calibri" panose="020F0502020204030204" pitchFamily="34" charset="0"/>
-              </a:rPr>
-              <a:t>D/B </a:t>
-            </a:r>
-            <a:r>
-              <a:rPr kumimoji="0" lang="en-US" altLang="en-US" sz="2800" b="1" i="0" u="none" strike="noStrike" cap="none" normalizeH="0" baseline="0" dirty="0">
-                <a:ln>
-                  <a:noFill/>
-                </a:ln>
-                <a:solidFill>
-                  <a:schemeClr val="tx1"/>
-                </a:solidFill>
-                <a:effectLst/>
-                <a:latin typeface="Calibri" panose="020F0502020204030204" pitchFamily="34" charset="0"/>
-                <a:ea typeface="Calibri" panose="020F0502020204030204" pitchFamily="34" charset="0"/>
-                <a:cs typeface="Calibri" panose="020F0502020204030204" pitchFamily="34" charset="0"/>
-              </a:rPr>
-              <a:t> -1</a:t>
-            </a:r>
-            <a:endParaRPr kumimoji="0" lang="en-US" altLang="en-US" sz="2000" b="0" i="0" u="none" strike="noStrike" cap="none" normalizeH="0" baseline="0" dirty="0">
-              <a:ln>
-                <a:noFill/>
-              </a:ln>
-              <a:solidFill>
-                <a:schemeClr val="tx1"/>
-              </a:solidFill>
-              <a:effectLst/>
-            </a:endParaRPr>
-          </a:p>
-        </p:txBody>
-      </p:sp>
-      <p:sp>
-        <p:nvSpPr>
-          <p:cNvPr id="7" name="Rectangle 4"/>
-          <p:cNvSpPr>
-            <a:spLocks noChangeArrowheads="1"/>
-          </p:cNvSpPr>
-          <p:nvPr/>
-        </p:nvSpPr>
-        <p:spPr bwMode="auto">
-          <a:xfrm>
-            <a:off x="1300162" y="4273001"/>
-            <a:ext cx="10758488" cy="1692771"/>
-          </a:xfrm>
-          <a:prstGeom prst="rect">
-            <a:avLst/>
-          </a:prstGeom>
-          <a:noFill/>
-          <a:ln>
-            <a:noFill/>
-          </a:ln>
-          <a:effectLst/>
-          <a:extLst>
-            <a:ext uri="{909E8E84-426E-40DD-AFC4-6F175D3DCCD1}">
-              <a14:hiddenFill xmlns:a14="http://schemas.microsoft.com/office/drawing/2010/main">
-                <a:solidFill>
-                  <a:schemeClr val="accent1"/>
-                </a:solidFill>
-              </a14:hiddenFill>
-            </a:ext>
-            <a:ext uri="{91240B29-F687-4F45-9708-019B960494DF}">
-              <a14:hiddenLine xmlns:a14="http://schemas.microsoft.com/office/drawing/2010/main" w="9525">
-                <a:solidFill>
-                  <a:schemeClr val="tx1"/>
-                </a:solidFill>
-                <a:miter lim="800000"/>
-                <a:headEnd/>
-                <a:tailEnd/>
-              </a14:hiddenLine>
-            </a:ext>
-            <a:ext uri="{AF507438-7753-43E0-B8FC-AC1667EBCBE1}">
-              <a14:hiddenEffects xmlns:a14="http://schemas.microsoft.com/office/drawing/2010/main">
-                <a:effectLst>
-                  <a:outerShdw dist="35921" dir="2700000" algn="ctr" rotWithShape="0">
-                    <a:schemeClr val="bg2"/>
-                  </a:outerShdw>
-                </a:effectLst>
-              </a14:hiddenEffects>
-            </a:ext>
-          </a:extLst>
-        </p:spPr>
-        <p:txBody>
-          <a:bodyPr vert="horz" wrap="square" lIns="91440" tIns="45720" rIns="91440" bIns="45720" numCol="1" anchor="ctr" anchorCtr="0" compatLnSpc="1">
-            <a:prstTxWarp prst="textNoShape">
-              <a:avLst/>
-            </a:prstTxWarp>
-            <a:spAutoFit/>
-          </a:bodyPr>
-          <a:lstStyle/>
-          <a:p>
-            <a:pPr marL="0" marR="0" lvl="0" indent="457200" algn="l" defTabSz="914400" rtl="0" eaLnBrk="0" fontAlgn="base" latinLnBrk="0" hangingPunct="0">
-              <a:lnSpc>
-                <a:spcPct val="100000"/>
-              </a:lnSpc>
-              <a:spcBef>
-                <a:spcPct val="0"/>
-              </a:spcBef>
-              <a:spcAft>
-                <a:spcPct val="0"/>
-              </a:spcAft>
-              <a:buClrTx/>
-              <a:buSzTx/>
-              <a:buFontTx/>
-              <a:buNone/>
-              <a:tabLst/>
-            </a:pPr>
-            <a:r>
-              <a:rPr kumimoji="0" lang="en-US" altLang="en-US" sz="2800" b="1" i="0" u="none" strike="noStrike" cap="none" normalizeH="0" baseline="0" dirty="0">
-                <a:ln>
-                  <a:noFill/>
-                </a:ln>
-                <a:solidFill>
-                  <a:schemeClr val="tx1"/>
-                </a:solidFill>
-                <a:effectLst/>
-                <a:latin typeface="Calibri" panose="020F0502020204030204" pitchFamily="34" charset="0"/>
-                <a:ea typeface="Calibri" panose="020F0502020204030204" pitchFamily="34" charset="0"/>
-                <a:cs typeface="Calibri" panose="020F0502020204030204" pitchFamily="34" charset="0"/>
-              </a:rPr>
-              <a:t>or, 	∑ I 	≤ 	1/ 2 </a:t>
-            </a:r>
-            <a:r>
-              <a:rPr kumimoji="0" lang="en-US" altLang="en-US" sz="2800" b="1" i="0" u="none" strike="noStrike" cap="none" normalizeH="0" baseline="30000" dirty="0">
-                <a:ln>
-                  <a:noFill/>
-                </a:ln>
-                <a:solidFill>
-                  <a:schemeClr val="tx1"/>
-                </a:solidFill>
-                <a:effectLst/>
-                <a:latin typeface="Calibri" panose="020F0502020204030204" pitchFamily="34" charset="0"/>
-                <a:ea typeface="Calibri" panose="020F0502020204030204" pitchFamily="34" charset="0"/>
-                <a:cs typeface="Calibri" panose="020F0502020204030204" pitchFamily="34" charset="0"/>
-              </a:rPr>
-              <a:t>D/B </a:t>
-            </a:r>
-            <a:r>
-              <a:rPr kumimoji="0" lang="en-US" altLang="en-US" sz="2800" b="1" i="0" u="none" strike="noStrike" cap="none" normalizeH="0" baseline="0" dirty="0">
-                <a:ln>
-                  <a:noFill/>
-                </a:ln>
-                <a:solidFill>
-                  <a:schemeClr val="tx1"/>
-                </a:solidFill>
-                <a:effectLst/>
-                <a:latin typeface="Calibri" panose="020F0502020204030204" pitchFamily="34" charset="0"/>
-                <a:ea typeface="Calibri" panose="020F0502020204030204" pitchFamily="34" charset="0"/>
-                <a:cs typeface="Calibri" panose="020F0502020204030204" pitchFamily="34" charset="0"/>
-              </a:rPr>
-              <a:t> -1 		 [ Tolerance </a:t>
-            </a:r>
-            <a:r>
-              <a:rPr kumimoji="0" lang="en-US" altLang="en-US" sz="2800" b="1" i="0" u="none" strike="noStrike" cap="none" normalizeH="0" baseline="0" dirty="0" err="1">
-                <a:ln>
-                  <a:noFill/>
-                </a:ln>
-                <a:solidFill>
-                  <a:schemeClr val="tx1"/>
-                </a:solidFill>
-                <a:effectLst/>
-                <a:latin typeface="Calibri" panose="020F0502020204030204" pitchFamily="34" charset="0"/>
-                <a:ea typeface="Calibri" panose="020F0502020204030204" pitchFamily="34" charset="0"/>
-                <a:cs typeface="Calibri" panose="020F0502020204030204" pitchFamily="34" charset="0"/>
-              </a:rPr>
-              <a:t>Ƭ</a:t>
-            </a:r>
-            <a:r>
-              <a:rPr kumimoji="0" lang="en-US" altLang="en-US" sz="2800" b="1" i="0" u="none" strike="noStrike" cap="none" normalizeH="0" baseline="-30000" dirty="0" err="1">
-                <a:ln>
-                  <a:noFill/>
-                </a:ln>
-                <a:solidFill>
-                  <a:schemeClr val="tx1"/>
-                </a:solidFill>
-                <a:effectLst/>
-                <a:latin typeface="Calibri" panose="020F0502020204030204" pitchFamily="34" charset="0"/>
-                <a:ea typeface="Calibri" panose="020F0502020204030204" pitchFamily="34" charset="0"/>
-                <a:cs typeface="Calibri" panose="020F0502020204030204" pitchFamily="34" charset="0"/>
-              </a:rPr>
-              <a:t>i</a:t>
-            </a:r>
-            <a:r>
-              <a:rPr kumimoji="0" lang="en-US" altLang="en-US" sz="2800" b="1" i="0" u="none" strike="noStrike" cap="none" normalizeH="0" baseline="0" dirty="0">
-                <a:ln>
-                  <a:noFill/>
-                </a:ln>
-                <a:solidFill>
-                  <a:schemeClr val="tx1"/>
-                </a:solidFill>
-                <a:effectLst/>
-                <a:latin typeface="Calibri" panose="020F0502020204030204" pitchFamily="34" charset="0"/>
-                <a:ea typeface="Calibri" panose="020F0502020204030204" pitchFamily="34" charset="0"/>
-                <a:cs typeface="Calibri" panose="020F0502020204030204" pitchFamily="34" charset="0"/>
-              </a:rPr>
-              <a:t> =  1/ 2 </a:t>
-            </a:r>
-            <a:r>
-              <a:rPr kumimoji="0" lang="en-US" altLang="en-US" sz="2800" b="1" i="0" u="none" strike="noStrike" cap="none" normalizeH="0" baseline="30000" dirty="0">
-                <a:ln>
-                  <a:noFill/>
-                </a:ln>
-                <a:solidFill>
-                  <a:schemeClr val="tx1"/>
-                </a:solidFill>
-                <a:effectLst/>
-                <a:latin typeface="Calibri" panose="020F0502020204030204" pitchFamily="34" charset="0"/>
-                <a:ea typeface="Calibri" panose="020F0502020204030204" pitchFamily="34" charset="0"/>
-                <a:cs typeface="Calibri" panose="020F0502020204030204" pitchFamily="34" charset="0"/>
-              </a:rPr>
-              <a:t>D/B </a:t>
-            </a:r>
-            <a:r>
-              <a:rPr kumimoji="0" lang="en-US" altLang="en-US" sz="2800" b="1" i="0" u="none" strike="noStrike" cap="none" normalizeH="0" baseline="0" dirty="0">
-                <a:ln>
-                  <a:noFill/>
-                </a:ln>
-                <a:solidFill>
-                  <a:schemeClr val="tx1"/>
-                </a:solidFill>
-                <a:effectLst/>
-                <a:latin typeface="Calibri" panose="020F0502020204030204" pitchFamily="34" charset="0"/>
-                <a:ea typeface="Calibri" panose="020F0502020204030204" pitchFamily="34" charset="0"/>
-                <a:cs typeface="Calibri" panose="020F0502020204030204" pitchFamily="34" charset="0"/>
-              </a:rPr>
-              <a:t> -1 ]</a:t>
-            </a:r>
-          </a:p>
-          <a:p>
-            <a:pPr marL="0" marR="0" lvl="0" indent="457200" algn="l" defTabSz="914400" rtl="0" eaLnBrk="0" fontAlgn="base" latinLnBrk="0" hangingPunct="0">
-              <a:lnSpc>
-                <a:spcPct val="100000"/>
-              </a:lnSpc>
-              <a:spcBef>
-                <a:spcPct val="0"/>
-              </a:spcBef>
-              <a:spcAft>
-                <a:spcPct val="0"/>
-              </a:spcAft>
-              <a:buClrTx/>
-              <a:buSzTx/>
-              <a:buFontTx/>
-              <a:buNone/>
-              <a:tabLst/>
-            </a:pPr>
-            <a:endParaRPr lang="en-US" altLang="en-US" sz="2800" b="1" dirty="0">
-              <a:latin typeface="Calibri" panose="020F0502020204030204" pitchFamily="34" charset="0"/>
-              <a:cs typeface="Calibri" panose="020F0502020204030204" pitchFamily="34" charset="0"/>
-            </a:endParaRPr>
-          </a:p>
-          <a:p>
-            <a:pPr marL="0" marR="0" lvl="0" indent="457200" algn="l" defTabSz="914400" rtl="0" eaLnBrk="0" fontAlgn="base" latinLnBrk="0" hangingPunct="0">
-              <a:lnSpc>
-                <a:spcPct val="100000"/>
-              </a:lnSpc>
-              <a:spcBef>
-                <a:spcPct val="0"/>
-              </a:spcBef>
-              <a:spcAft>
-                <a:spcPct val="0"/>
-              </a:spcAft>
-              <a:buClrTx/>
-              <a:buSzTx/>
-              <a:buFontTx/>
-              <a:buNone/>
-              <a:tabLst/>
-            </a:pPr>
-            <a:endParaRPr kumimoji="0" lang="en-US" altLang="en-US" sz="2000" b="0" i="0" u="none" strike="noStrike" cap="none" normalizeH="0" baseline="0" dirty="0">
-              <a:ln>
-                <a:noFill/>
-              </a:ln>
-              <a:solidFill>
-                <a:schemeClr val="tx1"/>
-              </a:solidFill>
-              <a:effectLst/>
-            </a:endParaRPr>
-          </a:p>
-          <a:p>
-            <a:pPr marL="0" marR="0" lvl="0" indent="457200" algn="l" defTabSz="914400" rtl="0" eaLnBrk="0" fontAlgn="base" latinLnBrk="0" hangingPunct="0">
-              <a:lnSpc>
-                <a:spcPct val="100000"/>
-              </a:lnSpc>
-              <a:spcBef>
-                <a:spcPct val="0"/>
-              </a:spcBef>
-              <a:spcAft>
-                <a:spcPct val="0"/>
-              </a:spcAft>
-              <a:buClrTx/>
-              <a:buSzTx/>
-              <a:buFontTx/>
-              <a:buNone/>
-              <a:tabLst/>
-            </a:pPr>
-            <a:r>
               <a:rPr kumimoji="0" lang="en-US" altLang="en-US" sz="2800" b="0" i="0" u="none" strike="noStrike" cap="none" normalizeH="0" baseline="0" dirty="0">
                 <a:ln>
                   <a:noFill/>
@@ -8914,37 +9133,53 @@
       </p:sp>
       <p:sp>
         <p:nvSpPr>
-          <p:cNvPr id="8" name="Title 1"/>
-          <p:cNvSpPr>
-            <a:spLocks noGrp="1"/>
-          </p:cNvSpPr>
-          <p:nvPr>
-            <p:ph type="title"/>
-          </p:nvPr>
+          <p:cNvPr id="16" name="Rectangle 15"/>
+          <p:cNvSpPr/>
+          <p:nvPr/>
         </p:nvSpPr>
         <p:spPr>
           <a:xfrm>
-            <a:off x="1614488" y="638398"/>
-            <a:ext cx="8575674" cy="661765"/>
+            <a:off x="1392750" y="1729043"/>
+            <a:ext cx="4390946" cy="369332"/>
           </a:xfrm>
+          <a:prstGeom prst="rect">
+            <a:avLst/>
+          </a:prstGeom>
         </p:spPr>
         <p:txBody>
-          <a:bodyPr>
-            <a:normAutofit/>
+          <a:bodyPr wrap="none">
+            <a:spAutoFit/>
           </a:bodyPr>
           <a:lstStyle/>
           <a:p>
             <a:r>
-              <a:rPr lang="en-IN" dirty="0"/>
-              <a:t>Mathematical	 model </a:t>
-            </a:r>
+              <a:rPr lang="en-IN" dirty="0" smtClean="0"/>
+              <a:t>Now the Signal </a:t>
+            </a:r>
+            <a:r>
+              <a:rPr lang="en-IN" dirty="0" smtClean="0"/>
+              <a:t>to Noise Ratio(</a:t>
+            </a:r>
+            <a:r>
+              <a:rPr lang="en-IN" b="1" dirty="0" smtClean="0"/>
+              <a:t>SNR) </a:t>
+            </a:r>
+            <a:r>
+              <a:rPr lang="en-IN" dirty="0" smtClean="0"/>
+              <a:t>is</a:t>
+            </a:r>
+            <a:r>
+              <a:rPr lang="en-IN" b="1" dirty="0" smtClean="0"/>
+              <a:t>, </a:t>
+            </a:r>
+            <a:endParaRPr lang="en-IN" dirty="0"/>
           </a:p>
         </p:txBody>
       </p:sp>
     </p:spTree>
     <p:extLst>
       <p:ext uri="{BB962C8B-B14F-4D97-AF65-F5344CB8AC3E}">
-        <p14:creationId xmlns:p14="http://schemas.microsoft.com/office/powerpoint/2010/main" val="721302510"/>
+        <p14:creationId xmlns:p14="http://schemas.microsoft.com/office/powerpoint/2010/main" xmlns="" val="721302510"/>
       </p:ext>
     </p:extLst>
   </p:cSld>
@@ -8976,10 +9211,10 @@
           <p:cNvPr id="9" name="Rectangle 8">
             <a:extLst>
               <a:ext uri="{FF2B5EF4-FFF2-40B4-BE49-F238E27FC236}">
-                <a16:creationId xmlns:a16="http://schemas.microsoft.com/office/drawing/2014/main" id="{37B5A23F-7276-435D-91DA-09104D77774D}"/>
+                <a16:creationId xmlns:a16="http://schemas.microsoft.com/office/drawing/2014/main" xmlns="" id="{37B5A23F-7276-435D-91DA-09104D77774D}"/>
               </a:ext>
               <a:ext uri="{C183D7F6-B498-43B3-948B-1728B52AA6E4}">
-                <adec:decorative xmlns="" xmlns:adec="http://schemas.microsoft.com/office/drawing/2017/decorative" val="1"/>
+                <adec:decorative xmlns:adec="http://schemas.microsoft.com/office/drawing/2017/decorative" xmlns="" val="1"/>
               </a:ext>
             </a:extLst>
           </p:cNvPr>
@@ -8989,7 +9224,7 @@
           <p:nvPr>
             <p:extLst>
               <p:ext uri="{386F3935-93C4-4BCD-93E2-E3B085C9AB24}">
-                <p16:designElem xmlns:p16="http://schemas.microsoft.com/office/powerpoint/2015/main" val="1"/>
+                <p16:designElem xmlns:p16="http://schemas.microsoft.com/office/powerpoint/2015/main" xmlns="" val="1"/>
               </p:ext>
             </p:extLst>
           </p:nvPr>
@@ -9036,10 +9271,10 @@
           <p:cNvPr id="11" name="Rectangle 10">
             <a:extLst>
               <a:ext uri="{FF2B5EF4-FFF2-40B4-BE49-F238E27FC236}">
-                <a16:creationId xmlns:a16="http://schemas.microsoft.com/office/drawing/2014/main" id="{2F3ECD7F-BF61-4CB1-AA15-464BB771E778}"/>
+                <a16:creationId xmlns:a16="http://schemas.microsoft.com/office/drawing/2014/main" xmlns="" id="{2F3ECD7F-BF61-4CB1-AA15-464BB771E778}"/>
               </a:ext>
               <a:ext uri="{C183D7F6-B498-43B3-948B-1728B52AA6E4}">
-                <adec:decorative xmlns="" xmlns:adec="http://schemas.microsoft.com/office/drawing/2017/decorative" val="1"/>
+                <adec:decorative xmlns:adec="http://schemas.microsoft.com/office/drawing/2017/decorative" xmlns="" val="1"/>
               </a:ext>
             </a:extLst>
           </p:cNvPr>
@@ -9049,7 +9284,7 @@
           <p:nvPr>
             <p:extLst>
               <p:ext uri="{386F3935-93C4-4BCD-93E2-E3B085C9AB24}">
-                <p16:designElem xmlns:p16="http://schemas.microsoft.com/office/powerpoint/2015/main" val="1"/>
+                <p16:designElem xmlns:p16="http://schemas.microsoft.com/office/powerpoint/2015/main" xmlns="" val="1"/>
               </p:ext>
             </p:extLst>
           </p:nvPr>
@@ -9096,10 +9331,10 @@
           <p:cNvPr id="13" name="Rectangle 12">
             <a:extLst>
               <a:ext uri="{FF2B5EF4-FFF2-40B4-BE49-F238E27FC236}">
-                <a16:creationId xmlns:a16="http://schemas.microsoft.com/office/drawing/2014/main" id="{966F1B29-3A08-4DB7-9F92-4C09B3BCFF14}"/>
+                <a16:creationId xmlns:a16="http://schemas.microsoft.com/office/drawing/2014/main" xmlns="" id="{966F1B29-3A08-4DB7-9F92-4C09B3BCFF14}"/>
               </a:ext>
               <a:ext uri="{C183D7F6-B498-43B3-948B-1728B52AA6E4}">
-                <adec:decorative xmlns="" xmlns:adec="http://schemas.microsoft.com/office/drawing/2017/decorative" val="1"/>
+                <adec:decorative xmlns:adec="http://schemas.microsoft.com/office/drawing/2017/decorative" xmlns="" val="1"/>
               </a:ext>
             </a:extLst>
           </p:cNvPr>
@@ -9109,7 +9344,7 @@
           <p:nvPr>
             <p:extLst>
               <p:ext uri="{386F3935-93C4-4BCD-93E2-E3B085C9AB24}">
-                <p16:designElem xmlns:p16="http://schemas.microsoft.com/office/powerpoint/2015/main" val="1"/>
+                <p16:designElem xmlns:p16="http://schemas.microsoft.com/office/powerpoint/2015/main" xmlns="" val="1"/>
               </p:ext>
             </p:extLst>
           </p:nvPr>
@@ -9153,10 +9388,10 @@
           <p:cNvPr id="15" name="Freeform 5">
             <a:extLst>
               <a:ext uri="{FF2B5EF4-FFF2-40B4-BE49-F238E27FC236}">
-                <a16:creationId xmlns:a16="http://schemas.microsoft.com/office/drawing/2014/main" id="{44A5AAD1-9616-4E1C-B3AC-E5497A6A3C2A}"/>
+                <a16:creationId xmlns:a16="http://schemas.microsoft.com/office/drawing/2014/main" xmlns="" id="{44A5AAD1-9616-4E1C-B3AC-E5497A6A3C2A}"/>
               </a:ext>
               <a:ext uri="{C183D7F6-B498-43B3-948B-1728B52AA6E4}">
-                <adec:decorative xmlns="" xmlns:adec="http://schemas.microsoft.com/office/drawing/2017/decorative" val="1"/>
+                <adec:decorative xmlns:adec="http://schemas.microsoft.com/office/drawing/2017/decorative" xmlns="" val="1"/>
               </a:ext>
             </a:extLst>
           </p:cNvPr>
@@ -9166,7 +9401,7 @@
           <p:nvPr>
             <p:extLst>
               <p:ext uri="{386F3935-93C4-4BCD-93E2-E3B085C9AB24}">
-                <p16:designElem xmlns:p16="http://schemas.microsoft.com/office/powerpoint/2015/main" val="1"/>
+                <p16:designElem xmlns:p16="http://schemas.microsoft.com/office/powerpoint/2015/main" xmlns="" val="1"/>
               </p:ext>
             </p:extLst>
           </p:nvPr>
@@ -10151,7 +10386,7 @@
         </p:nvSpPr>
         <p:spPr>
           <a:xfrm>
-            <a:off x="8471647" y="131059"/>
+            <a:off x="8306098" y="6100785"/>
             <a:ext cx="3663834" cy="523220"/>
           </a:xfrm>
           <a:prstGeom prst="rect">
@@ -10176,7 +10411,7 @@
     </p:spTree>
     <p:extLst>
       <p:ext uri="{BB962C8B-B14F-4D97-AF65-F5344CB8AC3E}">
-        <p14:creationId xmlns:p14="http://schemas.microsoft.com/office/powerpoint/2010/main" val="3385852544"/>
+        <p14:creationId xmlns:p14="http://schemas.microsoft.com/office/powerpoint/2010/main" xmlns="" val="3385852544"/>
       </p:ext>
     </p:extLst>
   </p:cSld>
@@ -10264,10 +10499,10 @@
           <p:cNvPr id="7" name="Rectangle 6">
             <a:extLst>
               <a:ext uri="{FF2B5EF4-FFF2-40B4-BE49-F238E27FC236}">
-                <a16:creationId xmlns:a16="http://schemas.microsoft.com/office/drawing/2014/main" id="{37B5A23F-7276-435D-91DA-09104D77774D}"/>
+                <a16:creationId xmlns:a16="http://schemas.microsoft.com/office/drawing/2014/main" xmlns="" id="{37B5A23F-7276-435D-91DA-09104D77774D}"/>
               </a:ext>
               <a:ext uri="{C183D7F6-B498-43B3-948B-1728B52AA6E4}">
-                <adec:decorative xmlns="" xmlns:adec="http://schemas.microsoft.com/office/drawing/2017/decorative" val="1"/>
+                <adec:decorative xmlns:adec="http://schemas.microsoft.com/office/drawing/2017/decorative" xmlns="" val="1"/>
               </a:ext>
             </a:extLst>
           </p:cNvPr>
@@ -10277,7 +10512,7 @@
           <p:nvPr>
             <p:extLst>
               <p:ext uri="{386F3935-93C4-4BCD-93E2-E3B085C9AB24}">
-                <p16:designElem xmlns:p16="http://schemas.microsoft.com/office/powerpoint/2015/main" val="1"/>
+                <p16:designElem xmlns:p16="http://schemas.microsoft.com/office/powerpoint/2015/main" xmlns="" val="1"/>
               </p:ext>
             </p:extLst>
           </p:nvPr>
@@ -10324,10 +10559,10 @@
           <p:cNvPr id="8" name="Rectangle 7">
             <a:extLst>
               <a:ext uri="{FF2B5EF4-FFF2-40B4-BE49-F238E27FC236}">
-                <a16:creationId xmlns:a16="http://schemas.microsoft.com/office/drawing/2014/main" id="{2F3ECD7F-BF61-4CB1-AA15-464BB771E778}"/>
+                <a16:creationId xmlns:a16="http://schemas.microsoft.com/office/drawing/2014/main" xmlns="" id="{2F3ECD7F-BF61-4CB1-AA15-464BB771E778}"/>
               </a:ext>
               <a:ext uri="{C183D7F6-B498-43B3-948B-1728B52AA6E4}">
-                <adec:decorative xmlns="" xmlns:adec="http://schemas.microsoft.com/office/drawing/2017/decorative" val="1"/>
+                <adec:decorative xmlns:adec="http://schemas.microsoft.com/office/drawing/2017/decorative" xmlns="" val="1"/>
               </a:ext>
             </a:extLst>
           </p:cNvPr>
@@ -10337,7 +10572,7 @@
           <p:nvPr>
             <p:extLst>
               <p:ext uri="{386F3935-93C4-4BCD-93E2-E3B085C9AB24}">
-                <p16:designElem xmlns:p16="http://schemas.microsoft.com/office/powerpoint/2015/main" val="1"/>
+                <p16:designElem xmlns:p16="http://schemas.microsoft.com/office/powerpoint/2015/main" xmlns="" val="1"/>
               </p:ext>
             </p:extLst>
           </p:nvPr>
@@ -10384,10 +10619,10 @@
           <p:cNvPr id="9" name="Rectangle 8">
             <a:extLst>
               <a:ext uri="{FF2B5EF4-FFF2-40B4-BE49-F238E27FC236}">
-                <a16:creationId xmlns:a16="http://schemas.microsoft.com/office/drawing/2014/main" id="{966F1B29-3A08-4DB7-9F92-4C09B3BCFF14}"/>
+                <a16:creationId xmlns:a16="http://schemas.microsoft.com/office/drawing/2014/main" xmlns="" id="{966F1B29-3A08-4DB7-9F92-4C09B3BCFF14}"/>
               </a:ext>
               <a:ext uri="{C183D7F6-B498-43B3-948B-1728B52AA6E4}">
-                <adec:decorative xmlns="" xmlns:adec="http://schemas.microsoft.com/office/drawing/2017/decorative" val="1"/>
+                <adec:decorative xmlns:adec="http://schemas.microsoft.com/office/drawing/2017/decorative" xmlns="" val="1"/>
               </a:ext>
             </a:extLst>
           </p:cNvPr>
@@ -10397,7 +10632,7 @@
           <p:nvPr>
             <p:extLst>
               <p:ext uri="{386F3935-93C4-4BCD-93E2-E3B085C9AB24}">
-                <p16:designElem xmlns:p16="http://schemas.microsoft.com/office/powerpoint/2015/main" val="1"/>
+                <p16:designElem xmlns:p16="http://schemas.microsoft.com/office/powerpoint/2015/main" xmlns="" val="1"/>
               </p:ext>
             </p:extLst>
           </p:nvPr>
@@ -10441,10 +10676,10 @@
           <p:cNvPr id="10" name="Freeform 5">
             <a:extLst>
               <a:ext uri="{FF2B5EF4-FFF2-40B4-BE49-F238E27FC236}">
-                <a16:creationId xmlns:a16="http://schemas.microsoft.com/office/drawing/2014/main" id="{44A5AAD1-9616-4E1C-B3AC-E5497A6A3C2A}"/>
+                <a16:creationId xmlns:a16="http://schemas.microsoft.com/office/drawing/2014/main" xmlns="" id="{44A5AAD1-9616-4E1C-B3AC-E5497A6A3C2A}"/>
               </a:ext>
               <a:ext uri="{C183D7F6-B498-43B3-948B-1728B52AA6E4}">
-                <adec:decorative xmlns="" xmlns:adec="http://schemas.microsoft.com/office/drawing/2017/decorative" val="1"/>
+                <adec:decorative xmlns:adec="http://schemas.microsoft.com/office/drawing/2017/decorative" xmlns="" val="1"/>
               </a:ext>
             </a:extLst>
           </p:cNvPr>
@@ -10454,7 +10689,7 @@
           <p:nvPr>
             <p:extLst>
               <p:ext uri="{386F3935-93C4-4BCD-93E2-E3B085C9AB24}">
-                <p16:designElem xmlns:p16="http://schemas.microsoft.com/office/powerpoint/2015/main" val="1"/>
+                <p16:designElem xmlns:p16="http://schemas.microsoft.com/office/powerpoint/2015/main" xmlns="" val="1"/>
               </p:ext>
             </p:extLst>
           </p:nvPr>
@@ -11462,7 +11697,7 @@
     </p:spTree>
     <p:extLst>
       <p:ext uri="{BB962C8B-B14F-4D97-AF65-F5344CB8AC3E}">
-        <p14:creationId xmlns:p14="http://schemas.microsoft.com/office/powerpoint/2010/main" val="3158775381"/>
+        <p14:creationId xmlns:p14="http://schemas.microsoft.com/office/powerpoint/2010/main" xmlns="" val="3158775381"/>
       </p:ext>
     </p:extLst>
   </p:cSld>
@@ -11608,7 +11843,7 @@
     </p:spTree>
     <p:extLst>
       <p:ext uri="{BB962C8B-B14F-4D97-AF65-F5344CB8AC3E}">
-        <p14:creationId xmlns:p14="http://schemas.microsoft.com/office/powerpoint/2010/main" val="4256682063"/>
+        <p14:creationId xmlns:p14="http://schemas.microsoft.com/office/powerpoint/2010/main" xmlns="" val="4256682063"/>
       </p:ext>
     </p:extLst>
   </p:cSld>
@@ -11662,6 +11897,10 @@
               <a:rPr lang="en-IN" dirty="0"/>
               <a:t>Conclusion</a:t>
             </a:r>
+            <a:r>
+              <a:rPr lang="en-IN" b="1" dirty="0"/>
+              <a:t/>
+            </a:r>
             <a:br>
               <a:rPr lang="en-IN" b="1" dirty="0"/>
             </a:br>
@@ -11783,7 +12022,7 @@
     </p:spTree>
     <p:extLst>
       <p:ext uri="{BB962C8B-B14F-4D97-AF65-F5344CB8AC3E}">
-        <p14:creationId xmlns:p14="http://schemas.microsoft.com/office/powerpoint/2010/main" val="242805364"/>
+        <p14:creationId xmlns:p14="http://schemas.microsoft.com/office/powerpoint/2010/main" xmlns="" val="242805364"/>
       </p:ext>
     </p:extLst>
   </p:cSld>
@@ -11968,7 +12207,7 @@
     </p:spTree>
     <p:extLst>
       <p:ext uri="{BB962C8B-B14F-4D97-AF65-F5344CB8AC3E}">
-        <p14:creationId xmlns:p14="http://schemas.microsoft.com/office/powerpoint/2010/main" val="1508123000"/>
+        <p14:creationId xmlns:p14="http://schemas.microsoft.com/office/powerpoint/2010/main" xmlns="" val="1508123000"/>
       </p:ext>
     </p:extLst>
   </p:cSld>
@@ -12039,7 +12278,7 @@
     </p:spTree>
     <p:extLst>
       <p:ext uri="{BB962C8B-B14F-4D97-AF65-F5344CB8AC3E}">
-        <p14:creationId xmlns:p14="http://schemas.microsoft.com/office/powerpoint/2010/main" val="1995287931"/>
+        <p14:creationId xmlns:p14="http://schemas.microsoft.com/office/powerpoint/2010/main" xmlns="" val="1995287931"/>
       </p:ext>
     </p:extLst>
   </p:cSld>
@@ -12213,7 +12452,7 @@
     </p:spTree>
     <p:extLst>
       <p:ext uri="{BB962C8B-B14F-4D97-AF65-F5344CB8AC3E}">
-        <p14:creationId xmlns:p14="http://schemas.microsoft.com/office/powerpoint/2010/main" val="2040139084"/>
+        <p14:creationId xmlns:p14="http://schemas.microsoft.com/office/powerpoint/2010/main" xmlns="" val="2040139084"/>
       </p:ext>
     </p:extLst>
   </p:cSld>
@@ -12416,7 +12655,7 @@
     </p:spTree>
     <p:extLst>
       <p:ext uri="{BB962C8B-B14F-4D97-AF65-F5344CB8AC3E}">
-        <p14:creationId xmlns:p14="http://schemas.microsoft.com/office/powerpoint/2010/main" val="1869026259"/>
+        <p14:creationId xmlns:p14="http://schemas.microsoft.com/office/powerpoint/2010/main" xmlns="" val="1869026259"/>
       </p:ext>
     </p:extLst>
   </p:cSld>
@@ -12603,7 +12842,7 @@
     </p:spTree>
     <p:extLst>
       <p:ext uri="{BB962C8B-B14F-4D97-AF65-F5344CB8AC3E}">
-        <p14:creationId xmlns:p14="http://schemas.microsoft.com/office/powerpoint/2010/main" val="2370177927"/>
+        <p14:creationId xmlns:p14="http://schemas.microsoft.com/office/powerpoint/2010/main" xmlns="" val="2370177927"/>
       </p:ext>
     </p:extLst>
   </p:cSld>
@@ -12755,7 +12994,7 @@
     </p:spTree>
     <p:extLst>
       <p:ext uri="{BB962C8B-B14F-4D97-AF65-F5344CB8AC3E}">
-        <p14:creationId xmlns:p14="http://schemas.microsoft.com/office/powerpoint/2010/main" val="361751433"/>
+        <p14:creationId xmlns:p14="http://schemas.microsoft.com/office/powerpoint/2010/main" xmlns="" val="361751433"/>
       </p:ext>
     </p:extLst>
   </p:cSld>
@@ -12882,7 +13121,7 @@
     </p:spTree>
     <p:extLst>
       <p:ext uri="{BB962C8B-B14F-4D97-AF65-F5344CB8AC3E}">
-        <p14:creationId xmlns:p14="http://schemas.microsoft.com/office/powerpoint/2010/main" val="1298520689"/>
+        <p14:creationId xmlns:p14="http://schemas.microsoft.com/office/powerpoint/2010/main" xmlns="" val="1298520689"/>
       </p:ext>
     </p:extLst>
   </p:cSld>
@@ -12949,7 +13188,7 @@
           <a:blip r:embed="rId3">
             <a:extLst>
               <a:ext uri="{28A0092B-C50C-407E-A947-70E740481C1C}">
-                <a14:useLocalDpi xmlns:a14="http://schemas.microsoft.com/office/drawing/2010/main" val="0"/>
+                <a14:useLocalDpi xmlns:a14="http://schemas.microsoft.com/office/drawing/2010/main" xmlns="" val="0"/>
               </a:ext>
             </a:extLst>
           </a:blip>
@@ -12970,7 +13209,7 @@
     </p:spTree>
     <p:extLst>
       <p:ext uri="{BB962C8B-B14F-4D97-AF65-F5344CB8AC3E}">
-        <p14:creationId xmlns:p14="http://schemas.microsoft.com/office/powerpoint/2010/main" val="3548172530"/>
+        <p14:creationId xmlns:p14="http://schemas.microsoft.com/office/powerpoint/2010/main" xmlns="" val="3548172530"/>
       </p:ext>
     </p:extLst>
   </p:cSld>
@@ -13209,7 +13448,7 @@
     </p:spTree>
     <p:extLst>
       <p:ext uri="{BB962C8B-B14F-4D97-AF65-F5344CB8AC3E}">
-        <p14:creationId xmlns:p14="http://schemas.microsoft.com/office/powerpoint/2010/main" val="2925090833"/>
+        <p14:creationId xmlns:p14="http://schemas.microsoft.com/office/powerpoint/2010/main" xmlns="" val="2925090833"/>
       </p:ext>
     </p:extLst>
   </p:cSld>
@@ -13273,8 +13512,8 @@
         </p:nvSpPr>
         <p:spPr>
           <a:xfrm>
-            <a:off x="385763" y="1514475"/>
-            <a:ext cx="11329987" cy="2308324"/>
+            <a:off x="1130345" y="1396909"/>
+            <a:ext cx="11329987" cy="1938992"/>
           </a:xfrm>
           <a:prstGeom prst="rect">
             <a:avLst/>
@@ -13393,32 +13632,13 @@
             <a:endParaRPr lang="en-IN" sz="2400" dirty="0"/>
           </a:p>
           <a:p>
-            <a:r>
-              <a:rPr lang="en-IN" sz="2400" dirty="0"/>
-              <a:t>	The Signal to Noise Ratio(</a:t>
-            </a:r>
-            <a:r>
-              <a:rPr lang="en-IN" sz="2400" b="1" dirty="0"/>
-              <a:t>SNR) </a:t>
-            </a:r>
-            <a:r>
-              <a:rPr lang="en-IN" sz="2400" dirty="0"/>
-              <a:t>will be</a:t>
-            </a:r>
-            <a:r>
-              <a:rPr lang="en-IN" sz="2400" b="1" dirty="0"/>
-              <a:t>, </a:t>
-            </a:r>
             <a:endParaRPr lang="en-IN" sz="2400" dirty="0"/>
           </a:p>
-          <a:p>
-            <a:endParaRPr lang="en-IN" sz="2400" dirty="0"/>
-          </a:p>
         </p:txBody>
       </p:sp>
       <p:sp>
         <p:nvSpPr>
-          <p:cNvPr id="19" name="Rectangle 22"/>
+          <p:cNvPr id="24" name="Rectangle 26"/>
           <p:cNvSpPr>
             <a:spLocks noChangeArrowheads="1"/>
           </p:cNvSpPr>
@@ -13426,8 +13646,8 @@
         </p:nvSpPr>
         <p:spPr bwMode="auto">
           <a:xfrm>
-            <a:off x="588169" y="3650540"/>
-            <a:ext cx="11015662" cy="954107"/>
+            <a:off x="0" y="2614613"/>
+            <a:ext cx="12192000" cy="457200"/>
           </a:xfrm>
           <a:prstGeom prst="rect">
             <a:avLst/>
@@ -13439,14 +13659,14 @@
           <a:effectLst/>
           <a:extLst>
             <a:ext uri="{909E8E84-426E-40DD-AFC4-6F175D3DCCD1}">
-              <a14:hiddenFill xmlns:a14="http://schemas.microsoft.com/office/drawing/2010/main">
+              <a14:hiddenFill xmlns:a14="http://schemas.microsoft.com/office/drawing/2010/main" xmlns="">
                 <a:solidFill>
                   <a:schemeClr val="accent1"/>
                 </a:solidFill>
               </a14:hiddenFill>
             </a:ext>
             <a:ext uri="{91240B29-F687-4F45-9708-019B960494DF}">
-              <a14:hiddenLine xmlns:a14="http://schemas.microsoft.com/office/drawing/2010/main" w="9525">
+              <a14:hiddenLine xmlns:a14="http://schemas.microsoft.com/office/drawing/2010/main" xmlns="" w="9525">
                 <a:solidFill>
                   <a:schemeClr val="tx1"/>
                 </a:solidFill>
@@ -13456,7 +13676,72 @@
               </a14:hiddenLine>
             </a:ext>
             <a:ext uri="{AF507438-7753-43E0-B8FC-AC1667EBCBE1}">
-              <a14:hiddenEffects xmlns:a14="http://schemas.microsoft.com/office/drawing/2010/main">
+              <a14:hiddenEffects xmlns:a14="http://schemas.microsoft.com/office/drawing/2010/main" xmlns="">
+                <a:effectLst>
+                  <a:outerShdw dist="35921" dir="2700000" algn="ctr" rotWithShape="0">
+                    <a:schemeClr val="bg2"/>
+                  </a:outerShdw>
+                </a:effectLst>
+              </a14:hiddenEffects>
+            </a:ext>
+          </a:extLst>
+        </p:spPr>
+        <p:txBody>
+          <a:bodyPr vert="horz" wrap="none" lIns="91440" tIns="45720" rIns="91440" bIns="45720" numCol="1" anchor="ctr" anchorCtr="0" compatLnSpc="1">
+            <a:prstTxWarp prst="textNoShape">
+              <a:avLst/>
+            </a:prstTxWarp>
+            <a:spAutoFit/>
+          </a:bodyPr>
+          <a:lstStyle/>
+          <a:p>
+            <a:endParaRPr lang="en-IN"/>
+          </a:p>
+        </p:txBody>
+      </p:sp>
+      <p:sp>
+        <p:nvSpPr>
+          <p:cNvPr id="8" name="Rectangle 28"/>
+          <p:cNvSpPr>
+            <a:spLocks noGrp="1" noChangeArrowheads="1"/>
+          </p:cNvSpPr>
+          <p:nvPr>
+            <p:ph idx="1"/>
+          </p:nvPr>
+        </p:nvSpPr>
+        <p:spPr bwMode="auto">
+          <a:xfrm>
+            <a:off x="2723164" y="3636335"/>
+            <a:ext cx="8415371" cy="954107"/>
+          </a:xfrm>
+          <a:prstGeom prst="rect">
+            <a:avLst/>
+          </a:prstGeom>
+          <a:noFill/>
+          <a:ln>
+            <a:noFill/>
+          </a:ln>
+          <a:effectLst/>
+          <a:extLst>
+            <a:ext uri="{909E8E84-426E-40DD-AFC4-6F175D3DCCD1}">
+              <a14:hiddenFill xmlns:a14="http://schemas.microsoft.com/office/drawing/2010/main" xmlns="">
+                <a:solidFill>
+                  <a:schemeClr val="accent1"/>
+                </a:solidFill>
+              </a14:hiddenFill>
+            </a:ext>
+            <a:ext uri="{91240B29-F687-4F45-9708-019B960494DF}">
+              <a14:hiddenLine xmlns:a14="http://schemas.microsoft.com/office/drawing/2010/main" xmlns="" w="9525">
+                <a:solidFill>
+                  <a:schemeClr val="tx1"/>
+                </a:solidFill>
+                <a:miter lim="800000"/>
+                <a:headEnd/>
+                <a:tailEnd/>
+              </a14:hiddenLine>
+            </a:ext>
+            <a:ext uri="{AF507438-7753-43E0-B8FC-AC1667EBCBE1}">
+              <a14:hiddenEffects xmlns:a14="http://schemas.microsoft.com/office/drawing/2010/main" xmlns="">
                 <a:effectLst>
                   <a:outerShdw dist="35921" dir="2700000" algn="ctr" rotWithShape="0">
                     <a:schemeClr val="bg2"/>
@@ -13619,6 +13904,21 @@
               <a:tabLst/>
             </a:pPr>
             <a:r>
+              <a:rPr kumimoji="0" lang="en-US" altLang="en-US" sz="2800" b="0" i="0" u="none" strike="noStrike" cap="none" normalizeH="0" baseline="0" dirty="0">
+                <a:ln>
+                  <a:noFill/>
+                </a:ln>
+                <a:solidFill>
+                  <a:schemeClr val="tx1"/>
+                </a:solidFill>
+                <a:effectLst/>
+                <a:latin typeface="Calibri" panose="020F0502020204030204" pitchFamily="34" charset="0"/>
+                <a:ea typeface="Calibri" panose="020F0502020204030204" pitchFamily="34" charset="0"/>
+                <a:cs typeface="Calibri" panose="020F0502020204030204" pitchFamily="34" charset="0"/>
+              </a:rPr>
+              <a:t>From </a:t>
+            </a:r>
+            <a:r>
               <a:rPr kumimoji="0" lang="en-US" altLang="en-US" sz="2800" b="1" i="0" u="none" strike="noStrike" cap="none" normalizeH="0" baseline="0" dirty="0">
                 <a:ln>
                   <a:noFill/>
@@ -13631,69 +13931,9 @@
                 <a:ea typeface="Calibri" panose="020F0502020204030204" pitchFamily="34" charset="0"/>
                 <a:cs typeface="Calibri" panose="020F0502020204030204" pitchFamily="34" charset="0"/>
               </a:rPr>
-              <a:t>SNR</a:t>
-            </a:r>
-            <a:r>
-              <a:rPr kumimoji="0" lang="en-US" altLang="en-US" sz="2800" b="1" i="0" u="none" strike="noStrike" cap="none" normalizeH="0" dirty="0">
-                <a:ln>
-                  <a:noFill/>
-                </a:ln>
-                <a:solidFill>
-                  <a:schemeClr val="tx1"/>
-                </a:solidFill>
-                <a:effectLst/>
-                <a:latin typeface="Calibri" panose="020F0502020204030204" pitchFamily="34" charset="0"/>
-                <a:ea typeface="Calibri" panose="020F0502020204030204" pitchFamily="34" charset="0"/>
-                <a:cs typeface="Calibri" panose="020F0502020204030204" pitchFamily="34" charset="0"/>
-              </a:rPr>
-              <a:t> </a:t>
-            </a:r>
-            <a:r>
-              <a:rPr kumimoji="0" lang="en-US" altLang="en-US" sz="2800" b="1" i="0" u="none" strike="noStrike" cap="none" normalizeH="0" baseline="0" dirty="0">
-                <a:ln>
-                  <a:noFill/>
-                </a:ln>
-                <a:solidFill>
-                  <a:schemeClr val="tx1"/>
-                </a:solidFill>
-                <a:effectLst/>
-                <a:latin typeface="Calibri" panose="020F0502020204030204" pitchFamily="34" charset="0"/>
-                <a:ea typeface="Calibri" panose="020F0502020204030204" pitchFamily="34" charset="0"/>
-                <a:cs typeface="Calibri" panose="020F0502020204030204" pitchFamily="34" charset="0"/>
-              </a:rPr>
-              <a:t>=  1 / (</a:t>
-            </a:r>
-            <a:r>
-              <a:rPr kumimoji="0" lang="en-US" altLang="en-US" sz="2000" b="1" i="0" u="none" strike="noStrike" cap="none" normalizeH="0" baseline="0" dirty="0">
-                <a:ln>
-                  <a:noFill/>
-                </a:ln>
-                <a:solidFill>
-                  <a:schemeClr val="tx1"/>
-                </a:solidFill>
-                <a:effectLst/>
-                <a:latin typeface="Calibri" panose="020F0502020204030204" pitchFamily="34" charset="0"/>
-                <a:ea typeface="Calibri" panose="020F0502020204030204" pitchFamily="34" charset="0"/>
-                <a:cs typeface="Calibri" panose="020F0502020204030204" pitchFamily="34" charset="0"/>
-              </a:rPr>
-              <a:t>sum of interference of the devices which are allocated to same channel</a:t>
-            </a:r>
-            <a:r>
-              <a:rPr kumimoji="0" lang="en-US" altLang="en-US" sz="2800" b="1" i="0" u="none" strike="noStrike" cap="none" normalizeH="0" baseline="0" dirty="0">
-                <a:ln>
-                  <a:noFill/>
-                </a:ln>
-                <a:solidFill>
-                  <a:schemeClr val="tx1"/>
-                </a:solidFill>
-                <a:effectLst/>
-                <a:latin typeface="Calibri" panose="020F0502020204030204" pitchFamily="34" charset="0"/>
-                <a:ea typeface="Calibri" panose="020F0502020204030204" pitchFamily="34" charset="0"/>
-                <a:cs typeface="Calibri" panose="020F0502020204030204" pitchFamily="34" charset="0"/>
-              </a:rPr>
-              <a:t>)</a:t>
-            </a:r>
-            <a:endParaRPr kumimoji="0" lang="en-US" altLang="en-US" sz="2000" b="0" i="0" u="none" strike="noStrike" cap="none" normalizeH="0" baseline="0" dirty="0">
+              <a:t>Shannon’s Theorem,</a:t>
+            </a:r>
+            <a:endParaRPr kumimoji="0" lang="en-US" altLang="en-US" sz="2800" b="0" i="0" u="none" strike="noStrike" cap="none" normalizeH="0" baseline="0" dirty="0">
               <a:ln>
                 <a:noFill/>
               </a:ln>
@@ -13721,6 +13961,21 @@
               <a:tabLst/>
             </a:pPr>
             <a:r>
+              <a:rPr kumimoji="0" lang="en-US" altLang="en-US" sz="2800" b="0" i="0" u="none" strike="noStrike" cap="none" normalizeH="0" baseline="0" dirty="0">
+                <a:ln>
+                  <a:noFill/>
+                </a:ln>
+                <a:solidFill>
+                  <a:schemeClr val="tx1"/>
+                </a:solidFill>
+                <a:effectLst/>
+                <a:latin typeface="Calibri" panose="020F0502020204030204" pitchFamily="34" charset="0"/>
+                <a:ea typeface="Calibri" panose="020F0502020204030204" pitchFamily="34" charset="0"/>
+                <a:cs typeface="Calibri" panose="020F0502020204030204" pitchFamily="34" charset="0"/>
+              </a:rPr>
+              <a:t>Data Rate	   </a:t>
+            </a:r>
+            <a:r>
               <a:rPr kumimoji="0" lang="en-US" altLang="en-US" sz="2800" b="1" i="0" u="none" strike="noStrike" cap="none" normalizeH="0" baseline="0" dirty="0">
                 <a:ln>
                   <a:noFill/>
@@ -13733,10 +13988,10 @@
                 <a:ea typeface="Calibri" panose="020F0502020204030204" pitchFamily="34" charset="0"/>
                 <a:cs typeface="Calibri" panose="020F0502020204030204" pitchFamily="34" charset="0"/>
               </a:rPr>
-              <a:t>	</a:t>
-            </a:r>
-            <a:r>
-              <a:rPr kumimoji="0" lang="en-US" altLang="en-US" sz="2800" b="1" i="0" u="none" strike="noStrike" cap="none" normalizeH="0" dirty="0">
+              <a:t>(D)</a:t>
+            </a:r>
+            <a:r>
+              <a:rPr kumimoji="0" lang="en-US" altLang="en-US" sz="2800" b="0" i="0" u="none" strike="noStrike" cap="none" normalizeH="0" baseline="0" dirty="0">
                 <a:ln>
                   <a:noFill/>
                 </a:ln>
@@ -13748,7 +14003,7 @@
                 <a:ea typeface="Calibri" panose="020F0502020204030204" pitchFamily="34" charset="0"/>
                 <a:cs typeface="Calibri" panose="020F0502020204030204" pitchFamily="34" charset="0"/>
               </a:rPr>
-              <a:t>   </a:t>
+              <a:t> = </a:t>
             </a:r>
             <a:r>
               <a:rPr kumimoji="0" lang="en-US" altLang="en-US" sz="2800" b="1" i="0" u="none" strike="noStrike" cap="none" normalizeH="0" baseline="0" dirty="0">
@@ -13763,9 +14018,39 @@
                 <a:ea typeface="Calibri" panose="020F0502020204030204" pitchFamily="34" charset="0"/>
                 <a:cs typeface="Calibri" panose="020F0502020204030204" pitchFamily="34" charset="0"/>
               </a:rPr>
-              <a:t>=  1 / ∑ I </a:t>
-            </a:r>
-            <a:endParaRPr kumimoji="0" lang="en-US" altLang="en-US" sz="3600" b="0" i="0" u="none" strike="noStrike" cap="none" normalizeH="0" baseline="0" dirty="0">
+              <a:t>B * Log</a:t>
+            </a:r>
+            <a:r>
+              <a:rPr kumimoji="0" lang="en-US" altLang="en-US" sz="2800" b="1" i="0" u="none" strike="noStrike" cap="none" normalizeH="0" baseline="-30000" dirty="0">
+                <a:ln>
+                  <a:noFill/>
+                </a:ln>
+                <a:solidFill>
+                  <a:schemeClr val="tx1"/>
+                </a:solidFill>
+                <a:effectLst/>
+                <a:latin typeface="Calibri" panose="020F0502020204030204" pitchFamily="34" charset="0"/>
+                <a:ea typeface="Calibri" panose="020F0502020204030204" pitchFamily="34" charset="0"/>
+                <a:cs typeface="Calibri" panose="020F0502020204030204" pitchFamily="34" charset="0"/>
+              </a:rPr>
+              <a:t>2</a:t>
+            </a:r>
+            <a:r>
+              <a:rPr kumimoji="0" lang="en-US" altLang="en-US" sz="2800" b="1" i="0" u="none" strike="noStrike" cap="none" normalizeH="0" baseline="0" dirty="0">
+                <a:ln>
+                  <a:noFill/>
+                </a:ln>
+                <a:solidFill>
+                  <a:schemeClr val="tx1"/>
+                </a:solidFill>
+                <a:effectLst/>
+                <a:latin typeface="Calibri" panose="020F0502020204030204" pitchFamily="34" charset="0"/>
+                <a:ea typeface="Calibri" panose="020F0502020204030204" pitchFamily="34" charset="0"/>
+                <a:cs typeface="Calibri" panose="020F0502020204030204" pitchFamily="34" charset="0"/>
+              </a:rPr>
+              <a:t> (SNR+1)</a:t>
+            </a:r>
+            <a:endParaRPr kumimoji="0" lang="en-US" altLang="en-US" sz="2800" b="0" i="0" u="none" strike="noStrike" cap="none" normalizeH="0" baseline="0" dirty="0">
               <a:ln>
                 <a:noFill/>
               </a:ln>
@@ -13773,14 +14058,13 @@
                 <a:schemeClr val="tx1"/>
               </a:solidFill>
               <a:effectLst/>
-              <a:latin typeface="Arial" panose="020B0604020202020204" pitchFamily="34" charset="0"/>
             </a:endParaRPr>
           </a:p>
         </p:txBody>
       </p:sp>
       <p:sp>
         <p:nvSpPr>
-          <p:cNvPr id="21" name="Rectangle 24"/>
+          <p:cNvPr id="9" name="Rectangle 2"/>
           <p:cNvSpPr>
             <a:spLocks noChangeArrowheads="1"/>
           </p:cNvSpPr>
@@ -13788,8 +14072,8 @@
         </p:nvSpPr>
         <p:spPr bwMode="auto">
           <a:xfrm>
-            <a:off x="465373" y="5355633"/>
-            <a:ext cx="5468784" cy="523220"/>
+            <a:off x="2790824" y="4734155"/>
+            <a:ext cx="9401176" cy="1692771"/>
           </a:xfrm>
           <a:prstGeom prst="rect">
             <a:avLst/>
@@ -13801,14 +14085,14 @@
           <a:effectLst/>
           <a:extLst>
             <a:ext uri="{909E8E84-426E-40DD-AFC4-6F175D3DCCD1}">
-              <a14:hiddenFill xmlns:a14="http://schemas.microsoft.com/office/drawing/2010/main">
+              <a14:hiddenFill xmlns:a14="http://schemas.microsoft.com/office/drawing/2010/main" xmlns="">
                 <a:solidFill>
                   <a:schemeClr val="accent1"/>
                 </a:solidFill>
               </a14:hiddenFill>
             </a:ext>
             <a:ext uri="{91240B29-F687-4F45-9708-019B960494DF}">
-              <a14:hiddenLine xmlns:a14="http://schemas.microsoft.com/office/drawing/2010/main" w="9525">
+              <a14:hiddenLine xmlns:a14="http://schemas.microsoft.com/office/drawing/2010/main" xmlns="" w="9525">
                 <a:solidFill>
                   <a:schemeClr val="tx1"/>
                 </a:solidFill>
@@ -13818,7 +14102,7 @@
               </a14:hiddenLine>
             </a:ext>
             <a:ext uri="{AF507438-7753-43E0-B8FC-AC1667EBCBE1}">
-              <a14:hiddenEffects xmlns:a14="http://schemas.microsoft.com/office/drawing/2010/main">
+              <a14:hiddenEffects xmlns:a14="http://schemas.microsoft.com/office/drawing/2010/main" xmlns="">
                 <a:effectLst>
                   <a:outerShdw dist="35921" dir="2700000" algn="ctr" rotWithShape="0">
                     <a:schemeClr val="bg2"/>
@@ -13836,16 +14120,13 @@
             <a:spAutoFit/>
           </a:bodyPr>
           <a:lstStyle>
-            <a:lvl1pPr eaLnBrk="0" fontAlgn="base" hangingPunct="0">
+            <a:lvl1pPr indent="457200" eaLnBrk="0" fontAlgn="base" hangingPunct="0">
               <a:spcBef>
                 <a:spcPct val="0"/>
               </a:spcBef>
               <a:spcAft>
                 <a:spcPct val="0"/>
               </a:spcAft>
-              <a:tabLst>
-                <a:tab pos="2838450" algn="l"/>
-              </a:tabLst>
               <a:defRPr>
                 <a:solidFill>
                   <a:schemeClr val="tx1"/>
@@ -13860,9 +14141,6 @@
               <a:spcAft>
                 <a:spcPct val="0"/>
               </a:spcAft>
-              <a:tabLst>
-                <a:tab pos="2838450" algn="l"/>
-              </a:tabLst>
               <a:defRPr>
                 <a:solidFill>
                   <a:schemeClr val="tx1"/>
@@ -13877,9 +14155,6 @@
               <a:spcAft>
                 <a:spcPct val="0"/>
               </a:spcAft>
-              <a:tabLst>
-                <a:tab pos="2838450" algn="l"/>
-              </a:tabLst>
               <a:defRPr>
                 <a:solidFill>
                   <a:schemeClr val="tx1"/>
@@ -13894,9 +14169,6 @@
               <a:spcAft>
                 <a:spcPct val="0"/>
               </a:spcAft>
-              <a:tabLst>
-                <a:tab pos="2838450" algn="l"/>
-              </a:tabLst>
               <a:defRPr>
                 <a:solidFill>
                   <a:schemeClr val="tx1"/>
@@ -13911,9 +14183,6 @@
               <a:spcAft>
                 <a:spcPct val="0"/>
               </a:spcAft>
-              <a:tabLst>
-                <a:tab pos="2838450" algn="l"/>
-              </a:tabLst>
               <a:defRPr>
                 <a:solidFill>
                   <a:schemeClr val="tx1"/>
@@ -13928,9 +14197,6 @@
               <a:spcAft>
                 <a:spcPct val="0"/>
               </a:spcAft>
-              <a:tabLst>
-                <a:tab pos="2838450" algn="l"/>
-              </a:tabLst>
               <a:defRPr>
                 <a:solidFill>
                   <a:schemeClr val="tx1"/>
@@ -13945,9 +14211,6 @@
               <a:spcAft>
                 <a:spcPct val="0"/>
               </a:spcAft>
-              <a:tabLst>
-                <a:tab pos="2838450" algn="l"/>
-              </a:tabLst>
               <a:defRPr>
                 <a:solidFill>
                   <a:schemeClr val="tx1"/>
@@ -13962,9 +14225,6 @@
               <a:spcAft>
                 <a:spcPct val="0"/>
               </a:spcAft>
-              <a:tabLst>
-                <a:tab pos="2838450" algn="l"/>
-              </a:tabLst>
               <a:defRPr>
                 <a:solidFill>
                   <a:schemeClr val="tx1"/>
@@ -13979,9 +14239,6 @@
               <a:spcAft>
                 <a:spcPct val="0"/>
               </a:spcAft>
-              <a:tabLst>
-                <a:tab pos="2838450" algn="l"/>
-              </a:tabLst>
               <a:defRPr>
                 <a:solidFill>
                   <a:schemeClr val="tx1"/>
@@ -13991,7 +14248,7 @@
             </a:lvl9pPr>
           </a:lstStyle>
           <a:p>
-            <a:pPr marL="0" marR="0" lvl="0" indent="457200" defTabSz="914400" rtl="0" eaLnBrk="0" fontAlgn="base" latinLnBrk="0" hangingPunct="0">
+            <a:pPr marL="0" marR="0" lvl="0" indent="457200" algn="l" defTabSz="914400" rtl="0" eaLnBrk="0" fontAlgn="base" latinLnBrk="0" hangingPunct="0">
               <a:lnSpc>
                 <a:spcPct val="100000"/>
               </a:lnSpc>
@@ -14005,12 +14262,10 @@
               <a:buSzTx/>
               <a:buFontTx/>
               <a:buNone/>
-              <a:tabLst>
-                <a:tab pos="2838450" algn="l"/>
-              </a:tabLst>
+              <a:tabLst/>
             </a:pPr>
             <a:r>
-              <a:rPr kumimoji="0" lang="en-US" altLang="en-US" sz="2800" b="1" i="0" u="none" strike="noStrike" cap="none" normalizeH="0" baseline="0" dirty="0">
+              <a:rPr kumimoji="0" lang="en-US" altLang="en-US" sz="2800" b="0" i="0" u="none" strike="noStrike" cap="none" normalizeH="0" baseline="0" dirty="0">
                 <a:ln>
                   <a:noFill/>
                 </a:ln>
@@ -14022,9 +14277,27 @@
                 <a:ea typeface="Calibri" panose="020F0502020204030204" pitchFamily="34" charset="0"/>
                 <a:cs typeface="Calibri" panose="020F0502020204030204" pitchFamily="34" charset="0"/>
               </a:rPr>
-              <a:t>Sum of Interference  ∑ I = 1/SNR</a:t>
-            </a:r>
-            <a:endParaRPr kumimoji="0" lang="en-US" altLang="en-US" sz="3600" b="0" i="0" u="none" strike="noStrike" cap="none" normalizeH="0" baseline="0" dirty="0">
+              <a:t>So to achieve this Data Rate, </a:t>
+            </a:r>
+          </a:p>
+          <a:p>
+            <a:pPr marL="0" marR="0" lvl="0" indent="457200" algn="l" defTabSz="914400" rtl="0" eaLnBrk="0" fontAlgn="base" latinLnBrk="0" hangingPunct="0">
+              <a:lnSpc>
+                <a:spcPct val="100000"/>
+              </a:lnSpc>
+              <a:spcBef>
+                <a:spcPct val="0"/>
+              </a:spcBef>
+              <a:spcAft>
+                <a:spcPct val="0"/>
+              </a:spcAft>
+              <a:buClrTx/>
+              <a:buSzTx/>
+              <a:buFontTx/>
+              <a:buNone/>
+              <a:tabLst/>
+            </a:pPr>
+            <a:endParaRPr kumimoji="0" lang="en-US" altLang="en-US" sz="2000" b="0" i="0" u="none" strike="noStrike" cap="none" normalizeH="0" baseline="0" dirty="0">
               <a:ln>
                 <a:noFill/>
               </a:ln>
@@ -14032,79 +14305,136 @@
                 <a:schemeClr val="tx1"/>
               </a:solidFill>
               <a:effectLst/>
-              <a:latin typeface="Arial" panose="020B0604020202020204" pitchFamily="34" charset="0"/>
             </a:endParaRPr>
           </a:p>
-        </p:txBody>
-      </p:sp>
-      <p:sp>
-        <p:nvSpPr>
-          <p:cNvPr id="23" name="Rectangle 22"/>
-          <p:cNvSpPr/>
-          <p:nvPr/>
-        </p:nvSpPr>
-        <p:spPr>
-          <a:xfrm>
-            <a:off x="5507831" y="4352969"/>
-            <a:ext cx="6096000" cy="1343701"/>
-          </a:xfrm>
-          <a:prstGeom prst="rect">
-            <a:avLst/>
-          </a:prstGeom>
-        </p:spPr>
-        <p:txBody>
-          <a:bodyPr>
-            <a:spAutoFit/>
-          </a:bodyPr>
-          <a:lstStyle/>
-          <a:p>
-            <a:pPr indent="457200">
+          <a:p>
+            <a:pPr marL="0" marR="0" lvl="0" indent="457200" algn="l" defTabSz="914400" rtl="0" eaLnBrk="0" fontAlgn="base" latinLnBrk="0" hangingPunct="0">
               <a:lnSpc>
-                <a:spcPct val="107000"/>
+                <a:spcPct val="100000"/>
               </a:lnSpc>
+              <a:spcBef>
+                <a:spcPct val="0"/>
+              </a:spcBef>
+              <a:spcAft>
+                <a:spcPct val="0"/>
+              </a:spcAft>
+              <a:buClrTx/>
+              <a:buSzTx/>
+              <a:buFontTx/>
+              <a:buNone/>
+              <a:tabLst/>
             </a:pPr>
             <a:r>
-              <a:rPr lang="en-IN" sz="2800" b="1" dirty="0">
+              <a:rPr kumimoji="0" lang="en-US" altLang="en-US" sz="2800" b="1" i="0" u="none" strike="noStrike" cap="none" normalizeH="0" baseline="0" dirty="0">
+                <a:ln>
+                  <a:noFill/>
+                </a:ln>
+                <a:solidFill>
+                  <a:schemeClr val="tx1"/>
+                </a:solidFill>
+                <a:effectLst/>
                 <a:latin typeface="Calibri" panose="020F0502020204030204" pitchFamily="34" charset="0"/>
                 <a:ea typeface="Calibri" panose="020F0502020204030204" pitchFamily="34" charset="0"/>
                 <a:cs typeface="Calibri" panose="020F0502020204030204" pitchFamily="34" charset="0"/>
               </a:rPr>
-              <a:t>Interference </a:t>
-            </a:r>
-            <a:r>
-              <a:rPr lang="en-IN" sz="2800" dirty="0">
+              <a:t>		SNR	 ≥ 	 2 </a:t>
+            </a:r>
+            <a:r>
+              <a:rPr kumimoji="0" lang="en-US" altLang="en-US" sz="2800" b="1" i="0" u="none" strike="noStrike" cap="none" normalizeH="0" baseline="30000" dirty="0">
+                <a:ln>
+                  <a:noFill/>
+                </a:ln>
+                <a:solidFill>
+                  <a:schemeClr val="tx1"/>
+                </a:solidFill>
+                <a:effectLst/>
                 <a:latin typeface="Calibri" panose="020F0502020204030204" pitchFamily="34" charset="0"/>
                 <a:ea typeface="Calibri" panose="020F0502020204030204" pitchFamily="34" charset="0"/>
                 <a:cs typeface="Calibri" panose="020F0502020204030204" pitchFamily="34" charset="0"/>
               </a:rPr>
-              <a:t>	 </a:t>
-            </a:r>
-            <a:r>
-              <a:rPr lang="en-IN" sz="2800" b="1" dirty="0">
+              <a:t>D/B </a:t>
+            </a:r>
+            <a:r>
+              <a:rPr kumimoji="0" lang="en-US" altLang="en-US" sz="2800" b="1" i="0" u="none" strike="noStrike" cap="none" normalizeH="0" baseline="0" dirty="0">
+                <a:ln>
+                  <a:noFill/>
+                </a:ln>
+                <a:solidFill>
+                  <a:schemeClr val="tx1"/>
+                </a:solidFill>
+                <a:effectLst/>
                 <a:latin typeface="Calibri" panose="020F0502020204030204" pitchFamily="34" charset="0"/>
                 <a:ea typeface="Calibri" panose="020F0502020204030204" pitchFamily="34" charset="0"/>
                 <a:cs typeface="Calibri" panose="020F0502020204030204" pitchFamily="34" charset="0"/>
               </a:rPr>
-              <a:t>I </a:t>
-            </a:r>
-            <a:r>
-              <a:rPr lang="en-IN" sz="2800" b="1" baseline="-25000" dirty="0" err="1">
+              <a:t> -1</a:t>
+            </a:r>
+            <a:endParaRPr kumimoji="0" lang="en-US" altLang="en-US" sz="2000" b="0" i="0" u="none" strike="noStrike" cap="none" normalizeH="0" baseline="0" dirty="0">
+              <a:ln>
+                <a:noFill/>
+              </a:ln>
+              <a:solidFill>
+                <a:schemeClr val="tx1"/>
+              </a:solidFill>
+              <a:effectLst/>
+            </a:endParaRPr>
+          </a:p>
+          <a:p>
+            <a:pPr marL="0" marR="0" lvl="0" indent="457200" algn="l" defTabSz="914400" rtl="0" eaLnBrk="0" fontAlgn="base" latinLnBrk="0" hangingPunct="0">
+              <a:lnSpc>
+                <a:spcPct val="100000"/>
+              </a:lnSpc>
+              <a:spcBef>
+                <a:spcPct val="0"/>
+              </a:spcBef>
+              <a:spcAft>
+                <a:spcPct val="0"/>
+              </a:spcAft>
+              <a:buClrTx/>
+              <a:buSzTx/>
+              <a:buFontTx/>
+              <a:buNone/>
+              <a:tabLst/>
+            </a:pPr>
+            <a:r>
+              <a:rPr kumimoji="0" lang="en-US" altLang="en-US" sz="2800" b="1" i="0" u="none" strike="noStrike" cap="none" normalizeH="0" baseline="0" dirty="0">
+                <a:ln>
+                  <a:noFill/>
+                </a:ln>
+                <a:solidFill>
+                  <a:schemeClr val="tx1"/>
+                </a:solidFill>
+                <a:effectLst/>
                 <a:latin typeface="Calibri" panose="020F0502020204030204" pitchFamily="34" charset="0"/>
                 <a:ea typeface="Calibri" panose="020F0502020204030204" pitchFamily="34" charset="0"/>
                 <a:cs typeface="Calibri" panose="020F0502020204030204" pitchFamily="34" charset="0"/>
               </a:rPr>
-              <a:t>i</a:t>
-            </a:r>
-            <a:r>
-              <a:rPr lang="en-IN" sz="2800" b="1" baseline="-25000" dirty="0">
+              <a:t>or, 	1/ SNR  ≤  	1/ 2 </a:t>
+            </a:r>
+            <a:r>
+              <a:rPr kumimoji="0" lang="en-US" altLang="en-US" sz="2800" b="1" i="0" u="none" strike="noStrike" cap="none" normalizeH="0" baseline="30000" dirty="0">
+                <a:ln>
+                  <a:noFill/>
+                </a:ln>
+                <a:solidFill>
+                  <a:schemeClr val="tx1"/>
+                </a:solidFill>
+                <a:effectLst/>
                 <a:latin typeface="Calibri" panose="020F0502020204030204" pitchFamily="34" charset="0"/>
                 <a:ea typeface="Calibri" panose="020F0502020204030204" pitchFamily="34" charset="0"/>
                 <a:cs typeface="Calibri" panose="020F0502020204030204" pitchFamily="34" charset="0"/>
               </a:rPr>
-              <a:t>, j</a:t>
-            </a:r>
-            <a:r>
-              <a:rPr lang="en-IN" sz="2800" dirty="0">
+              <a:t>D/B </a:t>
+            </a:r>
+            <a:r>
+              <a:rPr kumimoji="0" lang="en-US" altLang="en-US" sz="2800" b="1" i="0" u="none" strike="noStrike" cap="none" normalizeH="0" baseline="0" dirty="0">
+                <a:ln>
+                  <a:noFill/>
+                </a:ln>
+                <a:solidFill>
+                  <a:schemeClr val="tx1"/>
+                </a:solidFill>
+                <a:effectLst/>
                 <a:latin typeface="Calibri" panose="020F0502020204030204" pitchFamily="34" charset="0"/>
                 <a:ea typeface="Calibri" panose="020F0502020204030204" pitchFamily="34" charset="0"/>
                 <a:cs typeface="Calibri" panose="020F0502020204030204" pitchFamily="34" charset="0"/>
@@ -14112,257 +14442,66 @@
               <a:t> </a:t>
             </a:r>
             <a:r>
-              <a:rPr lang="en-IN" sz="2800" dirty="0">
-                <a:latin typeface="Calibri" panose="020F0502020204030204" pitchFamily="34" charset="0"/>
-                <a:ea typeface="CMR10"/>
-                <a:cs typeface="Calibri" panose="020F0502020204030204" pitchFamily="34" charset="0"/>
-              </a:rPr>
-              <a:t> </a:t>
-            </a:r>
-            <a:r>
-              <a:rPr lang="en-IN" sz="2800" b="1" dirty="0">
-                <a:latin typeface="Calibri" panose="020F0502020204030204" pitchFamily="34" charset="0"/>
-                <a:ea typeface="CMR10"/>
-                <a:cs typeface="Calibri" panose="020F0502020204030204" pitchFamily="34" charset="0"/>
-              </a:rPr>
-              <a:t>= (f</a:t>
-            </a:r>
-            <a:r>
-              <a:rPr lang="en-IN" sz="2800" b="1" baseline="-25000" dirty="0">
-                <a:latin typeface="Calibri" panose="020F0502020204030204" pitchFamily="34" charset="0"/>
-                <a:ea typeface="CMR10"/>
-                <a:cs typeface="Calibri" panose="020F0502020204030204" pitchFamily="34" charset="0"/>
-              </a:rPr>
-              <a:t>i</a:t>
-            </a:r>
-            <a:r>
-              <a:rPr lang="en-IN" sz="2800" b="1" dirty="0">
-                <a:latin typeface="Calibri" panose="020F0502020204030204" pitchFamily="34" charset="0"/>
-                <a:ea typeface="CMR10"/>
-                <a:cs typeface="Calibri" panose="020F0502020204030204" pitchFamily="34" charset="0"/>
-              </a:rPr>
-              <a:t> / f</a:t>
-            </a:r>
-            <a:r>
-              <a:rPr lang="en-IN" sz="2800" b="1" baseline="-25000" dirty="0">
-                <a:latin typeface="Calibri" panose="020F0502020204030204" pitchFamily="34" charset="0"/>
-                <a:ea typeface="CMR10"/>
-                <a:cs typeface="Calibri" panose="020F0502020204030204" pitchFamily="34" charset="0"/>
-              </a:rPr>
-              <a:t>j</a:t>
-            </a:r>
-            <a:r>
-              <a:rPr lang="en-IN" sz="2800" b="1" dirty="0">
-                <a:latin typeface="Calibri" panose="020F0502020204030204" pitchFamily="34" charset="0"/>
-                <a:ea typeface="CMR10"/>
-                <a:cs typeface="Calibri" panose="020F0502020204030204" pitchFamily="34" charset="0"/>
-              </a:rPr>
-              <a:t>)</a:t>
-            </a:r>
-            <a:r>
-              <a:rPr lang="en-IN" sz="2800" b="1" baseline="30000" dirty="0">
-                <a:latin typeface="Calibri" panose="020F0502020204030204" pitchFamily="34" charset="0"/>
-                <a:ea typeface="CMR10"/>
-                <a:cs typeface="Calibri" panose="020F0502020204030204" pitchFamily="34" charset="0"/>
-              </a:rPr>
-              <a:t>4 </a:t>
-            </a:r>
-            <a:r>
-              <a:rPr lang="en-IN" sz="2800" b="1" dirty="0">
-                <a:latin typeface="Calibri" panose="020F0502020204030204" pitchFamily="34" charset="0"/>
-                <a:ea typeface="CMR10"/>
-                <a:cs typeface="Calibri" panose="020F0502020204030204" pitchFamily="34" charset="0"/>
-              </a:rPr>
-              <a:t> , 	if </a:t>
-            </a:r>
-            <a:r>
-              <a:rPr lang="en-IN" sz="2800" b="1" dirty="0" err="1">
-                <a:latin typeface="Calibri" panose="020F0502020204030204" pitchFamily="34" charset="0"/>
-                <a:ea typeface="CMR10"/>
-                <a:cs typeface="Calibri" panose="020F0502020204030204" pitchFamily="34" charset="0"/>
-              </a:rPr>
-              <a:t>i</a:t>
-            </a:r>
-            <a:r>
-              <a:rPr lang="en-IN" sz="2800" b="1" dirty="0">
-                <a:latin typeface="Calibri" panose="020F0502020204030204" pitchFamily="34" charset="0"/>
-                <a:ea typeface="CMR10"/>
-                <a:cs typeface="Calibri" panose="020F0502020204030204" pitchFamily="34" charset="0"/>
-              </a:rPr>
-              <a:t> ≠ j </a:t>
-            </a:r>
-            <a:endParaRPr lang="en-IN" sz="2000" dirty="0">
-              <a:latin typeface="Calibri" panose="020F0502020204030204" pitchFamily="34" charset="0"/>
-              <a:ea typeface="Calibri" panose="020F0502020204030204" pitchFamily="34" charset="0"/>
-              <a:cs typeface="Times New Roman" panose="02020603050405020304" pitchFamily="18" charset="0"/>
-            </a:endParaRPr>
-          </a:p>
-          <a:p>
-            <a:pPr indent="457200">
-              <a:lnSpc>
-                <a:spcPct val="107000"/>
-              </a:lnSpc>
-            </a:pPr>
-            <a:r>
-              <a:rPr lang="en-IN" sz="2800" b="1" dirty="0">
-                <a:latin typeface="Calibri" panose="020F0502020204030204" pitchFamily="34" charset="0"/>
-                <a:ea typeface="CMR10"/>
-                <a:cs typeface="Calibri" panose="020F0502020204030204" pitchFamily="34" charset="0"/>
-              </a:rPr>
-              <a:t>					 </a:t>
-            </a:r>
-            <a:r>
-              <a:rPr lang="en-IN" sz="2800" b="1" dirty="0">
+              <a:rPr kumimoji="0" lang="en-US" altLang="en-US" sz="2800" b="1" i="0" u="none" strike="noStrike" cap="none" normalizeH="0" baseline="0" dirty="0" smtClean="0">
+                <a:ln>
+                  <a:noFill/>
+                </a:ln>
+                <a:solidFill>
+                  <a:schemeClr val="tx1"/>
+                </a:solidFill>
+                <a:effectLst/>
                 <a:latin typeface="Calibri" panose="020F0502020204030204" pitchFamily="34" charset="0"/>
                 <a:ea typeface="Calibri" panose="020F0502020204030204" pitchFamily="34" charset="0"/>
                 <a:cs typeface="Calibri" panose="020F0502020204030204" pitchFamily="34" charset="0"/>
               </a:rPr>
-              <a:t>I </a:t>
-            </a:r>
-            <a:r>
-              <a:rPr lang="en-IN" sz="2800" b="1" baseline="-25000" dirty="0" err="1">
+              <a:t>-1</a:t>
+            </a:r>
+            <a:r>
+              <a:rPr kumimoji="0" lang="en-US" altLang="en-US" sz="2800" b="1" i="0" u="none" strike="noStrike" cap="none" normalizeH="0" dirty="0" smtClean="0">
+                <a:ln>
+                  <a:noFill/>
+                </a:ln>
+                <a:solidFill>
+                  <a:schemeClr val="tx1"/>
+                </a:solidFill>
+                <a:effectLst/>
                 <a:latin typeface="Calibri" panose="020F0502020204030204" pitchFamily="34" charset="0"/>
                 <a:ea typeface="Calibri" panose="020F0502020204030204" pitchFamily="34" charset="0"/>
                 <a:cs typeface="Calibri" panose="020F0502020204030204" pitchFamily="34" charset="0"/>
               </a:rPr>
-              <a:t>i</a:t>
-            </a:r>
-            <a:r>
-              <a:rPr lang="en-IN" sz="2800" b="1" baseline="-25000" dirty="0">
+              <a:t>        </a:t>
+            </a:r>
+            <a:r>
+              <a:rPr kumimoji="0" lang="en-US" altLang="en-US" sz="2800" b="1" i="0" u="none" strike="noStrike" cap="none" normalizeH="0" baseline="0" dirty="0" smtClean="0">
+                <a:ln>
+                  <a:noFill/>
+                </a:ln>
+                <a:solidFill>
+                  <a:schemeClr val="tx1"/>
+                </a:solidFill>
+                <a:effectLst/>
                 <a:latin typeface="Calibri" panose="020F0502020204030204" pitchFamily="34" charset="0"/>
                 <a:ea typeface="Calibri" panose="020F0502020204030204" pitchFamily="34" charset="0"/>
                 <a:cs typeface="Calibri" panose="020F0502020204030204" pitchFamily="34" charset="0"/>
               </a:rPr>
-              <a:t>, j</a:t>
-            </a:r>
-            <a:r>
-              <a:rPr lang="en-IN" sz="2800" dirty="0">
-                <a:latin typeface="Calibri" panose="020F0502020204030204" pitchFamily="34" charset="0"/>
-                <a:ea typeface="Calibri" panose="020F0502020204030204" pitchFamily="34" charset="0"/>
-                <a:cs typeface="Calibri" panose="020F0502020204030204" pitchFamily="34" charset="0"/>
-              </a:rPr>
-              <a:t> </a:t>
-            </a:r>
-            <a:r>
-              <a:rPr lang="en-IN" sz="2800" dirty="0">
-                <a:latin typeface="Calibri" panose="020F0502020204030204" pitchFamily="34" charset="0"/>
-                <a:ea typeface="CMR10"/>
-                <a:cs typeface="Calibri" panose="020F0502020204030204" pitchFamily="34" charset="0"/>
-              </a:rPr>
-              <a:t> = </a:t>
-            </a:r>
-            <a:r>
-              <a:rPr lang="en-IN" sz="2800" b="1" dirty="0">
-                <a:latin typeface="Calibri" panose="020F0502020204030204" pitchFamily="34" charset="0"/>
-                <a:ea typeface="CMR10"/>
-                <a:cs typeface="Calibri" panose="020F0502020204030204" pitchFamily="34" charset="0"/>
-              </a:rPr>
-              <a:t>0 , 		if </a:t>
-            </a:r>
-            <a:r>
-              <a:rPr lang="en-IN" sz="2800" b="1" dirty="0" err="1">
-                <a:latin typeface="Calibri" panose="020F0502020204030204" pitchFamily="34" charset="0"/>
-                <a:ea typeface="CMR10"/>
-                <a:cs typeface="Calibri" panose="020F0502020204030204" pitchFamily="34" charset="0"/>
-              </a:rPr>
-              <a:t>i</a:t>
-            </a:r>
-            <a:r>
-              <a:rPr lang="en-IN" sz="2800" b="1" dirty="0">
-                <a:latin typeface="Calibri" panose="020F0502020204030204" pitchFamily="34" charset="0"/>
-                <a:ea typeface="CMR10"/>
-                <a:cs typeface="Calibri" panose="020F0502020204030204" pitchFamily="34" charset="0"/>
-              </a:rPr>
-              <a:t> = j</a:t>
-            </a:r>
-            <a:endParaRPr lang="en-IN" sz="2000" dirty="0">
-              <a:latin typeface="Calibri" panose="020F0502020204030204" pitchFamily="34" charset="0"/>
-              <a:ea typeface="Calibri" panose="020F0502020204030204" pitchFamily="34" charset="0"/>
-              <a:cs typeface="Times New Roman" panose="02020603050405020304" pitchFamily="18" charset="0"/>
+              <a:t>………………(1)</a:t>
+            </a:r>
+            <a:endParaRPr kumimoji="0" lang="en-US" altLang="en-US" sz="2000" b="0" i="0" u="none" strike="noStrike" cap="none" normalizeH="0" baseline="0" dirty="0">
+              <a:ln>
+                <a:noFill/>
+              </a:ln>
+              <a:solidFill>
+                <a:schemeClr val="tx1"/>
+              </a:solidFill>
+              <a:effectLst/>
             </a:endParaRPr>
-          </a:p>
-          <a:p>
-            <a:pPr>
-              <a:lnSpc>
-                <a:spcPct val="107000"/>
-              </a:lnSpc>
-            </a:pPr>
-            <a:endParaRPr lang="en-IN" sz="2000" dirty="0">
-              <a:effectLst/>
-              <a:latin typeface="Calibri" panose="020F0502020204030204" pitchFamily="34" charset="0"/>
-              <a:ea typeface="Calibri" panose="020F0502020204030204" pitchFamily="34" charset="0"/>
-              <a:cs typeface="Times New Roman" panose="02020603050405020304" pitchFamily="18" charset="0"/>
-            </a:endParaRPr>
-          </a:p>
-        </p:txBody>
-      </p:sp>
-      <p:sp>
-        <p:nvSpPr>
-          <p:cNvPr id="24" name="Rectangle 26"/>
-          <p:cNvSpPr>
-            <a:spLocks noChangeArrowheads="1"/>
-          </p:cNvSpPr>
-          <p:nvPr/>
-        </p:nvSpPr>
-        <p:spPr bwMode="auto">
-          <a:xfrm>
-            <a:off x="0" y="2614613"/>
-            <a:ext cx="12192000" cy="457200"/>
-          </a:xfrm>
-          <a:prstGeom prst="rect">
-            <a:avLst/>
-          </a:prstGeom>
-          <a:noFill/>
-          <a:ln>
-            <a:noFill/>
-          </a:ln>
-          <a:effectLst/>
-          <a:extLst>
-            <a:ext uri="{909E8E84-426E-40DD-AFC4-6F175D3DCCD1}">
-              <a14:hiddenFill xmlns:a14="http://schemas.microsoft.com/office/drawing/2010/main">
-                <a:solidFill>
-                  <a:schemeClr val="accent1"/>
-                </a:solidFill>
-              </a14:hiddenFill>
-            </a:ext>
-            <a:ext uri="{91240B29-F687-4F45-9708-019B960494DF}">
-              <a14:hiddenLine xmlns:a14="http://schemas.microsoft.com/office/drawing/2010/main" w="9525">
-                <a:solidFill>
-                  <a:schemeClr val="tx1"/>
-                </a:solidFill>
-                <a:miter lim="800000"/>
-                <a:headEnd/>
-                <a:tailEnd/>
-              </a14:hiddenLine>
-            </a:ext>
-            <a:ext uri="{AF507438-7753-43E0-B8FC-AC1667EBCBE1}">
-              <a14:hiddenEffects xmlns:a14="http://schemas.microsoft.com/office/drawing/2010/main">
-                <a:effectLst>
-                  <a:outerShdw dist="35921" dir="2700000" algn="ctr" rotWithShape="0">
-                    <a:schemeClr val="bg2"/>
-                  </a:outerShdw>
-                </a:effectLst>
-              </a14:hiddenEffects>
-            </a:ext>
-          </a:extLst>
-        </p:spPr>
-        <p:txBody>
-          <a:bodyPr vert="horz" wrap="none" lIns="91440" tIns="45720" rIns="91440" bIns="45720" numCol="1" anchor="ctr" anchorCtr="0" compatLnSpc="1">
-            <a:prstTxWarp prst="textNoShape">
-              <a:avLst/>
-            </a:prstTxWarp>
-            <a:spAutoFit/>
-          </a:bodyPr>
-          <a:lstStyle/>
-          <a:p>
-            <a:endParaRPr lang="en-IN"/>
           </a:p>
         </p:txBody>
       </p:sp>
     </p:spTree>
     <p:extLst>
       <p:ext uri="{BB962C8B-B14F-4D97-AF65-F5344CB8AC3E}">
-        <p14:creationId xmlns:p14="http://schemas.microsoft.com/office/powerpoint/2010/main" val="3318046780"/>
+        <p14:creationId xmlns:p14="http://schemas.microsoft.com/office/powerpoint/2010/main" xmlns="" val="3318046780"/>
       </p:ext>
     </p:extLst>
   </p:cSld>
@@ -14415,7 +14554,7 @@
     </a:clrScheme>
     <a:fontScheme name="Wisp">
       <a:majorFont>
-        <a:latin typeface="Century Gothic" panose="020B0502020202020204"/>
+        <a:latin typeface="Century Gothic"/>
         <a:ea typeface=""/>
         <a:cs typeface=""/>
         <a:font script="Jpan" typeface="メイリオ"/>
@@ -14450,7 +14589,7 @@
         <a:font script="Geor" typeface="Sylfaen"/>
       </a:majorFont>
       <a:minorFont>
-        <a:latin typeface="Century Gothic" panose="020B0502020202020204"/>
+        <a:latin typeface="Century Gothic"/>
         <a:ea typeface=""/>
         <a:cs typeface=""/>
         <a:font script="Jpan" typeface="メイリオ"/>
@@ -14609,7 +14748,7 @@
   <a:extraClrSchemeLst/>
   <a:extLst>
     <a:ext uri="{05A4C25C-085E-4340-85A3-A5531E510DB2}">
-      <thm15:themeFamily xmlns:thm15="http://schemas.microsoft.com/office/thememl/2012/main" name="Wisp" id="{7CB32D59-10C0-40DD-B7BD-2E94284A981C}" vid="{24B1A44C-C006-48B2-A4D7-E5549B3D8CD4}"/>
+      <thm15:themeFamily xmlns:thm15="http://schemas.microsoft.com/office/thememl/2012/main" xmlns="" name="Wisp" id="{7CB32D59-10C0-40DD-B7BD-2E94284A981C}" vid="{24B1A44C-C006-48B2-A4D7-E5549B3D8CD4}"/>
     </a:ext>
   </a:extLst>
 </a:theme>

--- a/Docs/ppt.pptx
+++ b/Docs/ppt.pptx
@@ -121,7 +121,7 @@
   </p:defaultTextStyle>
   <p:extLst>
     <p:ext uri="{EFAFB233-063F-42B5-8137-9DF3F51BA10A}">
-      <p15:sldGuideLst xmlns:p15="http://schemas.microsoft.com/office/powerpoint/2012/main" xmlns=""/>
+      <p15:sldGuideLst xmlns="" xmlns:p15="http://schemas.microsoft.com/office/powerpoint/2012/main"/>
     </p:ext>
   </p:extLst>
 </p:presentation>
@@ -316,7 +316,7 @@
             <a:fld id="{B6F0CEBF-78ED-409A-A70D-EC4E4FA47A78}" type="datetimeFigureOut">
               <a:rPr lang="en-IN" smtClean="0"/>
               <a:pPr/>
-              <a:t>24-08-2021</a:t>
+              <a:t>25-08-2021</a:t>
             </a:fld>
             <a:endParaRPr lang="en-IN"/>
           </a:p>
@@ -455,7 +455,7 @@
     </p:spTree>
     <p:extLst>
       <p:ext uri="{BB962C8B-B14F-4D97-AF65-F5344CB8AC3E}">
-        <p14:creationId xmlns:p14="http://schemas.microsoft.com/office/powerpoint/2010/main" xmlns="" val="2819872655"/>
+        <p14:creationId xmlns="" xmlns:p14="http://schemas.microsoft.com/office/powerpoint/2010/main" val="2819872655"/>
       </p:ext>
     </p:extLst>
   </p:cSld>
@@ -656,7 +656,7 @@
             <a:fld id="{B6F0CEBF-78ED-409A-A70D-EC4E4FA47A78}" type="datetimeFigureOut">
               <a:rPr lang="en-IN" smtClean="0"/>
               <a:pPr/>
-              <a:t>24-08-2021</a:t>
+              <a:t>25-08-2021</a:t>
             </a:fld>
             <a:endParaRPr lang="en-IN"/>
           </a:p>
@@ -795,7 +795,7 @@
     </p:spTree>
     <p:extLst>
       <p:ext uri="{BB962C8B-B14F-4D97-AF65-F5344CB8AC3E}">
-        <p14:creationId xmlns:p14="http://schemas.microsoft.com/office/powerpoint/2010/main" xmlns="" val="3485397268"/>
+        <p14:creationId xmlns="" xmlns:p14="http://schemas.microsoft.com/office/powerpoint/2010/main" val="3485397268"/>
       </p:ext>
     </p:extLst>
   </p:cSld>
@@ -1059,7 +1059,7 @@
             <a:fld id="{B6F0CEBF-78ED-409A-A70D-EC4E4FA47A78}" type="datetimeFigureOut">
               <a:rPr lang="en-IN" smtClean="0"/>
               <a:pPr/>
-              <a:t>24-08-2021</a:t>
+              <a:t>25-08-2021</a:t>
             </a:fld>
             <a:endParaRPr lang="en-IN"/>
           </a:p>
@@ -1274,7 +1274,7 @@
     </p:spTree>
     <p:extLst>
       <p:ext uri="{BB962C8B-B14F-4D97-AF65-F5344CB8AC3E}">
-        <p14:creationId xmlns:p14="http://schemas.microsoft.com/office/powerpoint/2010/main" xmlns="" val="124215348"/>
+        <p14:creationId xmlns="" xmlns:p14="http://schemas.microsoft.com/office/powerpoint/2010/main" val="124215348"/>
       </p:ext>
     </p:extLst>
   </p:cSld>
@@ -1397,7 +1397,7 @@
             <a:fld id="{B6F0CEBF-78ED-409A-A70D-EC4E4FA47A78}" type="datetimeFigureOut">
               <a:rPr lang="en-IN" smtClean="0"/>
               <a:pPr/>
-              <a:t>24-08-2021</a:t>
+              <a:t>25-08-2021</a:t>
             </a:fld>
             <a:endParaRPr lang="en-IN"/>
           </a:p>
@@ -1536,7 +1536,7 @@
     </p:spTree>
     <p:extLst>
       <p:ext uri="{BB962C8B-B14F-4D97-AF65-F5344CB8AC3E}">
-        <p14:creationId xmlns:p14="http://schemas.microsoft.com/office/powerpoint/2010/main" xmlns="" val="1922437167"/>
+        <p14:creationId xmlns="" xmlns:p14="http://schemas.microsoft.com/office/powerpoint/2010/main" val="1922437167"/>
       </p:ext>
     </p:extLst>
   </p:cSld>
@@ -1719,7 +1719,7 @@
             <a:fld id="{B6F0CEBF-78ED-409A-A70D-EC4E4FA47A78}" type="datetimeFigureOut">
               <a:rPr lang="en-IN" smtClean="0"/>
               <a:pPr/>
-              <a:t>24-08-2021</a:t>
+              <a:t>25-08-2021</a:t>
             </a:fld>
             <a:endParaRPr lang="en-IN"/>
           </a:p>
@@ -1934,7 +1934,7 @@
     </p:spTree>
     <p:extLst>
       <p:ext uri="{BB962C8B-B14F-4D97-AF65-F5344CB8AC3E}">
-        <p14:creationId xmlns:p14="http://schemas.microsoft.com/office/powerpoint/2010/main" xmlns="" val="120209989"/>
+        <p14:creationId xmlns="" xmlns:p14="http://schemas.microsoft.com/office/powerpoint/2010/main" val="120209989"/>
       </p:ext>
     </p:extLst>
   </p:cSld>
@@ -2117,7 +2117,7 @@
             <a:fld id="{B6F0CEBF-78ED-409A-A70D-EC4E4FA47A78}" type="datetimeFigureOut">
               <a:rPr lang="en-IN" smtClean="0"/>
               <a:pPr/>
-              <a:t>24-08-2021</a:t>
+              <a:t>25-08-2021</a:t>
             </a:fld>
             <a:endParaRPr lang="en-IN"/>
           </a:p>
@@ -2256,7 +2256,7 @@
     </p:spTree>
     <p:extLst>
       <p:ext uri="{BB962C8B-B14F-4D97-AF65-F5344CB8AC3E}">
-        <p14:creationId xmlns:p14="http://schemas.microsoft.com/office/powerpoint/2010/main" xmlns="" val="3593010486"/>
+        <p14:creationId xmlns="" xmlns:p14="http://schemas.microsoft.com/office/powerpoint/2010/main" val="3593010486"/>
       </p:ext>
     </p:extLst>
   </p:cSld>
@@ -2376,7 +2376,7 @@
             <a:fld id="{B6F0CEBF-78ED-409A-A70D-EC4E4FA47A78}" type="datetimeFigureOut">
               <a:rPr lang="en-IN" smtClean="0"/>
               <a:pPr/>
-              <a:t>24-08-2021</a:t>
+              <a:t>25-08-2021</a:t>
             </a:fld>
             <a:endParaRPr lang="en-IN"/>
           </a:p>
@@ -2510,7 +2510,7 @@
     </p:spTree>
     <p:extLst>
       <p:ext uri="{BB962C8B-B14F-4D97-AF65-F5344CB8AC3E}">
-        <p14:creationId xmlns:p14="http://schemas.microsoft.com/office/powerpoint/2010/main" xmlns="" val="1182216163"/>
+        <p14:creationId xmlns="" xmlns:p14="http://schemas.microsoft.com/office/powerpoint/2010/main" val="1182216163"/>
       </p:ext>
     </p:extLst>
   </p:cSld>
@@ -2640,7 +2640,7 @@
             <a:fld id="{B6F0CEBF-78ED-409A-A70D-EC4E4FA47A78}" type="datetimeFigureOut">
               <a:rPr lang="en-IN" smtClean="0"/>
               <a:pPr/>
-              <a:t>24-08-2021</a:t>
+              <a:t>25-08-2021</a:t>
             </a:fld>
             <a:endParaRPr lang="en-IN"/>
           </a:p>
@@ -2774,7 +2774,7 @@
     </p:spTree>
     <p:extLst>
       <p:ext uri="{BB962C8B-B14F-4D97-AF65-F5344CB8AC3E}">
-        <p14:creationId xmlns:p14="http://schemas.microsoft.com/office/powerpoint/2010/main" xmlns="" val="379380563"/>
+        <p14:creationId xmlns="" xmlns:p14="http://schemas.microsoft.com/office/powerpoint/2010/main" val="379380563"/>
       </p:ext>
     </p:extLst>
   </p:cSld>
@@ -2904,7 +2904,7 @@
             <a:fld id="{B6F0CEBF-78ED-409A-A70D-EC4E4FA47A78}" type="datetimeFigureOut">
               <a:rPr lang="en-IN" smtClean="0"/>
               <a:pPr/>
-              <a:t>24-08-2021</a:t>
+              <a:t>25-08-2021</a:t>
             </a:fld>
             <a:endParaRPr lang="en-IN"/>
           </a:p>
@@ -3038,7 +3038,7 @@
     </p:spTree>
     <p:extLst>
       <p:ext uri="{BB962C8B-B14F-4D97-AF65-F5344CB8AC3E}">
-        <p14:creationId xmlns:p14="http://schemas.microsoft.com/office/powerpoint/2010/main" xmlns="" val="2040402627"/>
+        <p14:creationId xmlns="" xmlns:p14="http://schemas.microsoft.com/office/powerpoint/2010/main" val="2040402627"/>
       </p:ext>
     </p:extLst>
   </p:cSld>
@@ -3235,7 +3235,7 @@
             <a:fld id="{B6F0CEBF-78ED-409A-A70D-EC4E4FA47A78}" type="datetimeFigureOut">
               <a:rPr lang="en-IN" smtClean="0"/>
               <a:pPr/>
-              <a:t>24-08-2021</a:t>
+              <a:t>25-08-2021</a:t>
             </a:fld>
             <a:endParaRPr lang="en-IN"/>
           </a:p>
@@ -3374,7 +3374,7 @@
     </p:spTree>
     <p:extLst>
       <p:ext uri="{BB962C8B-B14F-4D97-AF65-F5344CB8AC3E}">
-        <p14:creationId xmlns:p14="http://schemas.microsoft.com/office/powerpoint/2010/main" xmlns="" val="3243036248"/>
+        <p14:creationId xmlns="" xmlns:p14="http://schemas.microsoft.com/office/powerpoint/2010/main" val="3243036248"/>
       </p:ext>
     </p:extLst>
   </p:cSld>
@@ -3560,7 +3560,7 @@
             <a:fld id="{B6F0CEBF-78ED-409A-A70D-EC4E4FA47A78}" type="datetimeFigureOut">
               <a:rPr lang="en-IN" smtClean="0"/>
               <a:pPr/>
-              <a:t>24-08-2021</a:t>
+              <a:t>25-08-2021</a:t>
             </a:fld>
             <a:endParaRPr lang="en-IN"/>
           </a:p>
@@ -3699,7 +3699,7 @@
     </p:spTree>
     <p:extLst>
       <p:ext uri="{BB962C8B-B14F-4D97-AF65-F5344CB8AC3E}">
-        <p14:creationId xmlns:p14="http://schemas.microsoft.com/office/powerpoint/2010/main" xmlns="" val="4081465331"/>
+        <p14:creationId xmlns="" xmlns:p14="http://schemas.microsoft.com/office/powerpoint/2010/main" val="4081465331"/>
       </p:ext>
     </p:extLst>
   </p:cSld>
@@ -4019,7 +4019,7 @@
             <a:fld id="{B6F0CEBF-78ED-409A-A70D-EC4E4FA47A78}" type="datetimeFigureOut">
               <a:rPr lang="en-IN" smtClean="0"/>
               <a:pPr/>
-              <a:t>24-08-2021</a:t>
+              <a:t>25-08-2021</a:t>
             </a:fld>
             <a:endParaRPr lang="en-IN"/>
           </a:p>
@@ -4158,7 +4158,7 @@
     </p:spTree>
     <p:extLst>
       <p:ext uri="{BB962C8B-B14F-4D97-AF65-F5344CB8AC3E}">
-        <p14:creationId xmlns:p14="http://schemas.microsoft.com/office/powerpoint/2010/main" xmlns="" val="4140733315"/>
+        <p14:creationId xmlns="" xmlns:p14="http://schemas.microsoft.com/office/powerpoint/2010/main" val="4140733315"/>
       </p:ext>
     </p:extLst>
   </p:cSld>
@@ -4226,7 +4226,7 @@
             <a:fld id="{B6F0CEBF-78ED-409A-A70D-EC4E4FA47A78}" type="datetimeFigureOut">
               <a:rPr lang="en-IN" smtClean="0"/>
               <a:pPr/>
-              <a:t>24-08-2021</a:t>
+              <a:t>25-08-2021</a:t>
             </a:fld>
             <a:endParaRPr lang="en-IN"/>
           </a:p>
@@ -4360,7 +4360,7 @@
     </p:spTree>
     <p:extLst>
       <p:ext uri="{BB962C8B-B14F-4D97-AF65-F5344CB8AC3E}">
-        <p14:creationId xmlns:p14="http://schemas.microsoft.com/office/powerpoint/2010/main" xmlns="" val="4175040661"/>
+        <p14:creationId xmlns="" xmlns:p14="http://schemas.microsoft.com/office/powerpoint/2010/main" val="4175040661"/>
       </p:ext>
     </p:extLst>
   </p:cSld>
@@ -4405,7 +4405,7 @@
             <a:fld id="{B6F0CEBF-78ED-409A-A70D-EC4E4FA47A78}" type="datetimeFigureOut">
               <a:rPr lang="en-IN" smtClean="0"/>
               <a:pPr/>
-              <a:t>24-08-2021</a:t>
+              <a:t>25-08-2021</a:t>
             </a:fld>
             <a:endParaRPr lang="en-IN"/>
           </a:p>
@@ -4539,7 +4539,7 @@
     </p:spTree>
     <p:extLst>
       <p:ext uri="{BB962C8B-B14F-4D97-AF65-F5344CB8AC3E}">
-        <p14:creationId xmlns:p14="http://schemas.microsoft.com/office/powerpoint/2010/main" xmlns="" val="2264314909"/>
+        <p14:creationId xmlns="" xmlns:p14="http://schemas.microsoft.com/office/powerpoint/2010/main" val="2264314909"/>
       </p:ext>
     </p:extLst>
   </p:cSld>
@@ -4740,7 +4740,7 @@
             <a:fld id="{B6F0CEBF-78ED-409A-A70D-EC4E4FA47A78}" type="datetimeFigureOut">
               <a:rPr lang="en-IN" smtClean="0"/>
               <a:pPr/>
-              <a:t>24-08-2021</a:t>
+              <a:t>25-08-2021</a:t>
             </a:fld>
             <a:endParaRPr lang="en-IN"/>
           </a:p>
@@ -4874,7 +4874,7 @@
     </p:spTree>
     <p:extLst>
       <p:ext uri="{BB962C8B-B14F-4D97-AF65-F5344CB8AC3E}">
-        <p14:creationId xmlns:p14="http://schemas.microsoft.com/office/powerpoint/2010/main" xmlns="" val="3031459085"/>
+        <p14:creationId xmlns="" xmlns:p14="http://schemas.microsoft.com/office/powerpoint/2010/main" val="3031459085"/>
       </p:ext>
     </p:extLst>
   </p:cSld>
@@ -5087,7 +5087,7 @@
             <a:fld id="{B6F0CEBF-78ED-409A-A70D-EC4E4FA47A78}" type="datetimeFigureOut">
               <a:rPr lang="en-IN" smtClean="0"/>
               <a:pPr/>
-              <a:t>24-08-2021</a:t>
+              <a:t>25-08-2021</a:t>
             </a:fld>
             <a:endParaRPr lang="en-IN"/>
           </a:p>
@@ -5226,7 +5226,7 @@
     </p:spTree>
     <p:extLst>
       <p:ext uri="{BB962C8B-B14F-4D97-AF65-F5344CB8AC3E}">
-        <p14:creationId xmlns:p14="http://schemas.microsoft.com/office/powerpoint/2010/main" xmlns="" val="2701051298"/>
+        <p14:creationId xmlns="" xmlns:p14="http://schemas.microsoft.com/office/powerpoint/2010/main" val="2701051298"/>
       </p:ext>
     </p:extLst>
   </p:cSld>
@@ -7206,7 +7206,7 @@
             <a:fld id="{B6F0CEBF-78ED-409A-A70D-EC4E4FA47A78}" type="datetimeFigureOut">
               <a:rPr lang="en-IN" smtClean="0"/>
               <a:pPr/>
-              <a:t>24-08-2021</a:t>
+              <a:t>25-08-2021</a:t>
             </a:fld>
             <a:endParaRPr lang="en-IN"/>
           </a:p>
@@ -7292,7 +7292,7 @@
     </p:spTree>
     <p:extLst>
       <p:ext uri="{BB962C8B-B14F-4D97-AF65-F5344CB8AC3E}">
-        <p14:creationId xmlns:p14="http://schemas.microsoft.com/office/powerpoint/2010/main" xmlns="" val="1974044376"/>
+        <p14:creationId xmlns="" xmlns:p14="http://schemas.microsoft.com/office/powerpoint/2010/main" val="1974044376"/>
       </p:ext>
     </p:extLst>
   </p:cSld>
@@ -7819,7 +7819,7 @@
     </p:spTree>
     <p:extLst>
       <p:ext uri="{BB962C8B-B14F-4D97-AF65-F5344CB8AC3E}">
-        <p14:creationId xmlns:p14="http://schemas.microsoft.com/office/powerpoint/2010/main" xmlns="" val="216662859"/>
+        <p14:creationId xmlns="" xmlns:p14="http://schemas.microsoft.com/office/powerpoint/2010/main" val="216662859"/>
       </p:ext>
     </p:extLst>
   </p:cSld>
@@ -7885,8 +7885,8 @@
         </p:nvSpPr>
         <p:spPr bwMode="auto">
           <a:xfrm>
-            <a:off x="836363" y="2050350"/>
-            <a:ext cx="11015662" cy="954107"/>
+            <a:off x="1149875" y="1828279"/>
+            <a:ext cx="11015662" cy="1815882"/>
           </a:xfrm>
           <a:prstGeom prst="rect">
             <a:avLst/>
@@ -7898,14 +7898,14 @@
           <a:effectLst/>
           <a:extLst>
             <a:ext uri="{909E8E84-426E-40DD-AFC4-6F175D3DCCD1}">
-              <a14:hiddenFill xmlns:a14="http://schemas.microsoft.com/office/drawing/2010/main" xmlns="">
+              <a14:hiddenFill xmlns="" xmlns:a14="http://schemas.microsoft.com/office/drawing/2010/main">
                 <a:solidFill>
                   <a:schemeClr val="accent1"/>
                 </a:solidFill>
               </a14:hiddenFill>
             </a:ext>
             <a:ext uri="{91240B29-F687-4F45-9708-019B960494DF}">
-              <a14:hiddenLine xmlns:a14="http://schemas.microsoft.com/office/drawing/2010/main" xmlns="" w="9525">
+              <a14:hiddenLine xmlns="" xmlns:a14="http://schemas.microsoft.com/office/drawing/2010/main" w="9525">
                 <a:solidFill>
                   <a:schemeClr val="tx1"/>
                 </a:solidFill>
@@ -7915,7 +7915,7 @@
               </a14:hiddenLine>
             </a:ext>
             <a:ext uri="{AF507438-7753-43E0-B8FC-AC1667EBCBE1}">
-              <a14:hiddenEffects xmlns:a14="http://schemas.microsoft.com/office/drawing/2010/main" xmlns="">
+              <a14:hiddenEffects xmlns="" xmlns:a14="http://schemas.microsoft.com/office/drawing/2010/main">
                 <a:effectLst>
                   <a:outerShdw dist="35921" dir="2700000" algn="ctr" rotWithShape="0">
                     <a:schemeClr val="bg2"/>
@@ -8061,6 +8061,403 @@
             </a:lvl9pPr>
           </a:lstStyle>
           <a:p>
+            <a:pPr lvl="0" defTabSz="914400"/>
+            <a:r>
+              <a:rPr kumimoji="0" lang="en-US" altLang="en-US" sz="2800" b="1" i="0" u="none" strike="noStrike" cap="none" normalizeH="0" baseline="0" dirty="0">
+                <a:ln>
+                  <a:noFill/>
+                </a:ln>
+                <a:solidFill>
+                  <a:schemeClr val="tx1"/>
+                </a:solidFill>
+                <a:effectLst/>
+                <a:latin typeface="Calibri" panose="020F0502020204030204" pitchFamily="34" charset="0"/>
+                <a:ea typeface="Calibri" panose="020F0502020204030204" pitchFamily="34" charset="0"/>
+                <a:cs typeface="Calibri" panose="020F0502020204030204" pitchFamily="34" charset="0"/>
+              </a:rPr>
+              <a:t>SNR</a:t>
+            </a:r>
+            <a:r>
+              <a:rPr kumimoji="0" lang="en-US" altLang="en-US" sz="2800" b="1" i="0" u="none" strike="noStrike" cap="none" normalizeH="0" dirty="0">
+                <a:ln>
+                  <a:noFill/>
+                </a:ln>
+                <a:solidFill>
+                  <a:schemeClr val="tx1"/>
+                </a:solidFill>
+                <a:effectLst/>
+                <a:latin typeface="Calibri" panose="020F0502020204030204" pitchFamily="34" charset="0"/>
+                <a:ea typeface="Calibri" panose="020F0502020204030204" pitchFamily="34" charset="0"/>
+                <a:cs typeface="Calibri" panose="020F0502020204030204" pitchFamily="34" charset="0"/>
+              </a:rPr>
+              <a:t> </a:t>
+            </a:r>
+            <a:r>
+              <a:rPr kumimoji="0" lang="en-US" altLang="en-US" sz="2800" b="1" i="0" u="none" strike="noStrike" cap="none" normalizeH="0" baseline="0" dirty="0">
+                <a:ln>
+                  <a:noFill/>
+                </a:ln>
+                <a:solidFill>
+                  <a:schemeClr val="tx1"/>
+                </a:solidFill>
+                <a:effectLst/>
+                <a:latin typeface="Calibri" panose="020F0502020204030204" pitchFamily="34" charset="0"/>
+                <a:ea typeface="Calibri" panose="020F0502020204030204" pitchFamily="34" charset="0"/>
+                <a:cs typeface="Calibri" panose="020F0502020204030204" pitchFamily="34" charset="0"/>
+              </a:rPr>
+              <a:t>=  </a:t>
+            </a:r>
+            <a:r>
+              <a:rPr kumimoji="0" lang="en-US" altLang="en-US" sz="2800" b="1" i="0" u="none" strike="noStrike" cap="none" normalizeH="0" baseline="0" dirty="0" smtClean="0">
+                <a:ln>
+                  <a:noFill/>
+                </a:ln>
+                <a:solidFill>
+                  <a:schemeClr val="tx1"/>
+                </a:solidFill>
+                <a:effectLst/>
+                <a:latin typeface="Calibri" panose="020F0502020204030204" pitchFamily="34" charset="0"/>
+                <a:ea typeface="Calibri" panose="020F0502020204030204" pitchFamily="34" charset="0"/>
+                <a:cs typeface="Calibri" panose="020F0502020204030204" pitchFamily="34" charset="0"/>
+              </a:rPr>
+              <a:t>(P</a:t>
+            </a:r>
+            <a:r>
+              <a:rPr kumimoji="0" lang="en-US" altLang="en-US" sz="2800" b="1" i="0" u="none" strike="noStrike" cap="none" normalizeH="0" baseline="-25000" dirty="0" smtClean="0">
+                <a:ln>
+                  <a:noFill/>
+                </a:ln>
+                <a:solidFill>
+                  <a:schemeClr val="tx1"/>
+                </a:solidFill>
+                <a:effectLst/>
+                <a:latin typeface="Calibri" panose="020F0502020204030204" pitchFamily="34" charset="0"/>
+                <a:ea typeface="Calibri" panose="020F0502020204030204" pitchFamily="34" charset="0"/>
+                <a:cs typeface="Calibri" panose="020F0502020204030204" pitchFamily="34" charset="0"/>
+              </a:rPr>
+              <a:t>i</a:t>
+            </a:r>
+            <a:r>
+              <a:rPr kumimoji="0" lang="en-US" altLang="en-US" sz="2800" b="1" i="0" u="none" strike="noStrike" cap="none" normalizeH="0" baseline="0" dirty="0" smtClean="0">
+                <a:ln>
+                  <a:noFill/>
+                </a:ln>
+                <a:solidFill>
+                  <a:schemeClr val="tx1"/>
+                </a:solidFill>
+                <a:effectLst/>
+                <a:latin typeface="Calibri" panose="020F0502020204030204" pitchFamily="34" charset="0"/>
+                <a:ea typeface="Calibri" panose="020F0502020204030204" pitchFamily="34" charset="0"/>
+                <a:cs typeface="Calibri" panose="020F0502020204030204" pitchFamily="34" charset="0"/>
+              </a:rPr>
+              <a:t>/(</a:t>
+            </a:r>
+            <a:r>
+              <a:rPr kumimoji="0" lang="en-US" altLang="en-US" sz="2800" b="1" i="0" u="none" strike="noStrike" cap="none" normalizeH="0" baseline="0" dirty="0" err="1" smtClean="0">
+                <a:ln>
+                  <a:noFill/>
+                </a:ln>
+                <a:solidFill>
+                  <a:schemeClr val="tx1"/>
+                </a:solidFill>
+                <a:effectLst/>
+                <a:latin typeface="Calibri" panose="020F0502020204030204" pitchFamily="34" charset="0"/>
+                <a:ea typeface="Calibri" panose="020F0502020204030204" pitchFamily="34" charset="0"/>
+                <a:cs typeface="Calibri" panose="020F0502020204030204" pitchFamily="34" charset="0"/>
+              </a:rPr>
+              <a:t>f</a:t>
+            </a:r>
+            <a:r>
+              <a:rPr kumimoji="0" lang="en-US" altLang="en-US" sz="2800" b="1" i="0" u="none" strike="noStrike" cap="none" normalizeH="0" baseline="-25000" dirty="0" err="1" smtClean="0">
+                <a:ln>
+                  <a:noFill/>
+                </a:ln>
+                <a:solidFill>
+                  <a:schemeClr val="tx1"/>
+                </a:solidFill>
+                <a:effectLst/>
+                <a:latin typeface="Calibri" panose="020F0502020204030204" pitchFamily="34" charset="0"/>
+                <a:ea typeface="Calibri" panose="020F0502020204030204" pitchFamily="34" charset="0"/>
+                <a:cs typeface="Calibri" panose="020F0502020204030204" pitchFamily="34" charset="0"/>
+              </a:rPr>
+              <a:t>i</a:t>
+            </a:r>
+            <a:r>
+              <a:rPr kumimoji="0" lang="en-US" altLang="en-US" sz="2800" b="1" i="0" u="none" strike="noStrike" cap="none" normalizeH="0" baseline="0" dirty="0" smtClean="0">
+                <a:ln>
+                  <a:noFill/>
+                </a:ln>
+                <a:solidFill>
+                  <a:schemeClr val="tx1"/>
+                </a:solidFill>
+                <a:effectLst/>
+                <a:latin typeface="Calibri" panose="020F0502020204030204" pitchFamily="34" charset="0"/>
+                <a:ea typeface="Calibri" panose="020F0502020204030204" pitchFamily="34" charset="0"/>
+                <a:cs typeface="Calibri" panose="020F0502020204030204" pitchFamily="34" charset="0"/>
+              </a:rPr>
+              <a:t>)</a:t>
+            </a:r>
+            <a:r>
+              <a:rPr kumimoji="0" lang="en-US" altLang="en-US" sz="2800" b="1" i="0" u="none" strike="noStrike" cap="none" normalizeH="0" baseline="52000" dirty="0" smtClean="0">
+                <a:ln>
+                  <a:noFill/>
+                </a:ln>
+                <a:solidFill>
+                  <a:schemeClr val="tx1"/>
+                </a:solidFill>
+                <a:effectLst/>
+                <a:latin typeface="Calibri" panose="020F0502020204030204" pitchFamily="34" charset="0"/>
+                <a:ea typeface="Calibri" panose="020F0502020204030204" pitchFamily="34" charset="0"/>
+                <a:cs typeface="Calibri" panose="020F0502020204030204" pitchFamily="34" charset="0"/>
+              </a:rPr>
+              <a:t>4</a:t>
+            </a:r>
+            <a:r>
+              <a:rPr lang="en-US" altLang="en-US" sz="2800" b="1" dirty="0" smtClean="0">
+                <a:latin typeface="Calibri" panose="020F0502020204030204" pitchFamily="34" charset="0"/>
+                <a:ea typeface="Calibri" panose="020F0502020204030204" pitchFamily="34" charset="0"/>
+                <a:cs typeface="Calibri" panose="020F0502020204030204" pitchFamily="34" charset="0"/>
+              </a:rPr>
+              <a:t>)/(W+</a:t>
+            </a:r>
+            <a:r>
+              <a:rPr lang="en-US" sz="2800" dirty="0" smtClean="0"/>
+              <a:t>∑</a:t>
+            </a:r>
+            <a:r>
+              <a:rPr lang="en-US" sz="2800" dirty="0" smtClean="0"/>
+              <a:t> </a:t>
+            </a:r>
+            <a:r>
+              <a:rPr lang="en-US" sz="2800" b="1" dirty="0" err="1" smtClean="0"/>
+              <a:t>P</a:t>
+            </a:r>
+            <a:r>
+              <a:rPr lang="en-US" sz="2800" baseline="-25000" dirty="0" err="1" smtClean="0"/>
+              <a:t>j</a:t>
+            </a:r>
+            <a:r>
+              <a:rPr kumimoji="0" lang="en-US" altLang="en-US" sz="2800" b="1" i="0" u="none" strike="noStrike" cap="none" normalizeH="0" baseline="-25000" dirty="0" smtClean="0">
+                <a:ln>
+                  <a:noFill/>
+                </a:ln>
+                <a:solidFill>
+                  <a:schemeClr val="tx1"/>
+                </a:solidFill>
+                <a:effectLst/>
+                <a:latin typeface="Calibri" panose="020F0502020204030204" pitchFamily="34" charset="0"/>
+                <a:ea typeface="Calibri" panose="020F0502020204030204" pitchFamily="34" charset="0"/>
+                <a:cs typeface="Calibri" panose="020F0502020204030204" pitchFamily="34" charset="0"/>
+              </a:rPr>
+              <a:t> </a:t>
+            </a:r>
+            <a:r>
+              <a:rPr lang="en-US" altLang="en-US" sz="2800" b="1" dirty="0" smtClean="0">
+                <a:latin typeface="Calibri" panose="020F0502020204030204" pitchFamily="34" charset="0"/>
+                <a:ea typeface="Calibri" panose="020F0502020204030204" pitchFamily="34" charset="0"/>
+                <a:cs typeface="Calibri" panose="020F0502020204030204" pitchFamily="34" charset="0"/>
+              </a:rPr>
+              <a:t>/(</a:t>
+            </a:r>
+            <a:r>
+              <a:rPr lang="en-US" altLang="en-US" sz="2800" b="1" dirty="0" err="1" smtClean="0">
+                <a:latin typeface="Calibri" panose="020F0502020204030204" pitchFamily="34" charset="0"/>
+                <a:ea typeface="Calibri" panose="020F0502020204030204" pitchFamily="34" charset="0"/>
+                <a:cs typeface="Calibri" panose="020F0502020204030204" pitchFamily="34" charset="0"/>
+              </a:rPr>
+              <a:t>f</a:t>
+            </a:r>
+            <a:r>
+              <a:rPr lang="en-US" altLang="en-US" sz="2800" b="1" baseline="-25000" dirty="0" err="1" smtClean="0">
+                <a:latin typeface="Calibri" panose="020F0502020204030204" pitchFamily="34" charset="0"/>
+                <a:ea typeface="Calibri" panose="020F0502020204030204" pitchFamily="34" charset="0"/>
+                <a:cs typeface="Calibri" panose="020F0502020204030204" pitchFamily="34" charset="0"/>
+              </a:rPr>
+              <a:t>j</a:t>
+            </a:r>
+            <a:r>
+              <a:rPr lang="en-US" altLang="en-US" sz="2800" b="1" dirty="0" smtClean="0">
+                <a:latin typeface="Calibri" panose="020F0502020204030204" pitchFamily="34" charset="0"/>
+                <a:ea typeface="Calibri" panose="020F0502020204030204" pitchFamily="34" charset="0"/>
+                <a:cs typeface="Calibri" panose="020F0502020204030204" pitchFamily="34" charset="0"/>
+              </a:rPr>
+              <a:t>)</a:t>
+            </a:r>
+            <a:r>
+              <a:rPr lang="en-US" altLang="en-US" sz="2800" b="1" baseline="52000" dirty="0" smtClean="0">
+                <a:latin typeface="Calibri" panose="020F0502020204030204" pitchFamily="34" charset="0"/>
+                <a:ea typeface="Calibri" panose="020F0502020204030204" pitchFamily="34" charset="0"/>
+                <a:cs typeface="Calibri" panose="020F0502020204030204" pitchFamily="34" charset="0"/>
+              </a:rPr>
+              <a:t>4</a:t>
+            </a:r>
+            <a:r>
+              <a:rPr lang="en-US" altLang="en-US" sz="2800" b="1" dirty="0" smtClean="0">
+                <a:latin typeface="Calibri" panose="020F0502020204030204" pitchFamily="34" charset="0"/>
+                <a:ea typeface="Calibri" panose="020F0502020204030204" pitchFamily="34" charset="0"/>
+                <a:cs typeface="Calibri" panose="020F0502020204030204" pitchFamily="34" charset="0"/>
+              </a:rPr>
+              <a:t>)</a:t>
+            </a:r>
+          </a:p>
+          <a:p>
+            <a:pPr lvl="0" defTabSz="914400"/>
+            <a:r>
+              <a:rPr kumimoji="0" lang="en-US" altLang="en-US" sz="2800" b="1" i="0" u="none" strike="noStrike" cap="none" normalizeH="0" dirty="0" smtClean="0">
+                <a:ln>
+                  <a:noFill/>
+                </a:ln>
+                <a:solidFill>
+                  <a:schemeClr val="tx1"/>
+                </a:solidFill>
+                <a:effectLst/>
+                <a:latin typeface="Calibri" panose="020F0502020204030204" pitchFamily="34" charset="0"/>
+                <a:ea typeface="Calibri" panose="020F0502020204030204" pitchFamily="34" charset="0"/>
+                <a:cs typeface="Calibri" panose="020F0502020204030204" pitchFamily="34" charset="0"/>
+              </a:rPr>
+              <a:t>	</a:t>
+            </a:r>
+            <a:r>
+              <a:rPr kumimoji="0" lang="en-US" altLang="en-US" sz="2800" b="1" i="0" u="none" strike="noStrike" cap="none" normalizeH="0" dirty="0" smtClean="0">
+                <a:ln>
+                  <a:noFill/>
+                </a:ln>
+                <a:solidFill>
+                  <a:schemeClr val="tx1"/>
+                </a:solidFill>
+                <a:effectLst/>
+                <a:latin typeface="Calibri" panose="020F0502020204030204" pitchFamily="34" charset="0"/>
+                <a:ea typeface="Calibri" panose="020F0502020204030204" pitchFamily="34" charset="0"/>
+                <a:cs typeface="Calibri" panose="020F0502020204030204" pitchFamily="34" charset="0"/>
+              </a:rPr>
+              <a:t>   =</a:t>
+            </a:r>
+            <a:r>
+              <a:rPr lang="en-US" altLang="en-US" sz="2800" b="1" dirty="0" smtClean="0">
+                <a:latin typeface="Calibri" panose="020F0502020204030204" pitchFamily="34" charset="0"/>
+                <a:ea typeface="Calibri" panose="020F0502020204030204" pitchFamily="34" charset="0"/>
+                <a:cs typeface="Calibri" panose="020F0502020204030204" pitchFamily="34" charset="0"/>
+              </a:rPr>
+              <a:t> 1</a:t>
+            </a:r>
+            <a:r>
+              <a:rPr lang="en-US" altLang="en-US" sz="2800" b="1" dirty="0" smtClean="0">
+                <a:latin typeface="Calibri" panose="020F0502020204030204" pitchFamily="34" charset="0"/>
+                <a:ea typeface="Calibri" panose="020F0502020204030204" pitchFamily="34" charset="0"/>
+                <a:cs typeface="Calibri" panose="020F0502020204030204" pitchFamily="34" charset="0"/>
+              </a:rPr>
+              <a:t>/(W’+</a:t>
+            </a:r>
+            <a:r>
+              <a:rPr lang="en-US" sz="2800" dirty="0" smtClean="0"/>
+              <a:t> </a:t>
+            </a:r>
+            <a:r>
+              <a:rPr lang="en-US" sz="2800" dirty="0" smtClean="0"/>
+              <a:t>∑ </a:t>
+            </a:r>
+            <a:r>
+              <a:rPr lang="en-US" altLang="en-US" sz="2800" b="1" dirty="0" smtClean="0">
+                <a:latin typeface="Calibri" panose="020F0502020204030204" pitchFamily="34" charset="0"/>
+                <a:ea typeface="Calibri" panose="020F0502020204030204" pitchFamily="34" charset="0"/>
+                <a:cs typeface="Calibri" panose="020F0502020204030204" pitchFamily="34" charset="0"/>
+              </a:rPr>
+              <a:t>(</a:t>
+            </a:r>
+            <a:r>
+              <a:rPr lang="en-US" altLang="en-US" sz="2800" b="1" dirty="0" err="1" smtClean="0">
+                <a:latin typeface="Calibri" panose="020F0502020204030204" pitchFamily="34" charset="0"/>
+                <a:ea typeface="Calibri" panose="020F0502020204030204" pitchFamily="34" charset="0"/>
+                <a:cs typeface="Calibri" panose="020F0502020204030204" pitchFamily="34" charset="0"/>
+              </a:rPr>
+              <a:t>f</a:t>
+            </a:r>
+            <a:r>
+              <a:rPr lang="en-US" altLang="en-US" sz="2800" b="1" baseline="-25000" dirty="0" err="1" smtClean="0">
+                <a:latin typeface="Calibri" panose="020F0502020204030204" pitchFamily="34" charset="0"/>
+                <a:ea typeface="Calibri" panose="020F0502020204030204" pitchFamily="34" charset="0"/>
+                <a:cs typeface="Calibri" panose="020F0502020204030204" pitchFamily="34" charset="0"/>
+              </a:rPr>
+              <a:t>i</a:t>
+            </a:r>
+            <a:r>
+              <a:rPr lang="en-US" altLang="en-US" sz="2800" b="1" dirty="0" smtClean="0">
+                <a:latin typeface="Calibri" panose="020F0502020204030204" pitchFamily="34" charset="0"/>
+                <a:ea typeface="Calibri" panose="020F0502020204030204" pitchFamily="34" charset="0"/>
+                <a:cs typeface="Calibri" panose="020F0502020204030204" pitchFamily="34" charset="0"/>
+              </a:rPr>
+              <a:t>)</a:t>
+            </a:r>
+            <a:r>
+              <a:rPr lang="en-US" altLang="en-US" sz="2800" b="1" baseline="52000" dirty="0" smtClean="0">
+                <a:latin typeface="Calibri" panose="020F0502020204030204" pitchFamily="34" charset="0"/>
+                <a:ea typeface="Calibri" panose="020F0502020204030204" pitchFamily="34" charset="0"/>
+                <a:cs typeface="Calibri" panose="020F0502020204030204" pitchFamily="34" charset="0"/>
+              </a:rPr>
+              <a:t>4</a:t>
+            </a:r>
+            <a:r>
+              <a:rPr lang="en-US" altLang="en-US" sz="2800" b="1" dirty="0" smtClean="0">
+                <a:latin typeface="Calibri" panose="020F0502020204030204" pitchFamily="34" charset="0"/>
+                <a:ea typeface="Calibri" panose="020F0502020204030204" pitchFamily="34" charset="0"/>
+                <a:cs typeface="Calibri" panose="020F0502020204030204" pitchFamily="34" charset="0"/>
+              </a:rPr>
+              <a:t>/(</a:t>
+            </a:r>
+            <a:r>
+              <a:rPr lang="en-US" altLang="en-US" sz="2800" b="1" dirty="0" err="1" smtClean="0">
+                <a:latin typeface="Calibri" panose="020F0502020204030204" pitchFamily="34" charset="0"/>
+                <a:ea typeface="Calibri" panose="020F0502020204030204" pitchFamily="34" charset="0"/>
+                <a:cs typeface="Calibri" panose="020F0502020204030204" pitchFamily="34" charset="0"/>
+              </a:rPr>
+              <a:t>f</a:t>
+            </a:r>
+            <a:r>
+              <a:rPr lang="en-US" altLang="en-US" sz="2800" b="1" baseline="-25000" dirty="0" err="1" smtClean="0">
+                <a:latin typeface="Calibri" panose="020F0502020204030204" pitchFamily="34" charset="0"/>
+                <a:ea typeface="Calibri" panose="020F0502020204030204" pitchFamily="34" charset="0"/>
+                <a:cs typeface="Calibri" panose="020F0502020204030204" pitchFamily="34" charset="0"/>
+              </a:rPr>
+              <a:t>j</a:t>
+            </a:r>
+            <a:r>
+              <a:rPr lang="en-US" altLang="en-US" sz="2800" b="1" dirty="0" smtClean="0">
+                <a:latin typeface="Calibri" panose="020F0502020204030204" pitchFamily="34" charset="0"/>
+                <a:ea typeface="Calibri" panose="020F0502020204030204" pitchFamily="34" charset="0"/>
+                <a:cs typeface="Calibri" panose="020F0502020204030204" pitchFamily="34" charset="0"/>
+              </a:rPr>
+              <a:t>)</a:t>
+            </a:r>
+            <a:r>
+              <a:rPr lang="en-US" altLang="en-US" sz="2800" b="1" baseline="24000" dirty="0" smtClean="0">
+                <a:latin typeface="Calibri" panose="020F0502020204030204" pitchFamily="34" charset="0"/>
+                <a:ea typeface="Calibri" panose="020F0502020204030204" pitchFamily="34" charset="0"/>
+                <a:cs typeface="Calibri" panose="020F0502020204030204" pitchFamily="34" charset="0"/>
+              </a:rPr>
+              <a:t>4</a:t>
+            </a:r>
+            <a:r>
+              <a:rPr lang="en-US" altLang="en-US" sz="2800" b="1" dirty="0" smtClean="0">
+                <a:latin typeface="Calibri" panose="020F0502020204030204" pitchFamily="34" charset="0"/>
+                <a:ea typeface="Calibri" panose="020F0502020204030204" pitchFamily="34" charset="0"/>
+                <a:cs typeface="Calibri" panose="020F0502020204030204" pitchFamily="34" charset="0"/>
+              </a:rPr>
+              <a:t>)</a:t>
+            </a:r>
+            <a:endParaRPr kumimoji="0" lang="en-US" altLang="en-US" sz="2800" b="1" i="0" u="none" strike="noStrike" cap="none" normalizeH="0" dirty="0" smtClean="0">
+              <a:ln>
+                <a:noFill/>
+              </a:ln>
+              <a:solidFill>
+                <a:schemeClr val="tx1"/>
+              </a:solidFill>
+              <a:effectLst/>
+              <a:latin typeface="Calibri" panose="020F0502020204030204" pitchFamily="34" charset="0"/>
+              <a:ea typeface="Calibri" panose="020F0502020204030204" pitchFamily="34" charset="0"/>
+              <a:cs typeface="Calibri" panose="020F0502020204030204" pitchFamily="34" charset="0"/>
+            </a:endParaRPr>
+          </a:p>
+          <a:p>
             <a:pPr marL="0" marR="0" lvl="0" indent="457200" algn="l" defTabSz="914400" rtl="0" eaLnBrk="0" fontAlgn="base" latinLnBrk="0" hangingPunct="0">
               <a:lnSpc>
                 <a:spcPct val="100000"/>
@@ -8078,6 +8475,51 @@
               <a:tabLst/>
             </a:pPr>
             <a:r>
+              <a:rPr kumimoji="0" lang="en-US" altLang="en-US" sz="2800" b="1" i="0" u="none" strike="noStrike" cap="none" normalizeH="0" baseline="0" dirty="0" smtClean="0">
+                <a:ln>
+                  <a:noFill/>
+                </a:ln>
+                <a:solidFill>
+                  <a:schemeClr val="tx1"/>
+                </a:solidFill>
+                <a:effectLst/>
+                <a:latin typeface="Calibri" panose="020F0502020204030204" pitchFamily="34" charset="0"/>
+                <a:ea typeface="Calibri" panose="020F0502020204030204" pitchFamily="34" charset="0"/>
+                <a:cs typeface="Calibri" panose="020F0502020204030204" pitchFamily="34" charset="0"/>
+              </a:rPr>
+              <a:t>	</a:t>
+            </a:r>
+            <a:r>
+              <a:rPr kumimoji="0" lang="en-US" altLang="en-US" sz="2800" b="1" i="0" u="none" strike="noStrike" cap="none" normalizeH="0" dirty="0" smtClean="0">
+                <a:ln>
+                  <a:noFill/>
+                </a:ln>
+                <a:solidFill>
+                  <a:schemeClr val="tx1"/>
+                </a:solidFill>
+                <a:effectLst/>
+                <a:latin typeface="Calibri" panose="020F0502020204030204" pitchFamily="34" charset="0"/>
+                <a:ea typeface="Calibri" panose="020F0502020204030204" pitchFamily="34" charset="0"/>
+                <a:cs typeface="Calibri" panose="020F0502020204030204" pitchFamily="34" charset="0"/>
+              </a:rPr>
+              <a:t>   </a:t>
+            </a:r>
+            <a:r>
+              <a:rPr kumimoji="0" lang="en-US" altLang="en-US" sz="2800" b="1" i="0" u="none" strike="noStrike" cap="none" normalizeH="0" baseline="0" dirty="0" smtClean="0">
+                <a:ln>
+                  <a:noFill/>
+                </a:ln>
+                <a:solidFill>
+                  <a:schemeClr val="tx1"/>
+                </a:solidFill>
+                <a:effectLst/>
+                <a:latin typeface="Calibri" panose="020F0502020204030204" pitchFamily="34" charset="0"/>
+                <a:ea typeface="Calibri" panose="020F0502020204030204" pitchFamily="34" charset="0"/>
+                <a:cs typeface="Calibri" panose="020F0502020204030204" pitchFamily="34" charset="0"/>
+              </a:rPr>
+              <a:t>=1 </a:t>
+            </a:r>
+            <a:r>
               <a:rPr kumimoji="0" lang="en-US" altLang="en-US" sz="2800" b="1" i="0" u="none" strike="noStrike" cap="none" normalizeH="0" baseline="0" dirty="0">
                 <a:ln>
                   <a:noFill/>
@@ -8090,37 +8532,7 @@
                 <a:ea typeface="Calibri" panose="020F0502020204030204" pitchFamily="34" charset="0"/>
                 <a:cs typeface="Calibri" panose="020F0502020204030204" pitchFamily="34" charset="0"/>
               </a:rPr>
-              <a:t>SNR</a:t>
-            </a:r>
-            <a:r>
-              <a:rPr kumimoji="0" lang="en-US" altLang="en-US" sz="2800" b="1" i="0" u="none" strike="noStrike" cap="none" normalizeH="0" dirty="0">
-                <a:ln>
-                  <a:noFill/>
-                </a:ln>
-                <a:solidFill>
-                  <a:schemeClr val="tx1"/>
-                </a:solidFill>
-                <a:effectLst/>
-                <a:latin typeface="Calibri" panose="020F0502020204030204" pitchFamily="34" charset="0"/>
-                <a:ea typeface="Calibri" panose="020F0502020204030204" pitchFamily="34" charset="0"/>
-                <a:cs typeface="Calibri" panose="020F0502020204030204" pitchFamily="34" charset="0"/>
-              </a:rPr>
-              <a:t> </a:t>
-            </a:r>
-            <a:r>
-              <a:rPr kumimoji="0" lang="en-US" altLang="en-US" sz="2800" b="1" i="0" u="none" strike="noStrike" cap="none" normalizeH="0" baseline="0" dirty="0">
-                <a:ln>
-                  <a:noFill/>
-                </a:ln>
-                <a:solidFill>
-                  <a:schemeClr val="tx1"/>
-                </a:solidFill>
-                <a:effectLst/>
-                <a:latin typeface="Calibri" panose="020F0502020204030204" pitchFamily="34" charset="0"/>
-                <a:ea typeface="Calibri" panose="020F0502020204030204" pitchFamily="34" charset="0"/>
-                <a:cs typeface="Calibri" panose="020F0502020204030204" pitchFamily="34" charset="0"/>
-              </a:rPr>
-              <a:t>=  1 / (</a:t>
+              <a:t>/ (</a:t>
             </a:r>
             <a:r>
               <a:rPr kumimoji="0" lang="en-US" altLang="en-US" sz="2000" b="1" i="0" u="none" strike="noStrike" cap="none" normalizeH="0" baseline="0" dirty="0">
@@ -8247,27 +8659,32 @@
         </p:nvSpPr>
         <p:spPr bwMode="auto">
           <a:xfrm>
-            <a:off x="0" y="3200262"/>
-            <a:ext cx="5468784" cy="523220"/>
+            <a:off x="862150" y="3957907"/>
+            <a:ext cx="6148052" cy="523220"/>
           </a:xfrm>
           <a:prstGeom prst="rect">
             <a:avLst/>
           </a:prstGeom>
-          <a:noFill/>
+          <a:solidFill>
+            <a:schemeClr val="accent6">
+              <a:lumMod val="40000"/>
+              <a:lumOff val="60000"/>
+            </a:schemeClr>
+          </a:solidFill>
           <a:ln>
             <a:noFill/>
           </a:ln>
           <a:effectLst/>
           <a:extLst>
             <a:ext uri="{909E8E84-426E-40DD-AFC4-6F175D3DCCD1}">
-              <a14:hiddenFill xmlns:a14="http://schemas.microsoft.com/office/drawing/2010/main" xmlns="">
+              <a14:hiddenFill xmlns="" xmlns:a14="http://schemas.microsoft.com/office/drawing/2010/main">
                 <a:solidFill>
                   <a:schemeClr val="accent1"/>
                 </a:solidFill>
               </a14:hiddenFill>
             </a:ext>
             <a:ext uri="{91240B29-F687-4F45-9708-019B960494DF}">
-              <a14:hiddenLine xmlns:a14="http://schemas.microsoft.com/office/drawing/2010/main" xmlns="" w="9525">
+              <a14:hiddenLine xmlns="" xmlns:a14="http://schemas.microsoft.com/office/drawing/2010/main" w="9525">
                 <a:solidFill>
                   <a:schemeClr val="tx1"/>
                 </a:solidFill>
@@ -8277,7 +8694,7 @@
               </a14:hiddenLine>
             </a:ext>
             <a:ext uri="{AF507438-7753-43E0-B8FC-AC1667EBCBE1}">
-              <a14:hiddenEffects xmlns:a14="http://schemas.microsoft.com/office/drawing/2010/main" xmlns="">
+              <a14:hiddenEffects xmlns="" xmlns:a14="http://schemas.microsoft.com/office/drawing/2010/main">
                 <a:effectLst>
                   <a:outerShdw dist="35921" dir="2700000" algn="ctr" rotWithShape="0">
                     <a:schemeClr val="bg2"/>
@@ -8469,6 +8886,21 @@
               </a:tabLst>
             </a:pPr>
             <a:r>
+              <a:rPr kumimoji="0" lang="en-US" altLang="en-US" sz="2800" b="1" i="0" u="none" strike="noStrike" cap="none" normalizeH="0" baseline="0" dirty="0" smtClean="0">
+                <a:ln>
+                  <a:noFill/>
+                </a:ln>
+                <a:solidFill>
+                  <a:schemeClr val="tx1"/>
+                </a:solidFill>
+                <a:effectLst/>
+                <a:latin typeface="Calibri" panose="020F0502020204030204" pitchFamily="34" charset="0"/>
+                <a:ea typeface="Calibri" panose="020F0502020204030204" pitchFamily="34" charset="0"/>
+                <a:cs typeface="Calibri" panose="020F0502020204030204" pitchFamily="34" charset="0"/>
+              </a:rPr>
+              <a:t>SO, Sum </a:t>
+            </a:r>
+            <a:r>
               <a:rPr kumimoji="0" lang="en-US" altLang="en-US" sz="2800" b="1" i="0" u="none" strike="noStrike" cap="none" normalizeH="0" baseline="0" dirty="0">
                 <a:ln>
                   <a:noFill/>
@@ -8481,7 +8913,7 @@
                 <a:ea typeface="Calibri" panose="020F0502020204030204" pitchFamily="34" charset="0"/>
                 <a:cs typeface="Calibri" panose="020F0502020204030204" pitchFamily="34" charset="0"/>
               </a:rPr>
-              <a:t>Sum of Interference  ∑ I = 1/SNR</a:t>
+              <a:t>of Interference  ∑ I = 1/SNR</a:t>
             </a:r>
             <a:endParaRPr kumimoji="0" lang="en-US" altLang="en-US" sz="3600" b="0" i="0" u="none" strike="noStrike" cap="none" normalizeH="0" baseline="0" dirty="0">
               <a:ln>
@@ -8504,12 +8936,18 @@
         </p:nvSpPr>
         <p:spPr>
           <a:xfrm>
-            <a:off x="5852160" y="3046683"/>
-            <a:ext cx="6156619" cy="1343701"/>
+            <a:off x="7647107" y="3226874"/>
+            <a:ext cx="3809787" cy="1475404"/>
           </a:xfrm>
           <a:prstGeom prst="rect">
             <a:avLst/>
           </a:prstGeom>
+          <a:solidFill>
+            <a:schemeClr val="accent6">
+              <a:lumMod val="40000"/>
+              <a:lumOff val="60000"/>
+            </a:schemeClr>
+          </a:solidFill>
         </p:spPr>
         <p:txBody>
           <a:bodyPr wrap="square">
@@ -8536,10 +8974,22 @@
                 <a:ea typeface="Calibri" panose="020F0502020204030204" pitchFamily="34" charset="0"/>
                 <a:cs typeface="Calibri" panose="020F0502020204030204" pitchFamily="34" charset="0"/>
               </a:rPr>
-              <a:t>	 </a:t>
-            </a:r>
-            <a:r>
-              <a:rPr lang="en-IN" sz="2800" b="1" dirty="0">
+              <a:t>	</a:t>
+            </a:r>
+            <a:endParaRPr lang="en-IN" sz="2800" dirty="0" smtClean="0">
+              <a:latin typeface="Calibri" panose="020F0502020204030204" pitchFamily="34" charset="0"/>
+              <a:ea typeface="Calibri" panose="020F0502020204030204" pitchFamily="34" charset="0"/>
+              <a:cs typeface="Calibri" panose="020F0502020204030204" pitchFamily="34" charset="0"/>
+            </a:endParaRPr>
+          </a:p>
+          <a:p>
+            <a:pPr indent="457200">
+              <a:lnSpc>
+                <a:spcPct val="107000"/>
+              </a:lnSpc>
+            </a:pPr>
+            <a:r>
+              <a:rPr lang="en-IN" sz="2800" b="1" dirty="0" smtClean="0">
                 <a:latin typeface="Calibri" panose="020F0502020204030204" pitchFamily="34" charset="0"/>
                 <a:ea typeface="Calibri" panose="020F0502020204030204" pitchFamily="34" charset="0"/>
                 <a:cs typeface="Calibri" panose="020F0502020204030204" pitchFamily="34" charset="0"/>
@@ -8663,52 +9113,60 @@
               </a:lnSpc>
             </a:pPr>
             <a:r>
+              <a:rPr lang="en-IN" sz="2800" b="1" dirty="0" smtClean="0">
+                <a:latin typeface="Calibri" panose="020F0502020204030204" pitchFamily="34" charset="0"/>
+                <a:ea typeface="Calibri" panose="020F0502020204030204" pitchFamily="34" charset="0"/>
+                <a:cs typeface="Calibri" panose="020F0502020204030204" pitchFamily="34" charset="0"/>
+              </a:rPr>
+              <a:t>I </a:t>
+            </a:r>
+            <a:r>
+              <a:rPr lang="en-IN" sz="2800" b="1" baseline="-25000" dirty="0" err="1">
+                <a:latin typeface="Calibri" panose="020F0502020204030204" pitchFamily="34" charset="0"/>
+                <a:ea typeface="Calibri" panose="020F0502020204030204" pitchFamily="34" charset="0"/>
+                <a:cs typeface="Calibri" panose="020F0502020204030204" pitchFamily="34" charset="0"/>
+              </a:rPr>
+              <a:t>i</a:t>
+            </a:r>
+            <a:r>
+              <a:rPr lang="en-IN" sz="2800" b="1" baseline="-25000" dirty="0">
+                <a:latin typeface="Calibri" panose="020F0502020204030204" pitchFamily="34" charset="0"/>
+                <a:ea typeface="Calibri" panose="020F0502020204030204" pitchFamily="34" charset="0"/>
+                <a:cs typeface="Calibri" panose="020F0502020204030204" pitchFamily="34" charset="0"/>
+              </a:rPr>
+              <a:t>, j</a:t>
+            </a:r>
+            <a:r>
+              <a:rPr lang="en-IN" sz="2800" dirty="0">
+                <a:latin typeface="Calibri" panose="020F0502020204030204" pitchFamily="34" charset="0"/>
+                <a:ea typeface="Calibri" panose="020F0502020204030204" pitchFamily="34" charset="0"/>
+                <a:cs typeface="Calibri" panose="020F0502020204030204" pitchFamily="34" charset="0"/>
+              </a:rPr>
+              <a:t> </a:t>
+            </a:r>
+            <a:r>
+              <a:rPr lang="en-IN" sz="2800" dirty="0">
+                <a:latin typeface="Calibri" panose="020F0502020204030204" pitchFamily="34" charset="0"/>
+                <a:ea typeface="CMR10"/>
+                <a:cs typeface="Calibri" panose="020F0502020204030204" pitchFamily="34" charset="0"/>
+              </a:rPr>
+              <a:t> = </a:t>
+            </a:r>
+            <a:r>
               <a:rPr lang="en-IN" sz="2800" b="1" dirty="0">
                 <a:latin typeface="Calibri" panose="020F0502020204030204" pitchFamily="34" charset="0"/>
                 <a:ea typeface="CMR10"/>
                 <a:cs typeface="Calibri" panose="020F0502020204030204" pitchFamily="34" charset="0"/>
               </a:rPr>
-              <a:t>					 </a:t>
-            </a:r>
-            <a:r>
-              <a:rPr lang="en-IN" sz="2800" b="1" dirty="0">
-                <a:latin typeface="Calibri" panose="020F0502020204030204" pitchFamily="34" charset="0"/>
-                <a:ea typeface="Calibri" panose="020F0502020204030204" pitchFamily="34" charset="0"/>
-                <a:cs typeface="Calibri" panose="020F0502020204030204" pitchFamily="34" charset="0"/>
-              </a:rPr>
-              <a:t>I </a:t>
-            </a:r>
-            <a:r>
-              <a:rPr lang="en-IN" sz="2800" b="1" baseline="-25000" dirty="0" err="1">
-                <a:latin typeface="Calibri" panose="020F0502020204030204" pitchFamily="34" charset="0"/>
-                <a:ea typeface="Calibri" panose="020F0502020204030204" pitchFamily="34" charset="0"/>
-                <a:cs typeface="Calibri" panose="020F0502020204030204" pitchFamily="34" charset="0"/>
-              </a:rPr>
-              <a:t>i</a:t>
-            </a:r>
-            <a:r>
-              <a:rPr lang="en-IN" sz="2800" b="1" baseline="-25000" dirty="0">
-                <a:latin typeface="Calibri" panose="020F0502020204030204" pitchFamily="34" charset="0"/>
-                <a:ea typeface="Calibri" panose="020F0502020204030204" pitchFamily="34" charset="0"/>
-                <a:cs typeface="Calibri" panose="020F0502020204030204" pitchFamily="34" charset="0"/>
-              </a:rPr>
-              <a:t>, j</a:t>
-            </a:r>
-            <a:r>
-              <a:rPr lang="en-IN" sz="2800" dirty="0">
-                <a:latin typeface="Calibri" panose="020F0502020204030204" pitchFamily="34" charset="0"/>
-                <a:ea typeface="Calibri" panose="020F0502020204030204" pitchFamily="34" charset="0"/>
-                <a:cs typeface="Calibri" panose="020F0502020204030204" pitchFamily="34" charset="0"/>
-              </a:rPr>
-              <a:t> </a:t>
-            </a:r>
-            <a:r>
-              <a:rPr lang="en-IN" sz="2800" dirty="0">
+              <a:t>0 , 		if </a:t>
+            </a:r>
+            <a:r>
+              <a:rPr lang="en-IN" sz="2800" b="1" dirty="0" err="1">
                 <a:latin typeface="Calibri" panose="020F0502020204030204" pitchFamily="34" charset="0"/>
                 <a:ea typeface="CMR10"/>
                 <a:cs typeface="Calibri" panose="020F0502020204030204" pitchFamily="34" charset="0"/>
               </a:rPr>
-              <a:t> = </a:t>
+              <a:t>i</a:t>
             </a:r>
             <a:r>
               <a:rPr lang="en-IN" sz="2800" b="1" dirty="0">
@@ -8716,23 +9174,15 @@
                 <a:ea typeface="CMR10"/>
                 <a:cs typeface="Calibri" panose="020F0502020204030204" pitchFamily="34" charset="0"/>
               </a:rPr>
-              <a:t>0 , 		if </a:t>
-            </a:r>
-            <a:r>
-              <a:rPr lang="en-IN" sz="2800" b="1" dirty="0" err="1">
+              <a:t> = </a:t>
+            </a:r>
+            <a:r>
+              <a:rPr lang="en-IN" sz="2800" b="1" dirty="0" smtClean="0">
                 <a:latin typeface="Calibri" panose="020F0502020204030204" pitchFamily="34" charset="0"/>
                 <a:ea typeface="CMR10"/>
                 <a:cs typeface="Calibri" panose="020F0502020204030204" pitchFamily="34" charset="0"/>
               </a:rPr>
-              <a:t>i</a:t>
-            </a:r>
-            <a:r>
-              <a:rPr lang="en-IN" sz="2800" b="1" dirty="0">
-                <a:latin typeface="Calibri" panose="020F0502020204030204" pitchFamily="34" charset="0"/>
-                <a:ea typeface="CMR10"/>
-                <a:cs typeface="Calibri" panose="020F0502020204030204" pitchFamily="34" charset="0"/>
-              </a:rPr>
-              <a:t> = j</a:t>
+              <a:t>j</a:t>
             </a:r>
             <a:endParaRPr lang="en-IN" sz="2000" dirty="0">
               <a:latin typeface="Calibri" panose="020F0502020204030204" pitchFamily="34" charset="0"/>
@@ -8740,19 +9190,6 @@
               <a:cs typeface="Times New Roman" panose="02020603050405020304" pitchFamily="18" charset="0"/>
             </a:endParaRPr>
           </a:p>
-          <a:p>
-            <a:pPr>
-              <a:lnSpc>
-                <a:spcPct val="107000"/>
-              </a:lnSpc>
-            </a:pPr>
-            <a:endParaRPr lang="en-IN" sz="2000" dirty="0">
-              <a:effectLst/>
-              <a:latin typeface="Calibri" panose="020F0502020204030204" pitchFamily="34" charset="0"/>
-              <a:ea typeface="Calibri" panose="020F0502020204030204" pitchFamily="34" charset="0"/>
-              <a:cs typeface="Times New Roman" panose="02020603050405020304" pitchFamily="18" charset="0"/>
-            </a:endParaRPr>
-          </a:p>
         </p:txBody>
       </p:sp>
       <p:sp>
@@ -8765,8 +9202,8 @@
         </p:nvSpPr>
         <p:spPr bwMode="auto">
           <a:xfrm>
-            <a:off x="924061" y="4455880"/>
-            <a:ext cx="10758488" cy="2123658"/>
+            <a:off x="924061" y="4576903"/>
+            <a:ext cx="10758488" cy="1384995"/>
           </a:xfrm>
           <a:prstGeom prst="rect">
             <a:avLst/>
@@ -8778,14 +9215,14 @@
           <a:effectLst/>
           <a:extLst>
             <a:ext uri="{909E8E84-426E-40DD-AFC4-6F175D3DCCD1}">
-              <a14:hiddenFill xmlns:a14="http://schemas.microsoft.com/office/drawing/2010/main" xmlns="">
+              <a14:hiddenFill xmlns="" xmlns:a14="http://schemas.microsoft.com/office/drawing/2010/main">
                 <a:solidFill>
                   <a:schemeClr val="accent1"/>
                 </a:solidFill>
               </a14:hiddenFill>
             </a:ext>
             <a:ext uri="{91240B29-F687-4F45-9708-019B960494DF}">
-              <a14:hiddenLine xmlns:a14="http://schemas.microsoft.com/office/drawing/2010/main" xmlns="" w="9525">
+              <a14:hiddenLine xmlns="" xmlns:a14="http://schemas.microsoft.com/office/drawing/2010/main" w="9525">
                 <a:solidFill>
                   <a:schemeClr val="tx1"/>
                 </a:solidFill>
@@ -8795,7 +9232,7 @@
               </a14:hiddenLine>
             </a:ext>
             <a:ext uri="{AF507438-7753-43E0-B8FC-AC1667EBCBE1}">
-              <a14:hiddenEffects xmlns:a14="http://schemas.microsoft.com/office/drawing/2010/main" xmlns="">
+              <a14:hiddenEffects xmlns="" xmlns:a14="http://schemas.microsoft.com/office/drawing/2010/main">
                 <a:effectLst>
                   <a:outerShdw dist="35921" dir="2700000" algn="ctr" rotWithShape="0">
                     <a:schemeClr val="bg2"/>
@@ -8899,83 +9336,17 @@
                 <a:ea typeface="Calibri" panose="020F0502020204030204" pitchFamily="34" charset="0"/>
                 <a:cs typeface="Calibri" panose="020F0502020204030204" pitchFamily="34" charset="0"/>
               </a:rPr>
-              <a:t> -1 		 [ Tolerance </a:t>
-            </a:r>
-            <a:r>
-              <a:rPr kumimoji="0" lang="en-US" altLang="en-US" sz="2800" b="1" i="0" u="none" strike="noStrike" cap="none" normalizeH="0" baseline="0" dirty="0" err="1">
-                <a:ln>
-                  <a:noFill/>
-                </a:ln>
-                <a:solidFill>
-                  <a:schemeClr val="tx1"/>
-                </a:solidFill>
-                <a:effectLst/>
-                <a:latin typeface="Calibri" panose="020F0502020204030204" pitchFamily="34" charset="0"/>
-                <a:ea typeface="Calibri" panose="020F0502020204030204" pitchFamily="34" charset="0"/>
-                <a:cs typeface="Calibri" panose="020F0502020204030204" pitchFamily="34" charset="0"/>
-              </a:rPr>
-              <a:t>Ƭ</a:t>
-            </a:r>
-            <a:r>
-              <a:rPr kumimoji="0" lang="en-US" altLang="en-US" sz="2800" b="1" i="0" u="none" strike="noStrike" cap="none" normalizeH="0" baseline="-30000" dirty="0" err="1">
-                <a:ln>
-                  <a:noFill/>
-                </a:ln>
-                <a:solidFill>
-                  <a:schemeClr val="tx1"/>
-                </a:solidFill>
-                <a:effectLst/>
-                <a:latin typeface="Calibri" panose="020F0502020204030204" pitchFamily="34" charset="0"/>
-                <a:ea typeface="Calibri" panose="020F0502020204030204" pitchFamily="34" charset="0"/>
-                <a:cs typeface="Calibri" panose="020F0502020204030204" pitchFamily="34" charset="0"/>
-              </a:rPr>
-              <a:t>i</a:t>
-            </a:r>
-            <a:r>
-              <a:rPr kumimoji="0" lang="en-US" altLang="en-US" sz="2800" b="1" i="0" u="none" strike="noStrike" cap="none" normalizeH="0" baseline="0" dirty="0">
-                <a:ln>
-                  <a:noFill/>
-                </a:ln>
-                <a:solidFill>
-                  <a:schemeClr val="tx1"/>
-                </a:solidFill>
-                <a:effectLst/>
-                <a:latin typeface="Calibri" panose="020F0502020204030204" pitchFamily="34" charset="0"/>
-                <a:ea typeface="Calibri" panose="020F0502020204030204" pitchFamily="34" charset="0"/>
-                <a:cs typeface="Calibri" panose="020F0502020204030204" pitchFamily="34" charset="0"/>
-              </a:rPr>
-              <a:t> =  1/ 2 </a:t>
-            </a:r>
-            <a:r>
-              <a:rPr kumimoji="0" lang="en-US" altLang="en-US" sz="2800" b="1" i="0" u="none" strike="noStrike" cap="none" normalizeH="0" baseline="30000" dirty="0">
-                <a:ln>
-                  <a:noFill/>
-                </a:ln>
-                <a:solidFill>
-                  <a:schemeClr val="tx1"/>
-                </a:solidFill>
-                <a:effectLst/>
-                <a:latin typeface="Calibri" panose="020F0502020204030204" pitchFamily="34" charset="0"/>
-                <a:ea typeface="Calibri" panose="020F0502020204030204" pitchFamily="34" charset="0"/>
-                <a:cs typeface="Calibri" panose="020F0502020204030204" pitchFamily="34" charset="0"/>
-              </a:rPr>
-              <a:t>D/B </a:t>
-            </a:r>
-            <a:r>
-              <a:rPr kumimoji="0" lang="en-US" altLang="en-US" sz="2800" b="1" i="0" u="none" strike="noStrike" cap="none" normalizeH="0" baseline="0" dirty="0">
-                <a:ln>
-                  <a:noFill/>
-                </a:ln>
-                <a:solidFill>
-                  <a:schemeClr val="tx1"/>
-                </a:solidFill>
-                <a:effectLst/>
-                <a:latin typeface="Calibri" panose="020F0502020204030204" pitchFamily="34" charset="0"/>
-                <a:ea typeface="Calibri" panose="020F0502020204030204" pitchFamily="34" charset="0"/>
-                <a:cs typeface="Calibri" panose="020F0502020204030204" pitchFamily="34" charset="0"/>
-              </a:rPr>
-              <a:t> -1 ]</a:t>
-            </a:r>
+              <a:t> -1 		</a:t>
+            </a:r>
+            <a:endParaRPr kumimoji="0" lang="en-US" altLang="en-US" sz="2000" b="0" i="0" u="none" strike="noStrike" cap="none" normalizeH="0" baseline="0" dirty="0">
+              <a:ln>
+                <a:noFill/>
+              </a:ln>
+              <a:solidFill>
+                <a:schemeClr val="tx1"/>
+              </a:solidFill>
+              <a:effectLst/>
+            </a:endParaRPr>
           </a:p>
           <a:p>
             <a:pPr marL="0" marR="0" lvl="0" indent="457200" algn="l" defTabSz="914400" rtl="0" eaLnBrk="0" fontAlgn="base" latinLnBrk="0" hangingPunct="0">
@@ -8994,55 +9365,6 @@
               <a:buNone/>
               <a:tabLst/>
             </a:pPr>
-            <a:endParaRPr lang="en-US" altLang="en-US" sz="2800" b="1" dirty="0">
-              <a:latin typeface="Calibri" panose="020F0502020204030204" pitchFamily="34" charset="0"/>
-              <a:cs typeface="Calibri" panose="020F0502020204030204" pitchFamily="34" charset="0"/>
-            </a:endParaRPr>
-          </a:p>
-          <a:p>
-            <a:pPr marL="0" marR="0" lvl="0" indent="457200" algn="l" defTabSz="914400" rtl="0" eaLnBrk="0" fontAlgn="base" latinLnBrk="0" hangingPunct="0">
-              <a:lnSpc>
-                <a:spcPct val="100000"/>
-              </a:lnSpc>
-              <a:spcBef>
-                <a:spcPct val="0"/>
-              </a:spcBef>
-              <a:spcAft>
-                <a:spcPct val="0"/>
-              </a:spcAft>
-              <a:buClrTx/>
-              <a:buSzTx/>
-              <a:buFontTx/>
-              <a:buNone/>
-              <a:tabLst/>
-            </a:pPr>
-            <a:endParaRPr kumimoji="0" lang="en-US" altLang="en-US" sz="2000" b="0" i="0" u="none" strike="noStrike" cap="none" normalizeH="0" baseline="0" dirty="0">
-              <a:ln>
-                <a:noFill/>
-              </a:ln>
-              <a:solidFill>
-                <a:schemeClr val="tx1"/>
-              </a:solidFill>
-              <a:effectLst/>
-            </a:endParaRPr>
-          </a:p>
-          <a:p>
-            <a:pPr marL="0" marR="0" lvl="0" indent="457200" algn="l" defTabSz="914400" rtl="0" eaLnBrk="0" fontAlgn="base" latinLnBrk="0" hangingPunct="0">
-              <a:lnSpc>
-                <a:spcPct val="100000"/>
-              </a:lnSpc>
-              <a:spcBef>
-                <a:spcPct val="0"/>
-              </a:spcBef>
-              <a:spcAft>
-                <a:spcPct val="0"/>
-              </a:spcAft>
-              <a:buClrTx/>
-              <a:buSzTx/>
-              <a:buFontTx/>
-              <a:buNone/>
-              <a:tabLst/>
-            </a:pPr>
             <a:r>
               <a:rPr kumimoji="0" lang="en-US" altLang="en-US" sz="2800" b="0" i="0" u="none" strike="noStrike" cap="none" normalizeH="0" baseline="0" dirty="0">
                 <a:ln>
@@ -9071,7 +9393,37 @@
                 <a:ea typeface="Calibri" panose="020F0502020204030204" pitchFamily="34" charset="0"/>
                 <a:cs typeface="Calibri" panose="020F0502020204030204" pitchFamily="34" charset="0"/>
               </a:rPr>
-              <a:t>		∑ I  ≤ </a:t>
+              <a:t>	</a:t>
+            </a:r>
+            <a:r>
+              <a:rPr kumimoji="0" lang="en-US" altLang="en-US" sz="2800" b="1" i="0" u="none" strike="noStrike" cap="none" normalizeH="0" baseline="0" dirty="0" smtClean="0">
+                <a:ln>
+                  <a:noFill/>
+                </a:ln>
+                <a:solidFill>
+                  <a:schemeClr val="tx1"/>
+                </a:solidFill>
+                <a:effectLst/>
+                <a:latin typeface="Calibri" panose="020F0502020204030204" pitchFamily="34" charset="0"/>
+                <a:ea typeface="Calibri" panose="020F0502020204030204" pitchFamily="34" charset="0"/>
+                <a:cs typeface="Calibri" panose="020F0502020204030204" pitchFamily="34" charset="0"/>
+              </a:rPr>
+              <a:t>∑ </a:t>
+            </a:r>
+            <a:r>
+              <a:rPr kumimoji="0" lang="en-US" altLang="en-US" sz="2800" b="1" i="0" u="none" strike="noStrike" cap="none" normalizeH="0" baseline="0" dirty="0">
+                <a:ln>
+                  <a:noFill/>
+                </a:ln>
+                <a:solidFill>
+                  <a:schemeClr val="tx1"/>
+                </a:solidFill>
+                <a:effectLst/>
+                <a:latin typeface="Calibri" panose="020F0502020204030204" pitchFamily="34" charset="0"/>
+                <a:ea typeface="Calibri" panose="020F0502020204030204" pitchFamily="34" charset="0"/>
+                <a:cs typeface="Calibri" panose="020F0502020204030204" pitchFamily="34" charset="0"/>
+              </a:rPr>
+              <a:t>I  ≤ </a:t>
             </a:r>
             <a:r>
               <a:rPr kumimoji="0" lang="en-US" altLang="en-US" sz="2800" b="1" i="0" u="none" strike="noStrike" cap="none" normalizeH="0" baseline="0" dirty="0" err="1">
@@ -9139,7 +9491,7 @@
         </p:nvSpPr>
         <p:spPr>
           <a:xfrm>
-            <a:off x="1392750" y="1729043"/>
+            <a:off x="1640947" y="1363279"/>
             <a:ext cx="4390946" cy="369332"/>
           </a:xfrm>
           <a:prstGeom prst="rect">
@@ -9154,11 +9506,7 @@
           <a:p>
             <a:r>
               <a:rPr lang="en-IN" dirty="0" smtClean="0"/>
-              <a:t>Now the Signal </a:t>
-            </a:r>
-            <a:r>
-              <a:rPr lang="en-IN" dirty="0" smtClean="0"/>
-              <a:t>to Noise Ratio(</a:t>
+              <a:t>Now the Signal to Noise Ratio(</a:t>
             </a:r>
             <a:r>
               <a:rPr lang="en-IN" b="1" dirty="0" smtClean="0"/>
@@ -9173,19 +9521,105 @@
               <a:t>, </a:t>
             </a:r>
             <a:endParaRPr lang="en-IN" dirty="0"/>
+          </a:p>
+        </p:txBody>
+      </p:sp>
+      <p:sp>
+        <p:nvSpPr>
+          <p:cNvPr id="22" name="TextBox 21"/>
+          <p:cNvSpPr txBox="1"/>
+          <p:nvPr/>
+        </p:nvSpPr>
+        <p:spPr>
+          <a:xfrm>
+            <a:off x="8041343" y="5553635"/>
+            <a:ext cx="2918011" cy="369332"/>
+          </a:xfrm>
+          <a:prstGeom prst="rect">
+            <a:avLst/>
+          </a:prstGeom>
+          <a:solidFill>
+            <a:schemeClr val="accent6">
+              <a:lumMod val="40000"/>
+              <a:lumOff val="60000"/>
+            </a:schemeClr>
+          </a:solidFill>
+        </p:spPr>
+        <p:txBody>
+          <a:bodyPr wrap="square" rtlCol="0">
+            <a:spAutoFit/>
+          </a:bodyPr>
+          <a:lstStyle/>
+          <a:p>
+            <a:r>
+              <a:rPr lang="en-US" altLang="en-US" b="1" dirty="0" smtClean="0">
+                <a:latin typeface="Calibri" panose="020F0502020204030204" pitchFamily="34" charset="0"/>
+                <a:ea typeface="Calibri" panose="020F0502020204030204" pitchFamily="34" charset="0"/>
+                <a:cs typeface="Calibri" panose="020F0502020204030204" pitchFamily="34" charset="0"/>
+              </a:rPr>
+              <a:t> [ Tolerance </a:t>
+            </a:r>
+            <a:r>
+              <a:rPr lang="en-US" altLang="en-US" b="1" dirty="0" err="1" smtClean="0">
+                <a:latin typeface="Calibri" panose="020F0502020204030204" pitchFamily="34" charset="0"/>
+                <a:ea typeface="Calibri" panose="020F0502020204030204" pitchFamily="34" charset="0"/>
+                <a:cs typeface="Calibri" panose="020F0502020204030204" pitchFamily="34" charset="0"/>
+              </a:rPr>
+              <a:t>Ƭ</a:t>
+            </a:r>
+            <a:r>
+              <a:rPr lang="en-US" altLang="en-US" b="1" baseline="-30000" dirty="0" err="1" smtClean="0">
+                <a:latin typeface="Calibri" panose="020F0502020204030204" pitchFamily="34" charset="0"/>
+                <a:ea typeface="Calibri" panose="020F0502020204030204" pitchFamily="34" charset="0"/>
+                <a:cs typeface="Calibri" panose="020F0502020204030204" pitchFamily="34" charset="0"/>
+              </a:rPr>
+              <a:t>i</a:t>
+            </a:r>
+            <a:r>
+              <a:rPr lang="en-US" altLang="en-US" b="1" dirty="0" smtClean="0">
+                <a:latin typeface="Calibri" panose="020F0502020204030204" pitchFamily="34" charset="0"/>
+                <a:ea typeface="Calibri" panose="020F0502020204030204" pitchFamily="34" charset="0"/>
+                <a:cs typeface="Calibri" panose="020F0502020204030204" pitchFamily="34" charset="0"/>
+              </a:rPr>
+              <a:t> =  1/ 2 </a:t>
+            </a:r>
+            <a:r>
+              <a:rPr lang="en-US" altLang="en-US" b="1" baseline="30000" dirty="0" smtClean="0">
+                <a:latin typeface="Calibri" panose="020F0502020204030204" pitchFamily="34" charset="0"/>
+                <a:ea typeface="Calibri" panose="020F0502020204030204" pitchFamily="34" charset="0"/>
+                <a:cs typeface="Calibri" panose="020F0502020204030204" pitchFamily="34" charset="0"/>
+              </a:rPr>
+              <a:t>D/B </a:t>
+            </a:r>
+            <a:r>
+              <a:rPr lang="en-US" altLang="en-US" b="1" dirty="0" smtClean="0">
+                <a:latin typeface="Calibri" panose="020F0502020204030204" pitchFamily="34" charset="0"/>
+                <a:ea typeface="Calibri" panose="020F0502020204030204" pitchFamily="34" charset="0"/>
+                <a:cs typeface="Calibri" panose="020F0502020204030204" pitchFamily="34" charset="0"/>
+              </a:rPr>
+              <a:t> -1 ]</a:t>
+            </a:r>
+            <a:endParaRPr lang="en-US" dirty="0"/>
           </a:p>
         </p:txBody>
       </p:sp>
     </p:spTree>
     <p:extLst>
       <p:ext uri="{BB962C8B-B14F-4D97-AF65-F5344CB8AC3E}">
-        <p14:creationId xmlns:p14="http://schemas.microsoft.com/office/powerpoint/2010/main" xmlns="" val="721302510"/>
+        <p14:creationId xmlns="" xmlns:p14="http://schemas.microsoft.com/office/powerpoint/2010/main" val="721302510"/>
       </p:ext>
     </p:extLst>
   </p:cSld>
   <p:clrMapOvr>
     <a:masterClrMapping/>
   </p:clrMapOvr>
+  <p:timing>
+    <p:tnLst>
+      <p:par>
+        <p:cTn id="1" dur="indefinite" restart="never" nodeType="tmRoot"/>
+      </p:par>
+    </p:tnLst>
+  </p:timing>
 </p:sld>
 </file>
 
@@ -9211,10 +9645,10 @@
           <p:cNvPr id="9" name="Rectangle 8">
             <a:extLst>
               <a:ext uri="{FF2B5EF4-FFF2-40B4-BE49-F238E27FC236}">
-                <a16:creationId xmlns:a16="http://schemas.microsoft.com/office/drawing/2014/main" xmlns="" id="{37B5A23F-7276-435D-91DA-09104D77774D}"/>
+                <a16:creationId xmlns="" xmlns:a16="http://schemas.microsoft.com/office/drawing/2014/main" id="{37B5A23F-7276-435D-91DA-09104D77774D}"/>
               </a:ext>
               <a:ext uri="{C183D7F6-B498-43B3-948B-1728B52AA6E4}">
-                <adec:decorative xmlns:adec="http://schemas.microsoft.com/office/drawing/2017/decorative" xmlns="" val="1"/>
+                <adec:decorative xmlns="" xmlns:adec="http://schemas.microsoft.com/office/drawing/2017/decorative" val="1"/>
               </a:ext>
             </a:extLst>
           </p:cNvPr>
@@ -9224,7 +9658,7 @@
           <p:nvPr>
             <p:extLst>
               <p:ext uri="{386F3935-93C4-4BCD-93E2-E3B085C9AB24}">
-                <p16:designElem xmlns:p16="http://schemas.microsoft.com/office/powerpoint/2015/main" xmlns="" val="1"/>
+                <p16:designElem xmlns="" xmlns:p16="http://schemas.microsoft.com/office/powerpoint/2015/main" val="1"/>
               </p:ext>
             </p:extLst>
           </p:nvPr>
@@ -9271,10 +9705,10 @@
           <p:cNvPr id="11" name="Rectangle 10">
             <a:extLst>
               <a:ext uri="{FF2B5EF4-FFF2-40B4-BE49-F238E27FC236}">
-                <a16:creationId xmlns:a16="http://schemas.microsoft.com/office/drawing/2014/main" xmlns="" id="{2F3ECD7F-BF61-4CB1-AA15-464BB771E778}"/>
+                <a16:creationId xmlns="" xmlns:a16="http://schemas.microsoft.com/office/drawing/2014/main" id="{2F3ECD7F-BF61-4CB1-AA15-464BB771E778}"/>
               </a:ext>
               <a:ext uri="{C183D7F6-B498-43B3-948B-1728B52AA6E4}">
-                <adec:decorative xmlns:adec="http://schemas.microsoft.com/office/drawing/2017/decorative" xmlns="" val="1"/>
+                <adec:decorative xmlns="" xmlns:adec="http://schemas.microsoft.com/office/drawing/2017/decorative" val="1"/>
               </a:ext>
             </a:extLst>
           </p:cNvPr>
@@ -9284,7 +9718,7 @@
           <p:nvPr>
             <p:extLst>
               <p:ext uri="{386F3935-93C4-4BCD-93E2-E3B085C9AB24}">
-                <p16:designElem xmlns:p16="http://schemas.microsoft.com/office/powerpoint/2015/main" xmlns="" val="1"/>
+                <p16:designElem xmlns="" xmlns:p16="http://schemas.microsoft.com/office/powerpoint/2015/main" val="1"/>
               </p:ext>
             </p:extLst>
           </p:nvPr>
@@ -9331,10 +9765,10 @@
           <p:cNvPr id="13" name="Rectangle 12">
             <a:extLst>
               <a:ext uri="{FF2B5EF4-FFF2-40B4-BE49-F238E27FC236}">
-                <a16:creationId xmlns:a16="http://schemas.microsoft.com/office/drawing/2014/main" xmlns="" id="{966F1B29-3A08-4DB7-9F92-4C09B3BCFF14}"/>
+                <a16:creationId xmlns="" xmlns:a16="http://schemas.microsoft.com/office/drawing/2014/main" id="{966F1B29-3A08-4DB7-9F92-4C09B3BCFF14}"/>
               </a:ext>
               <a:ext uri="{C183D7F6-B498-43B3-948B-1728B52AA6E4}">
-                <adec:decorative xmlns:adec="http://schemas.microsoft.com/office/drawing/2017/decorative" xmlns="" val="1"/>
+                <adec:decorative xmlns="" xmlns:adec="http://schemas.microsoft.com/office/drawing/2017/decorative" val="1"/>
               </a:ext>
             </a:extLst>
           </p:cNvPr>
@@ -9344,7 +9778,7 @@
           <p:nvPr>
             <p:extLst>
               <p:ext uri="{386F3935-93C4-4BCD-93E2-E3B085C9AB24}">
-                <p16:designElem xmlns:p16="http://schemas.microsoft.com/office/powerpoint/2015/main" xmlns="" val="1"/>
+                <p16:designElem xmlns="" xmlns:p16="http://schemas.microsoft.com/office/powerpoint/2015/main" val="1"/>
               </p:ext>
             </p:extLst>
           </p:nvPr>
@@ -9388,10 +9822,10 @@
           <p:cNvPr id="15" name="Freeform 5">
             <a:extLst>
               <a:ext uri="{FF2B5EF4-FFF2-40B4-BE49-F238E27FC236}">
-                <a16:creationId xmlns:a16="http://schemas.microsoft.com/office/drawing/2014/main" xmlns="" id="{44A5AAD1-9616-4E1C-B3AC-E5497A6A3C2A}"/>
+                <a16:creationId xmlns="" xmlns:a16="http://schemas.microsoft.com/office/drawing/2014/main" id="{44A5AAD1-9616-4E1C-B3AC-E5497A6A3C2A}"/>
               </a:ext>
               <a:ext uri="{C183D7F6-B498-43B3-948B-1728B52AA6E4}">
-                <adec:decorative xmlns:adec="http://schemas.microsoft.com/office/drawing/2017/decorative" xmlns="" val="1"/>
+                <adec:decorative xmlns="" xmlns:adec="http://schemas.microsoft.com/office/drawing/2017/decorative" val="1"/>
               </a:ext>
             </a:extLst>
           </p:cNvPr>
@@ -9401,7 +9835,7 @@
           <p:nvPr>
             <p:extLst>
               <p:ext uri="{386F3935-93C4-4BCD-93E2-E3B085C9AB24}">
-                <p16:designElem xmlns:p16="http://schemas.microsoft.com/office/powerpoint/2015/main" xmlns="" val="1"/>
+                <p16:designElem xmlns="" xmlns:p16="http://schemas.microsoft.com/office/powerpoint/2015/main" val="1"/>
               </p:ext>
             </p:extLst>
           </p:nvPr>
@@ -10411,13 +10845,20 @@
     </p:spTree>
     <p:extLst>
       <p:ext uri="{BB962C8B-B14F-4D97-AF65-F5344CB8AC3E}">
-        <p14:creationId xmlns:p14="http://schemas.microsoft.com/office/powerpoint/2010/main" xmlns="" val="3385852544"/>
+        <p14:creationId xmlns="" xmlns:p14="http://schemas.microsoft.com/office/powerpoint/2010/main" val="3385852544"/>
       </p:ext>
     </p:extLst>
   </p:cSld>
   <p:clrMapOvr>
     <a:masterClrMapping/>
   </p:clrMapOvr>
+  <p:timing>
+    <p:tnLst>
+      <p:par>
+        <p:cTn id="1" dur="indefinite" restart="never" nodeType="tmRoot"/>
+      </p:par>
+    </p:tnLst>
+  </p:timing>
 </p:sld>
 </file>
 
@@ -10499,10 +10940,10 @@
           <p:cNvPr id="7" name="Rectangle 6">
             <a:extLst>
               <a:ext uri="{FF2B5EF4-FFF2-40B4-BE49-F238E27FC236}">
-                <a16:creationId xmlns:a16="http://schemas.microsoft.com/office/drawing/2014/main" xmlns="" id="{37B5A23F-7276-435D-91DA-09104D77774D}"/>
+                <a16:creationId xmlns="" xmlns:a16="http://schemas.microsoft.com/office/drawing/2014/main" id="{37B5A23F-7276-435D-91DA-09104D77774D}"/>
               </a:ext>
               <a:ext uri="{C183D7F6-B498-43B3-948B-1728B52AA6E4}">
-                <adec:decorative xmlns:adec="http://schemas.microsoft.com/office/drawing/2017/decorative" xmlns="" val="1"/>
+                <adec:decorative xmlns="" xmlns:adec="http://schemas.microsoft.com/office/drawing/2017/decorative" val="1"/>
               </a:ext>
             </a:extLst>
           </p:cNvPr>
@@ -10512,7 +10953,7 @@
           <p:nvPr>
             <p:extLst>
               <p:ext uri="{386F3935-93C4-4BCD-93E2-E3B085C9AB24}">
-                <p16:designElem xmlns:p16="http://schemas.microsoft.com/office/powerpoint/2015/main" xmlns="" val="1"/>
+                <p16:designElem xmlns="" xmlns:p16="http://schemas.microsoft.com/office/powerpoint/2015/main" val="1"/>
               </p:ext>
             </p:extLst>
           </p:nvPr>
@@ -10559,10 +11000,10 @@
           <p:cNvPr id="8" name="Rectangle 7">
             <a:extLst>
               <a:ext uri="{FF2B5EF4-FFF2-40B4-BE49-F238E27FC236}">
-                <a16:creationId xmlns:a16="http://schemas.microsoft.com/office/drawing/2014/main" xmlns="" id="{2F3ECD7F-BF61-4CB1-AA15-464BB771E778}"/>
+                <a16:creationId xmlns="" xmlns:a16="http://schemas.microsoft.com/office/drawing/2014/main" id="{2F3ECD7F-BF61-4CB1-AA15-464BB771E778}"/>
               </a:ext>
               <a:ext uri="{C183D7F6-B498-43B3-948B-1728B52AA6E4}">
-                <adec:decorative xmlns:adec="http://schemas.microsoft.com/office/drawing/2017/decorative" xmlns="" val="1"/>
+                <adec:decorative xmlns="" xmlns:adec="http://schemas.microsoft.com/office/drawing/2017/decorative" val="1"/>
               </a:ext>
             </a:extLst>
           </p:cNvPr>
@@ -10572,7 +11013,7 @@
           <p:nvPr>
             <p:extLst>
               <p:ext uri="{386F3935-93C4-4BCD-93E2-E3B085C9AB24}">
-                <p16:designElem xmlns:p16="http://schemas.microsoft.com/office/powerpoint/2015/main" xmlns="" val="1"/>
+                <p16:designElem xmlns="" xmlns:p16="http://schemas.microsoft.com/office/powerpoint/2015/main" val="1"/>
               </p:ext>
             </p:extLst>
           </p:nvPr>
@@ -10619,10 +11060,10 @@
           <p:cNvPr id="9" name="Rectangle 8">
             <a:extLst>
               <a:ext uri="{FF2B5EF4-FFF2-40B4-BE49-F238E27FC236}">
-                <a16:creationId xmlns:a16="http://schemas.microsoft.com/office/drawing/2014/main" xmlns="" id="{966F1B29-3A08-4DB7-9F92-4C09B3BCFF14}"/>
+                <a16:creationId xmlns="" xmlns:a16="http://schemas.microsoft.com/office/drawing/2014/main" id="{966F1B29-3A08-4DB7-9F92-4C09B3BCFF14}"/>
               </a:ext>
               <a:ext uri="{C183D7F6-B498-43B3-948B-1728B52AA6E4}">
-                <adec:decorative xmlns:adec="http://schemas.microsoft.com/office/drawing/2017/decorative" xmlns="" val="1"/>
+                <adec:decorative xmlns="" xmlns:adec="http://schemas.microsoft.com/office/drawing/2017/decorative" val="1"/>
               </a:ext>
             </a:extLst>
           </p:cNvPr>
@@ -10632,7 +11073,7 @@
           <p:nvPr>
             <p:extLst>
               <p:ext uri="{386F3935-93C4-4BCD-93E2-E3B085C9AB24}">
-                <p16:designElem xmlns:p16="http://schemas.microsoft.com/office/powerpoint/2015/main" xmlns="" val="1"/>
+                <p16:designElem xmlns="" xmlns:p16="http://schemas.microsoft.com/office/powerpoint/2015/main" val="1"/>
               </p:ext>
             </p:extLst>
           </p:nvPr>
@@ -10676,10 +11117,10 @@
           <p:cNvPr id="10" name="Freeform 5">
             <a:extLst>
               <a:ext uri="{FF2B5EF4-FFF2-40B4-BE49-F238E27FC236}">
-                <a16:creationId xmlns:a16="http://schemas.microsoft.com/office/drawing/2014/main" xmlns="" id="{44A5AAD1-9616-4E1C-B3AC-E5497A6A3C2A}"/>
+                <a16:creationId xmlns="" xmlns:a16="http://schemas.microsoft.com/office/drawing/2014/main" id="{44A5AAD1-9616-4E1C-B3AC-E5497A6A3C2A}"/>
               </a:ext>
               <a:ext uri="{C183D7F6-B498-43B3-948B-1728B52AA6E4}">
-                <adec:decorative xmlns:adec="http://schemas.microsoft.com/office/drawing/2017/decorative" xmlns="" val="1"/>
+                <adec:decorative xmlns="" xmlns:adec="http://schemas.microsoft.com/office/drawing/2017/decorative" val="1"/>
               </a:ext>
             </a:extLst>
           </p:cNvPr>
@@ -10689,7 +11130,7 @@
           <p:nvPr>
             <p:extLst>
               <p:ext uri="{386F3935-93C4-4BCD-93E2-E3B085C9AB24}">
-                <p16:designElem xmlns:p16="http://schemas.microsoft.com/office/powerpoint/2015/main" xmlns="" val="1"/>
+                <p16:designElem xmlns="" xmlns:p16="http://schemas.microsoft.com/office/powerpoint/2015/main" val="1"/>
               </p:ext>
             </p:extLst>
           </p:nvPr>
@@ -11697,13 +12138,20 @@
     </p:spTree>
     <p:extLst>
       <p:ext uri="{BB962C8B-B14F-4D97-AF65-F5344CB8AC3E}">
-        <p14:creationId xmlns:p14="http://schemas.microsoft.com/office/powerpoint/2010/main" xmlns="" val="3158775381"/>
+        <p14:creationId xmlns="" xmlns:p14="http://schemas.microsoft.com/office/powerpoint/2010/main" val="3158775381"/>
       </p:ext>
     </p:extLst>
   </p:cSld>
   <p:clrMapOvr>
     <a:masterClrMapping/>
   </p:clrMapOvr>
+  <p:timing>
+    <p:tnLst>
+      <p:par>
+        <p:cTn id="1" dur="indefinite" restart="never" nodeType="tmRoot"/>
+      </p:par>
+    </p:tnLst>
+  </p:timing>
 </p:sld>
 </file>
 
@@ -11843,13 +12291,20 @@
     </p:spTree>
     <p:extLst>
       <p:ext uri="{BB962C8B-B14F-4D97-AF65-F5344CB8AC3E}">
-        <p14:creationId xmlns:p14="http://schemas.microsoft.com/office/powerpoint/2010/main" xmlns="" val="4256682063"/>
+        <p14:creationId xmlns="" xmlns:p14="http://schemas.microsoft.com/office/powerpoint/2010/main" val="4256682063"/>
       </p:ext>
     </p:extLst>
   </p:cSld>
   <p:clrMapOvr>
     <a:masterClrMapping/>
   </p:clrMapOvr>
+  <p:timing>
+    <p:tnLst>
+      <p:par>
+        <p:cTn id="1" dur="indefinite" restart="never" nodeType="tmRoot"/>
+      </p:par>
+    </p:tnLst>
+  </p:timing>
 </p:sld>
 </file>
 
@@ -12022,13 +12477,20 @@
     </p:spTree>
     <p:extLst>
       <p:ext uri="{BB962C8B-B14F-4D97-AF65-F5344CB8AC3E}">
-        <p14:creationId xmlns:p14="http://schemas.microsoft.com/office/powerpoint/2010/main" xmlns="" val="242805364"/>
+        <p14:creationId xmlns="" xmlns:p14="http://schemas.microsoft.com/office/powerpoint/2010/main" val="242805364"/>
       </p:ext>
     </p:extLst>
   </p:cSld>
   <p:clrMapOvr>
     <a:masterClrMapping/>
   </p:clrMapOvr>
+  <p:timing>
+    <p:tnLst>
+      <p:par>
+        <p:cTn id="1" dur="indefinite" restart="never" nodeType="tmRoot"/>
+      </p:par>
+    </p:tnLst>
+  </p:timing>
 </p:sld>
 </file>
 
@@ -12207,13 +12669,20 @@
     </p:spTree>
     <p:extLst>
       <p:ext uri="{BB962C8B-B14F-4D97-AF65-F5344CB8AC3E}">
-        <p14:creationId xmlns:p14="http://schemas.microsoft.com/office/powerpoint/2010/main" xmlns="" val="1508123000"/>
+        <p14:creationId xmlns="" xmlns:p14="http://schemas.microsoft.com/office/powerpoint/2010/main" val="1508123000"/>
       </p:ext>
     </p:extLst>
   </p:cSld>
   <p:clrMapOvr>
     <a:masterClrMapping/>
   </p:clrMapOvr>
+  <p:timing>
+    <p:tnLst>
+      <p:par>
+        <p:cTn id="1" dur="indefinite" restart="never" nodeType="tmRoot"/>
+      </p:par>
+    </p:tnLst>
+  </p:timing>
 </p:sld>
 </file>
 
@@ -12278,13 +12747,20 @@
     </p:spTree>
     <p:extLst>
       <p:ext uri="{BB962C8B-B14F-4D97-AF65-F5344CB8AC3E}">
-        <p14:creationId xmlns:p14="http://schemas.microsoft.com/office/powerpoint/2010/main" xmlns="" val="1995287931"/>
+        <p14:creationId xmlns="" xmlns:p14="http://schemas.microsoft.com/office/powerpoint/2010/main" val="1995287931"/>
       </p:ext>
     </p:extLst>
   </p:cSld>
   <p:clrMapOvr>
     <a:masterClrMapping/>
   </p:clrMapOvr>
+  <p:timing>
+    <p:tnLst>
+      <p:par>
+        <p:cTn id="1" dur="indefinite" restart="never" nodeType="tmRoot"/>
+      </p:par>
+    </p:tnLst>
+  </p:timing>
 </p:sld>
 </file>
 
@@ -12452,7 +12928,7 @@
     </p:spTree>
     <p:extLst>
       <p:ext uri="{BB962C8B-B14F-4D97-AF65-F5344CB8AC3E}">
-        <p14:creationId xmlns:p14="http://schemas.microsoft.com/office/powerpoint/2010/main" xmlns="" val="2040139084"/>
+        <p14:creationId xmlns="" xmlns:p14="http://schemas.microsoft.com/office/powerpoint/2010/main" val="2040139084"/>
       </p:ext>
     </p:extLst>
   </p:cSld>
@@ -12655,7 +13131,7 @@
     </p:spTree>
     <p:extLst>
       <p:ext uri="{BB962C8B-B14F-4D97-AF65-F5344CB8AC3E}">
-        <p14:creationId xmlns:p14="http://schemas.microsoft.com/office/powerpoint/2010/main" xmlns="" val="1869026259"/>
+        <p14:creationId xmlns="" xmlns:p14="http://schemas.microsoft.com/office/powerpoint/2010/main" val="1869026259"/>
       </p:ext>
     </p:extLst>
   </p:cSld>
@@ -12842,7 +13318,7 @@
     </p:spTree>
     <p:extLst>
       <p:ext uri="{BB962C8B-B14F-4D97-AF65-F5344CB8AC3E}">
-        <p14:creationId xmlns:p14="http://schemas.microsoft.com/office/powerpoint/2010/main" xmlns="" val="2370177927"/>
+        <p14:creationId xmlns="" xmlns:p14="http://schemas.microsoft.com/office/powerpoint/2010/main" val="2370177927"/>
       </p:ext>
     </p:extLst>
   </p:cSld>
@@ -12994,7 +13470,7 @@
     </p:spTree>
     <p:extLst>
       <p:ext uri="{BB962C8B-B14F-4D97-AF65-F5344CB8AC3E}">
-        <p14:creationId xmlns:p14="http://schemas.microsoft.com/office/powerpoint/2010/main" xmlns="" val="361751433"/>
+        <p14:creationId xmlns="" xmlns:p14="http://schemas.microsoft.com/office/powerpoint/2010/main" val="361751433"/>
       </p:ext>
     </p:extLst>
   </p:cSld>
@@ -13121,7 +13597,7 @@
     </p:spTree>
     <p:extLst>
       <p:ext uri="{BB962C8B-B14F-4D97-AF65-F5344CB8AC3E}">
-        <p14:creationId xmlns:p14="http://schemas.microsoft.com/office/powerpoint/2010/main" xmlns="" val="1298520689"/>
+        <p14:creationId xmlns="" xmlns:p14="http://schemas.microsoft.com/office/powerpoint/2010/main" val="1298520689"/>
       </p:ext>
     </p:extLst>
   </p:cSld>
@@ -13188,7 +13664,7 @@
           <a:blip r:embed="rId3">
             <a:extLst>
               <a:ext uri="{28A0092B-C50C-407E-A947-70E740481C1C}">
-                <a14:useLocalDpi xmlns:a14="http://schemas.microsoft.com/office/drawing/2010/main" xmlns="" val="0"/>
+                <a14:useLocalDpi xmlns="" xmlns:a14="http://schemas.microsoft.com/office/drawing/2010/main" val="0"/>
               </a:ext>
             </a:extLst>
           </a:blip>
@@ -13209,7 +13685,7 @@
     </p:spTree>
     <p:extLst>
       <p:ext uri="{BB962C8B-B14F-4D97-AF65-F5344CB8AC3E}">
-        <p14:creationId xmlns:p14="http://schemas.microsoft.com/office/powerpoint/2010/main" xmlns="" val="3548172530"/>
+        <p14:creationId xmlns="" xmlns:p14="http://schemas.microsoft.com/office/powerpoint/2010/main" val="3548172530"/>
       </p:ext>
     </p:extLst>
   </p:cSld>
@@ -13448,13 +13924,20 @@
     </p:spTree>
     <p:extLst>
       <p:ext uri="{BB962C8B-B14F-4D97-AF65-F5344CB8AC3E}">
-        <p14:creationId xmlns:p14="http://schemas.microsoft.com/office/powerpoint/2010/main" xmlns="" val="2925090833"/>
+        <p14:creationId xmlns="" xmlns:p14="http://schemas.microsoft.com/office/powerpoint/2010/main" val="2925090833"/>
       </p:ext>
     </p:extLst>
   </p:cSld>
   <p:clrMapOvr>
     <a:masterClrMapping/>
   </p:clrMapOvr>
+  <p:timing>
+    <p:tnLst>
+      <p:par>
+        <p:cTn id="1" dur="indefinite" restart="never" nodeType="tmRoot"/>
+      </p:par>
+    </p:tnLst>
+  </p:timing>
 </p:sld>
 </file>
 
@@ -13659,14 +14142,14 @@
           <a:effectLst/>
           <a:extLst>
             <a:ext uri="{909E8E84-426E-40DD-AFC4-6F175D3DCCD1}">
-              <a14:hiddenFill xmlns:a14="http://schemas.microsoft.com/office/drawing/2010/main" xmlns="">
+              <a14:hiddenFill xmlns="" xmlns:a14="http://schemas.microsoft.com/office/drawing/2010/main">
                 <a:solidFill>
                   <a:schemeClr val="accent1"/>
                 </a:solidFill>
               </a14:hiddenFill>
             </a:ext>
             <a:ext uri="{91240B29-F687-4F45-9708-019B960494DF}">
-              <a14:hiddenLine xmlns:a14="http://schemas.microsoft.com/office/drawing/2010/main" xmlns="" w="9525">
+              <a14:hiddenLine xmlns="" xmlns:a14="http://schemas.microsoft.com/office/drawing/2010/main" w="9525">
                 <a:solidFill>
                   <a:schemeClr val="tx1"/>
                 </a:solidFill>
@@ -13676,7 +14159,7 @@
               </a14:hiddenLine>
             </a:ext>
             <a:ext uri="{AF507438-7753-43E0-B8FC-AC1667EBCBE1}">
-              <a14:hiddenEffects xmlns:a14="http://schemas.microsoft.com/office/drawing/2010/main" xmlns="">
+              <a14:hiddenEffects xmlns="" xmlns:a14="http://schemas.microsoft.com/office/drawing/2010/main">
                 <a:effectLst>
                   <a:outerShdw dist="35921" dir="2700000" algn="ctr" rotWithShape="0">
                     <a:schemeClr val="bg2"/>
@@ -13724,14 +14207,14 @@
           <a:effectLst/>
           <a:extLst>
             <a:ext uri="{909E8E84-426E-40DD-AFC4-6F175D3DCCD1}">
-              <a14:hiddenFill xmlns:a14="http://schemas.microsoft.com/office/drawing/2010/main" xmlns="">
+              <a14:hiddenFill xmlns="" xmlns:a14="http://schemas.microsoft.com/office/drawing/2010/main">
                 <a:solidFill>
                   <a:schemeClr val="accent1"/>
                 </a:solidFill>
               </a14:hiddenFill>
             </a:ext>
             <a:ext uri="{91240B29-F687-4F45-9708-019B960494DF}">
-              <a14:hiddenLine xmlns:a14="http://schemas.microsoft.com/office/drawing/2010/main" xmlns="" w="9525">
+              <a14:hiddenLine xmlns="" xmlns:a14="http://schemas.microsoft.com/office/drawing/2010/main" w="9525">
                 <a:solidFill>
                   <a:schemeClr val="tx1"/>
                 </a:solidFill>
@@ -13741,7 +14224,7 @@
               </a14:hiddenLine>
             </a:ext>
             <a:ext uri="{AF507438-7753-43E0-B8FC-AC1667EBCBE1}">
-              <a14:hiddenEffects xmlns:a14="http://schemas.microsoft.com/office/drawing/2010/main" xmlns="">
+              <a14:hiddenEffects xmlns="" xmlns:a14="http://schemas.microsoft.com/office/drawing/2010/main">
                 <a:effectLst>
                   <a:outerShdw dist="35921" dir="2700000" algn="ctr" rotWithShape="0">
                     <a:schemeClr val="bg2"/>
@@ -14085,14 +14568,14 @@
           <a:effectLst/>
           <a:extLst>
             <a:ext uri="{909E8E84-426E-40DD-AFC4-6F175D3DCCD1}">
-              <a14:hiddenFill xmlns:a14="http://schemas.microsoft.com/office/drawing/2010/main" xmlns="">
+              <a14:hiddenFill xmlns="" xmlns:a14="http://schemas.microsoft.com/office/drawing/2010/main">
                 <a:solidFill>
                   <a:schemeClr val="accent1"/>
                 </a:solidFill>
               </a14:hiddenFill>
             </a:ext>
             <a:ext uri="{91240B29-F687-4F45-9708-019B960494DF}">
-              <a14:hiddenLine xmlns:a14="http://schemas.microsoft.com/office/drawing/2010/main" xmlns="" w="9525">
+              <a14:hiddenLine xmlns="" xmlns:a14="http://schemas.microsoft.com/office/drawing/2010/main" w="9525">
                 <a:solidFill>
                   <a:schemeClr val="tx1"/>
                 </a:solidFill>
@@ -14102,7 +14585,7 @@
               </a14:hiddenLine>
             </a:ext>
             <a:ext uri="{AF507438-7753-43E0-B8FC-AC1667EBCBE1}">
-              <a14:hiddenEffects xmlns:a14="http://schemas.microsoft.com/office/drawing/2010/main" xmlns="">
+              <a14:hiddenEffects xmlns="" xmlns:a14="http://schemas.microsoft.com/office/drawing/2010/main">
                 <a:effectLst>
                   <a:outerShdw dist="35921" dir="2700000" algn="ctr" rotWithShape="0">
                     <a:schemeClr val="bg2"/>
@@ -14501,13 +14984,20 @@
     </p:spTree>
     <p:extLst>
       <p:ext uri="{BB962C8B-B14F-4D97-AF65-F5344CB8AC3E}">
-        <p14:creationId xmlns:p14="http://schemas.microsoft.com/office/powerpoint/2010/main" xmlns="" val="3318046780"/>
+        <p14:creationId xmlns="" xmlns:p14="http://schemas.microsoft.com/office/powerpoint/2010/main" val="3318046780"/>
       </p:ext>
     </p:extLst>
   </p:cSld>
   <p:clrMapOvr>
     <a:masterClrMapping/>
   </p:clrMapOvr>
+  <p:timing>
+    <p:tnLst>
+      <p:par>
+        <p:cTn id="1" dur="indefinite" restart="never" nodeType="tmRoot"/>
+      </p:par>
+    </p:tnLst>
+  </p:timing>
 </p:sld>
 </file>
 
@@ -14748,7 +15238,7 @@
   <a:extraClrSchemeLst/>
   <a:extLst>
     <a:ext uri="{05A4C25C-085E-4340-85A3-A5531E510DB2}">
-      <thm15:themeFamily xmlns:thm15="http://schemas.microsoft.com/office/thememl/2012/main" xmlns="" name="Wisp" id="{7CB32D59-10C0-40DD-B7BD-2E94284A981C}" vid="{24B1A44C-C006-48B2-A4D7-E5549B3D8CD4}"/>
+      <thm15:themeFamily xmlns="" xmlns:thm15="http://schemas.microsoft.com/office/thememl/2012/main" name="Wisp" id="{7CB32D59-10C0-40DD-B7BD-2E94284A981C}" vid="{24B1A44C-C006-48B2-A4D7-E5549B3D8CD4}"/>
     </a:ext>
   </a:extLst>
 </a:theme>
